--- a/methodologie.pptx
+++ b/methodologie.pptx
@@ -5,17 +5,23 @@
     <p:sldMasterId id="2147483648" r:id="rId1"/>
   </p:sldMasterIdLst>
   <p:notesMasterIdLst>
-    <p:notesMasterId r:id="rId7"/>
+    <p:notesMasterId r:id="rId13"/>
   </p:notesMasterIdLst>
   <p:handoutMasterIdLst>
-    <p:handoutMasterId r:id="rId8"/>
+    <p:handoutMasterId r:id="rId14"/>
   </p:handoutMasterIdLst>
   <p:sldIdLst>
     <p:sldId id="268" r:id="rId2"/>
-    <p:sldId id="299" r:id="rId3"/>
-    <p:sldId id="301" r:id="rId4"/>
-    <p:sldId id="300" r:id="rId5"/>
-    <p:sldId id="278" r:id="rId6"/>
+    <p:sldId id="307" r:id="rId3"/>
+    <p:sldId id="299" r:id="rId4"/>
+    <p:sldId id="301" r:id="rId5"/>
+    <p:sldId id="300" r:id="rId6"/>
+    <p:sldId id="302" r:id="rId7"/>
+    <p:sldId id="303" r:id="rId8"/>
+    <p:sldId id="304" r:id="rId9"/>
+    <p:sldId id="305" r:id="rId10"/>
+    <p:sldId id="308" r:id="rId11"/>
+    <p:sldId id="278" r:id="rId12"/>
   </p:sldIdLst>
   <p:sldSz cx="9144000" cy="5143500" type="screen16x9"/>
   <p:notesSz cx="6797675" cy="9926638"/>
@@ -116,7 +122,7 @@
   </p:defaultTextStyle>
   <p:extLst>
     <p:ext uri="{EFAFB233-063F-42B5-8137-9DF3F51BA10A}">
-      <p15:sldGuideLst xmlns:p15="http://schemas.microsoft.com/office/powerpoint/2012/main">
+      <p15:sldGuideLst xmlns:p15="http://schemas.microsoft.com/office/powerpoint/2012/main" xmlns="">
         <p15:guide id="1" orient="horz" pos="2160">
           <p15:clr>
             <a:srgbClr val="A4A3A4"/>
@@ -160,7 +166,7 @@
       </p15:sldGuideLst>
     </p:ext>
     <p:ext uri="{2D200454-40CA-4A62-9FC3-DE9A4176ACB9}">
-      <p15:notesGuideLst xmlns:p15="http://schemas.microsoft.com/office/powerpoint/2012/main">
+      <p15:notesGuideLst xmlns:p15="http://schemas.microsoft.com/office/powerpoint/2012/main" xmlns="">
         <p15:guide id="1" orient="horz" pos="2880">
           <p15:clr>
             <a:srgbClr val="A4A3A4"/>
@@ -1899,39 +1905,39 @@
     </dgm:pt>
   </dgm:ptLst>
   <dgm:cxnLst>
-    <dgm:cxn modelId="{DDC7C484-7ACB-4F71-A2ED-2C0DADE41FC4}" srcId="{71A3DDA1-DA88-42E7-BB52-1405F617C29E}" destId="{99135157-93E7-4FA3-BB67-63B14448AF35}" srcOrd="1" destOrd="0" parTransId="{7D64ABA6-C0DA-45F4-A293-9D530C95AED7}" sibTransId="{857F03E0-16F0-4B4A-9DB3-F2B6461A1155}"/>
-    <dgm:cxn modelId="{D1E0CB83-7A23-4830-9285-04E27578F7F2}" srcId="{1E59F4FA-2125-4C35-9699-17FC1B446B1A}" destId="{0208ED21-5D99-46DC-A879-FA82D1539FD3}" srcOrd="2" destOrd="0" parTransId="{DD3028F5-E89B-4985-8046-ECAA3BEC205B}" sibTransId="{AA74629F-635A-4565-9A1A-541729513493}"/>
-    <dgm:cxn modelId="{4E1C3AEB-336D-4BE4-8C5D-6FACCA88A331}" type="presOf" srcId="{FABE3891-AD7B-4259-8200-DBB796CAC844}" destId="{639B2005-36E4-4BB3-9D03-3371E772C037}" srcOrd="0" destOrd="3" presId="urn:microsoft.com/office/officeart/2005/8/layout/StepDownProcess"/>
-    <dgm:cxn modelId="{28137738-5069-4EE5-A552-3AAC8D7B74A4}" srcId="{1E59F4FA-2125-4C35-9699-17FC1B446B1A}" destId="{F28E2261-9BB5-476F-8AE9-8548DDFD322D}" srcOrd="3" destOrd="0" parTransId="{22E5B2FB-373B-4A51-B53C-491E3B9EA930}" sibTransId="{FBDBB156-7B08-4BCE-BB7B-EC9ED3314341}"/>
+    <dgm:cxn modelId="{7868B9FB-CA22-4CDB-A0AF-5B08206E1125}" type="presOf" srcId="{69727BFC-18EE-4444-8787-12CA5E2BF5AC}" destId="{D6768D5B-4EB5-4FD9-BC3B-B8E957D304F8}" srcOrd="0" destOrd="0" presId="urn:microsoft.com/office/officeart/2005/8/layout/StepDownProcess"/>
+    <dgm:cxn modelId="{34A83FA2-9990-4EC6-8702-0DAFCE8381E0}" type="presOf" srcId="{F28E2261-9BB5-476F-8AE9-8548DDFD322D}" destId="{E3206A42-2813-4C45-8EA8-302407570C45}" srcOrd="0" destOrd="0" presId="urn:microsoft.com/office/officeart/2005/8/layout/StepDownProcess"/>
+    <dgm:cxn modelId="{AF556CDF-C94D-4D60-98AF-8054C7704A5B}" srcId="{71A3DDA1-DA88-42E7-BB52-1405F617C29E}" destId="{644F090A-E3DF-4F88-885D-27891C9A633E}" srcOrd="0" destOrd="0" parTransId="{A5027104-7A10-47EB-9435-8432723AF30F}" sibTransId="{6CE05A2D-FEAE-4000-9DEB-966F5C45F0DD}"/>
+    <dgm:cxn modelId="{043CB83E-CD30-4C64-98F7-34727CFCFB09}" type="presOf" srcId="{2E0AC65A-47ED-41AA-952C-C12237C2B919}" destId="{D6C6EE97-94C1-4CB9-9327-A410EFE824DC}" srcOrd="0" destOrd="0" presId="urn:microsoft.com/office/officeart/2005/8/layout/StepDownProcess"/>
+    <dgm:cxn modelId="{4B171EC1-4D2B-42A1-9487-458A2B394349}" srcId="{0208ED21-5D99-46DC-A879-FA82D1539FD3}" destId="{5FFD04AE-75F8-4CB7-B365-D166237101F0}" srcOrd="2" destOrd="0" parTransId="{AF4763C8-9B85-477C-A63D-C14D7A504107}" sibTransId="{AE53AE37-7E17-4DE6-BE4D-FD80612B52C5}"/>
     <dgm:cxn modelId="{0EE2E187-7CEC-447D-95BC-952AB8CE5546}" srcId="{4FE09A4E-C6E2-4D5F-8BDD-0CAC08904B5D}" destId="{A96345F6-3AE4-42BF-9A53-EB6248243EBE}" srcOrd="1" destOrd="0" parTransId="{E55F235A-0A0C-4A01-AE5F-AAEDFB8F59CC}" sibTransId="{C1EEB7FA-D170-4610-90E5-AC61E53813BC}"/>
     <dgm:cxn modelId="{C89D75E9-F14B-45A8-8226-E6CD5075A700}" type="presOf" srcId="{71A3DDA1-DA88-42E7-BB52-1405F617C29E}" destId="{639B2005-36E4-4BB3-9D03-3371E772C037}" srcOrd="0" destOrd="0" presId="urn:microsoft.com/office/officeart/2005/8/layout/StepDownProcess"/>
+    <dgm:cxn modelId="{4905C0DD-C40C-4294-9481-10F566E91B69}" srcId="{338B8F4C-EE92-44DC-8154-9DDD61587F1D}" destId="{FABE3891-AD7B-4259-8200-DBB796CAC844}" srcOrd="1" destOrd="0" parTransId="{00B7C992-FDFC-4728-A311-B4461A920D4D}" sibTransId="{819E2C08-B8A3-4E94-8896-31E82370FC8B}"/>
+    <dgm:cxn modelId="{F1A8AAA5-C2C7-4834-A36D-765A2F866C3D}" type="presOf" srcId="{E70B141A-C8D1-456A-9ED2-DD75C5766F9A}" destId="{D6768D5B-4EB5-4FD9-BC3B-B8E957D304F8}" srcOrd="0" destOrd="3" presId="urn:microsoft.com/office/officeart/2005/8/layout/StepDownProcess"/>
     <dgm:cxn modelId="{51D57014-B0FD-4756-A8CC-A82B6F4CED98}" type="presOf" srcId="{4FE09A4E-C6E2-4D5F-8BDD-0CAC08904B5D}" destId="{B6CD8CD0-F008-4FC2-BF5C-556A9517CF95}" srcOrd="0" destOrd="0" presId="urn:microsoft.com/office/officeart/2005/8/layout/StepDownProcess"/>
+    <dgm:cxn modelId="{9E672E90-1E3F-43FA-9F25-19577184632D}" srcId="{0208ED21-5D99-46DC-A879-FA82D1539FD3}" destId="{E6460A14-6CB6-4571-8981-5D6FB804959A}" srcOrd="1" destOrd="0" parTransId="{A3BF6871-57DC-474D-915F-14D294432F32}" sibTransId="{1A086E72-562D-4B0C-97AB-447702CE46F4}"/>
+    <dgm:cxn modelId="{28137738-5069-4EE5-A552-3AAC8D7B74A4}" srcId="{1E59F4FA-2125-4C35-9699-17FC1B446B1A}" destId="{F28E2261-9BB5-476F-8AE9-8548DDFD322D}" srcOrd="3" destOrd="0" parTransId="{22E5B2FB-373B-4A51-B53C-491E3B9EA930}" sibTransId="{FBDBB156-7B08-4BCE-BB7B-EC9ED3314341}"/>
+    <dgm:cxn modelId="{4E1C3AEB-336D-4BE4-8C5D-6FACCA88A331}" type="presOf" srcId="{FABE3891-AD7B-4259-8200-DBB796CAC844}" destId="{639B2005-36E4-4BB3-9D03-3371E772C037}" srcOrd="0" destOrd="3" presId="urn:microsoft.com/office/officeart/2005/8/layout/StepDownProcess"/>
+    <dgm:cxn modelId="{9A041767-F135-411C-9165-4B98B9DB83FB}" type="presOf" srcId="{644F090A-E3DF-4F88-885D-27891C9A633E}" destId="{639B2005-36E4-4BB3-9D03-3371E772C037}" srcOrd="0" destOrd="1" presId="urn:microsoft.com/office/officeart/2005/8/layout/StepDownProcess"/>
+    <dgm:cxn modelId="{48163408-9567-4856-92AC-626BC141A364}" type="presOf" srcId="{6B798C4E-ACE5-48EA-853D-C1CA504359E6}" destId="{D6768D5B-4EB5-4FD9-BC3B-B8E957D304F8}" srcOrd="0" destOrd="1" presId="urn:microsoft.com/office/officeart/2005/8/layout/StepDownProcess"/>
+    <dgm:cxn modelId="{BDE1103A-D823-4A4F-9B7E-47701FB2A245}" type="presOf" srcId="{99135157-93E7-4FA3-BB67-63B14448AF35}" destId="{639B2005-36E4-4BB3-9D03-3371E772C037}" srcOrd="0" destOrd="2" presId="urn:microsoft.com/office/officeart/2005/8/layout/StepDownProcess"/>
+    <dgm:cxn modelId="{C7FF4D69-F99A-431D-AEE1-70AC601FAB78}" type="presOf" srcId="{1E59F4FA-2125-4C35-9699-17FC1B446B1A}" destId="{70329760-9C4D-48D8-8EA1-FCD3EBA0883F}" srcOrd="0" destOrd="0" presId="urn:microsoft.com/office/officeart/2005/8/layout/StepDownProcess"/>
     <dgm:cxn modelId="{24754251-6873-4961-B340-DEAC8E86B0EE}" type="presOf" srcId="{A96345F6-3AE4-42BF-9A53-EB6248243EBE}" destId="{D6768D5B-4EB5-4FD9-BC3B-B8E957D304F8}" srcOrd="0" destOrd="2" presId="urn:microsoft.com/office/officeart/2005/8/layout/StepDownProcess"/>
-    <dgm:cxn modelId="{AF556CDF-C94D-4D60-98AF-8054C7704A5B}" srcId="{71A3DDA1-DA88-42E7-BB52-1405F617C29E}" destId="{644F090A-E3DF-4F88-885D-27891C9A633E}" srcOrd="0" destOrd="0" parTransId="{A5027104-7A10-47EB-9435-8432723AF30F}" sibTransId="{6CE05A2D-FEAE-4000-9DEB-966F5C45F0DD}"/>
+    <dgm:cxn modelId="{C670D0D8-62D9-469F-8ADA-5CC216815A15}" srcId="{4FE09A4E-C6E2-4D5F-8BDD-0CAC08904B5D}" destId="{69727BFC-18EE-4444-8787-12CA5E2BF5AC}" srcOrd="0" destOrd="0" parTransId="{67AAE3C0-1A93-4688-9959-2D5B11C9720F}" sibTransId="{DCE5FECC-090E-413C-B364-5F1558E72A0A}"/>
+    <dgm:cxn modelId="{DDC7C484-7ACB-4F71-A2ED-2C0DADE41FC4}" srcId="{71A3DDA1-DA88-42E7-BB52-1405F617C29E}" destId="{99135157-93E7-4FA3-BB67-63B14448AF35}" srcOrd="1" destOrd="0" parTransId="{7D64ABA6-C0DA-45F4-A293-9D530C95AED7}" sibTransId="{857F03E0-16F0-4B4A-9DB3-F2B6461A1155}"/>
+    <dgm:cxn modelId="{5E8735D0-675A-4F2D-8962-B504441818E7}" type="presOf" srcId="{D40A470A-102B-4C10-9A98-B2634E7FC110}" destId="{639B2005-36E4-4BB3-9D03-3371E772C037}" srcOrd="0" destOrd="4" presId="urn:microsoft.com/office/officeart/2005/8/layout/StepDownProcess"/>
+    <dgm:cxn modelId="{BF2E0070-55A5-43AF-A0A3-F70545F1D75C}" srcId="{1E59F4FA-2125-4C35-9699-17FC1B446B1A}" destId="{338B8F4C-EE92-44DC-8154-9DDD61587F1D}" srcOrd="1" destOrd="0" parTransId="{0D35ECCF-689C-4901-8BC7-C6809BAB56E3}" sibTransId="{DABDEA36-008C-4707-A234-AAF89F1DF505}"/>
     <dgm:cxn modelId="{F7CA9FD4-8250-42CF-BD70-726C68CE3E3B}" type="presOf" srcId="{5FFD04AE-75F8-4CB7-B365-D166237101F0}" destId="{D6C6EE97-94C1-4CB9-9327-A410EFE824DC}" srcOrd="0" destOrd="2" presId="urn:microsoft.com/office/officeart/2005/8/layout/StepDownProcess"/>
-    <dgm:cxn modelId="{BDE1103A-D823-4A4F-9B7E-47701FB2A245}" type="presOf" srcId="{99135157-93E7-4FA3-BB67-63B14448AF35}" destId="{639B2005-36E4-4BB3-9D03-3371E772C037}" srcOrd="0" destOrd="2" presId="urn:microsoft.com/office/officeart/2005/8/layout/StepDownProcess"/>
+    <dgm:cxn modelId="{1F094F91-52A2-413F-A31E-6A11719F7BDD}" srcId="{A96345F6-3AE4-42BF-9A53-EB6248243EBE}" destId="{E70B141A-C8D1-456A-9ED2-DD75C5766F9A}" srcOrd="0" destOrd="0" parTransId="{535F92DC-1C4E-4EA3-8D54-3B162A580767}" sibTransId="{35A65379-58F0-4B44-B00A-1995D9E5E73F}"/>
+    <dgm:cxn modelId="{C65DBD6B-6733-4076-AD80-C1CD34F7410C}" type="presOf" srcId="{0208ED21-5D99-46DC-A879-FA82D1539FD3}" destId="{8100AE61-BE74-4046-870A-CAB467A4FEB8}" srcOrd="0" destOrd="0" presId="urn:microsoft.com/office/officeart/2005/8/layout/StepDownProcess"/>
+    <dgm:cxn modelId="{0DB10337-2840-40C7-835A-17D67F4A00C9}" srcId="{69727BFC-18EE-4444-8787-12CA5E2BF5AC}" destId="{6B798C4E-ACE5-48EA-853D-C1CA504359E6}" srcOrd="0" destOrd="0" parTransId="{B0581C13-EEFF-4CB9-9CA8-1CB2743E8C34}" sibTransId="{CA18F455-64F2-4A6D-B770-BAD1883478E6}"/>
     <dgm:cxn modelId="{35AA0BFC-5445-4605-8047-06FBFB0DFB68}" srcId="{0208ED21-5D99-46DC-A879-FA82D1539FD3}" destId="{2E0AC65A-47ED-41AA-952C-C12237C2B919}" srcOrd="0" destOrd="0" parTransId="{079E07AA-0CBF-437D-8E60-1729A6AB491A}" sibTransId="{BCD80A27-F127-4023-BE93-460B1C717405}"/>
-    <dgm:cxn modelId="{48163408-9567-4856-92AC-626BC141A364}" type="presOf" srcId="{6B798C4E-ACE5-48EA-853D-C1CA504359E6}" destId="{D6768D5B-4EB5-4FD9-BC3B-B8E957D304F8}" srcOrd="0" destOrd="1" presId="urn:microsoft.com/office/officeart/2005/8/layout/StepDownProcess"/>
     <dgm:cxn modelId="{DA1C6E81-ABBA-4CAE-8924-70A758C60E81}" srcId="{338B8F4C-EE92-44DC-8154-9DDD61587F1D}" destId="{D40A470A-102B-4C10-9A98-B2634E7FC110}" srcOrd="2" destOrd="0" parTransId="{C9D58F2D-D536-4BB5-A25F-688E6811E965}" sibTransId="{FC157E50-0362-44D5-90B9-E6D8E45C0BFF}"/>
-    <dgm:cxn modelId="{4B171EC1-4D2B-42A1-9487-458A2B394349}" srcId="{0208ED21-5D99-46DC-A879-FA82D1539FD3}" destId="{5FFD04AE-75F8-4CB7-B365-D166237101F0}" srcOrd="2" destOrd="0" parTransId="{AF4763C8-9B85-477C-A63D-C14D7A504107}" sibTransId="{AE53AE37-7E17-4DE6-BE4D-FD80612B52C5}"/>
-    <dgm:cxn modelId="{1F094F91-52A2-413F-A31E-6A11719F7BDD}" srcId="{A96345F6-3AE4-42BF-9A53-EB6248243EBE}" destId="{E70B141A-C8D1-456A-9ED2-DD75C5766F9A}" srcOrd="0" destOrd="0" parTransId="{535F92DC-1C4E-4EA3-8D54-3B162A580767}" sibTransId="{35A65379-58F0-4B44-B00A-1995D9E5E73F}"/>
-    <dgm:cxn modelId="{C670D0D8-62D9-469F-8ADA-5CC216815A15}" srcId="{4FE09A4E-C6E2-4D5F-8BDD-0CAC08904B5D}" destId="{69727BFC-18EE-4444-8787-12CA5E2BF5AC}" srcOrd="0" destOrd="0" parTransId="{67AAE3C0-1A93-4688-9959-2D5B11C9720F}" sibTransId="{DCE5FECC-090E-413C-B364-5F1558E72A0A}"/>
+    <dgm:cxn modelId="{DEFBC493-DF94-4F12-9C29-A8DE9135E84E}" srcId="{338B8F4C-EE92-44DC-8154-9DDD61587F1D}" destId="{71A3DDA1-DA88-42E7-BB52-1405F617C29E}" srcOrd="0" destOrd="0" parTransId="{7EC528DB-37BE-4B18-A35F-E9646587EC04}" sibTransId="{E94671B7-8A64-451F-B423-577A15B75BB3}"/>
     <dgm:cxn modelId="{C29F9A65-2805-4E17-9FD0-EC030322B325}" type="presOf" srcId="{E6460A14-6CB6-4571-8981-5D6FB804959A}" destId="{D6C6EE97-94C1-4CB9-9327-A410EFE824DC}" srcOrd="0" destOrd="1" presId="urn:microsoft.com/office/officeart/2005/8/layout/StepDownProcess"/>
-    <dgm:cxn modelId="{043CB83E-CD30-4C64-98F7-34727CFCFB09}" type="presOf" srcId="{2E0AC65A-47ED-41AA-952C-C12237C2B919}" destId="{D6C6EE97-94C1-4CB9-9327-A410EFE824DC}" srcOrd="0" destOrd="0" presId="urn:microsoft.com/office/officeart/2005/8/layout/StepDownProcess"/>
-    <dgm:cxn modelId="{9E672E90-1E3F-43FA-9F25-19577184632D}" srcId="{0208ED21-5D99-46DC-A879-FA82D1539FD3}" destId="{E6460A14-6CB6-4571-8981-5D6FB804959A}" srcOrd="1" destOrd="0" parTransId="{A3BF6871-57DC-474D-915F-14D294432F32}" sibTransId="{1A086E72-562D-4B0C-97AB-447702CE46F4}"/>
-    <dgm:cxn modelId="{5E8735D0-675A-4F2D-8962-B504441818E7}" type="presOf" srcId="{D40A470A-102B-4C10-9A98-B2634E7FC110}" destId="{639B2005-36E4-4BB3-9D03-3371E772C037}" srcOrd="0" destOrd="4" presId="urn:microsoft.com/office/officeart/2005/8/layout/StepDownProcess"/>
-    <dgm:cxn modelId="{DEFBC493-DF94-4F12-9C29-A8DE9135E84E}" srcId="{338B8F4C-EE92-44DC-8154-9DDD61587F1D}" destId="{71A3DDA1-DA88-42E7-BB52-1405F617C29E}" srcOrd="0" destOrd="0" parTransId="{7EC528DB-37BE-4B18-A35F-E9646587EC04}" sibTransId="{E94671B7-8A64-451F-B423-577A15B75BB3}"/>
-    <dgm:cxn modelId="{7868B9FB-CA22-4CDB-A0AF-5B08206E1125}" type="presOf" srcId="{69727BFC-18EE-4444-8787-12CA5E2BF5AC}" destId="{D6768D5B-4EB5-4FD9-BC3B-B8E957D304F8}" srcOrd="0" destOrd="0" presId="urn:microsoft.com/office/officeart/2005/8/layout/StepDownProcess"/>
     <dgm:cxn modelId="{CCF18D31-32C0-46C7-B727-0AF4B2B0CB95}" type="presOf" srcId="{338B8F4C-EE92-44DC-8154-9DDD61587F1D}" destId="{FEAEE636-5B63-4451-ABEE-0CE6435C4E50}" srcOrd="0" destOrd="0" presId="urn:microsoft.com/office/officeart/2005/8/layout/StepDownProcess"/>
-    <dgm:cxn modelId="{34A83FA2-9990-4EC6-8702-0DAFCE8381E0}" type="presOf" srcId="{F28E2261-9BB5-476F-8AE9-8548DDFD322D}" destId="{E3206A42-2813-4C45-8EA8-302407570C45}" srcOrd="0" destOrd="0" presId="urn:microsoft.com/office/officeart/2005/8/layout/StepDownProcess"/>
-    <dgm:cxn modelId="{C65DBD6B-6733-4076-AD80-C1CD34F7410C}" type="presOf" srcId="{0208ED21-5D99-46DC-A879-FA82D1539FD3}" destId="{8100AE61-BE74-4046-870A-CAB467A4FEB8}" srcOrd="0" destOrd="0" presId="urn:microsoft.com/office/officeart/2005/8/layout/StepDownProcess"/>
-    <dgm:cxn modelId="{BF2E0070-55A5-43AF-A0A3-F70545F1D75C}" srcId="{1E59F4FA-2125-4C35-9699-17FC1B446B1A}" destId="{338B8F4C-EE92-44DC-8154-9DDD61587F1D}" srcOrd="1" destOrd="0" parTransId="{0D35ECCF-689C-4901-8BC7-C6809BAB56E3}" sibTransId="{DABDEA36-008C-4707-A234-AAF89F1DF505}"/>
-    <dgm:cxn modelId="{9A041767-F135-411C-9165-4B98B9DB83FB}" type="presOf" srcId="{644F090A-E3DF-4F88-885D-27891C9A633E}" destId="{639B2005-36E4-4BB3-9D03-3371E772C037}" srcOrd="0" destOrd="1" presId="urn:microsoft.com/office/officeart/2005/8/layout/StepDownProcess"/>
-    <dgm:cxn modelId="{C7FF4D69-F99A-431D-AEE1-70AC601FAB78}" type="presOf" srcId="{1E59F4FA-2125-4C35-9699-17FC1B446B1A}" destId="{70329760-9C4D-48D8-8EA1-FCD3EBA0883F}" srcOrd="0" destOrd="0" presId="urn:microsoft.com/office/officeart/2005/8/layout/StepDownProcess"/>
-    <dgm:cxn modelId="{4905C0DD-C40C-4294-9481-10F566E91B69}" srcId="{338B8F4C-EE92-44DC-8154-9DDD61587F1D}" destId="{FABE3891-AD7B-4259-8200-DBB796CAC844}" srcOrd="1" destOrd="0" parTransId="{00B7C992-FDFC-4728-A311-B4461A920D4D}" sibTransId="{819E2C08-B8A3-4E94-8896-31E82370FC8B}"/>
-    <dgm:cxn modelId="{0DB10337-2840-40C7-835A-17D67F4A00C9}" srcId="{69727BFC-18EE-4444-8787-12CA5E2BF5AC}" destId="{6B798C4E-ACE5-48EA-853D-C1CA504359E6}" srcOrd="0" destOrd="0" parTransId="{B0581C13-EEFF-4CB9-9CA8-1CB2743E8C34}" sibTransId="{CA18F455-64F2-4A6D-B770-BAD1883478E6}"/>
-    <dgm:cxn modelId="{F1A8AAA5-C2C7-4834-A36D-765A2F866C3D}" type="presOf" srcId="{E70B141A-C8D1-456A-9ED2-DD75C5766F9A}" destId="{D6768D5B-4EB5-4FD9-BC3B-B8E957D304F8}" srcOrd="0" destOrd="3" presId="urn:microsoft.com/office/officeart/2005/8/layout/StepDownProcess"/>
     <dgm:cxn modelId="{9D19B23A-B8E8-4F82-A448-BA9AFE42922A}" srcId="{1E59F4FA-2125-4C35-9699-17FC1B446B1A}" destId="{4FE09A4E-C6E2-4D5F-8BDD-0CAC08904B5D}" srcOrd="0" destOrd="0" parTransId="{42F46F30-F117-409A-8A74-7E6B15849066}" sibTransId="{419C5BD0-0C8A-499D-843D-512E87662CAD}"/>
+    <dgm:cxn modelId="{D1E0CB83-7A23-4830-9285-04E27578F7F2}" srcId="{1E59F4FA-2125-4C35-9699-17FC1B446B1A}" destId="{0208ED21-5D99-46DC-A879-FA82D1539FD3}" srcOrd="2" destOrd="0" parTransId="{DD3028F5-E89B-4985-8046-ECAA3BEC205B}" sibTransId="{AA74629F-635A-4565-9A1A-541729513493}"/>
     <dgm:cxn modelId="{2962516E-C426-447C-8DD3-0A51363428C0}" type="presParOf" srcId="{70329760-9C4D-48D8-8EA1-FCD3EBA0883F}" destId="{818BF564-DDB2-4411-BB80-9D6932BAE946}" srcOrd="0" destOrd="0" presId="urn:microsoft.com/office/officeart/2005/8/layout/StepDownProcess"/>
     <dgm:cxn modelId="{50395C0F-D6CE-43EC-9D8A-D68C35007422}" type="presParOf" srcId="{818BF564-DDB2-4411-BB80-9D6932BAE946}" destId="{11FB7237-8546-47A0-A46F-5FBD2C8DBB89}" srcOrd="0" destOrd="0" presId="urn:microsoft.com/office/officeart/2005/8/layout/StepDownProcess"/>
     <dgm:cxn modelId="{2D068D6A-409B-4842-A101-27923A702610}" type="presParOf" srcId="{818BF564-DDB2-4411-BB80-9D6932BAE946}" destId="{B6CD8CD0-F008-4FC2-BF5C-556A9517CF95}" srcOrd="1" destOrd="0" presId="urn:microsoft.com/office/officeart/2005/8/layout/StepDownProcess"/>
@@ -1968,6 +1974,946 @@
       <dsp:cNvGrpSpPr/>
     </dsp:nvGrpSpPr>
     <dsp:grpSpPr/>
+    <dsp:sp modelId="{11FB7237-8546-47A0-A46F-5FBD2C8DBB89}">
+      <dsp:nvSpPr>
+        <dsp:cNvPr id="0" name=""/>
+        <dsp:cNvSpPr/>
+      </dsp:nvSpPr>
+      <dsp:spPr>
+        <a:xfrm rot="5400000">
+          <a:off x="392811" y="2154828"/>
+          <a:ext cx="570342" cy="640417"/>
+        </a:xfrm>
+        <a:prstGeom prst="bentUpArrow">
+          <a:avLst>
+            <a:gd name="adj1" fmla="val 32840"/>
+            <a:gd name="adj2" fmla="val 25000"/>
+            <a:gd name="adj3" fmla="val 35780"/>
+          </a:avLst>
+        </a:prstGeom>
+        <a:solidFill>
+          <a:schemeClr val="dk2">
+            <a:tint val="40000"/>
+            <a:hueOff val="0"/>
+            <a:satOff val="0"/>
+            <a:lumOff val="0"/>
+            <a:alphaOff val="0"/>
+          </a:schemeClr>
+        </a:solidFill>
+        <a:ln w="12700" cap="flat" cmpd="sng" algn="ctr">
+          <a:solidFill>
+            <a:schemeClr val="dk2">
+              <a:shade val="80000"/>
+              <a:hueOff val="0"/>
+              <a:satOff val="0"/>
+              <a:lumOff val="0"/>
+              <a:alphaOff val="0"/>
+            </a:schemeClr>
+          </a:solidFill>
+          <a:prstDash val="solid"/>
+          <a:miter lim="800000"/>
+        </a:ln>
+        <a:effectLst/>
+      </dsp:spPr>
+      <dsp:style>
+        <a:lnRef idx="2">
+          <a:scrgbClr r="0" g="0" b="0"/>
+        </a:lnRef>
+        <a:fillRef idx="1">
+          <a:scrgbClr r="0" g="0" b="0"/>
+        </a:fillRef>
+        <a:effectRef idx="0">
+          <a:scrgbClr r="0" g="0" b="0"/>
+        </a:effectRef>
+        <a:fontRef idx="minor"/>
+      </dsp:style>
+    </dsp:sp>
+    <dsp:sp modelId="{B6CD8CD0-F008-4FC2-BF5C-556A9517CF95}">
+      <dsp:nvSpPr>
+        <dsp:cNvPr id="0" name=""/>
+        <dsp:cNvSpPr/>
+      </dsp:nvSpPr>
+      <dsp:spPr>
+        <a:xfrm>
+          <a:off x="265096" y="1467667"/>
+          <a:ext cx="1722526" cy="552776"/>
+        </a:xfrm>
+        <a:prstGeom prst="roundRect">
+          <a:avLst>
+            <a:gd name="adj" fmla="val 16670"/>
+          </a:avLst>
+        </a:prstGeom>
+        <a:solidFill>
+          <a:schemeClr val="lt1">
+            <a:hueOff val="0"/>
+            <a:satOff val="0"/>
+            <a:lumOff val="0"/>
+            <a:alphaOff val="0"/>
+          </a:schemeClr>
+        </a:solidFill>
+        <a:ln w="12700" cap="flat" cmpd="sng" algn="ctr">
+          <a:solidFill>
+            <a:schemeClr val="dk2">
+              <a:shade val="80000"/>
+              <a:hueOff val="0"/>
+              <a:satOff val="0"/>
+              <a:lumOff val="0"/>
+              <a:alphaOff val="0"/>
+            </a:schemeClr>
+          </a:solidFill>
+          <a:prstDash val="solid"/>
+          <a:miter lim="800000"/>
+        </a:ln>
+        <a:effectLst/>
+      </dsp:spPr>
+      <dsp:style>
+        <a:lnRef idx="2">
+          <a:scrgbClr r="0" g="0" b="0"/>
+        </a:lnRef>
+        <a:fillRef idx="1">
+          <a:scrgbClr r="0" g="0" b="0"/>
+        </a:fillRef>
+        <a:effectRef idx="0">
+          <a:scrgbClr r="0" g="0" b="0"/>
+        </a:effectRef>
+        <a:fontRef idx="minor">
+          <a:schemeClr val="lt1"/>
+        </a:fontRef>
+      </dsp:style>
+      <dsp:txBody>
+        <a:bodyPr spcFirstLastPara="0" vert="horz" wrap="square" lIns="60960" tIns="60960" rIns="60960" bIns="60960" numCol="1" spcCol="1270" anchor="ctr" anchorCtr="0">
+          <a:noAutofit/>
+        </a:bodyPr>
+        <a:lstStyle/>
+        <a:p>
+          <a:pPr lvl="0" algn="ctr" defTabSz="711200">
+            <a:lnSpc>
+              <a:spcPct val="90000"/>
+            </a:lnSpc>
+            <a:spcBef>
+              <a:spcPct val="0"/>
+            </a:spcBef>
+            <a:spcAft>
+              <a:spcPct val="35000"/>
+            </a:spcAft>
+          </a:pPr>
+          <a:r>
+            <a:rPr lang="fr-FR" sz="1600" kern="1200" dirty="0" smtClean="0"/>
+            <a:t>Préparation</a:t>
+          </a:r>
+          <a:endParaRPr lang="fr-FR" sz="1600" kern="1200" dirty="0"/>
+        </a:p>
+      </dsp:txBody>
+      <dsp:txXfrm>
+        <a:off x="292085" y="1494656"/>
+        <a:ext cx="1668548" cy="498798"/>
+      </dsp:txXfrm>
+    </dsp:sp>
+    <dsp:sp modelId="{D6768D5B-4EB5-4FD9-BC3B-B8E957D304F8}">
+      <dsp:nvSpPr>
+        <dsp:cNvPr id="0" name=""/>
+        <dsp:cNvSpPr/>
+      </dsp:nvSpPr>
+      <dsp:spPr>
+        <a:xfrm>
+          <a:off x="2062416" y="1214464"/>
+          <a:ext cx="4913961" cy="1151006"/>
+        </a:xfrm>
+        <a:prstGeom prst="rect">
+          <a:avLst/>
+        </a:prstGeom>
+        <a:noFill/>
+        <a:ln>
+          <a:noFill/>
+        </a:ln>
+        <a:effectLst/>
+      </dsp:spPr>
+      <dsp:style>
+        <a:lnRef idx="0">
+          <a:scrgbClr r="0" g="0" b="0"/>
+        </a:lnRef>
+        <a:fillRef idx="0">
+          <a:scrgbClr r="0" g="0" b="0"/>
+        </a:fillRef>
+        <a:effectRef idx="0">
+          <a:scrgbClr r="0" g="0" b="0"/>
+        </a:effectRef>
+        <a:fontRef idx="minor"/>
+      </dsp:style>
+      <dsp:txBody>
+        <a:bodyPr spcFirstLastPara="0" vert="horz" wrap="square" lIns="41910" tIns="41910" rIns="41910" bIns="41910" numCol="1" spcCol="1270" anchor="ctr" anchorCtr="0">
+          <a:noAutofit/>
+        </a:bodyPr>
+        <a:lstStyle/>
+        <a:p>
+          <a:pPr marL="57150" lvl="1" indent="-57150" algn="l" defTabSz="488950">
+            <a:lnSpc>
+              <a:spcPct val="90000"/>
+            </a:lnSpc>
+            <a:spcBef>
+              <a:spcPct val="0"/>
+            </a:spcBef>
+            <a:spcAft>
+              <a:spcPct val="15000"/>
+            </a:spcAft>
+            <a:buChar char="••"/>
+          </a:pPr>
+          <a:r>
+            <a:rPr lang="fr-FR" sz="1100" kern="1200" dirty="0" smtClean="0"/>
+            <a:t>État de l’art sur les algorithmes</a:t>
+          </a:r>
+          <a:endParaRPr lang="fr-FR" sz="1100" kern="1200" dirty="0"/>
+        </a:p>
+        <a:p>
+          <a:pPr marL="114300" lvl="2" indent="-57150" algn="l" defTabSz="488950">
+            <a:lnSpc>
+              <a:spcPct val="90000"/>
+            </a:lnSpc>
+            <a:spcBef>
+              <a:spcPct val="0"/>
+            </a:spcBef>
+            <a:spcAft>
+              <a:spcPct val="15000"/>
+            </a:spcAft>
+            <a:buChar char="••"/>
+          </a:pPr>
+          <a:r>
+            <a:rPr lang="fr-FR" sz="1100" i="1" kern="1200" dirty="0" err="1" smtClean="0"/>
+            <a:t>Convolutional</a:t>
+          </a:r>
+          <a:r>
+            <a:rPr lang="fr-FR" sz="1100" i="1" kern="1200" dirty="0" smtClean="0"/>
+            <a:t> Neural Networks</a:t>
+          </a:r>
+          <a:r>
+            <a:rPr lang="fr-FR" sz="1100" kern="1200" dirty="0" smtClean="0"/>
+            <a:t> (CNN), </a:t>
+          </a:r>
+          <a:r>
+            <a:rPr lang="fr-FR" sz="1100" i="1" kern="1200" dirty="0" err="1" smtClean="0"/>
+            <a:t>Restricted</a:t>
+          </a:r>
+          <a:r>
+            <a:rPr lang="fr-FR" sz="1100" i="1" kern="1200" dirty="0" smtClean="0"/>
+            <a:t> Boltzmann Machines</a:t>
+          </a:r>
+          <a:r>
+            <a:rPr lang="fr-FR" sz="1100" kern="1200" dirty="0" smtClean="0"/>
+            <a:t> (RBM), </a:t>
+          </a:r>
+          <a:r>
+            <a:rPr lang="fr-FR" sz="1100" i="1" kern="1200" dirty="0" err="1" smtClean="0"/>
+            <a:t>Deep</a:t>
+          </a:r>
+          <a:r>
+            <a:rPr lang="fr-FR" sz="1100" i="1" kern="1200" dirty="0" smtClean="0"/>
+            <a:t> </a:t>
+          </a:r>
+          <a:r>
+            <a:rPr lang="fr-FR" sz="1100" i="1" kern="1200" dirty="0" err="1" smtClean="0"/>
+            <a:t>Belief</a:t>
+          </a:r>
+          <a:r>
+            <a:rPr lang="fr-FR" sz="1100" i="1" kern="1200" dirty="0" smtClean="0"/>
+            <a:t> Networks</a:t>
+          </a:r>
+          <a:r>
+            <a:rPr lang="fr-FR" sz="1100" kern="1200" dirty="0" smtClean="0"/>
+            <a:t> (DBN)  </a:t>
+          </a:r>
+          <a:endParaRPr lang="fr-FR" sz="1100" kern="1200" dirty="0"/>
+        </a:p>
+        <a:p>
+          <a:pPr marL="57150" lvl="1" indent="-57150" algn="l" defTabSz="488950">
+            <a:lnSpc>
+              <a:spcPct val="90000"/>
+            </a:lnSpc>
+            <a:spcBef>
+              <a:spcPct val="0"/>
+            </a:spcBef>
+            <a:spcAft>
+              <a:spcPct val="15000"/>
+            </a:spcAft>
+            <a:buChar char="••"/>
+          </a:pPr>
+          <a:r>
+            <a:rPr lang="fr-FR" sz="1100" kern="1200" dirty="0" smtClean="0"/>
+            <a:t>Méthode de </a:t>
+          </a:r>
+          <a:r>
+            <a:rPr lang="fr-FR" sz="1100" i="1" kern="1200" dirty="0" err="1" smtClean="0"/>
+            <a:t>scrapying</a:t>
+          </a:r>
+          <a:r>
+            <a:rPr lang="fr-FR" sz="1100" kern="1200" dirty="0" smtClean="0"/>
+            <a:t> des images</a:t>
+          </a:r>
+          <a:endParaRPr lang="fr-FR" sz="1100" kern="1200" dirty="0"/>
+        </a:p>
+        <a:p>
+          <a:pPr marL="114300" lvl="2" indent="-57150" algn="l" defTabSz="488950">
+            <a:lnSpc>
+              <a:spcPct val="90000"/>
+            </a:lnSpc>
+            <a:spcBef>
+              <a:spcPct val="0"/>
+            </a:spcBef>
+            <a:spcAft>
+              <a:spcPct val="15000"/>
+            </a:spcAft>
+            <a:buChar char="••"/>
+          </a:pPr>
+          <a:r>
+            <a:rPr lang="fr-FR" sz="1100" i="0" kern="1200" dirty="0" smtClean="0"/>
+            <a:t>Python</a:t>
+          </a:r>
+          <a:r>
+            <a:rPr lang="fr-FR" sz="1100" i="1" kern="1200" dirty="0" smtClean="0"/>
+            <a:t> </a:t>
+          </a:r>
+          <a:r>
+            <a:rPr lang="fr-FR" sz="1100" i="1" kern="1200" dirty="0" err="1" smtClean="0"/>
+            <a:t>framework</a:t>
+          </a:r>
+          <a:r>
+            <a:rPr lang="fr-FR" sz="1100" i="1" kern="1200" dirty="0" smtClean="0"/>
+            <a:t> </a:t>
+          </a:r>
+          <a:r>
+            <a:rPr lang="fr-FR" sz="1100" i="1" kern="1200" dirty="0" err="1" smtClean="0"/>
+            <a:t>Scrapy</a:t>
+          </a:r>
+          <a:r>
+            <a:rPr lang="fr-FR" sz="1100" kern="1200" dirty="0" smtClean="0"/>
+            <a:t>   </a:t>
+          </a:r>
+          <a:endParaRPr lang="fr-FR" sz="1100" kern="1200" dirty="0"/>
+        </a:p>
+      </dsp:txBody>
+      <dsp:txXfrm>
+        <a:off x="2062416" y="1214464"/>
+        <a:ext cx="4913961" cy="1151006"/>
+      </dsp:txXfrm>
+    </dsp:sp>
+    <dsp:sp modelId="{3173FE58-512B-465D-986C-D4D610647DD7}">
+      <dsp:nvSpPr>
+        <dsp:cNvPr id="0" name=""/>
+        <dsp:cNvSpPr/>
+      </dsp:nvSpPr>
+      <dsp:spPr>
+        <a:xfrm rot="5400000">
+          <a:off x="1151735" y="3081827"/>
+          <a:ext cx="537037" cy="627975"/>
+        </a:xfrm>
+        <a:prstGeom prst="bentUpArrow">
+          <a:avLst>
+            <a:gd name="adj1" fmla="val 32840"/>
+            <a:gd name="adj2" fmla="val 25000"/>
+            <a:gd name="adj3" fmla="val 35780"/>
+          </a:avLst>
+        </a:prstGeom>
+        <a:solidFill>
+          <a:schemeClr val="dk2">
+            <a:tint val="40000"/>
+            <a:hueOff val="0"/>
+            <a:satOff val="0"/>
+            <a:lumOff val="0"/>
+            <a:alphaOff val="0"/>
+          </a:schemeClr>
+        </a:solidFill>
+        <a:ln w="12700" cap="flat" cmpd="sng" algn="ctr">
+          <a:solidFill>
+            <a:schemeClr val="dk2">
+              <a:shade val="80000"/>
+              <a:hueOff val="0"/>
+              <a:satOff val="0"/>
+              <a:lumOff val="0"/>
+              <a:alphaOff val="0"/>
+            </a:schemeClr>
+          </a:solidFill>
+          <a:prstDash val="solid"/>
+          <a:miter lim="800000"/>
+        </a:ln>
+        <a:effectLst/>
+      </dsp:spPr>
+      <dsp:style>
+        <a:lnRef idx="2">
+          <a:scrgbClr r="0" g="0" b="0"/>
+        </a:lnRef>
+        <a:fillRef idx="1">
+          <a:scrgbClr r="0" g="0" b="0"/>
+        </a:fillRef>
+        <a:effectRef idx="0">
+          <a:scrgbClr r="0" g="0" b="0"/>
+        </a:effectRef>
+        <a:fontRef idx="minor"/>
+      </dsp:style>
+    </dsp:sp>
+    <dsp:sp modelId="{FEAEE636-5B63-4451-ABEE-0CE6435C4E50}">
+      <dsp:nvSpPr>
+        <dsp:cNvPr id="0" name=""/>
+        <dsp:cNvSpPr/>
+      </dsp:nvSpPr>
+      <dsp:spPr>
+        <a:xfrm>
+          <a:off x="1030216" y="2328416"/>
+          <a:ext cx="1828850" cy="667919"/>
+        </a:xfrm>
+        <a:prstGeom prst="roundRect">
+          <a:avLst>
+            <a:gd name="adj" fmla="val 16670"/>
+          </a:avLst>
+        </a:prstGeom>
+        <a:solidFill>
+          <a:schemeClr val="lt1">
+            <a:hueOff val="0"/>
+            <a:satOff val="0"/>
+            <a:lumOff val="0"/>
+            <a:alphaOff val="0"/>
+          </a:schemeClr>
+        </a:solidFill>
+        <a:ln w="12700" cap="flat" cmpd="sng" algn="ctr">
+          <a:solidFill>
+            <a:schemeClr val="dk2">
+              <a:shade val="80000"/>
+              <a:hueOff val="0"/>
+              <a:satOff val="0"/>
+              <a:lumOff val="0"/>
+              <a:alphaOff val="0"/>
+            </a:schemeClr>
+          </a:solidFill>
+          <a:prstDash val="solid"/>
+          <a:miter lim="800000"/>
+        </a:ln>
+        <a:effectLst/>
+      </dsp:spPr>
+      <dsp:style>
+        <a:lnRef idx="2">
+          <a:scrgbClr r="0" g="0" b="0"/>
+        </a:lnRef>
+        <a:fillRef idx="1">
+          <a:scrgbClr r="0" g="0" b="0"/>
+        </a:fillRef>
+        <a:effectRef idx="0">
+          <a:scrgbClr r="0" g="0" b="0"/>
+        </a:effectRef>
+        <a:fontRef idx="minor">
+          <a:schemeClr val="lt1"/>
+        </a:fontRef>
+      </dsp:style>
+      <dsp:txBody>
+        <a:bodyPr spcFirstLastPara="0" vert="horz" wrap="square" lIns="60960" tIns="60960" rIns="60960" bIns="60960" numCol="1" spcCol="1270" anchor="ctr" anchorCtr="0">
+          <a:noAutofit/>
+        </a:bodyPr>
+        <a:lstStyle/>
+        <a:p>
+          <a:pPr lvl="0" algn="ctr" defTabSz="711200">
+            <a:lnSpc>
+              <a:spcPct val="90000"/>
+            </a:lnSpc>
+            <a:spcBef>
+              <a:spcPct val="0"/>
+            </a:spcBef>
+            <a:spcAft>
+              <a:spcPct val="35000"/>
+            </a:spcAft>
+          </a:pPr>
+          <a:r>
+            <a:rPr lang="fr-FR" sz="1600" kern="1200" dirty="0" smtClean="0"/>
+            <a:t>Collection des données</a:t>
+          </a:r>
+          <a:endParaRPr lang="fr-FR" sz="1600" kern="1200" dirty="0"/>
+        </a:p>
+      </dsp:txBody>
+      <dsp:txXfrm>
+        <a:off x="1062827" y="2361027"/>
+        <a:ext cx="1763628" cy="602697"/>
+      </dsp:txXfrm>
+    </dsp:sp>
+    <dsp:sp modelId="{639B2005-36E4-4BB3-9D03-3371E772C037}">
+      <dsp:nvSpPr>
+        <dsp:cNvPr id="0" name=""/>
+        <dsp:cNvSpPr/>
+      </dsp:nvSpPr>
+      <dsp:spPr>
+        <a:xfrm>
+          <a:off x="2958105" y="2271793"/>
+          <a:ext cx="4983839" cy="1013077"/>
+        </a:xfrm>
+        <a:prstGeom prst="rect">
+          <a:avLst/>
+        </a:prstGeom>
+        <a:noFill/>
+        <a:ln>
+          <a:noFill/>
+        </a:ln>
+        <a:effectLst/>
+      </dsp:spPr>
+      <dsp:style>
+        <a:lnRef idx="0">
+          <a:scrgbClr r="0" g="0" b="0"/>
+        </a:lnRef>
+        <a:fillRef idx="0">
+          <a:scrgbClr r="0" g="0" b="0"/>
+        </a:fillRef>
+        <a:effectRef idx="0">
+          <a:scrgbClr r="0" g="0" b="0"/>
+        </a:effectRef>
+        <a:fontRef idx="minor"/>
+      </dsp:style>
+      <dsp:txBody>
+        <a:bodyPr spcFirstLastPara="0" vert="horz" wrap="square" lIns="41910" tIns="41910" rIns="41910" bIns="41910" numCol="1" spcCol="1270" anchor="ctr" anchorCtr="0">
+          <a:noAutofit/>
+        </a:bodyPr>
+        <a:lstStyle/>
+        <a:p>
+          <a:pPr marL="57150" lvl="1" indent="-57150" algn="l" defTabSz="488950">
+            <a:lnSpc>
+              <a:spcPct val="90000"/>
+            </a:lnSpc>
+            <a:spcBef>
+              <a:spcPct val="0"/>
+            </a:spcBef>
+            <a:spcAft>
+              <a:spcPct val="15000"/>
+            </a:spcAft>
+            <a:buChar char="••"/>
+          </a:pPr>
+          <a:r>
+            <a:rPr lang="fr-FR" sz="1100" kern="1200" dirty="0" smtClean="0"/>
+            <a:t>Composants des vêtements</a:t>
+          </a:r>
+          <a:endParaRPr lang="fr-FR" sz="1100" kern="1200" dirty="0"/>
+        </a:p>
+        <a:p>
+          <a:pPr marL="114300" lvl="2" indent="-57150" algn="l" defTabSz="488950">
+            <a:lnSpc>
+              <a:spcPct val="90000"/>
+            </a:lnSpc>
+            <a:spcBef>
+              <a:spcPct val="0"/>
+            </a:spcBef>
+            <a:spcAft>
+              <a:spcPct val="15000"/>
+            </a:spcAft>
+            <a:buChar char="••"/>
+          </a:pPr>
+          <a:r>
+            <a:rPr lang="fr-FR" sz="1100" kern="1200" dirty="0" smtClean="0"/>
+            <a:t>motif, formes, textures, etc.</a:t>
+          </a:r>
+          <a:endParaRPr lang="fr-FR" sz="1100" kern="1200" dirty="0"/>
+        </a:p>
+        <a:p>
+          <a:pPr marL="114300" lvl="2" indent="-57150" algn="l" defTabSz="488950">
+            <a:lnSpc>
+              <a:spcPct val="90000"/>
+            </a:lnSpc>
+            <a:spcBef>
+              <a:spcPct val="0"/>
+            </a:spcBef>
+            <a:spcAft>
+              <a:spcPct val="15000"/>
+            </a:spcAft>
+            <a:buChar char="••"/>
+          </a:pPr>
+          <a:r>
+            <a:rPr lang="fr-FR" sz="1100" kern="1200" dirty="0" smtClean="0"/>
+            <a:t>Ressources: </a:t>
+          </a:r>
+          <a:r>
+            <a:rPr lang="fr-FR" sz="1100" kern="1200" dirty="0" err="1" smtClean="0"/>
+            <a:t>google</a:t>
+          </a:r>
+          <a:r>
+            <a:rPr lang="fr-FR" sz="1100" kern="1200" dirty="0" smtClean="0"/>
+            <a:t> image, </a:t>
+          </a:r>
+          <a:r>
+            <a:rPr lang="fr-FR" sz="1100" kern="1200" dirty="0" err="1" smtClean="0"/>
+            <a:t>flicker</a:t>
+          </a:r>
+          <a:r>
+            <a:rPr lang="fr-FR" sz="1100" kern="1200" dirty="0" smtClean="0"/>
+            <a:t>, bing, etc.</a:t>
+          </a:r>
+          <a:endParaRPr lang="fr-FR" sz="1100" kern="1200" dirty="0"/>
+        </a:p>
+        <a:p>
+          <a:pPr marL="57150" lvl="1" indent="-57150" algn="l" defTabSz="488950">
+            <a:lnSpc>
+              <a:spcPct val="90000"/>
+            </a:lnSpc>
+            <a:spcBef>
+              <a:spcPct val="0"/>
+            </a:spcBef>
+            <a:spcAft>
+              <a:spcPct val="15000"/>
+            </a:spcAft>
+            <a:buChar char="••"/>
+          </a:pPr>
+          <a:r>
+            <a:rPr lang="fr-FR" sz="1100" kern="1200" dirty="0" smtClean="0"/>
+            <a:t>Collections des vêtements venants des différentes marques (ex: ZARA, H&amp;M etc.)</a:t>
+          </a:r>
+          <a:endParaRPr lang="fr-FR" sz="1100" kern="1200" dirty="0"/>
+        </a:p>
+        <a:p>
+          <a:pPr marL="57150" lvl="1" indent="-57150" algn="l" defTabSz="488950">
+            <a:lnSpc>
+              <a:spcPct val="90000"/>
+            </a:lnSpc>
+            <a:spcBef>
+              <a:spcPct val="0"/>
+            </a:spcBef>
+            <a:spcAft>
+              <a:spcPct val="15000"/>
+            </a:spcAft>
+            <a:buChar char="••"/>
+          </a:pPr>
+          <a:r>
+            <a:rPr lang="fr-FR" sz="1100" kern="1200" dirty="0" smtClean="0"/>
+            <a:t>Nettoyage des images</a:t>
+          </a:r>
+          <a:endParaRPr lang="fr-FR" sz="1100" kern="1200" dirty="0"/>
+        </a:p>
+      </dsp:txBody>
+      <dsp:txXfrm>
+        <a:off x="2958105" y="2271793"/>
+        <a:ext cx="4983839" cy="1013077"/>
+      </dsp:txXfrm>
+    </dsp:sp>
+    <dsp:sp modelId="{8A55F929-C4E2-4747-B018-577C378CB7A4}">
+      <dsp:nvSpPr>
+        <dsp:cNvPr id="0" name=""/>
+        <dsp:cNvSpPr/>
+      </dsp:nvSpPr>
+      <dsp:spPr>
+        <a:xfrm rot="5400000">
+          <a:off x="2008544" y="4027832"/>
+          <a:ext cx="528974" cy="619827"/>
+        </a:xfrm>
+        <a:prstGeom prst="bentUpArrow">
+          <a:avLst>
+            <a:gd name="adj1" fmla="val 32840"/>
+            <a:gd name="adj2" fmla="val 25000"/>
+            <a:gd name="adj3" fmla="val 35780"/>
+          </a:avLst>
+        </a:prstGeom>
+        <a:solidFill>
+          <a:schemeClr val="dk2">
+            <a:tint val="40000"/>
+            <a:hueOff val="0"/>
+            <a:satOff val="0"/>
+            <a:lumOff val="0"/>
+            <a:alphaOff val="0"/>
+          </a:schemeClr>
+        </a:solidFill>
+        <a:ln w="12700" cap="flat" cmpd="sng" algn="ctr">
+          <a:solidFill>
+            <a:schemeClr val="dk2">
+              <a:shade val="80000"/>
+              <a:hueOff val="0"/>
+              <a:satOff val="0"/>
+              <a:lumOff val="0"/>
+              <a:alphaOff val="0"/>
+            </a:schemeClr>
+          </a:solidFill>
+          <a:prstDash val="solid"/>
+          <a:miter lim="800000"/>
+        </a:ln>
+        <a:effectLst/>
+      </dsp:spPr>
+      <dsp:style>
+        <a:lnRef idx="2">
+          <a:scrgbClr r="0" g="0" b="0"/>
+        </a:lnRef>
+        <a:fillRef idx="1">
+          <a:scrgbClr r="0" g="0" b="0"/>
+        </a:fillRef>
+        <a:effectRef idx="0">
+          <a:scrgbClr r="0" g="0" b="0"/>
+        </a:effectRef>
+        <a:fontRef idx="minor"/>
+      </dsp:style>
+    </dsp:sp>
+    <dsp:sp modelId="{8100AE61-BE74-4046-870A-CAB467A4FEB8}">
+      <dsp:nvSpPr>
+        <dsp:cNvPr id="0" name=""/>
+        <dsp:cNvSpPr/>
+      </dsp:nvSpPr>
+      <dsp:spPr>
+        <a:xfrm>
+          <a:off x="1851452" y="3347551"/>
+          <a:ext cx="1699401" cy="582054"/>
+        </a:xfrm>
+        <a:prstGeom prst="roundRect">
+          <a:avLst>
+            <a:gd name="adj" fmla="val 16670"/>
+          </a:avLst>
+        </a:prstGeom>
+        <a:solidFill>
+          <a:schemeClr val="lt1">
+            <a:hueOff val="0"/>
+            <a:satOff val="0"/>
+            <a:lumOff val="0"/>
+            <a:alphaOff val="0"/>
+          </a:schemeClr>
+        </a:solidFill>
+        <a:ln w="12700" cap="flat" cmpd="sng" algn="ctr">
+          <a:solidFill>
+            <a:schemeClr val="dk2">
+              <a:shade val="80000"/>
+              <a:hueOff val="0"/>
+              <a:satOff val="0"/>
+              <a:lumOff val="0"/>
+              <a:alphaOff val="0"/>
+            </a:schemeClr>
+          </a:solidFill>
+          <a:prstDash val="solid"/>
+          <a:miter lim="800000"/>
+        </a:ln>
+        <a:effectLst/>
+      </dsp:spPr>
+      <dsp:style>
+        <a:lnRef idx="2">
+          <a:scrgbClr r="0" g="0" b="0"/>
+        </a:lnRef>
+        <a:fillRef idx="1">
+          <a:scrgbClr r="0" g="0" b="0"/>
+        </a:fillRef>
+        <a:effectRef idx="0">
+          <a:scrgbClr r="0" g="0" b="0"/>
+        </a:effectRef>
+        <a:fontRef idx="minor">
+          <a:schemeClr val="lt1"/>
+        </a:fontRef>
+      </dsp:style>
+      <dsp:txBody>
+        <a:bodyPr spcFirstLastPara="0" vert="horz" wrap="square" lIns="60960" tIns="60960" rIns="60960" bIns="60960" numCol="1" spcCol="1270" anchor="ctr" anchorCtr="0">
+          <a:noAutofit/>
+        </a:bodyPr>
+        <a:lstStyle/>
+        <a:p>
+          <a:pPr lvl="0" algn="ctr" defTabSz="711200">
+            <a:lnSpc>
+              <a:spcPct val="90000"/>
+            </a:lnSpc>
+            <a:spcBef>
+              <a:spcPct val="0"/>
+            </a:spcBef>
+            <a:spcAft>
+              <a:spcPct val="35000"/>
+            </a:spcAft>
+          </a:pPr>
+          <a:r>
+            <a:rPr lang="fr-FR" sz="1600" kern="1200" dirty="0" smtClean="0"/>
+            <a:t>Modélisation</a:t>
+          </a:r>
+          <a:endParaRPr lang="fr-FR" sz="1600" kern="1200" dirty="0"/>
+        </a:p>
+      </dsp:txBody>
+      <dsp:txXfrm>
+        <a:off x="1879871" y="3375970"/>
+        <a:ext cx="1642563" cy="525216"/>
+      </dsp:txXfrm>
+    </dsp:sp>
+    <dsp:sp modelId="{D6C6EE97-94C1-4CB9-9327-A410EFE824DC}">
+      <dsp:nvSpPr>
+        <dsp:cNvPr id="0" name=""/>
+        <dsp:cNvSpPr/>
+      </dsp:nvSpPr>
+      <dsp:spPr>
+        <a:xfrm>
+          <a:off x="3633240" y="3293523"/>
+          <a:ext cx="3931659" cy="752654"/>
+        </a:xfrm>
+        <a:prstGeom prst="rect">
+          <a:avLst/>
+        </a:prstGeom>
+        <a:noFill/>
+        <a:ln>
+          <a:noFill/>
+        </a:ln>
+        <a:effectLst/>
+      </dsp:spPr>
+      <dsp:style>
+        <a:lnRef idx="0">
+          <a:scrgbClr r="0" g="0" b="0"/>
+        </a:lnRef>
+        <a:fillRef idx="0">
+          <a:scrgbClr r="0" g="0" b="0"/>
+        </a:fillRef>
+        <a:effectRef idx="0">
+          <a:scrgbClr r="0" g="0" b="0"/>
+        </a:effectRef>
+        <a:fontRef idx="minor"/>
+      </dsp:style>
+      <dsp:txBody>
+        <a:bodyPr spcFirstLastPara="0" vert="horz" wrap="square" lIns="41910" tIns="41910" rIns="41910" bIns="41910" numCol="1" spcCol="1270" anchor="ctr" anchorCtr="0">
+          <a:noAutofit/>
+        </a:bodyPr>
+        <a:lstStyle/>
+        <a:p>
+          <a:pPr marL="57150" lvl="1" indent="-57150" algn="l" defTabSz="488950">
+            <a:lnSpc>
+              <a:spcPct val="90000"/>
+            </a:lnSpc>
+            <a:spcBef>
+              <a:spcPct val="0"/>
+            </a:spcBef>
+            <a:spcAft>
+              <a:spcPct val="15000"/>
+            </a:spcAft>
+            <a:buChar char="••"/>
+          </a:pPr>
+          <a:r>
+            <a:rPr lang="fr-FR" sz="1100" kern="1200" dirty="0" smtClean="0"/>
+            <a:t>Entrainement des </a:t>
+          </a:r>
+          <a:r>
+            <a:rPr lang="fr-FR" sz="1100" kern="1200" dirty="0" err="1" smtClean="0"/>
+            <a:t>classifers</a:t>
+          </a:r>
+          <a:endParaRPr lang="fr-FR" sz="1100" kern="1200" dirty="0"/>
+        </a:p>
+        <a:p>
+          <a:pPr marL="57150" lvl="1" indent="-57150" algn="l" defTabSz="488950">
+            <a:lnSpc>
+              <a:spcPct val="90000"/>
+            </a:lnSpc>
+            <a:spcBef>
+              <a:spcPct val="0"/>
+            </a:spcBef>
+            <a:spcAft>
+              <a:spcPct val="15000"/>
+            </a:spcAft>
+            <a:buChar char="••"/>
+          </a:pPr>
+          <a:r>
+            <a:rPr lang="fr-FR" sz="1100" kern="1200" dirty="0" smtClean="0"/>
+            <a:t>Test de la performance de la connaissance de image</a:t>
+          </a:r>
+          <a:endParaRPr lang="fr-FR" sz="1100" kern="1200" dirty="0"/>
+        </a:p>
+        <a:p>
+          <a:pPr marL="57150" lvl="1" indent="-57150" algn="l" defTabSz="488950">
+            <a:lnSpc>
+              <a:spcPct val="90000"/>
+            </a:lnSpc>
+            <a:spcBef>
+              <a:spcPct val="0"/>
+            </a:spcBef>
+            <a:spcAft>
+              <a:spcPct val="15000"/>
+            </a:spcAft>
+            <a:buChar char="••"/>
+          </a:pPr>
+          <a:r>
+            <a:rPr lang="fr-FR" sz="1100" kern="1200" dirty="0" smtClean="0"/>
+            <a:t>Comparaison entre différents algorithmes de </a:t>
+          </a:r>
+          <a:r>
+            <a:rPr lang="fr-FR" sz="1100" kern="1200" dirty="0" err="1" smtClean="0"/>
+            <a:t>Deep</a:t>
+          </a:r>
+          <a:r>
+            <a:rPr lang="fr-FR" sz="1100" kern="1200" dirty="0" smtClean="0"/>
+            <a:t> Learning et les services Watson et </a:t>
+          </a:r>
+          <a:r>
+            <a:rPr lang="fr-FR" sz="1100" kern="1200" dirty="0" err="1" smtClean="0"/>
+            <a:t>Tensorflow</a:t>
+          </a:r>
+          <a:endParaRPr lang="fr-FR" sz="1100" kern="1200" dirty="0"/>
+        </a:p>
+      </dsp:txBody>
+      <dsp:txXfrm>
+        <a:off x="3633240" y="3293523"/>
+        <a:ext cx="3931659" cy="752654"/>
+      </dsp:txXfrm>
+    </dsp:sp>
+    <dsp:sp modelId="{E3206A42-2813-4C45-8EA8-302407570C45}">
+      <dsp:nvSpPr>
+        <dsp:cNvPr id="0" name=""/>
+        <dsp:cNvSpPr/>
+      </dsp:nvSpPr>
+      <dsp:spPr>
+        <a:xfrm>
+          <a:off x="2618671" y="4118406"/>
+          <a:ext cx="1633463" cy="518907"/>
+        </a:xfrm>
+        <a:prstGeom prst="roundRect">
+          <a:avLst>
+            <a:gd name="adj" fmla="val 16670"/>
+          </a:avLst>
+        </a:prstGeom>
+        <a:solidFill>
+          <a:schemeClr val="lt1">
+            <a:hueOff val="0"/>
+            <a:satOff val="0"/>
+            <a:lumOff val="0"/>
+            <a:alphaOff val="0"/>
+          </a:schemeClr>
+        </a:solidFill>
+        <a:ln w="12700" cap="flat" cmpd="sng" algn="ctr">
+          <a:solidFill>
+            <a:schemeClr val="dk2">
+              <a:shade val="80000"/>
+              <a:hueOff val="0"/>
+              <a:satOff val="0"/>
+              <a:lumOff val="0"/>
+              <a:alphaOff val="0"/>
+            </a:schemeClr>
+          </a:solidFill>
+          <a:prstDash val="solid"/>
+          <a:miter lim="800000"/>
+        </a:ln>
+        <a:effectLst/>
+      </dsp:spPr>
+      <dsp:style>
+        <a:lnRef idx="2">
+          <a:scrgbClr r="0" g="0" b="0"/>
+        </a:lnRef>
+        <a:fillRef idx="1">
+          <a:scrgbClr r="0" g="0" b="0"/>
+        </a:fillRef>
+        <a:effectRef idx="0">
+          <a:scrgbClr r="0" g="0" b="0"/>
+        </a:effectRef>
+        <a:fontRef idx="minor">
+          <a:schemeClr val="lt1"/>
+        </a:fontRef>
+      </dsp:style>
+      <dsp:txBody>
+        <a:bodyPr spcFirstLastPara="0" vert="horz" wrap="square" lIns="53340" tIns="53340" rIns="53340" bIns="53340" numCol="1" spcCol="1270" anchor="ctr" anchorCtr="0">
+          <a:noAutofit/>
+        </a:bodyPr>
+        <a:lstStyle/>
+        <a:p>
+          <a:pPr lvl="0" algn="ctr" defTabSz="622300">
+            <a:lnSpc>
+              <a:spcPct val="90000"/>
+            </a:lnSpc>
+            <a:spcBef>
+              <a:spcPct val="0"/>
+            </a:spcBef>
+            <a:spcAft>
+              <a:spcPct val="35000"/>
+            </a:spcAft>
+          </a:pPr>
+          <a:r>
+            <a:rPr lang="fr-FR" sz="1400" b="1" kern="1200" dirty="0" err="1" smtClean="0"/>
+            <a:t>Scoring</a:t>
+          </a:r>
+          <a:endParaRPr lang="fr-FR" sz="1400" b="1" kern="1200" dirty="0"/>
+        </a:p>
+      </dsp:txBody>
+      <dsp:txXfrm>
+        <a:off x="2644007" y="4143742"/>
+        <a:ext cx="1582791" cy="468235"/>
+      </dsp:txXfrm>
+    </dsp:sp>
   </dsp:spTree>
 </dsp:drawing>
 </file>
@@ -3406,7 +4352,7 @@
           <a:p>
             <a:fld id="{1692AFF0-966E-4944-9B71-C3349F505074}" type="datetimeFigureOut">
               <a:rPr lang="fr-FR" smtClean="0"/>
-              <a:t>27/03/2017</a:t>
+              <a:t>09/04/17</a:t>
             </a:fld>
             <a:endParaRPr lang="fr-FR"/>
           </a:p>
@@ -3472,7 +4418,7 @@
           <a:p>
             <a:fld id="{2BEF044B-AA01-42EA-9159-7C8CE6C245DA}" type="slidenum">
               <a:rPr lang="fr-FR" smtClean="0"/>
-              <a:t>‹N°›</a:t>
+              <a:t>‹#›</a:t>
             </a:fld>
             <a:endParaRPr lang="fr-FR"/>
           </a:p>
@@ -3572,7 +4518,7 @@
           <a:p>
             <a:fld id="{671F75ED-E255-404A-932D-7A621A57D8AA}" type="datetimeFigureOut">
               <a:rPr lang="fr-FR" smtClean="0"/>
-              <a:t>27/03/2017</a:t>
+              <a:t>09/04/17</a:t>
             </a:fld>
             <a:endParaRPr lang="fr-FR"/>
           </a:p>
@@ -3730,7 +4676,7 @@
           <a:p>
             <a:fld id="{C4E3ACA0-A57E-467F-A4C3-2040FFF32C14}" type="slidenum">
               <a:rPr lang="fr-FR" smtClean="0"/>
-              <a:t>‹N°›</a:t>
+              <a:t>‹#›</a:t>
             </a:fld>
             <a:endParaRPr lang="fr-FR"/>
           </a:p>
@@ -3994,7 +4940,7 @@
           <a:p>
             <a:fld id="{C4E3ACA0-A57E-467F-A4C3-2040FFF32C14}" type="slidenum">
               <a:rPr lang="fr-FR" smtClean="0"/>
-              <a:t>4</a:t>
+              <a:t>5</a:t>
             </a:fld>
             <a:endParaRPr lang="fr-FR"/>
           </a:p>
@@ -4295,7 +5241,7 @@
   </p:clrMapOvr>
   <p:extLst mod="1">
     <p:ext uri="{DCECCB84-F9BA-43D5-87BE-67443E8EF086}">
-      <p15:sldGuideLst xmlns:p15="http://schemas.microsoft.com/office/powerpoint/2012/main">
+      <p15:sldGuideLst xmlns:p15="http://schemas.microsoft.com/office/powerpoint/2012/main" xmlns="">
         <p15:guide id="1" pos="619" userDrawn="1">
           <p15:clr>
             <a:srgbClr val="FBAE40"/>
@@ -4548,7 +5494,7 @@
             <a:fld id="{DECE1661-AE8E-4B23-8144-2F4A39DE61A3}" type="slidenum">
               <a:rPr lang="fr-FR" smtClean="0"/>
               <a:pPr/>
-              <a:t>‹N°›</a:t>
+              <a:t>‹#›</a:t>
             </a:fld>
             <a:endParaRPr lang="fr-FR" dirty="0"/>
           </a:p>
@@ -4738,7 +5684,7 @@
             <a:fld id="{DECE1661-AE8E-4B23-8144-2F4A39DE61A3}" type="slidenum">
               <a:rPr lang="fr-FR" smtClean="0"/>
               <a:pPr/>
-              <a:t>‹N°›</a:t>
+              <a:t>‹#›</a:t>
             </a:fld>
             <a:endParaRPr lang="fr-FR" dirty="0"/>
           </a:p>
@@ -4811,7 +5757,7 @@
             <a:fld id="{DECE1661-AE8E-4B23-8144-2F4A39DE61A3}" type="slidenum">
               <a:rPr lang="fr-FR" smtClean="0"/>
               <a:pPr/>
-              <a:t>‹N°›</a:t>
+              <a:t>‹#›</a:t>
             </a:fld>
             <a:endParaRPr lang="fr-FR" dirty="0"/>
           </a:p>
@@ -5021,7 +5967,7 @@
               <a:pPr>
                 <a:defRPr/>
               </a:pPr>
-              <a:t>‹N°›</a:t>
+              <a:t>‹#›</a:t>
             </a:fld>
             <a:endParaRPr lang="fr-FR">
               <a:solidFill>
@@ -5310,7 +6256,7 @@
             <a:fld id="{DECE1661-AE8E-4B23-8144-2F4A39DE61A3}" type="slidenum">
               <a:rPr lang="fr-FR" smtClean="0"/>
               <a:pPr/>
-              <a:t>‹N°›</a:t>
+              <a:t>‹#›</a:t>
             </a:fld>
             <a:endParaRPr lang="fr-FR" dirty="0"/>
           </a:p>
@@ -5659,11 +6605,7 @@
           <a:p>
             <a:r>
               <a:rPr lang="fr-FR" dirty="0" smtClean="0"/>
-              <a:t>27</a:t>
-            </a:r>
-            <a:r>
-              <a:rPr lang="fr-FR" dirty="0" smtClean="0"/>
-              <a:t>/03/2017</a:t>
+              <a:t>27/03/2017</a:t>
             </a:r>
             <a:endParaRPr lang="fr-FR" dirty="0"/>
           </a:p>
@@ -5691,7 +6633,19 @@
           <a:p>
             <a:r>
               <a:rPr lang="fr-FR" dirty="0" smtClean="0"/>
-              <a:t>Méthodologie du projet CIR Mode</a:t>
+              <a:t>A</a:t>
+            </a:r>
+            <a:r>
+              <a:rPr lang="fr-FR" dirty="0" smtClean="0"/>
+              <a:t>vancement </a:t>
+            </a:r>
+            <a:r>
+              <a:rPr lang="fr-FR" dirty="0" smtClean="0"/>
+              <a:t>du </a:t>
+            </a:r>
+            <a:r>
+              <a:rPr lang="fr-FR" dirty="0" smtClean="0"/>
+              <a:t>projet CIR Mode</a:t>
             </a:r>
             <a:endParaRPr lang="fr-FR" dirty="0"/>
           </a:p>
@@ -5749,7 +6703,797 @@
 </p:sld>
 </file>
 
+<file path=ppt/slides/slide10.xml><?xml version="1.0" encoding="utf-8"?>
+<p:sld xmlns:a="http://schemas.openxmlformats.org/drawingml/2006/main" xmlns:r="http://schemas.openxmlformats.org/officeDocument/2006/relationships" xmlns:p="http://schemas.openxmlformats.org/presentationml/2006/main">
+  <p:cSld>
+    <p:spTree>
+      <p:nvGrpSpPr>
+        <p:cNvPr id="1" name=""/>
+        <p:cNvGrpSpPr/>
+        <p:nvPr/>
+      </p:nvGrpSpPr>
+      <p:grpSpPr>
+        <a:xfrm>
+          <a:off x="0" y="0"/>
+          <a:ext cx="0" cy="0"/>
+          <a:chOff x="0" y="0"/>
+          <a:chExt cx="0" cy="0"/>
+        </a:xfrm>
+      </p:grpSpPr>
+      <p:sp>
+        <p:nvSpPr>
+          <p:cNvPr id="2" name="Titre 1"/>
+          <p:cNvSpPr>
+            <a:spLocks noGrp="1"/>
+          </p:cNvSpPr>
+          <p:nvPr>
+            <p:ph type="title"/>
+          </p:nvPr>
+        </p:nvSpPr>
+        <p:spPr/>
+        <p:txBody>
+          <a:bodyPr/>
+          <a:lstStyle/>
+          <a:p>
+            <a:r>
+              <a:rPr lang="fr-FR" dirty="0"/>
+              <a:t>Création de la base des données : Problème</a:t>
+            </a:r>
+          </a:p>
+        </p:txBody>
+      </p:sp>
+      <p:sp>
+        <p:nvSpPr>
+          <p:cNvPr id="3" name="Espace réservé du pied de page 2"/>
+          <p:cNvSpPr>
+            <a:spLocks noGrp="1"/>
+          </p:cNvSpPr>
+          <p:nvPr>
+            <p:ph type="ftr" sz="quarter" idx="10"/>
+          </p:nvPr>
+        </p:nvSpPr>
+        <p:spPr/>
+        <p:txBody>
+          <a:bodyPr/>
+          <a:lstStyle/>
+          <a:p>
+            <a:endParaRPr lang="fr-FR" dirty="0"/>
+          </a:p>
+        </p:txBody>
+      </p:sp>
+      <p:sp>
+        <p:nvSpPr>
+          <p:cNvPr id="4" name="Espace réservé du contenu 3"/>
+          <p:cNvSpPr>
+            <a:spLocks noGrp="1"/>
+          </p:cNvSpPr>
+          <p:nvPr>
+            <p:ph sz="quarter" idx="11"/>
+          </p:nvPr>
+        </p:nvSpPr>
+        <p:spPr/>
+        <p:txBody>
+          <a:bodyPr/>
+          <a:lstStyle/>
+          <a:p>
+            <a:r>
+              <a:rPr lang="fr-FR" dirty="0" smtClean="0"/>
+              <a:t>Il y a trop des répertoires des patterns, les tailles de ces répertoires ne sont pas équivalentes. =&gt; Il y aura trop de </a:t>
+            </a:r>
+            <a:r>
+              <a:rPr lang="fr-FR" dirty="0" err="1" smtClean="0"/>
+              <a:t>classifiers</a:t>
+            </a:r>
+            <a:r>
+              <a:rPr lang="fr-FR" dirty="0" smtClean="0"/>
+              <a:t> à entrainer.</a:t>
+            </a:r>
+          </a:p>
+          <a:p>
+            <a:pPr lvl="1"/>
+            <a:r>
+              <a:rPr lang="fr-FR" dirty="0" smtClean="0"/>
+              <a:t>Solution : fusionner certains répertoires entre eux </a:t>
+            </a:r>
+          </a:p>
+          <a:p>
+            <a:r>
+              <a:rPr lang="fr-FR" dirty="0" smtClean="0"/>
+              <a:t>Les résultats des recherches ne sont pas 100% corrects. =&gt; Des </a:t>
+            </a:r>
+            <a:r>
+              <a:rPr lang="fr-FR" dirty="0"/>
+              <a:t>b</a:t>
+            </a:r>
+            <a:r>
+              <a:rPr lang="fr-FR" dirty="0" smtClean="0"/>
+              <a:t>ruits existent pour chaque mot clé, influencent la précision des </a:t>
+            </a:r>
+            <a:r>
+              <a:rPr lang="fr-FR" dirty="0" err="1" smtClean="0"/>
+              <a:t>classifiers</a:t>
+            </a:r>
+            <a:r>
+              <a:rPr lang="fr-FR" dirty="0" smtClean="0"/>
+              <a:t> à entrainer. </a:t>
+            </a:r>
+          </a:p>
+          <a:p>
+            <a:pPr lvl="1"/>
+            <a:r>
+              <a:rPr lang="fr-FR" dirty="0" smtClean="0"/>
+              <a:t>E</a:t>
+            </a:r>
+            <a:r>
+              <a:rPr lang="fr-FR" dirty="0" smtClean="0"/>
+              <a:t>xemple :</a:t>
+            </a:r>
+          </a:p>
+          <a:p>
+            <a:pPr lvl="1"/>
+            <a:endParaRPr lang="fr-FR" dirty="0"/>
+          </a:p>
+          <a:p>
+            <a:pPr lvl="1"/>
+            <a:endParaRPr lang="fr-FR" dirty="0" smtClean="0"/>
+          </a:p>
+          <a:p>
+            <a:pPr lvl="1"/>
+            <a:endParaRPr lang="fr-FR" dirty="0"/>
+          </a:p>
+          <a:p>
+            <a:pPr lvl="1"/>
+            <a:endParaRPr lang="fr-FR" dirty="0" smtClean="0"/>
+          </a:p>
+          <a:p>
+            <a:pPr lvl="1"/>
+            <a:r>
+              <a:rPr lang="fr-FR" dirty="0" smtClean="0"/>
+              <a:t>Solution : réaliser une classification afin de filtrer des images correspondant à la recherche</a:t>
+            </a:r>
+          </a:p>
+          <a:p>
+            <a:pPr lvl="1"/>
+            <a:r>
+              <a:rPr lang="fr-FR" dirty="0"/>
+              <a:t>U</a:t>
+            </a:r>
+            <a:r>
+              <a:rPr lang="fr-FR" dirty="0" smtClean="0"/>
+              <a:t>ne </a:t>
+            </a:r>
+            <a:r>
+              <a:rPr lang="fr-FR" i="1" dirty="0" smtClean="0"/>
+              <a:t>machine </a:t>
+            </a:r>
+            <a:r>
+              <a:rPr lang="fr-FR" i="1" dirty="0" err="1" smtClean="0"/>
+              <a:t>learning</a:t>
+            </a:r>
+            <a:r>
+              <a:rPr lang="fr-FR" dirty="0" smtClean="0"/>
+              <a:t> modèle, cette modèle sera testé et implémentée dans le Sprint 3</a:t>
+            </a:r>
+          </a:p>
+        </p:txBody>
+      </p:sp>
+      <p:sp>
+        <p:nvSpPr>
+          <p:cNvPr id="5" name="Espace réservé du numéro de diapositive 4"/>
+          <p:cNvSpPr>
+            <a:spLocks noGrp="1"/>
+          </p:cNvSpPr>
+          <p:nvPr>
+            <p:ph type="sldNum" sz="quarter" idx="12"/>
+          </p:nvPr>
+        </p:nvSpPr>
+        <p:spPr/>
+        <p:txBody>
+          <a:bodyPr/>
+          <a:lstStyle/>
+          <a:p>
+            <a:fld id="{DECE1661-AE8E-4B23-8144-2F4A39DE61A3}" type="slidenum">
+              <a:rPr lang="fr-FR" smtClean="0"/>
+              <a:pPr/>
+              <a:t>10</a:t>
+            </a:fld>
+            <a:endParaRPr lang="fr-FR" dirty="0"/>
+          </a:p>
+        </p:txBody>
+      </p:sp>
+      <p:pic>
+        <p:nvPicPr>
+          <p:cNvPr id="6" name="Image 5" descr="circle_wrong.jpg"/>
+          <p:cNvPicPr>
+            <a:picLocks noChangeAspect="1"/>
+          </p:cNvPicPr>
+          <p:nvPr/>
+        </p:nvPicPr>
+        <p:blipFill>
+          <a:blip r:embed="rId2">
+            <a:extLst>
+              <a:ext uri="{28A0092B-C50C-407E-A947-70E740481C1C}">
+                <a14:useLocalDpi xmlns:a14="http://schemas.microsoft.com/office/drawing/2010/main" val="0"/>
+              </a:ext>
+            </a:extLst>
+          </a:blip>
+          <a:stretch>
+            <a:fillRect/>
+          </a:stretch>
+        </p:blipFill>
+        <p:spPr>
+          <a:xfrm>
+            <a:off x="1959259" y="2194747"/>
+            <a:ext cx="888007" cy="1021208"/>
+          </a:xfrm>
+          <a:prstGeom prst="rect">
+            <a:avLst/>
+          </a:prstGeom>
+        </p:spPr>
+      </p:pic>
+      <p:sp>
+        <p:nvSpPr>
+          <p:cNvPr id="7" name="Rectangle à coins arrondis 6"/>
+          <p:cNvSpPr/>
+          <p:nvPr/>
+        </p:nvSpPr>
+        <p:spPr>
+          <a:xfrm>
+            <a:off x="3140720" y="2372409"/>
+            <a:ext cx="1083004" cy="442980"/>
+          </a:xfrm>
+          <a:prstGeom prst="roundRect">
+            <a:avLst/>
+          </a:prstGeom>
+        </p:spPr>
+        <p:style>
+          <a:lnRef idx="2">
+            <a:schemeClr val="accent3"/>
+          </a:lnRef>
+          <a:fillRef idx="1">
+            <a:schemeClr val="lt1"/>
+          </a:fillRef>
+          <a:effectRef idx="0">
+            <a:schemeClr val="accent3"/>
+          </a:effectRef>
+          <a:fontRef idx="minor">
+            <a:schemeClr val="dk1"/>
+          </a:fontRef>
+        </p:style>
+        <p:txBody>
+          <a:bodyPr rtlCol="0" anchor="ctr"/>
+          <a:lstStyle/>
+          <a:p>
+            <a:pPr algn="ctr"/>
+            <a:r>
+              <a:rPr lang="fr-FR" dirty="0"/>
+              <a:t>étoiles</a:t>
+            </a:r>
+            <a:endParaRPr lang="fr-FR" dirty="0"/>
+          </a:p>
+        </p:txBody>
+      </p:sp>
+      <p:sp>
+        <p:nvSpPr>
+          <p:cNvPr id="8" name="Flèche vers la droite 7"/>
+          <p:cNvSpPr/>
+          <p:nvPr/>
+        </p:nvSpPr>
+        <p:spPr>
+          <a:xfrm>
+            <a:off x="2904428" y="2529913"/>
+            <a:ext cx="393819" cy="157504"/>
+          </a:xfrm>
+          <a:prstGeom prst="rightArrow">
+            <a:avLst/>
+          </a:prstGeom>
+        </p:spPr>
+        <p:style>
+          <a:lnRef idx="2">
+            <a:schemeClr val="accent3">
+              <a:shade val="50000"/>
+            </a:schemeClr>
+          </a:lnRef>
+          <a:fillRef idx="1">
+            <a:schemeClr val="accent3"/>
+          </a:fillRef>
+          <a:effectRef idx="0">
+            <a:schemeClr val="accent3"/>
+          </a:effectRef>
+          <a:fontRef idx="minor">
+            <a:schemeClr val="lt1"/>
+          </a:fontRef>
+        </p:style>
+        <p:txBody>
+          <a:bodyPr rtlCol="0" anchor="ctr"/>
+          <a:lstStyle/>
+          <a:p>
+            <a:pPr algn="ctr"/>
+            <a:endParaRPr lang="fr-FR"/>
+          </a:p>
+        </p:txBody>
+      </p:sp>
+      <p:pic>
+        <p:nvPicPr>
+          <p:cNvPr id="9" name="Image 8" descr="feu_motif_wrong.jpg"/>
+          <p:cNvPicPr>
+            <a:picLocks noChangeAspect="1"/>
+          </p:cNvPicPr>
+          <p:nvPr/>
+        </p:nvPicPr>
+        <p:blipFill>
+          <a:blip r:embed="rId3">
+            <a:extLst>
+              <a:ext uri="{28A0092B-C50C-407E-A947-70E740481C1C}">
+                <a14:useLocalDpi xmlns:a14="http://schemas.microsoft.com/office/drawing/2010/main" val="0"/>
+              </a:ext>
+            </a:extLst>
+          </a:blip>
+          <a:stretch>
+            <a:fillRect/>
+          </a:stretch>
+        </p:blipFill>
+        <p:spPr>
+          <a:xfrm>
+            <a:off x="4263162" y="2047556"/>
+            <a:ext cx="1084854" cy="1240801"/>
+          </a:xfrm>
+          <a:prstGeom prst="rect">
+            <a:avLst/>
+          </a:prstGeom>
+        </p:spPr>
+      </p:pic>
+      <p:pic>
+        <p:nvPicPr>
+          <p:cNvPr id="10" name="Image 9" descr="heart_fabric_wrong.jpg"/>
+          <p:cNvPicPr>
+            <a:picLocks noChangeAspect="1"/>
+          </p:cNvPicPr>
+          <p:nvPr/>
+        </p:nvPicPr>
+        <p:blipFill>
+          <a:blip r:embed="rId4">
+            <a:extLst>
+              <a:ext uri="{28A0092B-C50C-407E-A947-70E740481C1C}">
+                <a14:useLocalDpi xmlns:a14="http://schemas.microsoft.com/office/drawing/2010/main" val="0"/>
+              </a:ext>
+            </a:extLst>
+          </a:blip>
+          <a:stretch>
+            <a:fillRect/>
+          </a:stretch>
+        </p:blipFill>
+        <p:spPr>
+          <a:xfrm>
+            <a:off x="6714624" y="2045108"/>
+            <a:ext cx="947081" cy="1183851"/>
+          </a:xfrm>
+          <a:prstGeom prst="rect">
+            <a:avLst/>
+          </a:prstGeom>
+        </p:spPr>
+      </p:pic>
+      <p:sp>
+        <p:nvSpPr>
+          <p:cNvPr id="11" name="Rectangle à coins arrondis 10"/>
+          <p:cNvSpPr/>
+          <p:nvPr/>
+        </p:nvSpPr>
+        <p:spPr>
+          <a:xfrm>
+            <a:off x="5488660" y="2347617"/>
+            <a:ext cx="1083004" cy="442980"/>
+          </a:xfrm>
+          <a:prstGeom prst="roundRect">
+            <a:avLst/>
+          </a:prstGeom>
+        </p:spPr>
+        <p:style>
+          <a:lnRef idx="2">
+            <a:schemeClr val="accent3"/>
+          </a:lnRef>
+          <a:fillRef idx="1">
+            <a:schemeClr val="lt1"/>
+          </a:fillRef>
+          <a:effectRef idx="0">
+            <a:schemeClr val="accent3"/>
+          </a:effectRef>
+          <a:fontRef idx="minor">
+            <a:schemeClr val="dk1"/>
+          </a:fontRef>
+        </p:style>
+        <p:txBody>
+          <a:bodyPr rtlCol="0" anchor="ctr"/>
+          <a:lstStyle/>
+          <a:p>
+            <a:pPr algn="ctr"/>
+            <a:r>
+              <a:rPr lang="fr-FR" dirty="0"/>
+              <a:t>f</a:t>
+            </a:r>
+            <a:r>
+              <a:rPr lang="fr-FR" dirty="0" smtClean="0"/>
+              <a:t>eu motif</a:t>
+            </a:r>
+            <a:endParaRPr lang="fr-FR" dirty="0"/>
+          </a:p>
+        </p:txBody>
+      </p:sp>
+      <p:sp>
+        <p:nvSpPr>
+          <p:cNvPr id="12" name="Flèche vers la droite 11"/>
+          <p:cNvSpPr/>
+          <p:nvPr/>
+        </p:nvSpPr>
+        <p:spPr>
+          <a:xfrm>
+            <a:off x="5272060" y="2485433"/>
+            <a:ext cx="393819" cy="157504"/>
+          </a:xfrm>
+          <a:prstGeom prst="rightArrow">
+            <a:avLst/>
+          </a:prstGeom>
+        </p:spPr>
+        <p:style>
+          <a:lnRef idx="2">
+            <a:schemeClr val="accent3">
+              <a:shade val="50000"/>
+            </a:schemeClr>
+          </a:lnRef>
+          <a:fillRef idx="1">
+            <a:schemeClr val="accent3"/>
+          </a:fillRef>
+          <a:effectRef idx="0">
+            <a:schemeClr val="accent3"/>
+          </a:effectRef>
+          <a:fontRef idx="minor">
+            <a:schemeClr val="lt1"/>
+          </a:fontRef>
+        </p:style>
+        <p:txBody>
+          <a:bodyPr rtlCol="0" anchor="ctr"/>
+          <a:lstStyle/>
+          <a:p>
+            <a:pPr algn="ctr"/>
+            <a:endParaRPr lang="fr-FR"/>
+          </a:p>
+        </p:txBody>
+      </p:sp>
+      <p:sp>
+        <p:nvSpPr>
+          <p:cNvPr id="13" name="Rectangle à coins arrondis 12"/>
+          <p:cNvSpPr/>
+          <p:nvPr/>
+        </p:nvSpPr>
+        <p:spPr>
+          <a:xfrm>
+            <a:off x="7962546" y="2342513"/>
+            <a:ext cx="1083004" cy="442980"/>
+          </a:xfrm>
+          <a:prstGeom prst="roundRect">
+            <a:avLst/>
+          </a:prstGeom>
+        </p:spPr>
+        <p:style>
+          <a:lnRef idx="2">
+            <a:schemeClr val="accent3"/>
+          </a:lnRef>
+          <a:fillRef idx="1">
+            <a:schemeClr val="lt1"/>
+          </a:fillRef>
+          <a:effectRef idx="0">
+            <a:schemeClr val="accent3"/>
+          </a:effectRef>
+          <a:fontRef idx="minor">
+            <a:schemeClr val="dk1"/>
+          </a:fontRef>
+        </p:style>
+        <p:txBody>
+          <a:bodyPr rtlCol="0" anchor="ctr"/>
+          <a:lstStyle/>
+          <a:p>
+            <a:pPr algn="ctr"/>
+            <a:r>
+              <a:rPr lang="fr-FR" dirty="0" err="1"/>
+              <a:t>h</a:t>
+            </a:r>
+            <a:r>
+              <a:rPr lang="fr-FR" dirty="0" err="1" smtClean="0"/>
+              <a:t>eart</a:t>
+            </a:r>
+            <a:r>
+              <a:rPr lang="fr-FR" dirty="0" smtClean="0"/>
+              <a:t> </a:t>
+            </a:r>
+            <a:r>
+              <a:rPr lang="fr-FR" dirty="0" err="1" smtClean="0"/>
+              <a:t>fabric</a:t>
+            </a:r>
+            <a:endParaRPr lang="fr-FR" dirty="0"/>
+          </a:p>
+        </p:txBody>
+      </p:sp>
+      <p:sp>
+        <p:nvSpPr>
+          <p:cNvPr id="14" name="Flèche vers la droite 13"/>
+          <p:cNvSpPr/>
+          <p:nvPr/>
+        </p:nvSpPr>
+        <p:spPr>
+          <a:xfrm>
+            <a:off x="7726254" y="2500017"/>
+            <a:ext cx="393819" cy="157504"/>
+          </a:xfrm>
+          <a:prstGeom prst="rightArrow">
+            <a:avLst/>
+          </a:prstGeom>
+        </p:spPr>
+        <p:style>
+          <a:lnRef idx="2">
+            <a:schemeClr val="accent3">
+              <a:shade val="50000"/>
+            </a:schemeClr>
+          </a:lnRef>
+          <a:fillRef idx="1">
+            <a:schemeClr val="accent3"/>
+          </a:fillRef>
+          <a:effectRef idx="0">
+            <a:schemeClr val="accent3"/>
+          </a:effectRef>
+          <a:fontRef idx="minor">
+            <a:schemeClr val="lt1"/>
+          </a:fontRef>
+        </p:style>
+        <p:txBody>
+          <a:bodyPr rtlCol="0" anchor="ctr"/>
+          <a:lstStyle/>
+          <a:p>
+            <a:pPr algn="ctr"/>
+            <a:endParaRPr lang="fr-FR"/>
+          </a:p>
+        </p:txBody>
+      </p:sp>
+    </p:spTree>
+    <p:extLst>
+      <p:ext uri="{BB962C8B-B14F-4D97-AF65-F5344CB8AC3E}">
+        <p14:creationId xmlns:p14="http://schemas.microsoft.com/office/powerpoint/2010/main" val="3904460266"/>
+      </p:ext>
+    </p:extLst>
+  </p:cSld>
+  <p:clrMapOvr>
+    <a:masterClrMapping/>
+  </p:clrMapOvr>
+</p:sld>
+</file>
+
+<file path=ppt/slides/slide11.xml><?xml version="1.0" encoding="utf-8"?>
+<p:sld xmlns:a="http://schemas.openxmlformats.org/drawingml/2006/main" xmlns:r="http://schemas.openxmlformats.org/officeDocument/2006/relationships" xmlns:p="http://schemas.openxmlformats.org/presentationml/2006/main">
+  <p:cSld>
+    <p:spTree>
+      <p:nvGrpSpPr>
+        <p:cNvPr id="1" name=""/>
+        <p:cNvGrpSpPr/>
+        <p:nvPr/>
+      </p:nvGrpSpPr>
+      <p:grpSpPr>
+        <a:xfrm>
+          <a:off x="0" y="0"/>
+          <a:ext cx="0" cy="0"/>
+          <a:chOff x="0" y="0"/>
+          <a:chExt cx="0" cy="0"/>
+        </a:xfrm>
+      </p:grpSpPr>
+    </p:spTree>
+    <p:extLst>
+      <p:ext uri="{BB962C8B-B14F-4D97-AF65-F5344CB8AC3E}">
+        <p14:creationId xmlns:p14="http://schemas.microsoft.com/office/powerpoint/2010/main" val="2068979515"/>
+      </p:ext>
+    </p:extLst>
+  </p:cSld>
+  <p:clrMapOvr>
+    <a:masterClrMapping/>
+  </p:clrMapOvr>
+</p:sld>
+</file>
+
 <file path=ppt/slides/slide2.xml><?xml version="1.0" encoding="utf-8"?>
+<p:sld xmlns:a="http://schemas.openxmlformats.org/drawingml/2006/main" xmlns:r="http://schemas.openxmlformats.org/officeDocument/2006/relationships" xmlns:p="http://schemas.openxmlformats.org/presentationml/2006/main">
+  <p:cSld>
+    <p:spTree>
+      <p:nvGrpSpPr>
+        <p:cNvPr id="1" name=""/>
+        <p:cNvGrpSpPr/>
+        <p:nvPr/>
+      </p:nvGrpSpPr>
+      <p:grpSpPr>
+        <a:xfrm>
+          <a:off x="0" y="0"/>
+          <a:ext cx="0" cy="0"/>
+          <a:chOff x="0" y="0"/>
+          <a:chExt cx="0" cy="0"/>
+        </a:xfrm>
+      </p:grpSpPr>
+      <p:sp>
+        <p:nvSpPr>
+          <p:cNvPr id="2" name="Titre 1"/>
+          <p:cNvSpPr>
+            <a:spLocks noGrp="1"/>
+          </p:cNvSpPr>
+          <p:nvPr>
+            <p:ph type="title"/>
+          </p:nvPr>
+        </p:nvSpPr>
+        <p:spPr/>
+        <p:txBody>
+          <a:bodyPr/>
+          <a:lstStyle/>
+          <a:p>
+            <a:r>
+              <a:rPr lang="fr-FR" dirty="0" smtClean="0"/>
+              <a:t>Planning</a:t>
+            </a:r>
+            <a:endParaRPr lang="fr-FR" dirty="0"/>
+          </a:p>
+        </p:txBody>
+      </p:sp>
+      <p:sp>
+        <p:nvSpPr>
+          <p:cNvPr id="3" name="Espace réservé du pied de page 2"/>
+          <p:cNvSpPr>
+            <a:spLocks noGrp="1"/>
+          </p:cNvSpPr>
+          <p:nvPr>
+            <p:ph type="ftr" sz="quarter" idx="10"/>
+          </p:nvPr>
+        </p:nvSpPr>
+        <p:spPr/>
+        <p:txBody>
+          <a:bodyPr/>
+          <a:lstStyle/>
+          <a:p>
+            <a:endParaRPr lang="fr-FR" dirty="0"/>
+          </a:p>
+        </p:txBody>
+      </p:sp>
+      <p:sp>
+        <p:nvSpPr>
+          <p:cNvPr id="4" name="Espace réservé du contenu 3"/>
+          <p:cNvSpPr>
+            <a:spLocks noGrp="1"/>
+          </p:cNvSpPr>
+          <p:nvPr>
+            <p:ph sz="quarter" idx="11"/>
+          </p:nvPr>
+        </p:nvSpPr>
+        <p:spPr/>
+        <p:txBody>
+          <a:bodyPr/>
+          <a:lstStyle/>
+          <a:p>
+            <a:r>
+              <a:rPr lang="fr-FR" dirty="0" smtClean="0"/>
+              <a:t>Avancement du Sprint 1 (p.3-p.5)</a:t>
+            </a:r>
+          </a:p>
+          <a:p>
+            <a:pPr lvl="1"/>
+            <a:r>
+              <a:rPr lang="fr-FR" dirty="0" smtClean="0"/>
+              <a:t>Planning du projet</a:t>
+            </a:r>
+          </a:p>
+          <a:p>
+            <a:pPr lvl="1"/>
+            <a:r>
+              <a:rPr lang="fr-FR" dirty="0" smtClean="0"/>
+              <a:t>Collection des données</a:t>
+            </a:r>
+          </a:p>
+          <a:p>
+            <a:pPr lvl="1"/>
+            <a:r>
+              <a:rPr lang="fr-FR" dirty="0" smtClean="0"/>
+              <a:t>Méthodologie principale</a:t>
+            </a:r>
+          </a:p>
+          <a:p>
+            <a:r>
+              <a:rPr lang="fr-FR" dirty="0" smtClean="0"/>
+              <a:t>Avancement du </a:t>
+            </a:r>
+            <a:r>
+              <a:rPr lang="fr-FR" smtClean="0"/>
+              <a:t>Sprint 2 (p.6-p.10)</a:t>
+            </a:r>
+            <a:endParaRPr lang="fr-FR" dirty="0" smtClean="0"/>
+          </a:p>
+          <a:p>
+            <a:pPr lvl="1"/>
+            <a:r>
+              <a:rPr lang="fr-FR" dirty="0" smtClean="0"/>
+              <a:t>Verrous technologiques</a:t>
+            </a:r>
+          </a:p>
+          <a:p>
+            <a:pPr lvl="1"/>
+            <a:r>
+              <a:rPr lang="fr-FR" dirty="0" smtClean="0"/>
+              <a:t>Création de la base des données</a:t>
+            </a:r>
+          </a:p>
+          <a:p>
+            <a:r>
+              <a:rPr lang="fr-FR" dirty="0" smtClean="0"/>
+              <a:t>Plus tard </a:t>
+            </a:r>
+            <a:r>
+              <a:rPr lang="mr-IN" dirty="0" smtClean="0"/>
+              <a:t>…</a:t>
+            </a:r>
+            <a:endParaRPr lang="fr-FR" dirty="0" smtClean="0"/>
+          </a:p>
+          <a:p>
+            <a:endParaRPr lang="fr-FR" dirty="0"/>
+          </a:p>
+        </p:txBody>
+      </p:sp>
+      <p:sp>
+        <p:nvSpPr>
+          <p:cNvPr id="5" name="Espace réservé du texte 4"/>
+          <p:cNvSpPr>
+            <a:spLocks noGrp="1"/>
+          </p:cNvSpPr>
+          <p:nvPr>
+            <p:ph type="body" sz="quarter" idx="12"/>
+          </p:nvPr>
+        </p:nvSpPr>
+        <p:spPr/>
+        <p:txBody>
+          <a:bodyPr/>
+          <a:lstStyle/>
+          <a:p>
+            <a:endParaRPr lang="fr-FR"/>
+          </a:p>
+        </p:txBody>
+      </p:sp>
+      <p:sp>
+        <p:nvSpPr>
+          <p:cNvPr id="6" name="Espace réservé du numéro de diapositive 5"/>
+          <p:cNvSpPr>
+            <a:spLocks noGrp="1"/>
+          </p:cNvSpPr>
+          <p:nvPr>
+            <p:ph type="sldNum" sz="quarter" idx="13"/>
+          </p:nvPr>
+        </p:nvSpPr>
+        <p:spPr/>
+        <p:txBody>
+          <a:bodyPr/>
+          <a:lstStyle/>
+          <a:p>
+            <a:fld id="{DECE1661-AE8E-4B23-8144-2F4A39DE61A3}" type="slidenum">
+              <a:rPr lang="fr-FR" smtClean="0"/>
+              <a:pPr/>
+              <a:t>2</a:t>
+            </a:fld>
+            <a:endParaRPr lang="fr-FR" dirty="0"/>
+          </a:p>
+        </p:txBody>
+      </p:sp>
+    </p:spTree>
+    <p:extLst>
+      <p:ext uri="{BB962C8B-B14F-4D97-AF65-F5344CB8AC3E}">
+        <p14:creationId xmlns:p14="http://schemas.microsoft.com/office/powerpoint/2010/main" val="3927268979"/>
+      </p:ext>
+    </p:extLst>
+  </p:cSld>
+  <p:clrMapOvr>
+    <a:masterClrMapping/>
+  </p:clrMapOvr>
+</p:sld>
+</file>
+
+<file path=ppt/slides/slide3.xml><?xml version="1.0" encoding="utf-8"?>
 <p:sld xmlns:a="http://schemas.openxmlformats.org/drawingml/2006/main" xmlns:r="http://schemas.openxmlformats.org/officeDocument/2006/relationships" xmlns:p="http://schemas.openxmlformats.org/presentationml/2006/main">
   <p:cSld>
     <p:spTree>
@@ -5826,7 +7570,7 @@
             <a:fld id="{DECE1661-AE8E-4B23-8144-2F4A39DE61A3}" type="slidenum">
               <a:rPr lang="fr-FR" smtClean="0"/>
               <a:pPr/>
-              <a:t>2</a:t>
+              <a:t>3</a:t>
             </a:fld>
             <a:endParaRPr lang="fr-FR" dirty="0"/>
           </a:p>
@@ -5915,7 +7659,7 @@
 </p:sld>
 </file>
 
-<file path=ppt/slides/slide3.xml><?xml version="1.0" encoding="utf-8"?>
+<file path=ppt/slides/slide4.xml><?xml version="1.0" encoding="utf-8"?>
 <p:sld xmlns:a="http://schemas.openxmlformats.org/drawingml/2006/main" xmlns:r="http://schemas.openxmlformats.org/officeDocument/2006/relationships" xmlns:p="http://schemas.openxmlformats.org/presentationml/2006/main">
   <p:cSld>
     <p:spTree>
@@ -5992,7 +7736,7 @@
             <a:fld id="{DECE1661-AE8E-4B23-8144-2F4A39DE61A3}" type="slidenum">
               <a:rPr lang="fr-FR" smtClean="0"/>
               <a:pPr/>
-              <a:t>3</a:t>
+              <a:t>4</a:t>
             </a:fld>
             <a:endParaRPr lang="fr-FR" dirty="0"/>
           </a:p>
@@ -6953,7 +8697,7 @@
 </p:sld>
 </file>
 
-<file path=ppt/slides/slide4.xml><?xml version="1.0" encoding="utf-8"?>
+<file path=ppt/slides/slide5.xml><?xml version="1.0" encoding="utf-8"?>
 <p:sld xmlns:a="http://schemas.openxmlformats.org/drawingml/2006/main" xmlns:r="http://schemas.openxmlformats.org/officeDocument/2006/relationships" xmlns:p="http://schemas.openxmlformats.org/presentationml/2006/main">
   <p:cSld>
     <p:spTree>
@@ -7030,7 +8774,7 @@
             <a:fld id="{DECE1661-AE8E-4B23-8144-2F4A39DE61A3}" type="slidenum">
               <a:rPr lang="fr-FR" smtClean="0"/>
               <a:pPr/>
-              <a:t>4</a:t>
+              <a:t>5</a:t>
             </a:fld>
             <a:endParaRPr lang="fr-FR" dirty="0"/>
           </a:p>
@@ -8041,7 +9785,7 @@
 </p:sld>
 </file>
 
-<file path=ppt/slides/slide5.xml><?xml version="1.0" encoding="utf-8"?>
+<file path=ppt/slides/slide6.xml><?xml version="1.0" encoding="utf-8"?>
 <p:sld xmlns:a="http://schemas.openxmlformats.org/drawingml/2006/main" xmlns:r="http://schemas.openxmlformats.org/officeDocument/2006/relationships" xmlns:p="http://schemas.openxmlformats.org/presentationml/2006/main">
   <p:cSld>
     <p:spTree>
@@ -8058,10 +9802,7008 @@
           <a:chExt cx="0" cy="0"/>
         </a:xfrm>
       </p:grpSpPr>
+      <p:sp>
+        <p:nvSpPr>
+          <p:cNvPr id="2" name="Titre 1"/>
+          <p:cNvSpPr>
+            <a:spLocks noGrp="1"/>
+          </p:cNvSpPr>
+          <p:nvPr>
+            <p:ph type="title"/>
+          </p:nvPr>
+        </p:nvSpPr>
+        <p:spPr/>
+        <p:txBody>
+          <a:bodyPr/>
+          <a:lstStyle/>
+          <a:p>
+            <a:r>
+              <a:rPr lang="fr-FR" dirty="0" smtClean="0"/>
+              <a:t>Verrous</a:t>
+            </a:r>
+            <a:r>
+              <a:rPr lang="fr-FR" dirty="0" smtClean="0"/>
+              <a:t> Technologiques : Volumétrie des Images</a:t>
+            </a:r>
+            <a:endParaRPr lang="fr-FR" dirty="0"/>
+          </a:p>
+        </p:txBody>
+      </p:sp>
+      <p:sp>
+        <p:nvSpPr>
+          <p:cNvPr id="3" name="Espace réservé du pied de page 2"/>
+          <p:cNvSpPr>
+            <a:spLocks noGrp="1"/>
+          </p:cNvSpPr>
+          <p:nvPr>
+            <p:ph type="ftr" sz="quarter" idx="10"/>
+          </p:nvPr>
+        </p:nvSpPr>
+        <p:spPr/>
+        <p:txBody>
+          <a:bodyPr/>
+          <a:lstStyle/>
+          <a:p>
+            <a:endParaRPr lang="fr-FR" dirty="0"/>
+          </a:p>
+        </p:txBody>
+      </p:sp>
+      <p:sp>
+        <p:nvSpPr>
+          <p:cNvPr id="5" name="Espace réservé du numéro de diapositive 4"/>
+          <p:cNvSpPr>
+            <a:spLocks noGrp="1"/>
+          </p:cNvSpPr>
+          <p:nvPr>
+            <p:ph type="sldNum" sz="quarter" idx="12"/>
+          </p:nvPr>
+        </p:nvSpPr>
+        <p:spPr/>
+        <p:txBody>
+          <a:bodyPr/>
+          <a:lstStyle/>
+          <a:p>
+            <a:fld id="{DECE1661-AE8E-4B23-8144-2F4A39DE61A3}" type="slidenum">
+              <a:rPr lang="fr-FR" smtClean="0"/>
+              <a:pPr/>
+              <a:t>6</a:t>
+            </a:fld>
+            <a:endParaRPr lang="fr-FR" dirty="0"/>
+          </a:p>
+        </p:txBody>
+      </p:sp>
+      <p:pic>
+        <p:nvPicPr>
+          <p:cNvPr id="6" name="Image 5" descr="google_images_search.png"/>
+          <p:cNvPicPr>
+            <a:picLocks noChangeAspect="1"/>
+          </p:cNvPicPr>
+          <p:nvPr/>
+        </p:nvPicPr>
+        <p:blipFill>
+          <a:blip r:embed="rId2">
+            <a:extLst>
+              <a:ext uri="{28A0092B-C50C-407E-A947-70E740481C1C}">
+                <a14:useLocalDpi xmlns:a14="http://schemas.microsoft.com/office/drawing/2010/main" val="0"/>
+              </a:ext>
+            </a:extLst>
+          </a:blip>
+          <a:stretch>
+            <a:fillRect/>
+          </a:stretch>
+        </p:blipFill>
+        <p:spPr>
+          <a:xfrm>
+            <a:off x="196910" y="766349"/>
+            <a:ext cx="4101336" cy="2521553"/>
+          </a:xfrm>
+          <a:prstGeom prst="rect">
+            <a:avLst/>
+          </a:prstGeom>
+        </p:spPr>
+      </p:pic>
+      <p:sp>
+        <p:nvSpPr>
+          <p:cNvPr id="7" name="Rectangle à coins arrondis 6"/>
+          <p:cNvSpPr/>
+          <p:nvPr/>
+        </p:nvSpPr>
+        <p:spPr>
+          <a:xfrm>
+            <a:off x="4479699" y="580798"/>
+            <a:ext cx="4184333" cy="3908076"/>
+          </a:xfrm>
+          <a:prstGeom prst="roundRect">
+            <a:avLst/>
+          </a:prstGeom>
+        </p:spPr>
+        <p:style>
+          <a:lnRef idx="2">
+            <a:schemeClr val="accent3"/>
+          </a:lnRef>
+          <a:fillRef idx="1">
+            <a:schemeClr val="lt1"/>
+          </a:fillRef>
+          <a:effectRef idx="0">
+            <a:schemeClr val="accent3"/>
+          </a:effectRef>
+          <a:fontRef idx="minor">
+            <a:schemeClr val="dk1"/>
+          </a:fontRef>
+        </p:style>
+        <p:txBody>
+          <a:bodyPr rtlCol="0" anchor="ctr"/>
+          <a:lstStyle/>
+          <a:p>
+            <a:pPr algn="ctr"/>
+            <a:endParaRPr lang="fr-FR" dirty="0"/>
+          </a:p>
+        </p:txBody>
+      </p:sp>
+      <p:sp>
+        <p:nvSpPr>
+          <p:cNvPr id="8" name="ZoneTexte 7"/>
+          <p:cNvSpPr txBox="1"/>
+          <p:nvPr/>
+        </p:nvSpPr>
+        <p:spPr>
+          <a:xfrm>
+            <a:off x="4538776" y="649705"/>
+            <a:ext cx="4066184" cy="3770260"/>
+          </a:xfrm>
+          <a:prstGeom prst="rect">
+            <a:avLst/>
+          </a:prstGeom>
+          <a:noFill/>
+        </p:spPr>
+        <p:txBody>
+          <a:bodyPr wrap="square" lIns="72000" tIns="72000" rIns="72000" bIns="72000" rtlCol="0" anchor="ctr">
+            <a:noAutofit/>
+          </a:bodyPr>
+          <a:lstStyle/>
+          <a:p>
+            <a:pPr marL="285750" indent="-285750">
+              <a:buFont typeface="Arial"/>
+              <a:buChar char="•"/>
+            </a:pPr>
+            <a:r>
+              <a:rPr lang="fr-FR" dirty="0" smtClean="0">
+                <a:latin typeface="+mj-lt"/>
+              </a:rPr>
+              <a:t>Moteurs de recherche des images modernes : un </a:t>
+            </a:r>
+            <a:r>
+              <a:rPr lang="fr-FR" i="1" dirty="0" err="1" smtClean="0">
+                <a:latin typeface="+mj-lt"/>
+              </a:rPr>
+              <a:t>framework</a:t>
+            </a:r>
+            <a:r>
+              <a:rPr lang="fr-FR" i="1" dirty="0" smtClean="0">
+                <a:latin typeface="+mj-lt"/>
+              </a:rPr>
+              <a:t> web</a:t>
+            </a:r>
+            <a:r>
+              <a:rPr lang="fr-FR" dirty="0" smtClean="0">
+                <a:latin typeface="+mj-lt"/>
+              </a:rPr>
+              <a:t> </a:t>
+            </a:r>
+            <a:r>
+              <a:rPr lang="fr-FR" b="1" dirty="0" smtClean="0">
+                <a:latin typeface="+mj-lt"/>
+              </a:rPr>
+              <a:t>dynamique</a:t>
+            </a:r>
+            <a:r>
+              <a:rPr lang="fr-FR" dirty="0" smtClean="0">
+                <a:latin typeface="+mj-lt"/>
+              </a:rPr>
+              <a:t>, les résultats de la recherche sont envoyés par </a:t>
+            </a:r>
+            <a:r>
+              <a:rPr lang="fr-FR" b="1" dirty="0" smtClean="0">
+                <a:latin typeface="+mj-lt"/>
+              </a:rPr>
+              <a:t>un flux dynamique</a:t>
+            </a:r>
+            <a:r>
+              <a:rPr lang="fr-FR" dirty="0" smtClean="0">
+                <a:latin typeface="+mj-lt"/>
+              </a:rPr>
+              <a:t> (ex: clique bouton pour afficher plus de résultats).</a:t>
+            </a:r>
+          </a:p>
+          <a:p>
+            <a:pPr marL="285750" indent="-285750">
+              <a:buFont typeface="Arial"/>
+              <a:buChar char="•"/>
+            </a:pPr>
+            <a:r>
+              <a:rPr lang="fr-FR" dirty="0" smtClean="0">
+                <a:latin typeface="+mj-lt"/>
+              </a:rPr>
+              <a:t>Le package </a:t>
+            </a:r>
+            <a:r>
+              <a:rPr lang="fr-FR" i="1" dirty="0" err="1" smtClean="0">
+                <a:latin typeface="+mj-lt"/>
+              </a:rPr>
+              <a:t>scrapy</a:t>
+            </a:r>
+            <a:r>
+              <a:rPr lang="fr-FR" dirty="0" smtClean="0">
+                <a:latin typeface="+mj-lt"/>
+              </a:rPr>
+              <a:t> ne peut pas récupérer ces flux dynamiques.</a:t>
+            </a:r>
+          </a:p>
+          <a:p>
+            <a:pPr marL="285750" indent="-285750">
+              <a:buFont typeface="Arial"/>
+              <a:buChar char="•"/>
+            </a:pPr>
+            <a:r>
+              <a:rPr lang="fr-FR" dirty="0" smtClean="0">
+                <a:latin typeface="+mj-lt"/>
+              </a:rPr>
+              <a:t>Les images récupérés depuis ces </a:t>
+            </a:r>
+            <a:r>
+              <a:rPr lang="fr-FR" i="1" dirty="0" err="1" smtClean="0">
+                <a:latin typeface="+mj-lt"/>
+              </a:rPr>
+              <a:t>frameworks</a:t>
+            </a:r>
+            <a:r>
+              <a:rPr lang="fr-FR" i="1" dirty="0" smtClean="0">
+                <a:latin typeface="+mj-lt"/>
+              </a:rPr>
+              <a:t> web</a:t>
+            </a:r>
+            <a:r>
+              <a:rPr lang="fr-FR" dirty="0" smtClean="0">
+                <a:latin typeface="+mj-lt"/>
+              </a:rPr>
+              <a:t> dynamiques sont des </a:t>
+            </a:r>
+            <a:r>
+              <a:rPr lang="fr-FR" b="1" dirty="0" smtClean="0">
+                <a:latin typeface="+mj-lt"/>
+              </a:rPr>
+              <a:t>liens vers des images statiques</a:t>
+            </a:r>
+            <a:r>
+              <a:rPr lang="fr-FR" dirty="0" smtClean="0">
+                <a:latin typeface="+mj-lt"/>
+              </a:rPr>
+              <a:t> qui sont limités à </a:t>
+            </a:r>
+            <a:r>
+              <a:rPr lang="fr-FR" b="1" dirty="0" smtClean="0">
+                <a:latin typeface="+mj-lt"/>
+              </a:rPr>
+              <a:t>20 ou 30 maximum</a:t>
+            </a:r>
+            <a:r>
+              <a:rPr lang="fr-FR" dirty="0" smtClean="0">
+                <a:latin typeface="+mj-lt"/>
+              </a:rPr>
+              <a:t>.</a:t>
+            </a:r>
+          </a:p>
+          <a:p>
+            <a:pPr marL="285750" indent="-285750">
+              <a:buFont typeface="Arial"/>
+              <a:buChar char="•"/>
+            </a:pPr>
+            <a:r>
+              <a:rPr lang="fr-FR" dirty="0" smtClean="0">
+                <a:latin typeface="+mj-lt"/>
+              </a:rPr>
+              <a:t>Combinaison des mots : cette proposition n’augmente pas beaucoup la volumétrie des images recherchées. En plus les images retournées ne correspondent pas au mot clé. </a:t>
+            </a:r>
+          </a:p>
+          <a:p>
+            <a:pPr marL="628650" lvl="1" indent="-285750">
+              <a:buFont typeface="Arial"/>
+              <a:buChar char="•"/>
+            </a:pPr>
+            <a:r>
+              <a:rPr lang="fr-FR" dirty="0" smtClean="0">
+                <a:latin typeface="+mj-lt"/>
+              </a:rPr>
+              <a:t>Cette proposition n’est pas réalisable.   </a:t>
+            </a:r>
+          </a:p>
+        </p:txBody>
+      </p:sp>
+      <p:sp>
+        <p:nvSpPr>
+          <p:cNvPr id="9" name="Flèche vers la droite 8"/>
+          <p:cNvSpPr/>
+          <p:nvPr/>
+        </p:nvSpPr>
+        <p:spPr>
+          <a:xfrm>
+            <a:off x="4784908" y="4065580"/>
+            <a:ext cx="433202" cy="226413"/>
+          </a:xfrm>
+          <a:prstGeom prst="rightArrow">
+            <a:avLst/>
+          </a:prstGeom>
+        </p:spPr>
+        <p:style>
+          <a:lnRef idx="1">
+            <a:schemeClr val="accent1"/>
+          </a:lnRef>
+          <a:fillRef idx="3">
+            <a:schemeClr val="accent1"/>
+          </a:fillRef>
+          <a:effectRef idx="2">
+            <a:schemeClr val="accent1"/>
+          </a:effectRef>
+          <a:fontRef idx="minor">
+            <a:schemeClr val="lt1"/>
+          </a:fontRef>
+        </p:style>
+        <p:txBody>
+          <a:bodyPr rtlCol="0" anchor="ctr"/>
+          <a:lstStyle/>
+          <a:p>
+            <a:pPr algn="ctr"/>
+            <a:endParaRPr lang="fr-FR"/>
+          </a:p>
+        </p:txBody>
+      </p:sp>
+      <p:sp>
+        <p:nvSpPr>
+          <p:cNvPr id="10" name="Rectangle à coins arrondis 9"/>
+          <p:cNvSpPr/>
+          <p:nvPr/>
+        </p:nvSpPr>
+        <p:spPr>
+          <a:xfrm>
+            <a:off x="856557" y="3465094"/>
+            <a:ext cx="2973338" cy="1279723"/>
+          </a:xfrm>
+          <a:prstGeom prst="roundRect">
+            <a:avLst/>
+          </a:prstGeom>
+        </p:spPr>
+        <p:style>
+          <a:lnRef idx="2">
+            <a:schemeClr val="accent4"/>
+          </a:lnRef>
+          <a:fillRef idx="1">
+            <a:schemeClr val="lt1"/>
+          </a:fillRef>
+          <a:effectRef idx="0">
+            <a:schemeClr val="accent4"/>
+          </a:effectRef>
+          <a:fontRef idx="minor">
+            <a:schemeClr val="dk1"/>
+          </a:fontRef>
+        </p:style>
+        <p:txBody>
+          <a:bodyPr rtlCol="0" anchor="ctr"/>
+          <a:lstStyle/>
+          <a:p>
+            <a:pPr algn="ctr"/>
+            <a:r>
+              <a:rPr lang="fr-FR" dirty="0" smtClean="0"/>
+              <a:t>M</a:t>
+            </a:r>
+            <a:r>
+              <a:rPr lang="fr-FR" dirty="0" smtClean="0"/>
+              <a:t>oteur de recherche des images dynamique (appliqué par </a:t>
+            </a:r>
+            <a:r>
+              <a:rPr lang="fr-FR" dirty="0" err="1" smtClean="0"/>
+              <a:t>google</a:t>
+            </a:r>
+            <a:r>
+              <a:rPr lang="fr-FR" dirty="0" smtClean="0"/>
+              <a:t>, </a:t>
+            </a:r>
+            <a:r>
+              <a:rPr lang="fr-FR" dirty="0" err="1" smtClean="0"/>
+              <a:t>flicker</a:t>
+            </a:r>
+            <a:r>
+              <a:rPr lang="fr-FR" dirty="0" smtClean="0"/>
+              <a:t>, bing, etc.)</a:t>
+            </a:r>
+          </a:p>
+          <a:p>
+            <a:pPr algn="ctr"/>
+            <a:r>
+              <a:rPr lang="fr-FR" dirty="0" smtClean="0"/>
+              <a:t>«plus de résultats» c’est l’action pour demander un flux</a:t>
+            </a:r>
+            <a:endParaRPr lang="fr-FR" dirty="0"/>
+          </a:p>
+        </p:txBody>
+      </p:sp>
+      <p:cxnSp>
+        <p:nvCxnSpPr>
+          <p:cNvPr id="12" name="Connecteur droit avec flèche 11"/>
+          <p:cNvCxnSpPr>
+            <a:stCxn id="10" idx="0"/>
+          </p:cNvCxnSpPr>
+          <p:nvPr/>
+        </p:nvCxnSpPr>
+        <p:spPr>
+          <a:xfrm flipV="1">
+            <a:off x="2343226" y="3041802"/>
+            <a:ext cx="1" cy="423292"/>
+          </a:xfrm>
+          <a:prstGeom prst="straightConnector1">
+            <a:avLst/>
+          </a:prstGeom>
+          <a:ln>
+            <a:tailEnd type="arrow"/>
+          </a:ln>
+        </p:spPr>
+        <p:style>
+          <a:lnRef idx="2">
+            <a:schemeClr val="accent1"/>
+          </a:lnRef>
+          <a:fillRef idx="0">
+            <a:schemeClr val="accent1"/>
+          </a:fillRef>
+          <a:effectRef idx="1">
+            <a:schemeClr val="accent1"/>
+          </a:effectRef>
+          <a:fontRef idx="minor">
+            <a:schemeClr val="tx1"/>
+          </a:fontRef>
+        </p:style>
+      </p:cxnSp>
     </p:spTree>
     <p:extLst>
       <p:ext uri="{BB962C8B-B14F-4D97-AF65-F5344CB8AC3E}">
-        <p14:creationId xmlns:p14="http://schemas.microsoft.com/office/powerpoint/2010/main" val="2068979515"/>
+        <p14:creationId xmlns:p14="http://schemas.microsoft.com/office/powerpoint/2010/main" val="1899670263"/>
+      </p:ext>
+    </p:extLst>
+  </p:cSld>
+  <p:clrMapOvr>
+    <a:masterClrMapping/>
+  </p:clrMapOvr>
+</p:sld>
+</file>
+
+<file path=ppt/slides/slide7.xml><?xml version="1.0" encoding="utf-8"?>
+<p:sld xmlns:a="http://schemas.openxmlformats.org/drawingml/2006/main" xmlns:r="http://schemas.openxmlformats.org/officeDocument/2006/relationships" xmlns:p="http://schemas.openxmlformats.org/presentationml/2006/main">
+  <p:cSld>
+    <p:spTree>
+      <p:nvGrpSpPr>
+        <p:cNvPr id="1" name=""/>
+        <p:cNvGrpSpPr/>
+        <p:nvPr/>
+      </p:nvGrpSpPr>
+      <p:grpSpPr>
+        <a:xfrm>
+          <a:off x="0" y="0"/>
+          <a:ext cx="0" cy="0"/>
+          <a:chOff x="0" y="0"/>
+          <a:chExt cx="0" cy="0"/>
+        </a:xfrm>
+      </p:grpSpPr>
+      <p:sp>
+        <p:nvSpPr>
+          <p:cNvPr id="10" name="Rectangle à coins arrondis 9"/>
+          <p:cNvSpPr/>
+          <p:nvPr/>
+        </p:nvSpPr>
+        <p:spPr>
+          <a:xfrm>
+            <a:off x="3662523" y="630017"/>
+            <a:ext cx="5227950" cy="2638197"/>
+          </a:xfrm>
+          <a:prstGeom prst="roundRect">
+            <a:avLst/>
+          </a:prstGeom>
+        </p:spPr>
+        <p:style>
+          <a:lnRef idx="2">
+            <a:schemeClr val="accent3"/>
+          </a:lnRef>
+          <a:fillRef idx="1">
+            <a:schemeClr val="lt1"/>
+          </a:fillRef>
+          <a:effectRef idx="0">
+            <a:schemeClr val="accent3"/>
+          </a:effectRef>
+          <a:fontRef idx="minor">
+            <a:schemeClr val="dk1"/>
+          </a:fontRef>
+        </p:style>
+        <p:txBody>
+          <a:bodyPr rtlCol="0" anchor="ctr"/>
+          <a:lstStyle/>
+          <a:p>
+            <a:pPr algn="ctr"/>
+            <a:endParaRPr lang="fr-FR"/>
+          </a:p>
+        </p:txBody>
+      </p:sp>
+      <p:sp>
+        <p:nvSpPr>
+          <p:cNvPr id="2" name="Titre 1"/>
+          <p:cNvSpPr>
+            <a:spLocks noGrp="1"/>
+          </p:cNvSpPr>
+          <p:nvPr>
+            <p:ph type="title"/>
+          </p:nvPr>
+        </p:nvSpPr>
+        <p:spPr/>
+        <p:txBody>
+          <a:bodyPr/>
+          <a:lstStyle/>
+          <a:p>
+            <a:r>
+              <a:rPr lang="fr-FR" dirty="0"/>
+              <a:t>Verrous Technologiques : Volumétrie des Images</a:t>
+            </a:r>
+          </a:p>
+        </p:txBody>
+      </p:sp>
+      <p:sp>
+        <p:nvSpPr>
+          <p:cNvPr id="3" name="Espace réservé du pied de page 2"/>
+          <p:cNvSpPr>
+            <a:spLocks noGrp="1"/>
+          </p:cNvSpPr>
+          <p:nvPr>
+            <p:ph type="ftr" sz="quarter" idx="10"/>
+          </p:nvPr>
+        </p:nvSpPr>
+        <p:spPr/>
+        <p:txBody>
+          <a:bodyPr/>
+          <a:lstStyle/>
+          <a:p>
+            <a:endParaRPr lang="fr-FR" dirty="0"/>
+          </a:p>
+        </p:txBody>
+      </p:sp>
+      <p:sp>
+        <p:nvSpPr>
+          <p:cNvPr id="5" name="Espace réservé du numéro de diapositive 4"/>
+          <p:cNvSpPr>
+            <a:spLocks noGrp="1"/>
+          </p:cNvSpPr>
+          <p:nvPr>
+            <p:ph type="sldNum" sz="quarter" idx="12"/>
+          </p:nvPr>
+        </p:nvSpPr>
+        <p:spPr/>
+        <p:txBody>
+          <a:bodyPr/>
+          <a:lstStyle/>
+          <a:p>
+            <a:fld id="{DECE1661-AE8E-4B23-8144-2F4A39DE61A3}" type="slidenum">
+              <a:rPr lang="fr-FR" smtClean="0"/>
+              <a:pPr/>
+              <a:t>7</a:t>
+            </a:fld>
+            <a:endParaRPr lang="fr-FR" dirty="0"/>
+          </a:p>
+        </p:txBody>
+      </p:sp>
+      <p:pic>
+        <p:nvPicPr>
+          <p:cNvPr id="6" name="Image 5" descr="dogpile_images_search.png"/>
+          <p:cNvPicPr>
+            <a:picLocks noChangeAspect="1"/>
+          </p:cNvPicPr>
+          <p:nvPr/>
+        </p:nvPicPr>
+        <p:blipFill>
+          <a:blip r:embed="rId2">
+            <a:extLst>
+              <a:ext uri="{28A0092B-C50C-407E-A947-70E740481C1C}">
+                <a14:useLocalDpi xmlns:a14="http://schemas.microsoft.com/office/drawing/2010/main" val="0"/>
+              </a:ext>
+            </a:extLst>
+          </a:blip>
+          <a:stretch>
+            <a:fillRect/>
+          </a:stretch>
+        </p:blipFill>
+        <p:spPr>
+          <a:xfrm>
+            <a:off x="285520" y="639862"/>
+            <a:ext cx="3229320" cy="4025032"/>
+          </a:xfrm>
+          <a:prstGeom prst="rect">
+            <a:avLst/>
+          </a:prstGeom>
+        </p:spPr>
+      </p:pic>
+      <p:sp>
+        <p:nvSpPr>
+          <p:cNvPr id="7" name="ZoneTexte 6"/>
+          <p:cNvSpPr txBox="1"/>
+          <p:nvPr/>
+        </p:nvSpPr>
+        <p:spPr>
+          <a:xfrm>
+            <a:off x="3751133" y="462672"/>
+            <a:ext cx="5109810" cy="2854763"/>
+          </a:xfrm>
+          <a:prstGeom prst="rect">
+            <a:avLst/>
+          </a:prstGeom>
+          <a:noFill/>
+        </p:spPr>
+        <p:txBody>
+          <a:bodyPr wrap="square" lIns="72000" tIns="72000" rIns="72000" bIns="72000" rtlCol="0" anchor="ctr">
+            <a:noAutofit/>
+          </a:bodyPr>
+          <a:lstStyle/>
+          <a:p>
+            <a:pPr marL="285750" indent="-285750">
+              <a:buFont typeface="Arial"/>
+              <a:buChar char="•"/>
+            </a:pPr>
+            <a:r>
+              <a:rPr lang="fr-FR" dirty="0" smtClean="0">
+                <a:latin typeface="+mj-lt"/>
+              </a:rPr>
+              <a:t>Une solution la plus adaptée : un moteur de recherche des images traditionnel donc </a:t>
+            </a:r>
+            <a:r>
+              <a:rPr lang="fr-FR" b="1" dirty="0" smtClean="0">
+                <a:latin typeface="+mj-lt"/>
+              </a:rPr>
+              <a:t>un moteur de recherche statique</a:t>
+            </a:r>
+          </a:p>
+          <a:p>
+            <a:pPr marL="285750" indent="-285750">
+              <a:buFont typeface="Arial"/>
+              <a:buChar char="•"/>
+            </a:pPr>
+            <a:r>
+              <a:rPr lang="fr-FR" dirty="0" smtClean="0">
+                <a:latin typeface="+mj-lt"/>
+              </a:rPr>
+              <a:t>Pour un moteur de rechercher statique, les liens vers les résultats sont </a:t>
+            </a:r>
+            <a:r>
+              <a:rPr lang="fr-FR" b="1" dirty="0" smtClean="0">
+                <a:latin typeface="+mj-lt"/>
+              </a:rPr>
+              <a:t>intégrés</a:t>
+            </a:r>
+            <a:r>
+              <a:rPr lang="fr-FR" dirty="0" smtClean="0">
+                <a:latin typeface="+mj-lt"/>
+              </a:rPr>
+              <a:t> dans le </a:t>
+            </a:r>
+            <a:r>
+              <a:rPr lang="fr-FR" i="1" dirty="0" err="1" smtClean="0">
+                <a:latin typeface="+mj-lt"/>
+              </a:rPr>
+              <a:t>framework</a:t>
+            </a:r>
+            <a:r>
+              <a:rPr lang="fr-FR" i="1" dirty="0" smtClean="0">
+                <a:latin typeface="+mj-lt"/>
+              </a:rPr>
+              <a:t> web</a:t>
+            </a:r>
+            <a:r>
+              <a:rPr lang="fr-FR" dirty="0" smtClean="0">
+                <a:latin typeface="+mj-lt"/>
+              </a:rPr>
+              <a:t>, retournés avec le code HTML du page web. Avec ceci, le package de </a:t>
+            </a:r>
+            <a:r>
+              <a:rPr lang="fr-FR" i="1" dirty="0" err="1" smtClean="0">
+                <a:latin typeface="+mj-lt"/>
+              </a:rPr>
+              <a:t>scrapy</a:t>
+            </a:r>
+            <a:r>
+              <a:rPr lang="fr-FR" dirty="0" smtClean="0">
+                <a:latin typeface="+mj-lt"/>
+              </a:rPr>
+              <a:t> peut fonctionner.</a:t>
+            </a:r>
+            <a:endParaRPr lang="fr-FR" dirty="0">
+              <a:latin typeface="+mj-lt"/>
+            </a:endParaRPr>
+          </a:p>
+          <a:p>
+            <a:pPr marL="285750" indent="-285750">
+              <a:buFont typeface="Arial"/>
+              <a:buChar char="•"/>
+            </a:pPr>
+            <a:r>
+              <a:rPr lang="fr-FR" b="1" dirty="0" err="1" smtClean="0">
+                <a:latin typeface="+mj-lt"/>
+              </a:rPr>
+              <a:t>Dogpile.com</a:t>
+            </a:r>
+            <a:r>
+              <a:rPr lang="fr-FR" dirty="0" smtClean="0">
+                <a:latin typeface="+mj-lt"/>
+              </a:rPr>
+              <a:t> :  un moteur de recherche statique, avec une quantité des réponses acceptables</a:t>
+            </a:r>
+            <a:endParaRPr lang="fr-FR" dirty="0">
+              <a:latin typeface="+mj-lt"/>
+            </a:endParaRPr>
+          </a:p>
+        </p:txBody>
+      </p:sp>
+      <p:sp>
+        <p:nvSpPr>
+          <p:cNvPr id="8" name="Rectangle à coins arrondis 7"/>
+          <p:cNvSpPr/>
+          <p:nvPr/>
+        </p:nvSpPr>
+        <p:spPr>
+          <a:xfrm>
+            <a:off x="3820051" y="3406031"/>
+            <a:ext cx="2894575" cy="1250190"/>
+          </a:xfrm>
+          <a:prstGeom prst="roundRect">
+            <a:avLst/>
+          </a:prstGeom>
+        </p:spPr>
+        <p:style>
+          <a:lnRef idx="2">
+            <a:schemeClr val="accent4"/>
+          </a:lnRef>
+          <a:fillRef idx="1">
+            <a:schemeClr val="lt1"/>
+          </a:fillRef>
+          <a:effectRef idx="0">
+            <a:schemeClr val="accent4"/>
+          </a:effectRef>
+          <a:fontRef idx="minor">
+            <a:schemeClr val="dk1"/>
+          </a:fontRef>
+        </p:style>
+        <p:txBody>
+          <a:bodyPr rtlCol="0" anchor="ctr"/>
+          <a:lstStyle/>
+          <a:p>
+            <a:pPr algn="ctr"/>
+            <a:r>
+              <a:rPr lang="fr-FR" dirty="0" smtClean="0"/>
+              <a:t>Dans u</a:t>
+            </a:r>
+            <a:r>
+              <a:rPr lang="fr-FR" dirty="0" smtClean="0"/>
+              <a:t>n moteur de recherche statique, les résultats sont affichés sur plusieurs pages et le nombre total des pages est indiqué par le moteur de recherche</a:t>
+            </a:r>
+            <a:endParaRPr lang="fr-FR" dirty="0"/>
+          </a:p>
+        </p:txBody>
+      </p:sp>
+      <p:pic>
+        <p:nvPicPr>
+          <p:cNvPr id="9" name="Image 8" descr="dogpile.png"/>
+          <p:cNvPicPr>
+            <a:picLocks noChangeAspect="1"/>
+          </p:cNvPicPr>
+          <p:nvPr/>
+        </p:nvPicPr>
+        <p:blipFill>
+          <a:blip r:embed="rId3">
+            <a:extLst>
+              <a:ext uri="{28A0092B-C50C-407E-A947-70E740481C1C}">
+                <a14:useLocalDpi xmlns:a14="http://schemas.microsoft.com/office/drawing/2010/main" val="0"/>
+              </a:ext>
+            </a:extLst>
+          </a:blip>
+          <a:stretch>
+            <a:fillRect/>
+          </a:stretch>
+        </p:blipFill>
+        <p:spPr>
+          <a:xfrm>
+            <a:off x="6941071" y="2719783"/>
+            <a:ext cx="1749163" cy="433736"/>
+          </a:xfrm>
+          <a:prstGeom prst="rect">
+            <a:avLst/>
+          </a:prstGeom>
+        </p:spPr>
+      </p:pic>
+      <p:cxnSp>
+        <p:nvCxnSpPr>
+          <p:cNvPr id="15" name="Connecteur droit avec flèche 14"/>
+          <p:cNvCxnSpPr>
+            <a:stCxn id="8" idx="1"/>
+          </p:cNvCxnSpPr>
+          <p:nvPr/>
+        </p:nvCxnSpPr>
+        <p:spPr>
+          <a:xfrm flipH="1">
+            <a:off x="1919871" y="4031126"/>
+            <a:ext cx="1900180" cy="428215"/>
+          </a:xfrm>
+          <a:prstGeom prst="straightConnector1">
+            <a:avLst/>
+          </a:prstGeom>
+          <a:ln>
+            <a:tailEnd type="arrow"/>
+          </a:ln>
+        </p:spPr>
+        <p:style>
+          <a:lnRef idx="2">
+            <a:schemeClr val="accent1"/>
+          </a:lnRef>
+          <a:fillRef idx="0">
+            <a:schemeClr val="accent1"/>
+          </a:fillRef>
+          <a:effectRef idx="1">
+            <a:schemeClr val="accent1"/>
+          </a:effectRef>
+          <a:fontRef idx="minor">
+            <a:schemeClr val="tx1"/>
+          </a:fontRef>
+        </p:style>
+      </p:cxnSp>
+    </p:spTree>
+    <p:extLst>
+      <p:ext uri="{BB962C8B-B14F-4D97-AF65-F5344CB8AC3E}">
+        <p14:creationId xmlns:p14="http://schemas.microsoft.com/office/powerpoint/2010/main" val="1112680013"/>
+      </p:ext>
+    </p:extLst>
+  </p:cSld>
+  <p:clrMapOvr>
+    <a:masterClrMapping/>
+  </p:clrMapOvr>
+</p:sld>
+</file>
+
+<file path=ppt/slides/slide8.xml><?xml version="1.0" encoding="utf-8"?>
+<p:sld xmlns:a="http://schemas.openxmlformats.org/drawingml/2006/main" xmlns:r="http://schemas.openxmlformats.org/officeDocument/2006/relationships" xmlns:p="http://schemas.openxmlformats.org/presentationml/2006/main">
+  <p:cSld>
+    <p:spTree>
+      <p:nvGrpSpPr>
+        <p:cNvPr id="1" name=""/>
+        <p:cNvGrpSpPr/>
+        <p:nvPr/>
+      </p:nvGrpSpPr>
+      <p:grpSpPr>
+        <a:xfrm>
+          <a:off x="0" y="0"/>
+          <a:ext cx="0" cy="0"/>
+          <a:chOff x="0" y="0"/>
+          <a:chExt cx="0" cy="0"/>
+        </a:xfrm>
+      </p:grpSpPr>
+      <p:sp>
+        <p:nvSpPr>
+          <p:cNvPr id="2" name="Titre 1"/>
+          <p:cNvSpPr>
+            <a:spLocks noGrp="1"/>
+          </p:cNvSpPr>
+          <p:nvPr>
+            <p:ph type="title"/>
+          </p:nvPr>
+        </p:nvSpPr>
+        <p:spPr/>
+        <p:txBody>
+          <a:bodyPr/>
+          <a:lstStyle/>
+          <a:p>
+            <a:r>
+              <a:rPr lang="fr-FR" dirty="0" smtClean="0"/>
+              <a:t>Création de la base des données: motif</a:t>
+            </a:r>
+            <a:endParaRPr lang="fr-FR" dirty="0"/>
+          </a:p>
+        </p:txBody>
+      </p:sp>
+      <p:sp>
+        <p:nvSpPr>
+          <p:cNvPr id="3" name="Espace réservé du pied de page 2"/>
+          <p:cNvSpPr>
+            <a:spLocks noGrp="1"/>
+          </p:cNvSpPr>
+          <p:nvPr>
+            <p:ph type="ftr" sz="quarter" idx="10"/>
+          </p:nvPr>
+        </p:nvSpPr>
+        <p:spPr/>
+        <p:txBody>
+          <a:bodyPr/>
+          <a:lstStyle/>
+          <a:p>
+            <a:endParaRPr lang="fr-FR" dirty="0"/>
+          </a:p>
+        </p:txBody>
+      </p:sp>
+      <p:sp>
+        <p:nvSpPr>
+          <p:cNvPr id="5" name="Espace réservé du numéro de diapositive 4"/>
+          <p:cNvSpPr>
+            <a:spLocks noGrp="1"/>
+          </p:cNvSpPr>
+          <p:nvPr>
+            <p:ph type="sldNum" sz="quarter" idx="12"/>
+          </p:nvPr>
+        </p:nvSpPr>
+        <p:spPr/>
+        <p:txBody>
+          <a:bodyPr/>
+          <a:lstStyle/>
+          <a:p>
+            <a:fld id="{DECE1661-AE8E-4B23-8144-2F4A39DE61A3}" type="slidenum">
+              <a:rPr lang="fr-FR" smtClean="0"/>
+              <a:pPr/>
+              <a:t>8</a:t>
+            </a:fld>
+            <a:endParaRPr lang="fr-FR" dirty="0"/>
+          </a:p>
+        </p:txBody>
+      </p:sp>
+      <p:graphicFrame>
+        <p:nvGraphicFramePr>
+          <p:cNvPr id="6" name="Tableau 5"/>
+          <p:cNvGraphicFramePr>
+            <a:graphicFrameLocks noGrp="1"/>
+          </p:cNvGraphicFramePr>
+          <p:nvPr>
+            <p:extLst>
+              <p:ext uri="{D42A27DB-BD31-4B8C-83A1-F6EECF244321}">
+                <p14:modId xmlns:p14="http://schemas.microsoft.com/office/powerpoint/2010/main" val="441927554"/>
+              </p:ext>
+            </p:extLst>
+          </p:nvPr>
+        </p:nvGraphicFramePr>
+        <p:xfrm>
+          <a:off x="2264463" y="630250"/>
+          <a:ext cx="6527560" cy="4513250"/>
+        </p:xfrm>
+        <a:graphic>
+          <a:graphicData uri="http://schemas.openxmlformats.org/drawingml/2006/table">
+            <a:tbl>
+              <a:tblPr>
+                <a:tableStyleId>{F5AB1C69-6EDB-4FF4-983F-18BD219EF322}</a:tableStyleId>
+              </a:tblPr>
+              <a:tblGrid>
+                <a:gridCol w="1089818"/>
+                <a:gridCol w="5437742"/>
+              </a:tblGrid>
+              <a:tr h="112270">
+                <a:tc>
+                  <a:txBody>
+                    <a:bodyPr/>
+                    <a:lstStyle/>
+                    <a:p>
+                      <a:pPr algn="l" fontAlgn="b"/>
+                      <a:r>
+                        <a:rPr lang="fr-FR" sz="800" u="none" strike="noStrike" dirty="0">
+                          <a:effectLst/>
+                        </a:rPr>
+                        <a:t>Motif</a:t>
+                      </a:r>
+                      <a:endParaRPr lang="fr-FR" sz="800" b="0" i="0" u="none" strike="noStrike" dirty="0">
+                        <a:solidFill>
+                          <a:srgbClr val="000000"/>
+                        </a:solidFill>
+                        <a:effectLst/>
+                        <a:latin typeface="Calibri"/>
+                      </a:endParaRPr>
+                    </a:p>
+                  </a:txBody>
+                  <a:tcPr marL="7030" marR="7030" marT="7030" marB="0" anchor="b">
+                    <a:lnL w="12700" cap="flat" cmpd="sng" algn="ctr">
+                      <a:noFill/>
+                      <a:prstDash val="solid"/>
+                      <a:round/>
+                      <a:headEnd type="none" w="med" len="med"/>
+                      <a:tailEnd type="none" w="med" len="med"/>
+                    </a:lnL>
+                    <a:lnR w="12700" cap="flat" cmpd="sng" algn="ctr">
+                      <a:solidFill>
+                        <a:scrgbClr r="0" g="0" b="0"/>
+                      </a:solidFill>
+                      <a:prstDash val="solid"/>
+                      <a:round/>
+                      <a:headEnd type="none" w="med" len="med"/>
+                      <a:tailEnd type="none" w="med" len="med"/>
+                    </a:lnR>
+                    <a:lnT w="12700" cap="flat" cmpd="sng" algn="ctr">
+                      <a:noFill/>
+                      <a:prstDash val="solid"/>
+                      <a:round/>
+                      <a:headEnd type="none" w="med" len="med"/>
+                      <a:tailEnd type="none" w="med" len="med"/>
+                    </a:lnT>
+                    <a:lnB w="12700" cap="flat" cmpd="sng" algn="ctr">
+                      <a:noFill/>
+                      <a:prstDash val="solid"/>
+                      <a:round/>
+                      <a:headEnd type="none" w="med" len="med"/>
+                      <a:tailEnd type="none" w="med" len="med"/>
+                    </a:lnB>
+                    <a:lnTlToBr w="12700" cmpd="sng">
+                      <a:noFill/>
+                      <a:prstDash val="solid"/>
+                    </a:lnTlToBr>
+                    <a:lnBlToTr w="12700" cmpd="sng">
+                      <a:noFill/>
+                      <a:prstDash val="solid"/>
+                    </a:lnBlToTr>
+                  </a:tcPr>
+                </a:tc>
+                <a:tc>
+                  <a:txBody>
+                    <a:bodyPr/>
+                    <a:lstStyle/>
+                    <a:p>
+                      <a:pPr algn="l" fontAlgn="b"/>
+                      <a:r>
+                        <a:rPr lang="en-US" sz="800" u="none" strike="noStrike" dirty="0">
+                          <a:effectLst/>
+                        </a:rPr>
+                        <a:t>Mots </a:t>
+                      </a:r>
+                      <a:r>
+                        <a:rPr lang="en-US" sz="800" u="none" strike="noStrike" dirty="0" err="1">
+                          <a:effectLst/>
+                        </a:rPr>
+                        <a:t>Cles</a:t>
+                      </a:r>
+                      <a:endParaRPr lang="en-US" sz="800" b="0" i="0" u="none" strike="noStrike" dirty="0">
+                        <a:solidFill>
+                          <a:srgbClr val="000000"/>
+                        </a:solidFill>
+                        <a:effectLst/>
+                        <a:latin typeface="Calibri"/>
+                      </a:endParaRPr>
+                    </a:p>
+                  </a:txBody>
+                  <a:tcPr marL="7030" marR="7030" marT="7030" marB="0" anchor="b">
+                    <a:lnL w="12700" cap="flat" cmpd="sng" algn="ctr">
+                      <a:solidFill>
+                        <a:scrgbClr r="0" g="0" b="0"/>
+                      </a:solidFill>
+                      <a:prstDash val="solid"/>
+                      <a:round/>
+                      <a:headEnd type="none" w="med" len="med"/>
+                      <a:tailEnd type="none" w="med" len="med"/>
+                    </a:lnL>
+                    <a:lnR w="12700" cap="flat" cmpd="sng" algn="ctr">
+                      <a:noFill/>
+                      <a:prstDash val="solid"/>
+                      <a:round/>
+                      <a:headEnd type="none" w="med" len="med"/>
+                      <a:tailEnd type="none" w="med" len="med"/>
+                    </a:lnR>
+                    <a:lnT w="12700" cap="flat" cmpd="sng" algn="ctr">
+                      <a:noFill/>
+                      <a:prstDash val="solid"/>
+                      <a:round/>
+                      <a:headEnd type="none" w="med" len="med"/>
+                      <a:tailEnd type="none" w="med" len="med"/>
+                    </a:lnT>
+                    <a:lnB w="12700" cap="flat" cmpd="sng" algn="ctr">
+                      <a:noFill/>
+                      <a:prstDash val="solid"/>
+                      <a:round/>
+                      <a:headEnd type="none" w="med" len="med"/>
+                      <a:tailEnd type="none" w="med" len="med"/>
+                    </a:lnB>
+                    <a:lnTlToBr w="12700" cmpd="sng">
+                      <a:noFill/>
+                      <a:prstDash val="solid"/>
+                    </a:lnTlToBr>
+                    <a:lnBlToTr w="12700" cmpd="sng">
+                      <a:noFill/>
+                      <a:prstDash val="solid"/>
+                    </a:lnBlToTr>
+                  </a:tcPr>
+                </a:tc>
+              </a:tr>
+              <a:tr h="112270">
+                <a:tc>
+                  <a:txBody>
+                    <a:bodyPr/>
+                    <a:lstStyle/>
+                    <a:p>
+                      <a:pPr algn="l" fontAlgn="b"/>
+                      <a:r>
+                        <a:rPr lang="fi-FI" sz="800" u="none" strike="noStrike" dirty="0" err="1">
+                          <a:effectLst/>
+                        </a:rPr>
+                        <a:t>soleil</a:t>
+                      </a:r>
+                      <a:endParaRPr lang="fi-FI" sz="800" b="0" i="0" u="none" strike="noStrike" dirty="0">
+                        <a:solidFill>
+                          <a:srgbClr val="000000"/>
+                        </a:solidFill>
+                        <a:effectLst/>
+                        <a:latin typeface="Calibri"/>
+                      </a:endParaRPr>
+                    </a:p>
+                  </a:txBody>
+                  <a:tcPr marL="7030" marR="7030" marT="7030" marB="0" anchor="b">
+                    <a:lnL w="12700" cap="flat" cmpd="sng" algn="ctr">
+                      <a:noFill/>
+                      <a:prstDash val="solid"/>
+                      <a:round/>
+                      <a:headEnd type="none" w="med" len="med"/>
+                      <a:tailEnd type="none" w="med" len="med"/>
+                    </a:lnL>
+                    <a:lnR w="12700" cap="flat" cmpd="sng" algn="ctr">
+                      <a:solidFill>
+                        <a:scrgbClr r="0" g="0" b="0"/>
+                      </a:solidFill>
+                      <a:prstDash val="solid"/>
+                      <a:round/>
+                      <a:headEnd type="none" w="med" len="med"/>
+                      <a:tailEnd type="none" w="med" len="med"/>
+                    </a:lnR>
+                    <a:lnT w="12700" cap="flat" cmpd="sng" algn="ctr">
+                      <a:noFill/>
+                      <a:prstDash val="solid"/>
+                      <a:round/>
+                      <a:headEnd type="none" w="med" len="med"/>
+                      <a:tailEnd type="none" w="med" len="med"/>
+                    </a:lnT>
+                    <a:lnB w="12700" cap="flat" cmpd="sng" algn="ctr">
+                      <a:noFill/>
+                      <a:prstDash val="solid"/>
+                      <a:round/>
+                      <a:headEnd type="none" w="med" len="med"/>
+                      <a:tailEnd type="none" w="med" len="med"/>
+                    </a:lnB>
+                    <a:lnTlToBr w="12700" cmpd="sng">
+                      <a:noFill/>
+                      <a:prstDash val="solid"/>
+                    </a:lnTlToBr>
+                    <a:lnBlToTr w="12700" cmpd="sng">
+                      <a:noFill/>
+                      <a:prstDash val="solid"/>
+                    </a:lnBlToTr>
+                  </a:tcPr>
+                </a:tc>
+                <a:tc>
+                  <a:txBody>
+                    <a:bodyPr/>
+                    <a:lstStyle/>
+                    <a:p>
+                      <a:pPr algn="l" fontAlgn="b"/>
+                      <a:r>
+                        <a:rPr lang="nl-NL" sz="800" u="none" strike="noStrike" dirty="0" smtClean="0">
+                          <a:effectLst/>
+                        </a:rPr>
+                        <a:t> '</a:t>
+                      </a:r>
+                      <a:r>
+                        <a:rPr lang="nl-NL" sz="800" u="none" strike="noStrike" dirty="0" err="1">
+                          <a:effectLst/>
+                        </a:rPr>
+                        <a:t>motif</a:t>
+                      </a:r>
+                      <a:r>
+                        <a:rPr lang="nl-NL" sz="800" u="none" strike="noStrike" dirty="0">
+                          <a:effectLst/>
+                        </a:rPr>
+                        <a:t> soleil', '</a:t>
+                      </a:r>
+                      <a:r>
+                        <a:rPr lang="nl-NL" sz="800" u="none" strike="noStrike" dirty="0" err="1">
+                          <a:effectLst/>
+                        </a:rPr>
+                        <a:t>motif</a:t>
+                      </a:r>
+                      <a:r>
+                        <a:rPr lang="nl-NL" sz="800" u="none" strike="noStrike" dirty="0">
+                          <a:effectLst/>
+                        </a:rPr>
+                        <a:t> </a:t>
+                      </a:r>
+                      <a:r>
+                        <a:rPr lang="nl-NL" sz="800" u="none" strike="noStrike" dirty="0" err="1">
+                          <a:effectLst/>
+                        </a:rPr>
+                        <a:t>sun</a:t>
+                      </a:r>
+                      <a:r>
+                        <a:rPr lang="nl-NL" sz="800" u="none" strike="noStrike" dirty="0">
+                          <a:effectLst/>
+                        </a:rPr>
+                        <a:t>', '</a:t>
+                      </a:r>
+                      <a:r>
+                        <a:rPr lang="nl-NL" sz="800" u="none" strike="noStrike" dirty="0" err="1">
+                          <a:effectLst/>
+                        </a:rPr>
+                        <a:t>pattern</a:t>
+                      </a:r>
+                      <a:r>
+                        <a:rPr lang="nl-NL" sz="800" u="none" strike="noStrike" dirty="0">
+                          <a:effectLst/>
+                        </a:rPr>
+                        <a:t> </a:t>
+                      </a:r>
+                      <a:r>
+                        <a:rPr lang="nl-NL" sz="800" u="none" strike="noStrike" dirty="0" err="1">
+                          <a:effectLst/>
+                        </a:rPr>
+                        <a:t>sun</a:t>
+                      </a:r>
+                      <a:r>
+                        <a:rPr lang="nl-NL" sz="800" u="none" strike="noStrike" dirty="0">
+                          <a:effectLst/>
+                        </a:rPr>
+                        <a:t>',</a:t>
+                      </a:r>
+                      <a:endParaRPr lang="nl-NL" sz="800" b="0" i="0" u="none" strike="noStrike" dirty="0">
+                        <a:solidFill>
+                          <a:srgbClr val="000000"/>
+                        </a:solidFill>
+                        <a:effectLst/>
+                        <a:latin typeface="Calibri"/>
+                      </a:endParaRPr>
+                    </a:p>
+                  </a:txBody>
+                  <a:tcPr marL="7030" marR="7030" marT="7030" marB="0" anchor="b">
+                    <a:lnL w="12700" cap="flat" cmpd="sng" algn="ctr">
+                      <a:solidFill>
+                        <a:scrgbClr r="0" g="0" b="0"/>
+                      </a:solidFill>
+                      <a:prstDash val="solid"/>
+                      <a:round/>
+                      <a:headEnd type="none" w="med" len="med"/>
+                      <a:tailEnd type="none" w="med" len="med"/>
+                    </a:lnL>
+                    <a:lnR w="12700" cap="flat" cmpd="sng" algn="ctr">
+                      <a:noFill/>
+                      <a:prstDash val="solid"/>
+                      <a:round/>
+                      <a:headEnd type="none" w="med" len="med"/>
+                      <a:tailEnd type="none" w="med" len="med"/>
+                    </a:lnR>
+                    <a:lnT w="12700" cap="flat" cmpd="sng" algn="ctr">
+                      <a:noFill/>
+                      <a:prstDash val="solid"/>
+                      <a:round/>
+                      <a:headEnd type="none" w="med" len="med"/>
+                      <a:tailEnd type="none" w="med" len="med"/>
+                    </a:lnT>
+                    <a:lnB w="12700" cap="flat" cmpd="sng" algn="ctr">
+                      <a:noFill/>
+                      <a:prstDash val="solid"/>
+                      <a:round/>
+                      <a:headEnd type="none" w="med" len="med"/>
+                      <a:tailEnd type="none" w="med" len="med"/>
+                    </a:lnB>
+                    <a:lnTlToBr w="12700" cmpd="sng">
+                      <a:noFill/>
+                      <a:prstDash val="solid"/>
+                    </a:lnTlToBr>
+                    <a:lnBlToTr w="12700" cmpd="sng">
+                      <a:noFill/>
+                      <a:prstDash val="solid"/>
+                    </a:lnBlToTr>
+                  </a:tcPr>
+                </a:tc>
+              </a:tr>
+              <a:tr h="112270">
+                <a:tc>
+                  <a:txBody>
+                    <a:bodyPr/>
+                    <a:lstStyle/>
+                    <a:p>
+                      <a:pPr algn="l" fontAlgn="b"/>
+                      <a:r>
+                        <a:rPr lang="pt-BR" sz="800" u="none" strike="noStrike" dirty="0">
+                          <a:effectLst/>
+                        </a:rPr>
+                        <a:t>pois</a:t>
+                      </a:r>
+                      <a:endParaRPr lang="pt-BR" sz="800" b="0" i="0" u="none" strike="noStrike" dirty="0">
+                        <a:solidFill>
+                          <a:srgbClr val="000000"/>
+                        </a:solidFill>
+                        <a:effectLst/>
+                        <a:latin typeface="Calibri"/>
+                      </a:endParaRPr>
+                    </a:p>
+                  </a:txBody>
+                  <a:tcPr marL="7030" marR="7030" marT="7030" marB="0" anchor="b">
+                    <a:lnL w="12700" cap="flat" cmpd="sng" algn="ctr">
+                      <a:noFill/>
+                      <a:prstDash val="solid"/>
+                      <a:round/>
+                      <a:headEnd type="none" w="med" len="med"/>
+                      <a:tailEnd type="none" w="med" len="med"/>
+                    </a:lnL>
+                    <a:lnR w="12700" cap="flat" cmpd="sng" algn="ctr">
+                      <a:solidFill>
+                        <a:scrgbClr r="0" g="0" b="0"/>
+                      </a:solidFill>
+                      <a:prstDash val="solid"/>
+                      <a:round/>
+                      <a:headEnd type="none" w="med" len="med"/>
+                      <a:tailEnd type="none" w="med" len="med"/>
+                    </a:lnR>
+                    <a:lnT w="12700" cap="flat" cmpd="sng" algn="ctr">
+                      <a:noFill/>
+                      <a:prstDash val="solid"/>
+                      <a:round/>
+                      <a:headEnd type="none" w="med" len="med"/>
+                      <a:tailEnd type="none" w="med" len="med"/>
+                    </a:lnT>
+                    <a:lnB w="12700" cap="flat" cmpd="sng" algn="ctr">
+                      <a:noFill/>
+                      <a:prstDash val="solid"/>
+                      <a:round/>
+                      <a:headEnd type="none" w="med" len="med"/>
+                      <a:tailEnd type="none" w="med" len="med"/>
+                    </a:lnB>
+                    <a:lnTlToBr w="12700" cmpd="sng">
+                      <a:noFill/>
+                      <a:prstDash val="solid"/>
+                    </a:lnTlToBr>
+                    <a:lnBlToTr w="12700" cmpd="sng">
+                      <a:noFill/>
+                      <a:prstDash val="solid"/>
+                    </a:lnBlToTr>
+                  </a:tcPr>
+                </a:tc>
+                <a:tc>
+                  <a:txBody>
+                    <a:bodyPr/>
+                    <a:lstStyle/>
+                    <a:p>
+                      <a:pPr algn="l" fontAlgn="b"/>
+                      <a:r>
+                        <a:rPr lang="nl-NL" sz="800" u="none" strike="noStrike" dirty="0" smtClean="0">
+                          <a:effectLst/>
+                        </a:rPr>
+                        <a:t> ’</a:t>
+                      </a:r>
+                      <a:r>
+                        <a:rPr lang="nl-NL" sz="800" u="none" strike="noStrike" dirty="0" err="1" smtClean="0">
+                          <a:effectLst/>
+                        </a:rPr>
+                        <a:t>motif</a:t>
+                      </a:r>
+                      <a:r>
+                        <a:rPr lang="nl-NL" sz="800" u="none" strike="noStrike" dirty="0" smtClean="0">
+                          <a:effectLst/>
+                        </a:rPr>
+                        <a:t> </a:t>
+                      </a:r>
+                      <a:r>
+                        <a:rPr lang="nl-NL" sz="800" u="none" strike="noStrike" dirty="0" err="1">
+                          <a:effectLst/>
+                        </a:rPr>
+                        <a:t>pois</a:t>
+                      </a:r>
+                      <a:r>
+                        <a:rPr lang="nl-NL" sz="800" u="none" strike="noStrike" dirty="0">
+                          <a:effectLst/>
+                        </a:rPr>
+                        <a:t>', '</a:t>
+                      </a:r>
+                      <a:r>
+                        <a:rPr lang="nl-NL" sz="800" u="none" strike="noStrike" dirty="0" err="1">
+                          <a:effectLst/>
+                        </a:rPr>
+                        <a:t>pattern</a:t>
+                      </a:r>
+                      <a:r>
+                        <a:rPr lang="nl-NL" sz="800" u="none" strike="noStrike" dirty="0">
+                          <a:effectLst/>
+                        </a:rPr>
+                        <a:t> spot', 'spot </a:t>
+                      </a:r>
+                      <a:r>
+                        <a:rPr lang="nl-NL" sz="800" u="none" strike="noStrike" dirty="0" err="1">
+                          <a:effectLst/>
+                        </a:rPr>
+                        <a:t>fabric</a:t>
+                      </a:r>
+                      <a:r>
+                        <a:rPr lang="nl-NL" sz="800" u="none" strike="noStrike" dirty="0">
+                          <a:effectLst/>
+                        </a:rPr>
+                        <a:t>', '</a:t>
+                      </a:r>
+                      <a:r>
+                        <a:rPr lang="nl-NL" sz="800" u="none" strike="noStrike" dirty="0" err="1">
+                          <a:effectLst/>
+                        </a:rPr>
+                        <a:t>pois</a:t>
+                      </a:r>
+                      <a:r>
+                        <a:rPr lang="nl-NL" sz="800" u="none" strike="noStrike" dirty="0">
+                          <a:effectLst/>
+                        </a:rPr>
+                        <a:t> </a:t>
+                      </a:r>
+                      <a:r>
+                        <a:rPr lang="nl-NL" sz="800" u="none" strike="noStrike" dirty="0" err="1">
+                          <a:effectLst/>
+                        </a:rPr>
+                        <a:t>tissu</a:t>
+                      </a:r>
+                      <a:r>
+                        <a:rPr lang="nl-NL" sz="800" u="none" strike="noStrike" dirty="0">
+                          <a:effectLst/>
+                        </a:rPr>
+                        <a:t>'</a:t>
+                      </a:r>
+                      <a:endParaRPr lang="nl-NL" sz="800" b="0" i="0" u="none" strike="noStrike" dirty="0">
+                        <a:solidFill>
+                          <a:srgbClr val="000000"/>
+                        </a:solidFill>
+                        <a:effectLst/>
+                        <a:latin typeface="Calibri"/>
+                      </a:endParaRPr>
+                    </a:p>
+                  </a:txBody>
+                  <a:tcPr marL="7030" marR="7030" marT="7030" marB="0" anchor="b">
+                    <a:lnL w="12700" cap="flat" cmpd="sng" algn="ctr">
+                      <a:solidFill>
+                        <a:scrgbClr r="0" g="0" b="0"/>
+                      </a:solidFill>
+                      <a:prstDash val="solid"/>
+                      <a:round/>
+                      <a:headEnd type="none" w="med" len="med"/>
+                      <a:tailEnd type="none" w="med" len="med"/>
+                    </a:lnL>
+                    <a:lnR w="12700" cap="flat" cmpd="sng" algn="ctr">
+                      <a:noFill/>
+                      <a:prstDash val="solid"/>
+                      <a:round/>
+                      <a:headEnd type="none" w="med" len="med"/>
+                      <a:tailEnd type="none" w="med" len="med"/>
+                    </a:lnR>
+                    <a:lnT w="12700" cap="flat" cmpd="sng" algn="ctr">
+                      <a:noFill/>
+                      <a:prstDash val="solid"/>
+                      <a:round/>
+                      <a:headEnd type="none" w="med" len="med"/>
+                      <a:tailEnd type="none" w="med" len="med"/>
+                    </a:lnT>
+                    <a:lnB w="12700" cap="flat" cmpd="sng" algn="ctr">
+                      <a:noFill/>
+                      <a:prstDash val="solid"/>
+                      <a:round/>
+                      <a:headEnd type="none" w="med" len="med"/>
+                      <a:tailEnd type="none" w="med" len="med"/>
+                    </a:lnB>
+                    <a:lnTlToBr w="12700" cmpd="sng">
+                      <a:noFill/>
+                      <a:prstDash val="solid"/>
+                    </a:lnTlToBr>
+                    <a:lnBlToTr w="12700" cmpd="sng">
+                      <a:noFill/>
+                      <a:prstDash val="solid"/>
+                    </a:lnBlToTr>
+                  </a:tcPr>
+                </a:tc>
+              </a:tr>
+              <a:tr h="112270">
+                <a:tc>
+                  <a:txBody>
+                    <a:bodyPr/>
+                    <a:lstStyle/>
+                    <a:p>
+                      <a:pPr algn="l" fontAlgn="b"/>
+                      <a:r>
+                        <a:rPr lang="tr-TR" sz="800" u="none" strike="noStrike" dirty="0" err="1" smtClean="0">
+                          <a:effectLst/>
+                        </a:rPr>
+                        <a:t>rayure</a:t>
+                      </a:r>
+                      <a:r>
+                        <a:rPr lang="tr-TR" sz="800" u="none" strike="noStrike" dirty="0" smtClean="0">
+                          <a:effectLst/>
+                        </a:rPr>
+                        <a:t> </a:t>
+                      </a:r>
+                      <a:endParaRPr lang="tr-TR" sz="800" b="0" i="0" u="none" strike="noStrike" dirty="0">
+                        <a:solidFill>
+                          <a:srgbClr val="000000"/>
+                        </a:solidFill>
+                        <a:effectLst/>
+                        <a:latin typeface="Calibri"/>
+                      </a:endParaRPr>
+                    </a:p>
+                  </a:txBody>
+                  <a:tcPr marL="7030" marR="7030" marT="7030" marB="0" anchor="b">
+                    <a:lnL w="12700" cap="flat" cmpd="sng" algn="ctr">
+                      <a:noFill/>
+                      <a:prstDash val="solid"/>
+                      <a:round/>
+                      <a:headEnd type="none" w="med" len="med"/>
+                      <a:tailEnd type="none" w="med" len="med"/>
+                    </a:lnL>
+                    <a:lnR w="12700" cap="flat" cmpd="sng" algn="ctr">
+                      <a:solidFill>
+                        <a:scrgbClr r="0" g="0" b="0"/>
+                      </a:solidFill>
+                      <a:prstDash val="solid"/>
+                      <a:round/>
+                      <a:headEnd type="none" w="med" len="med"/>
+                      <a:tailEnd type="none" w="med" len="med"/>
+                    </a:lnR>
+                    <a:lnT w="12700" cap="flat" cmpd="sng" algn="ctr">
+                      <a:noFill/>
+                      <a:prstDash val="solid"/>
+                      <a:round/>
+                      <a:headEnd type="none" w="med" len="med"/>
+                      <a:tailEnd type="none" w="med" len="med"/>
+                    </a:lnT>
+                    <a:lnB w="12700" cap="flat" cmpd="sng" algn="ctr">
+                      <a:noFill/>
+                      <a:prstDash val="solid"/>
+                      <a:round/>
+                      <a:headEnd type="none" w="med" len="med"/>
+                      <a:tailEnd type="none" w="med" len="med"/>
+                    </a:lnB>
+                    <a:lnTlToBr w="12700" cmpd="sng">
+                      <a:noFill/>
+                      <a:prstDash val="solid"/>
+                    </a:lnTlToBr>
+                    <a:lnBlToTr w="12700" cmpd="sng">
+                      <a:noFill/>
+                      <a:prstDash val="solid"/>
+                    </a:lnBlToTr>
+                  </a:tcPr>
+                </a:tc>
+                <a:tc>
+                  <a:txBody>
+                    <a:bodyPr/>
+                    <a:lstStyle/>
+                    <a:p>
+                      <a:pPr algn="l" fontAlgn="b"/>
+                      <a:r>
+                        <a:rPr lang="en-US" sz="800" u="none" strike="noStrike" dirty="0" smtClean="0">
+                          <a:effectLst/>
+                        </a:rPr>
+                        <a:t> ‘motif </a:t>
+                      </a:r>
+                      <a:r>
+                        <a:rPr lang="en-US" sz="800" u="none" strike="noStrike" dirty="0" err="1">
+                          <a:effectLst/>
+                        </a:rPr>
+                        <a:t>rayure</a:t>
+                      </a:r>
+                      <a:r>
+                        <a:rPr lang="en-US" sz="800" u="none" strike="noStrike" dirty="0">
+                          <a:effectLst/>
+                        </a:rPr>
+                        <a:t>', 'pattern strips', '</a:t>
+                      </a:r>
+                      <a:r>
+                        <a:rPr lang="en-US" sz="800" u="none" strike="noStrike" dirty="0" err="1">
+                          <a:effectLst/>
+                        </a:rPr>
+                        <a:t>rayure</a:t>
+                      </a:r>
+                      <a:r>
+                        <a:rPr lang="en-US" sz="800" u="none" strike="noStrike" dirty="0">
+                          <a:effectLst/>
+                        </a:rPr>
+                        <a:t> </a:t>
+                      </a:r>
+                      <a:r>
+                        <a:rPr lang="en-US" sz="800" u="none" strike="noStrike" dirty="0" err="1">
+                          <a:effectLst/>
+                        </a:rPr>
+                        <a:t>tissu</a:t>
+                      </a:r>
+                      <a:r>
+                        <a:rPr lang="en-US" sz="800" u="none" strike="noStrike" dirty="0">
+                          <a:effectLst/>
+                        </a:rPr>
+                        <a:t>'</a:t>
+                      </a:r>
+                      <a:endParaRPr lang="en-US" sz="800" b="0" i="0" u="none" strike="noStrike" dirty="0">
+                        <a:solidFill>
+                          <a:srgbClr val="000000"/>
+                        </a:solidFill>
+                        <a:effectLst/>
+                        <a:latin typeface="Calibri"/>
+                      </a:endParaRPr>
+                    </a:p>
+                  </a:txBody>
+                  <a:tcPr marL="7030" marR="7030" marT="7030" marB="0" anchor="b">
+                    <a:lnL w="12700" cap="flat" cmpd="sng" algn="ctr">
+                      <a:solidFill>
+                        <a:scrgbClr r="0" g="0" b="0"/>
+                      </a:solidFill>
+                      <a:prstDash val="solid"/>
+                      <a:round/>
+                      <a:headEnd type="none" w="med" len="med"/>
+                      <a:tailEnd type="none" w="med" len="med"/>
+                    </a:lnL>
+                    <a:lnR w="12700" cap="flat" cmpd="sng" algn="ctr">
+                      <a:noFill/>
+                      <a:prstDash val="solid"/>
+                      <a:round/>
+                      <a:headEnd type="none" w="med" len="med"/>
+                      <a:tailEnd type="none" w="med" len="med"/>
+                    </a:lnR>
+                    <a:lnT w="12700" cap="flat" cmpd="sng" algn="ctr">
+                      <a:noFill/>
+                      <a:prstDash val="solid"/>
+                      <a:round/>
+                      <a:headEnd type="none" w="med" len="med"/>
+                      <a:tailEnd type="none" w="med" len="med"/>
+                    </a:lnT>
+                    <a:lnB w="12700" cap="flat" cmpd="sng" algn="ctr">
+                      <a:noFill/>
+                      <a:prstDash val="solid"/>
+                      <a:round/>
+                      <a:headEnd type="none" w="med" len="med"/>
+                      <a:tailEnd type="none" w="med" len="med"/>
+                    </a:lnB>
+                    <a:lnTlToBr w="12700" cmpd="sng">
+                      <a:noFill/>
+                      <a:prstDash val="solid"/>
+                    </a:lnTlToBr>
+                    <a:lnBlToTr w="12700" cmpd="sng">
+                      <a:noFill/>
+                      <a:prstDash val="solid"/>
+                    </a:lnBlToTr>
+                  </a:tcPr>
+                </a:tc>
+              </a:tr>
+              <a:tr h="112270">
+                <a:tc>
+                  <a:txBody>
+                    <a:bodyPr/>
+                    <a:lstStyle/>
+                    <a:p>
+                      <a:pPr algn="l" fontAlgn="b"/>
+                      <a:r>
+                        <a:rPr lang="fr-FR" sz="800" u="none" strike="noStrike">
+                          <a:effectLst/>
+                        </a:rPr>
+                        <a:t>carrés</a:t>
+                      </a:r>
+                      <a:endParaRPr lang="fr-FR" sz="800" b="0" i="0" u="none" strike="noStrike">
+                        <a:solidFill>
+                          <a:srgbClr val="000000"/>
+                        </a:solidFill>
+                        <a:effectLst/>
+                        <a:latin typeface="Calibri"/>
+                      </a:endParaRPr>
+                    </a:p>
+                  </a:txBody>
+                  <a:tcPr marL="7030" marR="7030" marT="7030" marB="0" anchor="b">
+                    <a:lnL w="12700" cap="flat" cmpd="sng" algn="ctr">
+                      <a:noFill/>
+                      <a:prstDash val="solid"/>
+                      <a:round/>
+                      <a:headEnd type="none" w="med" len="med"/>
+                      <a:tailEnd type="none" w="med" len="med"/>
+                    </a:lnL>
+                    <a:lnR w="12700" cap="flat" cmpd="sng" algn="ctr">
+                      <a:solidFill>
+                        <a:scrgbClr r="0" g="0" b="0"/>
+                      </a:solidFill>
+                      <a:prstDash val="solid"/>
+                      <a:round/>
+                      <a:headEnd type="none" w="med" len="med"/>
+                      <a:tailEnd type="none" w="med" len="med"/>
+                    </a:lnR>
+                    <a:lnT w="12700" cap="flat" cmpd="sng" algn="ctr">
+                      <a:noFill/>
+                      <a:prstDash val="solid"/>
+                      <a:round/>
+                      <a:headEnd type="none" w="med" len="med"/>
+                      <a:tailEnd type="none" w="med" len="med"/>
+                    </a:lnT>
+                    <a:lnB w="12700" cap="flat" cmpd="sng" algn="ctr">
+                      <a:noFill/>
+                      <a:prstDash val="solid"/>
+                      <a:round/>
+                      <a:headEnd type="none" w="med" len="med"/>
+                      <a:tailEnd type="none" w="med" len="med"/>
+                    </a:lnB>
+                    <a:lnTlToBr w="12700" cmpd="sng">
+                      <a:noFill/>
+                      <a:prstDash val="solid"/>
+                    </a:lnTlToBr>
+                    <a:lnBlToTr w="12700" cmpd="sng">
+                      <a:noFill/>
+                      <a:prstDash val="solid"/>
+                    </a:lnBlToTr>
+                  </a:tcPr>
+                </a:tc>
+                <a:tc>
+                  <a:txBody>
+                    <a:bodyPr/>
+                    <a:lstStyle/>
+                    <a:p>
+                      <a:pPr algn="l" fontAlgn="b"/>
+                      <a:r>
+                        <a:rPr lang="en-US" sz="800" u="none" strike="noStrike" dirty="0" smtClean="0">
+                          <a:effectLst/>
+                        </a:rPr>
+                        <a:t> ’motif </a:t>
+                      </a:r>
+                      <a:r>
+                        <a:rPr lang="en-US" sz="800" u="none" strike="noStrike" dirty="0" err="1">
+                          <a:effectLst/>
+                        </a:rPr>
+                        <a:t>carrés</a:t>
+                      </a:r>
+                      <a:r>
+                        <a:rPr lang="en-US" sz="800" u="none" strike="noStrike" dirty="0">
+                          <a:effectLst/>
+                        </a:rPr>
+                        <a:t>', 'pattern squares', 'squares fabric'</a:t>
+                      </a:r>
+                      <a:endParaRPr lang="en-US" sz="800" b="0" i="0" u="none" strike="noStrike" dirty="0">
+                        <a:solidFill>
+                          <a:srgbClr val="000000"/>
+                        </a:solidFill>
+                        <a:effectLst/>
+                        <a:latin typeface="Calibri"/>
+                      </a:endParaRPr>
+                    </a:p>
+                  </a:txBody>
+                  <a:tcPr marL="7030" marR="7030" marT="7030" marB="0" anchor="b">
+                    <a:lnL w="12700" cap="flat" cmpd="sng" algn="ctr">
+                      <a:solidFill>
+                        <a:scrgbClr r="0" g="0" b="0"/>
+                      </a:solidFill>
+                      <a:prstDash val="solid"/>
+                      <a:round/>
+                      <a:headEnd type="none" w="med" len="med"/>
+                      <a:tailEnd type="none" w="med" len="med"/>
+                    </a:lnL>
+                    <a:lnR w="12700" cap="flat" cmpd="sng" algn="ctr">
+                      <a:noFill/>
+                      <a:prstDash val="solid"/>
+                      <a:round/>
+                      <a:headEnd type="none" w="med" len="med"/>
+                      <a:tailEnd type="none" w="med" len="med"/>
+                    </a:lnR>
+                    <a:lnT w="12700" cap="flat" cmpd="sng" algn="ctr">
+                      <a:noFill/>
+                      <a:prstDash val="solid"/>
+                      <a:round/>
+                      <a:headEnd type="none" w="med" len="med"/>
+                      <a:tailEnd type="none" w="med" len="med"/>
+                    </a:lnT>
+                    <a:lnB w="12700" cap="flat" cmpd="sng" algn="ctr">
+                      <a:noFill/>
+                      <a:prstDash val="solid"/>
+                      <a:round/>
+                      <a:headEnd type="none" w="med" len="med"/>
+                      <a:tailEnd type="none" w="med" len="med"/>
+                    </a:lnB>
+                    <a:lnTlToBr w="12700" cmpd="sng">
+                      <a:noFill/>
+                      <a:prstDash val="solid"/>
+                    </a:lnTlToBr>
+                    <a:lnBlToTr w="12700" cmpd="sng">
+                      <a:noFill/>
+                      <a:prstDash val="solid"/>
+                    </a:lnBlToTr>
+                  </a:tcPr>
+                </a:tc>
+              </a:tr>
+              <a:tr h="112270">
+                <a:tc>
+                  <a:txBody>
+                    <a:bodyPr/>
+                    <a:lstStyle/>
+                    <a:p>
+                      <a:pPr algn="l" fontAlgn="b"/>
+                      <a:r>
+                        <a:rPr lang="de-DE" sz="800" u="none" strike="noStrike">
+                          <a:effectLst/>
+                        </a:rPr>
+                        <a:t>detelle</a:t>
+                      </a:r>
+                      <a:endParaRPr lang="de-DE" sz="800" b="0" i="0" u="none" strike="noStrike">
+                        <a:solidFill>
+                          <a:srgbClr val="000000"/>
+                        </a:solidFill>
+                        <a:effectLst/>
+                        <a:latin typeface="Calibri"/>
+                      </a:endParaRPr>
+                    </a:p>
+                  </a:txBody>
+                  <a:tcPr marL="7030" marR="7030" marT="7030" marB="0" anchor="b">
+                    <a:lnL w="12700" cap="flat" cmpd="sng" algn="ctr">
+                      <a:noFill/>
+                      <a:prstDash val="solid"/>
+                      <a:round/>
+                      <a:headEnd type="none" w="med" len="med"/>
+                      <a:tailEnd type="none" w="med" len="med"/>
+                    </a:lnL>
+                    <a:lnR w="12700" cap="flat" cmpd="sng" algn="ctr">
+                      <a:solidFill>
+                        <a:scrgbClr r="0" g="0" b="0"/>
+                      </a:solidFill>
+                      <a:prstDash val="solid"/>
+                      <a:round/>
+                      <a:headEnd type="none" w="med" len="med"/>
+                      <a:tailEnd type="none" w="med" len="med"/>
+                    </a:lnR>
+                    <a:lnT w="12700" cap="flat" cmpd="sng" algn="ctr">
+                      <a:noFill/>
+                      <a:prstDash val="solid"/>
+                      <a:round/>
+                      <a:headEnd type="none" w="med" len="med"/>
+                      <a:tailEnd type="none" w="med" len="med"/>
+                    </a:lnT>
+                    <a:lnB w="12700" cap="flat" cmpd="sng" algn="ctr">
+                      <a:noFill/>
+                      <a:prstDash val="solid"/>
+                      <a:round/>
+                      <a:headEnd type="none" w="med" len="med"/>
+                      <a:tailEnd type="none" w="med" len="med"/>
+                    </a:lnB>
+                    <a:lnTlToBr w="12700" cmpd="sng">
+                      <a:noFill/>
+                      <a:prstDash val="solid"/>
+                    </a:lnTlToBr>
+                    <a:lnBlToTr w="12700" cmpd="sng">
+                      <a:noFill/>
+                      <a:prstDash val="solid"/>
+                    </a:lnBlToTr>
+                  </a:tcPr>
+                </a:tc>
+                <a:tc>
+                  <a:txBody>
+                    <a:bodyPr/>
+                    <a:lstStyle/>
+                    <a:p>
+                      <a:pPr algn="l" fontAlgn="b"/>
+                      <a:r>
+                        <a:rPr lang="es-ES_tradnl" sz="800" u="none" strike="noStrike" dirty="0" smtClean="0">
+                          <a:effectLst/>
+                        </a:rPr>
+                        <a:t> ’</a:t>
+                      </a:r>
+                      <a:r>
+                        <a:rPr lang="es-ES_tradnl" sz="800" u="none" strike="noStrike" dirty="0" err="1" smtClean="0">
+                          <a:effectLst/>
+                        </a:rPr>
+                        <a:t>motif</a:t>
+                      </a:r>
+                      <a:r>
+                        <a:rPr lang="es-ES_tradnl" sz="800" u="none" strike="noStrike" dirty="0" smtClean="0">
+                          <a:effectLst/>
+                        </a:rPr>
+                        <a:t> </a:t>
+                      </a:r>
+                      <a:r>
+                        <a:rPr lang="es-ES_tradnl" sz="800" u="none" strike="noStrike" dirty="0">
+                          <a:effectLst/>
+                        </a:rPr>
+                        <a:t>dentelle', '</a:t>
+                      </a:r>
+                      <a:r>
+                        <a:rPr lang="es-ES_tradnl" sz="800" u="none" strike="noStrike" dirty="0" err="1">
+                          <a:effectLst/>
+                        </a:rPr>
+                        <a:t>pattern</a:t>
+                      </a:r>
+                      <a:r>
+                        <a:rPr lang="es-ES_tradnl" sz="800" u="none" strike="noStrike" dirty="0">
+                          <a:effectLst/>
+                        </a:rPr>
+                        <a:t> laces', 'laces </a:t>
+                      </a:r>
+                      <a:r>
+                        <a:rPr lang="es-ES_tradnl" sz="800" u="none" strike="noStrike" dirty="0" err="1">
+                          <a:effectLst/>
+                        </a:rPr>
+                        <a:t>fabric</a:t>
+                      </a:r>
+                      <a:r>
+                        <a:rPr lang="es-ES_tradnl" sz="800" u="none" strike="noStrike" dirty="0">
+                          <a:effectLst/>
+                        </a:rPr>
+                        <a:t>'</a:t>
+                      </a:r>
+                      <a:endParaRPr lang="es-ES_tradnl" sz="800" b="0" i="0" u="none" strike="noStrike" dirty="0">
+                        <a:solidFill>
+                          <a:srgbClr val="000000"/>
+                        </a:solidFill>
+                        <a:effectLst/>
+                        <a:latin typeface="Calibri"/>
+                      </a:endParaRPr>
+                    </a:p>
+                  </a:txBody>
+                  <a:tcPr marL="7030" marR="7030" marT="7030" marB="0" anchor="b">
+                    <a:lnL w="12700" cap="flat" cmpd="sng" algn="ctr">
+                      <a:solidFill>
+                        <a:scrgbClr r="0" g="0" b="0"/>
+                      </a:solidFill>
+                      <a:prstDash val="solid"/>
+                      <a:round/>
+                      <a:headEnd type="none" w="med" len="med"/>
+                      <a:tailEnd type="none" w="med" len="med"/>
+                    </a:lnL>
+                    <a:lnR w="12700" cap="flat" cmpd="sng" algn="ctr">
+                      <a:noFill/>
+                      <a:prstDash val="solid"/>
+                      <a:round/>
+                      <a:headEnd type="none" w="med" len="med"/>
+                      <a:tailEnd type="none" w="med" len="med"/>
+                    </a:lnR>
+                    <a:lnT w="12700" cap="flat" cmpd="sng" algn="ctr">
+                      <a:noFill/>
+                      <a:prstDash val="solid"/>
+                      <a:round/>
+                      <a:headEnd type="none" w="med" len="med"/>
+                      <a:tailEnd type="none" w="med" len="med"/>
+                    </a:lnT>
+                    <a:lnB w="12700" cap="flat" cmpd="sng" algn="ctr">
+                      <a:noFill/>
+                      <a:prstDash val="solid"/>
+                      <a:round/>
+                      <a:headEnd type="none" w="med" len="med"/>
+                      <a:tailEnd type="none" w="med" len="med"/>
+                    </a:lnB>
+                    <a:lnTlToBr w="12700" cmpd="sng">
+                      <a:noFill/>
+                      <a:prstDash val="solid"/>
+                    </a:lnTlToBr>
+                    <a:lnBlToTr w="12700" cmpd="sng">
+                      <a:noFill/>
+                      <a:prstDash val="solid"/>
+                    </a:lnBlToTr>
+                  </a:tcPr>
+                </a:tc>
+              </a:tr>
+              <a:tr h="112270">
+                <a:tc>
+                  <a:txBody>
+                    <a:bodyPr/>
+                    <a:lstStyle/>
+                    <a:p>
+                      <a:pPr algn="l" fontAlgn="b"/>
+                      <a:r>
+                        <a:rPr lang="fr-FR" sz="800" u="none" strike="noStrike" dirty="0">
+                          <a:effectLst/>
+                        </a:rPr>
+                        <a:t>fleur</a:t>
+                      </a:r>
+                      <a:endParaRPr lang="fr-FR" sz="800" b="0" i="0" u="none" strike="noStrike" dirty="0">
+                        <a:solidFill>
+                          <a:srgbClr val="000000"/>
+                        </a:solidFill>
+                        <a:effectLst/>
+                        <a:latin typeface="Calibri"/>
+                      </a:endParaRPr>
+                    </a:p>
+                  </a:txBody>
+                  <a:tcPr marL="7030" marR="7030" marT="7030" marB="0" anchor="b">
+                    <a:lnL w="12700" cap="flat" cmpd="sng" algn="ctr">
+                      <a:noFill/>
+                      <a:prstDash val="solid"/>
+                      <a:round/>
+                      <a:headEnd type="none" w="med" len="med"/>
+                      <a:tailEnd type="none" w="med" len="med"/>
+                    </a:lnL>
+                    <a:lnR w="12700" cap="flat" cmpd="sng" algn="ctr">
+                      <a:solidFill>
+                        <a:scrgbClr r="0" g="0" b="0"/>
+                      </a:solidFill>
+                      <a:prstDash val="solid"/>
+                      <a:round/>
+                      <a:headEnd type="none" w="med" len="med"/>
+                      <a:tailEnd type="none" w="med" len="med"/>
+                    </a:lnR>
+                    <a:lnT w="12700" cap="flat" cmpd="sng" algn="ctr">
+                      <a:noFill/>
+                      <a:prstDash val="solid"/>
+                      <a:round/>
+                      <a:headEnd type="none" w="med" len="med"/>
+                      <a:tailEnd type="none" w="med" len="med"/>
+                    </a:lnT>
+                    <a:lnB w="12700" cap="flat" cmpd="sng" algn="ctr">
+                      <a:noFill/>
+                      <a:prstDash val="solid"/>
+                      <a:round/>
+                      <a:headEnd type="none" w="med" len="med"/>
+                      <a:tailEnd type="none" w="med" len="med"/>
+                    </a:lnB>
+                    <a:lnTlToBr w="12700" cmpd="sng">
+                      <a:noFill/>
+                      <a:prstDash val="solid"/>
+                    </a:lnTlToBr>
+                    <a:lnBlToTr w="12700" cmpd="sng">
+                      <a:noFill/>
+                      <a:prstDash val="solid"/>
+                    </a:lnBlToTr>
+                  </a:tcPr>
+                </a:tc>
+                <a:tc>
+                  <a:txBody>
+                    <a:bodyPr/>
+                    <a:lstStyle/>
+                    <a:p>
+                      <a:pPr algn="l" fontAlgn="b"/>
+                      <a:r>
+                        <a:rPr lang="nl-NL" sz="800" u="none" strike="noStrike" dirty="0" smtClean="0">
+                          <a:effectLst/>
+                        </a:rPr>
+                        <a:t> '</a:t>
+                      </a:r>
+                      <a:r>
+                        <a:rPr lang="nl-NL" sz="800" u="none" strike="noStrike" dirty="0" err="1">
+                          <a:effectLst/>
+                        </a:rPr>
+                        <a:t>motif</a:t>
+                      </a:r>
+                      <a:r>
+                        <a:rPr lang="nl-NL" sz="800" u="none" strike="noStrike" dirty="0">
+                          <a:effectLst/>
+                        </a:rPr>
+                        <a:t> </a:t>
+                      </a:r>
+                      <a:r>
+                        <a:rPr lang="nl-NL" sz="800" u="none" strike="noStrike" dirty="0" err="1">
+                          <a:effectLst/>
+                        </a:rPr>
+                        <a:t>fleurs</a:t>
+                      </a:r>
+                      <a:r>
+                        <a:rPr lang="nl-NL" sz="800" u="none" strike="noStrike" dirty="0">
+                          <a:effectLst/>
+                        </a:rPr>
+                        <a:t>', '</a:t>
+                      </a:r>
+                      <a:r>
+                        <a:rPr lang="nl-NL" sz="800" u="none" strike="noStrike" dirty="0" err="1">
+                          <a:effectLst/>
+                        </a:rPr>
+                        <a:t>pattern</a:t>
+                      </a:r>
+                      <a:r>
+                        <a:rPr lang="nl-NL" sz="800" u="none" strike="noStrike" dirty="0">
+                          <a:effectLst/>
+                        </a:rPr>
+                        <a:t> </a:t>
+                      </a:r>
+                      <a:r>
+                        <a:rPr lang="nl-NL" sz="800" u="none" strike="noStrike" dirty="0" err="1">
+                          <a:effectLst/>
+                        </a:rPr>
+                        <a:t>flowers</a:t>
+                      </a:r>
+                      <a:r>
+                        <a:rPr lang="nl-NL" sz="800" u="none" strike="noStrike" dirty="0">
+                          <a:effectLst/>
+                        </a:rPr>
+                        <a:t>', '</a:t>
+                      </a:r>
+                      <a:r>
+                        <a:rPr lang="nl-NL" sz="800" u="none" strike="noStrike" dirty="0" err="1">
+                          <a:effectLst/>
+                        </a:rPr>
+                        <a:t>flower</a:t>
+                      </a:r>
+                      <a:r>
+                        <a:rPr lang="nl-NL" sz="800" u="none" strike="noStrike" dirty="0">
+                          <a:effectLst/>
+                        </a:rPr>
+                        <a:t> </a:t>
+                      </a:r>
+                      <a:r>
+                        <a:rPr lang="nl-NL" sz="800" u="none" strike="noStrike" dirty="0" err="1">
+                          <a:effectLst/>
+                        </a:rPr>
+                        <a:t>fabric</a:t>
+                      </a:r>
+                      <a:r>
+                        <a:rPr lang="nl-NL" sz="800" u="none" strike="noStrike" dirty="0">
+                          <a:effectLst/>
+                        </a:rPr>
+                        <a:t>'</a:t>
+                      </a:r>
+                      <a:endParaRPr lang="nl-NL" sz="800" b="0" i="0" u="none" strike="noStrike" dirty="0">
+                        <a:solidFill>
+                          <a:srgbClr val="000000"/>
+                        </a:solidFill>
+                        <a:effectLst/>
+                        <a:latin typeface="Calibri"/>
+                      </a:endParaRPr>
+                    </a:p>
+                  </a:txBody>
+                  <a:tcPr marL="7030" marR="7030" marT="7030" marB="0" anchor="b">
+                    <a:lnL w="12700" cap="flat" cmpd="sng" algn="ctr">
+                      <a:solidFill>
+                        <a:scrgbClr r="0" g="0" b="0"/>
+                      </a:solidFill>
+                      <a:prstDash val="solid"/>
+                      <a:round/>
+                      <a:headEnd type="none" w="med" len="med"/>
+                      <a:tailEnd type="none" w="med" len="med"/>
+                    </a:lnL>
+                    <a:lnR w="12700" cap="flat" cmpd="sng" algn="ctr">
+                      <a:noFill/>
+                      <a:prstDash val="solid"/>
+                      <a:round/>
+                      <a:headEnd type="none" w="med" len="med"/>
+                      <a:tailEnd type="none" w="med" len="med"/>
+                    </a:lnR>
+                    <a:lnT w="12700" cap="flat" cmpd="sng" algn="ctr">
+                      <a:noFill/>
+                      <a:prstDash val="solid"/>
+                      <a:round/>
+                      <a:headEnd type="none" w="med" len="med"/>
+                      <a:tailEnd type="none" w="med" len="med"/>
+                    </a:lnT>
+                    <a:lnB w="12700" cap="flat" cmpd="sng" algn="ctr">
+                      <a:noFill/>
+                      <a:prstDash val="solid"/>
+                      <a:round/>
+                      <a:headEnd type="none" w="med" len="med"/>
+                      <a:tailEnd type="none" w="med" len="med"/>
+                    </a:lnB>
+                    <a:lnTlToBr w="12700" cmpd="sng">
+                      <a:noFill/>
+                      <a:prstDash val="solid"/>
+                    </a:lnTlToBr>
+                    <a:lnBlToTr w="12700" cmpd="sng">
+                      <a:noFill/>
+                      <a:prstDash val="solid"/>
+                    </a:lnBlToTr>
+                  </a:tcPr>
+                </a:tc>
+              </a:tr>
+              <a:tr h="112270">
+                <a:tc>
+                  <a:txBody>
+                    <a:bodyPr/>
+                    <a:lstStyle/>
+                    <a:p>
+                      <a:pPr algn="l" fontAlgn="b"/>
+                      <a:r>
+                        <a:rPr lang="es-ES_tradnl" sz="800" u="none" strike="noStrike">
+                          <a:effectLst/>
+                        </a:rPr>
+                        <a:t>papillon</a:t>
+                      </a:r>
+                      <a:endParaRPr lang="es-ES_tradnl" sz="800" b="0" i="0" u="none" strike="noStrike">
+                        <a:solidFill>
+                          <a:srgbClr val="000000"/>
+                        </a:solidFill>
+                        <a:effectLst/>
+                        <a:latin typeface="Calibri"/>
+                      </a:endParaRPr>
+                    </a:p>
+                  </a:txBody>
+                  <a:tcPr marL="7030" marR="7030" marT="7030" marB="0" anchor="b">
+                    <a:lnL w="12700" cap="flat" cmpd="sng" algn="ctr">
+                      <a:noFill/>
+                      <a:prstDash val="solid"/>
+                      <a:round/>
+                      <a:headEnd type="none" w="med" len="med"/>
+                      <a:tailEnd type="none" w="med" len="med"/>
+                    </a:lnL>
+                    <a:lnR w="12700" cap="flat" cmpd="sng" algn="ctr">
+                      <a:solidFill>
+                        <a:scrgbClr r="0" g="0" b="0"/>
+                      </a:solidFill>
+                      <a:prstDash val="solid"/>
+                      <a:round/>
+                      <a:headEnd type="none" w="med" len="med"/>
+                      <a:tailEnd type="none" w="med" len="med"/>
+                    </a:lnR>
+                    <a:lnT w="12700" cap="flat" cmpd="sng" algn="ctr">
+                      <a:noFill/>
+                      <a:prstDash val="solid"/>
+                      <a:round/>
+                      <a:headEnd type="none" w="med" len="med"/>
+                      <a:tailEnd type="none" w="med" len="med"/>
+                    </a:lnT>
+                    <a:lnB w="12700" cap="flat" cmpd="sng" algn="ctr">
+                      <a:noFill/>
+                      <a:prstDash val="solid"/>
+                      <a:round/>
+                      <a:headEnd type="none" w="med" len="med"/>
+                      <a:tailEnd type="none" w="med" len="med"/>
+                    </a:lnB>
+                    <a:lnTlToBr w="12700" cmpd="sng">
+                      <a:noFill/>
+                      <a:prstDash val="solid"/>
+                    </a:lnTlToBr>
+                    <a:lnBlToTr w="12700" cmpd="sng">
+                      <a:noFill/>
+                      <a:prstDash val="solid"/>
+                    </a:lnBlToTr>
+                  </a:tcPr>
+                </a:tc>
+                <a:tc>
+                  <a:txBody>
+                    <a:bodyPr/>
+                    <a:lstStyle/>
+                    <a:p>
+                      <a:pPr algn="l" fontAlgn="b"/>
+                      <a:r>
+                        <a:rPr lang="en-US" sz="800" u="none" strike="noStrike" dirty="0" smtClean="0">
+                          <a:effectLst/>
+                        </a:rPr>
+                        <a:t> ‘motif </a:t>
+                      </a:r>
+                      <a:r>
+                        <a:rPr lang="en-US" sz="800" u="none" strike="noStrike" dirty="0" err="1">
+                          <a:effectLst/>
+                        </a:rPr>
+                        <a:t>papillon</a:t>
+                      </a:r>
+                      <a:r>
+                        <a:rPr lang="en-US" sz="800" u="none" strike="noStrike" dirty="0">
+                          <a:effectLst/>
+                        </a:rPr>
+                        <a:t>', 'pattern butterfly', '</a:t>
+                      </a:r>
+                      <a:r>
+                        <a:rPr lang="en-US" sz="800" u="none" strike="noStrike" dirty="0" err="1">
+                          <a:effectLst/>
+                        </a:rPr>
+                        <a:t>papillon</a:t>
+                      </a:r>
+                      <a:r>
+                        <a:rPr lang="en-US" sz="800" u="none" strike="noStrike" dirty="0">
+                          <a:effectLst/>
+                        </a:rPr>
+                        <a:t> </a:t>
+                      </a:r>
+                      <a:r>
+                        <a:rPr lang="en-US" sz="800" u="none" strike="noStrike" dirty="0" err="1">
+                          <a:effectLst/>
+                        </a:rPr>
+                        <a:t>tissu</a:t>
+                      </a:r>
+                      <a:r>
+                        <a:rPr lang="en-US" sz="800" u="none" strike="noStrike" dirty="0">
+                          <a:effectLst/>
+                        </a:rPr>
+                        <a:t>','butterfly fabric'</a:t>
+                      </a:r>
+                      <a:endParaRPr lang="en-US" sz="800" b="0" i="0" u="none" strike="noStrike" dirty="0">
+                        <a:solidFill>
+                          <a:srgbClr val="000000"/>
+                        </a:solidFill>
+                        <a:effectLst/>
+                        <a:latin typeface="Calibri"/>
+                      </a:endParaRPr>
+                    </a:p>
+                  </a:txBody>
+                  <a:tcPr marL="7030" marR="7030" marT="7030" marB="0" anchor="b">
+                    <a:lnL w="12700" cap="flat" cmpd="sng" algn="ctr">
+                      <a:solidFill>
+                        <a:scrgbClr r="0" g="0" b="0"/>
+                      </a:solidFill>
+                      <a:prstDash val="solid"/>
+                      <a:round/>
+                      <a:headEnd type="none" w="med" len="med"/>
+                      <a:tailEnd type="none" w="med" len="med"/>
+                    </a:lnL>
+                    <a:lnR w="12700" cap="flat" cmpd="sng" algn="ctr">
+                      <a:noFill/>
+                      <a:prstDash val="solid"/>
+                      <a:round/>
+                      <a:headEnd type="none" w="med" len="med"/>
+                      <a:tailEnd type="none" w="med" len="med"/>
+                    </a:lnR>
+                    <a:lnT w="12700" cap="flat" cmpd="sng" algn="ctr">
+                      <a:noFill/>
+                      <a:prstDash val="solid"/>
+                      <a:round/>
+                      <a:headEnd type="none" w="med" len="med"/>
+                      <a:tailEnd type="none" w="med" len="med"/>
+                    </a:lnT>
+                    <a:lnB w="12700" cap="flat" cmpd="sng" algn="ctr">
+                      <a:noFill/>
+                      <a:prstDash val="solid"/>
+                      <a:round/>
+                      <a:headEnd type="none" w="med" len="med"/>
+                      <a:tailEnd type="none" w="med" len="med"/>
+                    </a:lnB>
+                    <a:lnTlToBr w="12700" cmpd="sng">
+                      <a:noFill/>
+                      <a:prstDash val="solid"/>
+                    </a:lnTlToBr>
+                    <a:lnBlToTr w="12700" cmpd="sng">
+                      <a:noFill/>
+                      <a:prstDash val="solid"/>
+                    </a:lnBlToTr>
+                  </a:tcPr>
+                </a:tc>
+              </a:tr>
+              <a:tr h="112270">
+                <a:tc>
+                  <a:txBody>
+                    <a:bodyPr/>
+                    <a:lstStyle/>
+                    <a:p>
+                      <a:pPr algn="l" fontAlgn="b"/>
+                      <a:r>
+                        <a:rPr lang="en-US" sz="800" u="none" strike="noStrike" dirty="0">
+                          <a:effectLst/>
+                        </a:rPr>
+                        <a:t>chat</a:t>
+                      </a:r>
+                      <a:endParaRPr lang="en-US" sz="800" b="0" i="0" u="none" strike="noStrike" dirty="0">
+                        <a:solidFill>
+                          <a:srgbClr val="000000"/>
+                        </a:solidFill>
+                        <a:effectLst/>
+                        <a:latin typeface="Calibri"/>
+                      </a:endParaRPr>
+                    </a:p>
+                  </a:txBody>
+                  <a:tcPr marL="7030" marR="7030" marT="7030" marB="0" anchor="b">
+                    <a:lnL w="12700" cap="flat" cmpd="sng" algn="ctr">
+                      <a:noFill/>
+                      <a:prstDash val="solid"/>
+                      <a:round/>
+                      <a:headEnd type="none" w="med" len="med"/>
+                      <a:tailEnd type="none" w="med" len="med"/>
+                    </a:lnL>
+                    <a:lnR w="12700" cap="flat" cmpd="sng" algn="ctr">
+                      <a:solidFill>
+                        <a:scrgbClr r="0" g="0" b="0"/>
+                      </a:solidFill>
+                      <a:prstDash val="solid"/>
+                      <a:round/>
+                      <a:headEnd type="none" w="med" len="med"/>
+                      <a:tailEnd type="none" w="med" len="med"/>
+                    </a:lnR>
+                    <a:lnT w="12700" cap="flat" cmpd="sng" algn="ctr">
+                      <a:noFill/>
+                      <a:prstDash val="solid"/>
+                      <a:round/>
+                      <a:headEnd type="none" w="med" len="med"/>
+                      <a:tailEnd type="none" w="med" len="med"/>
+                    </a:lnT>
+                    <a:lnB w="12700" cap="flat" cmpd="sng" algn="ctr">
+                      <a:noFill/>
+                      <a:prstDash val="solid"/>
+                      <a:round/>
+                      <a:headEnd type="none" w="med" len="med"/>
+                      <a:tailEnd type="none" w="med" len="med"/>
+                    </a:lnB>
+                    <a:lnTlToBr w="12700" cmpd="sng">
+                      <a:noFill/>
+                      <a:prstDash val="solid"/>
+                    </a:lnTlToBr>
+                    <a:lnBlToTr w="12700" cmpd="sng">
+                      <a:noFill/>
+                      <a:prstDash val="solid"/>
+                    </a:lnBlToTr>
+                  </a:tcPr>
+                </a:tc>
+                <a:tc>
+                  <a:txBody>
+                    <a:bodyPr/>
+                    <a:lstStyle/>
+                    <a:p>
+                      <a:pPr algn="l" fontAlgn="b"/>
+                      <a:r>
+                        <a:rPr lang="en-US" sz="800" u="none" strike="noStrike" dirty="0" smtClean="0">
+                          <a:effectLst/>
+                        </a:rPr>
+                        <a:t> ’motif </a:t>
+                      </a:r>
+                      <a:r>
+                        <a:rPr lang="en-US" sz="800" u="none" strike="noStrike" dirty="0">
+                          <a:effectLst/>
+                        </a:rPr>
+                        <a:t>chat', 'motif cat', 'motif </a:t>
+                      </a:r>
+                      <a:r>
+                        <a:rPr lang="en-US" sz="800" u="none" strike="noStrike" dirty="0" err="1">
+                          <a:effectLst/>
+                        </a:rPr>
+                        <a:t>chaton</a:t>
+                      </a:r>
+                      <a:r>
+                        <a:rPr lang="en-US" sz="800" u="none" strike="noStrike" dirty="0">
+                          <a:effectLst/>
+                        </a:rPr>
+                        <a:t>', 'pattern cat', 'pattern kitty', 'chat </a:t>
+                      </a:r>
+                      <a:r>
+                        <a:rPr lang="en-US" sz="800" u="none" strike="noStrike" dirty="0" err="1">
+                          <a:effectLst/>
+                        </a:rPr>
+                        <a:t>tissu</a:t>
+                      </a:r>
+                      <a:r>
+                        <a:rPr lang="en-US" sz="800" u="none" strike="noStrike" dirty="0">
+                          <a:effectLst/>
+                        </a:rPr>
+                        <a:t>', 'cat fabric',</a:t>
+                      </a:r>
+                      <a:endParaRPr lang="en-US" sz="800" b="0" i="0" u="none" strike="noStrike" dirty="0">
+                        <a:solidFill>
+                          <a:srgbClr val="000000"/>
+                        </a:solidFill>
+                        <a:effectLst/>
+                        <a:latin typeface="Calibri"/>
+                      </a:endParaRPr>
+                    </a:p>
+                  </a:txBody>
+                  <a:tcPr marL="7030" marR="7030" marT="7030" marB="0" anchor="b">
+                    <a:lnL w="12700" cap="flat" cmpd="sng" algn="ctr">
+                      <a:solidFill>
+                        <a:scrgbClr r="0" g="0" b="0"/>
+                      </a:solidFill>
+                      <a:prstDash val="solid"/>
+                      <a:round/>
+                      <a:headEnd type="none" w="med" len="med"/>
+                      <a:tailEnd type="none" w="med" len="med"/>
+                    </a:lnL>
+                    <a:lnR w="12700" cap="flat" cmpd="sng" algn="ctr">
+                      <a:noFill/>
+                      <a:prstDash val="solid"/>
+                      <a:round/>
+                      <a:headEnd type="none" w="med" len="med"/>
+                      <a:tailEnd type="none" w="med" len="med"/>
+                    </a:lnR>
+                    <a:lnT w="12700" cap="flat" cmpd="sng" algn="ctr">
+                      <a:noFill/>
+                      <a:prstDash val="solid"/>
+                      <a:round/>
+                      <a:headEnd type="none" w="med" len="med"/>
+                      <a:tailEnd type="none" w="med" len="med"/>
+                    </a:lnT>
+                    <a:lnB w="12700" cap="flat" cmpd="sng" algn="ctr">
+                      <a:noFill/>
+                      <a:prstDash val="solid"/>
+                      <a:round/>
+                      <a:headEnd type="none" w="med" len="med"/>
+                      <a:tailEnd type="none" w="med" len="med"/>
+                    </a:lnB>
+                    <a:lnTlToBr w="12700" cmpd="sng">
+                      <a:noFill/>
+                      <a:prstDash val="solid"/>
+                    </a:lnTlToBr>
+                    <a:lnBlToTr w="12700" cmpd="sng">
+                      <a:noFill/>
+                      <a:prstDash val="solid"/>
+                    </a:lnBlToTr>
+                  </a:tcPr>
+                </a:tc>
+              </a:tr>
+              <a:tr h="112270">
+                <a:tc>
+                  <a:txBody>
+                    <a:bodyPr/>
+                    <a:lstStyle/>
+                    <a:p>
+                      <a:pPr algn="l" fontAlgn="b"/>
+                      <a:r>
+                        <a:rPr lang="fr-FR" sz="800" u="none" strike="noStrike" dirty="0">
+                          <a:effectLst/>
+                        </a:rPr>
+                        <a:t>étoile</a:t>
+                      </a:r>
+                      <a:endParaRPr lang="fr-FR" sz="800" b="0" i="0" u="none" strike="noStrike" dirty="0">
+                        <a:solidFill>
+                          <a:srgbClr val="000000"/>
+                        </a:solidFill>
+                        <a:effectLst/>
+                        <a:latin typeface="Calibri"/>
+                      </a:endParaRPr>
+                    </a:p>
+                  </a:txBody>
+                  <a:tcPr marL="7030" marR="7030" marT="7030" marB="0" anchor="b">
+                    <a:lnL w="12700" cap="flat" cmpd="sng" algn="ctr">
+                      <a:noFill/>
+                      <a:prstDash val="solid"/>
+                      <a:round/>
+                      <a:headEnd type="none" w="med" len="med"/>
+                      <a:tailEnd type="none" w="med" len="med"/>
+                    </a:lnL>
+                    <a:lnR w="12700" cap="flat" cmpd="sng" algn="ctr">
+                      <a:solidFill>
+                        <a:scrgbClr r="0" g="0" b="0"/>
+                      </a:solidFill>
+                      <a:prstDash val="solid"/>
+                      <a:round/>
+                      <a:headEnd type="none" w="med" len="med"/>
+                      <a:tailEnd type="none" w="med" len="med"/>
+                    </a:lnR>
+                    <a:lnT w="12700" cap="flat" cmpd="sng" algn="ctr">
+                      <a:noFill/>
+                      <a:prstDash val="solid"/>
+                      <a:round/>
+                      <a:headEnd type="none" w="med" len="med"/>
+                      <a:tailEnd type="none" w="med" len="med"/>
+                    </a:lnT>
+                    <a:lnB w="12700" cap="flat" cmpd="sng" algn="ctr">
+                      <a:noFill/>
+                      <a:prstDash val="solid"/>
+                      <a:round/>
+                      <a:headEnd type="none" w="med" len="med"/>
+                      <a:tailEnd type="none" w="med" len="med"/>
+                    </a:lnB>
+                    <a:lnTlToBr w="12700" cmpd="sng">
+                      <a:noFill/>
+                      <a:prstDash val="solid"/>
+                    </a:lnTlToBr>
+                    <a:lnBlToTr w="12700" cmpd="sng">
+                      <a:noFill/>
+                      <a:prstDash val="solid"/>
+                    </a:lnBlToTr>
+                  </a:tcPr>
+                </a:tc>
+                <a:tc>
+                  <a:txBody>
+                    <a:bodyPr/>
+                    <a:lstStyle/>
+                    <a:p>
+                      <a:pPr algn="l" fontAlgn="b"/>
+                      <a:r>
+                        <a:rPr lang="fr-FR" sz="800" u="none" strike="noStrike" dirty="0" smtClean="0">
+                          <a:effectLst/>
+                        </a:rPr>
+                        <a:t> ‘étoiles</a:t>
+                      </a:r>
+                      <a:r>
+                        <a:rPr lang="fr-FR" sz="800" u="none" strike="noStrike" dirty="0">
+                          <a:effectLst/>
+                        </a:rPr>
+                        <a:t>', 'motif étoile', 'pattern stars', 'étoiles tissu', 'stars </a:t>
+                      </a:r>
+                      <a:r>
+                        <a:rPr lang="fr-FR" sz="800" u="none" strike="noStrike" dirty="0" err="1">
+                          <a:effectLst/>
+                        </a:rPr>
+                        <a:t>fabric</a:t>
+                      </a:r>
+                      <a:r>
+                        <a:rPr lang="fr-FR" sz="800" u="none" strike="noStrike" dirty="0">
+                          <a:effectLst/>
+                        </a:rPr>
+                        <a:t>'</a:t>
+                      </a:r>
+                      <a:endParaRPr lang="fr-FR" sz="800" b="0" i="0" u="none" strike="noStrike" dirty="0">
+                        <a:solidFill>
+                          <a:srgbClr val="000000"/>
+                        </a:solidFill>
+                        <a:effectLst/>
+                        <a:latin typeface="Calibri"/>
+                      </a:endParaRPr>
+                    </a:p>
+                  </a:txBody>
+                  <a:tcPr marL="7030" marR="7030" marT="7030" marB="0" anchor="b">
+                    <a:lnL w="12700" cap="flat" cmpd="sng" algn="ctr">
+                      <a:solidFill>
+                        <a:scrgbClr r="0" g="0" b="0"/>
+                      </a:solidFill>
+                      <a:prstDash val="solid"/>
+                      <a:round/>
+                      <a:headEnd type="none" w="med" len="med"/>
+                      <a:tailEnd type="none" w="med" len="med"/>
+                    </a:lnL>
+                    <a:lnR w="12700" cap="flat" cmpd="sng" algn="ctr">
+                      <a:noFill/>
+                      <a:prstDash val="solid"/>
+                      <a:round/>
+                      <a:headEnd type="none" w="med" len="med"/>
+                      <a:tailEnd type="none" w="med" len="med"/>
+                    </a:lnR>
+                    <a:lnT w="12700" cap="flat" cmpd="sng" algn="ctr">
+                      <a:noFill/>
+                      <a:prstDash val="solid"/>
+                      <a:round/>
+                      <a:headEnd type="none" w="med" len="med"/>
+                      <a:tailEnd type="none" w="med" len="med"/>
+                    </a:lnT>
+                    <a:lnB w="12700" cap="flat" cmpd="sng" algn="ctr">
+                      <a:noFill/>
+                      <a:prstDash val="solid"/>
+                      <a:round/>
+                      <a:headEnd type="none" w="med" len="med"/>
+                      <a:tailEnd type="none" w="med" len="med"/>
+                    </a:lnB>
+                    <a:lnTlToBr w="12700" cmpd="sng">
+                      <a:noFill/>
+                      <a:prstDash val="solid"/>
+                    </a:lnTlToBr>
+                    <a:lnBlToTr w="12700" cmpd="sng">
+                      <a:noFill/>
+                      <a:prstDash val="solid"/>
+                    </a:lnBlToTr>
+                  </a:tcPr>
+                </a:tc>
+              </a:tr>
+              <a:tr h="112270">
+                <a:tc>
+                  <a:txBody>
+                    <a:bodyPr/>
+                    <a:lstStyle/>
+                    <a:p>
+                      <a:pPr algn="l" fontAlgn="b"/>
+                      <a:r>
+                        <a:rPr lang="nl-NL" sz="800" u="none" strike="noStrike">
+                          <a:effectLst/>
+                        </a:rPr>
+                        <a:t>rond</a:t>
+                      </a:r>
+                      <a:endParaRPr lang="nl-NL" sz="800" b="0" i="0" u="none" strike="noStrike">
+                        <a:solidFill>
+                          <a:srgbClr val="000000"/>
+                        </a:solidFill>
+                        <a:effectLst/>
+                        <a:latin typeface="Calibri"/>
+                      </a:endParaRPr>
+                    </a:p>
+                  </a:txBody>
+                  <a:tcPr marL="7030" marR="7030" marT="7030" marB="0" anchor="b">
+                    <a:lnL w="12700" cap="flat" cmpd="sng" algn="ctr">
+                      <a:noFill/>
+                      <a:prstDash val="solid"/>
+                      <a:round/>
+                      <a:headEnd type="none" w="med" len="med"/>
+                      <a:tailEnd type="none" w="med" len="med"/>
+                    </a:lnL>
+                    <a:lnR w="12700" cap="flat" cmpd="sng" algn="ctr">
+                      <a:solidFill>
+                        <a:scrgbClr r="0" g="0" b="0"/>
+                      </a:solidFill>
+                      <a:prstDash val="solid"/>
+                      <a:round/>
+                      <a:headEnd type="none" w="med" len="med"/>
+                      <a:tailEnd type="none" w="med" len="med"/>
+                    </a:lnR>
+                    <a:lnT w="12700" cap="flat" cmpd="sng" algn="ctr">
+                      <a:noFill/>
+                      <a:prstDash val="solid"/>
+                      <a:round/>
+                      <a:headEnd type="none" w="med" len="med"/>
+                      <a:tailEnd type="none" w="med" len="med"/>
+                    </a:lnT>
+                    <a:lnB w="12700" cap="flat" cmpd="sng" algn="ctr">
+                      <a:noFill/>
+                      <a:prstDash val="solid"/>
+                      <a:round/>
+                      <a:headEnd type="none" w="med" len="med"/>
+                      <a:tailEnd type="none" w="med" len="med"/>
+                    </a:lnB>
+                    <a:lnTlToBr w="12700" cmpd="sng">
+                      <a:noFill/>
+                      <a:prstDash val="solid"/>
+                    </a:lnTlToBr>
+                    <a:lnBlToTr w="12700" cmpd="sng">
+                      <a:noFill/>
+                      <a:prstDash val="solid"/>
+                    </a:lnBlToTr>
+                  </a:tcPr>
+                </a:tc>
+                <a:tc>
+                  <a:txBody>
+                    <a:bodyPr/>
+                    <a:lstStyle/>
+                    <a:p>
+                      <a:pPr algn="l" fontAlgn="b"/>
+                      <a:r>
+                        <a:rPr lang="nl-NL" sz="800" u="none" strike="noStrike" dirty="0" smtClean="0">
+                          <a:effectLst/>
+                        </a:rPr>
+                        <a:t> '</a:t>
+                      </a:r>
+                      <a:r>
+                        <a:rPr lang="nl-NL" sz="800" u="none" strike="noStrike" dirty="0" err="1">
+                          <a:effectLst/>
+                        </a:rPr>
+                        <a:t>pattern</a:t>
+                      </a:r>
+                      <a:r>
+                        <a:rPr lang="nl-NL" sz="800" u="none" strike="noStrike" dirty="0">
+                          <a:effectLst/>
+                        </a:rPr>
+                        <a:t> </a:t>
+                      </a:r>
+                      <a:r>
+                        <a:rPr lang="nl-NL" sz="800" u="none" strike="noStrike" dirty="0" err="1">
+                          <a:effectLst/>
+                        </a:rPr>
+                        <a:t>circle</a:t>
+                      </a:r>
+                      <a:r>
+                        <a:rPr lang="nl-NL" sz="800" u="none" strike="noStrike" dirty="0">
+                          <a:effectLst/>
+                        </a:rPr>
+                        <a:t>', '</a:t>
+                      </a:r>
+                      <a:r>
+                        <a:rPr lang="nl-NL" sz="800" u="none" strike="noStrike" dirty="0" err="1">
+                          <a:effectLst/>
+                        </a:rPr>
+                        <a:t>motif</a:t>
+                      </a:r>
+                      <a:r>
+                        <a:rPr lang="nl-NL" sz="800" u="none" strike="noStrike" dirty="0">
+                          <a:effectLst/>
+                        </a:rPr>
+                        <a:t> rond', '</a:t>
+                      </a:r>
+                      <a:r>
+                        <a:rPr lang="nl-NL" sz="800" u="none" strike="noStrike" dirty="0" err="1">
+                          <a:effectLst/>
+                        </a:rPr>
+                        <a:t>circle</a:t>
+                      </a:r>
+                      <a:r>
+                        <a:rPr lang="nl-NL" sz="800" u="none" strike="noStrike" dirty="0">
+                          <a:effectLst/>
+                        </a:rPr>
+                        <a:t> </a:t>
+                      </a:r>
+                      <a:r>
+                        <a:rPr lang="nl-NL" sz="800" u="none" strike="noStrike" dirty="0" err="1">
+                          <a:effectLst/>
+                        </a:rPr>
+                        <a:t>fabric</a:t>
+                      </a:r>
+                      <a:r>
+                        <a:rPr lang="nl-NL" sz="800" u="none" strike="noStrike" dirty="0">
+                          <a:effectLst/>
+                        </a:rPr>
+                        <a:t>'</a:t>
+                      </a:r>
+                      <a:endParaRPr lang="nl-NL" sz="800" b="0" i="0" u="none" strike="noStrike" dirty="0">
+                        <a:solidFill>
+                          <a:srgbClr val="000000"/>
+                        </a:solidFill>
+                        <a:effectLst/>
+                        <a:latin typeface="Calibri"/>
+                      </a:endParaRPr>
+                    </a:p>
+                  </a:txBody>
+                  <a:tcPr marL="7030" marR="7030" marT="7030" marB="0" anchor="b">
+                    <a:lnL w="12700" cap="flat" cmpd="sng" algn="ctr">
+                      <a:solidFill>
+                        <a:scrgbClr r="0" g="0" b="0"/>
+                      </a:solidFill>
+                      <a:prstDash val="solid"/>
+                      <a:round/>
+                      <a:headEnd type="none" w="med" len="med"/>
+                      <a:tailEnd type="none" w="med" len="med"/>
+                    </a:lnL>
+                    <a:lnR w="12700" cap="flat" cmpd="sng" algn="ctr">
+                      <a:noFill/>
+                      <a:prstDash val="solid"/>
+                      <a:round/>
+                      <a:headEnd type="none" w="med" len="med"/>
+                      <a:tailEnd type="none" w="med" len="med"/>
+                    </a:lnR>
+                    <a:lnT w="12700" cap="flat" cmpd="sng" algn="ctr">
+                      <a:noFill/>
+                      <a:prstDash val="solid"/>
+                      <a:round/>
+                      <a:headEnd type="none" w="med" len="med"/>
+                      <a:tailEnd type="none" w="med" len="med"/>
+                    </a:lnT>
+                    <a:lnB w="12700" cap="flat" cmpd="sng" algn="ctr">
+                      <a:noFill/>
+                      <a:prstDash val="solid"/>
+                      <a:round/>
+                      <a:headEnd type="none" w="med" len="med"/>
+                      <a:tailEnd type="none" w="med" len="med"/>
+                    </a:lnB>
+                    <a:lnTlToBr w="12700" cmpd="sng">
+                      <a:noFill/>
+                      <a:prstDash val="solid"/>
+                    </a:lnTlToBr>
+                    <a:lnBlToTr w="12700" cmpd="sng">
+                      <a:noFill/>
+                      <a:prstDash val="solid"/>
+                    </a:lnBlToTr>
+                  </a:tcPr>
+                </a:tc>
+              </a:tr>
+              <a:tr h="112270">
+                <a:tc>
+                  <a:txBody>
+                    <a:bodyPr/>
+                    <a:lstStyle/>
+                    <a:p>
+                      <a:pPr algn="l" fontAlgn="b"/>
+                      <a:r>
+                        <a:rPr lang="es-ES_tradnl" sz="800" u="none" strike="noStrike">
+                          <a:effectLst/>
+                        </a:rPr>
+                        <a:t>plante</a:t>
+                      </a:r>
+                      <a:endParaRPr lang="es-ES_tradnl" sz="800" b="0" i="0" u="none" strike="noStrike">
+                        <a:solidFill>
+                          <a:srgbClr val="000000"/>
+                        </a:solidFill>
+                        <a:effectLst/>
+                        <a:latin typeface="Calibri"/>
+                      </a:endParaRPr>
+                    </a:p>
+                  </a:txBody>
+                  <a:tcPr marL="7030" marR="7030" marT="7030" marB="0" anchor="b">
+                    <a:lnL w="12700" cap="flat" cmpd="sng" algn="ctr">
+                      <a:noFill/>
+                      <a:prstDash val="solid"/>
+                      <a:round/>
+                      <a:headEnd type="none" w="med" len="med"/>
+                      <a:tailEnd type="none" w="med" len="med"/>
+                    </a:lnL>
+                    <a:lnR w="12700" cap="flat" cmpd="sng" algn="ctr">
+                      <a:solidFill>
+                        <a:scrgbClr r="0" g="0" b="0"/>
+                      </a:solidFill>
+                      <a:prstDash val="solid"/>
+                      <a:round/>
+                      <a:headEnd type="none" w="med" len="med"/>
+                      <a:tailEnd type="none" w="med" len="med"/>
+                    </a:lnR>
+                    <a:lnT w="12700" cap="flat" cmpd="sng" algn="ctr">
+                      <a:noFill/>
+                      <a:prstDash val="solid"/>
+                      <a:round/>
+                      <a:headEnd type="none" w="med" len="med"/>
+                      <a:tailEnd type="none" w="med" len="med"/>
+                    </a:lnT>
+                    <a:lnB w="12700" cap="flat" cmpd="sng" algn="ctr">
+                      <a:noFill/>
+                      <a:prstDash val="solid"/>
+                      <a:round/>
+                      <a:headEnd type="none" w="med" len="med"/>
+                      <a:tailEnd type="none" w="med" len="med"/>
+                    </a:lnB>
+                    <a:lnTlToBr w="12700" cmpd="sng">
+                      <a:noFill/>
+                      <a:prstDash val="solid"/>
+                    </a:lnTlToBr>
+                    <a:lnBlToTr w="12700" cmpd="sng">
+                      <a:noFill/>
+                      <a:prstDash val="solid"/>
+                    </a:lnBlToTr>
+                  </a:tcPr>
+                </a:tc>
+                <a:tc>
+                  <a:txBody>
+                    <a:bodyPr/>
+                    <a:lstStyle/>
+                    <a:p>
+                      <a:pPr algn="l" fontAlgn="b"/>
+                      <a:r>
+                        <a:rPr lang="en-US" sz="800" u="none" strike="noStrike" dirty="0" smtClean="0">
+                          <a:effectLst/>
+                        </a:rPr>
+                        <a:t> ’motif </a:t>
+                      </a:r>
+                      <a:r>
+                        <a:rPr lang="en-US" sz="800" u="none" strike="noStrike" dirty="0" err="1">
+                          <a:effectLst/>
+                        </a:rPr>
+                        <a:t>plante</a:t>
+                      </a:r>
+                      <a:r>
+                        <a:rPr lang="en-US" sz="800" u="none" strike="noStrike" dirty="0">
+                          <a:effectLst/>
+                        </a:rPr>
+                        <a:t>', 'pattern plant'</a:t>
+                      </a:r>
+                      <a:endParaRPr lang="en-US" sz="800" b="0" i="0" u="none" strike="noStrike" dirty="0">
+                        <a:solidFill>
+                          <a:srgbClr val="000000"/>
+                        </a:solidFill>
+                        <a:effectLst/>
+                        <a:latin typeface="Calibri"/>
+                      </a:endParaRPr>
+                    </a:p>
+                  </a:txBody>
+                  <a:tcPr marL="7030" marR="7030" marT="7030" marB="0" anchor="b">
+                    <a:lnL w="12700" cap="flat" cmpd="sng" algn="ctr">
+                      <a:solidFill>
+                        <a:scrgbClr r="0" g="0" b="0"/>
+                      </a:solidFill>
+                      <a:prstDash val="solid"/>
+                      <a:round/>
+                      <a:headEnd type="none" w="med" len="med"/>
+                      <a:tailEnd type="none" w="med" len="med"/>
+                    </a:lnL>
+                    <a:lnR w="12700" cap="flat" cmpd="sng" algn="ctr">
+                      <a:noFill/>
+                      <a:prstDash val="solid"/>
+                      <a:round/>
+                      <a:headEnd type="none" w="med" len="med"/>
+                      <a:tailEnd type="none" w="med" len="med"/>
+                    </a:lnR>
+                    <a:lnT w="12700" cap="flat" cmpd="sng" algn="ctr">
+                      <a:noFill/>
+                      <a:prstDash val="solid"/>
+                      <a:round/>
+                      <a:headEnd type="none" w="med" len="med"/>
+                      <a:tailEnd type="none" w="med" len="med"/>
+                    </a:lnT>
+                    <a:lnB w="12700" cap="flat" cmpd="sng" algn="ctr">
+                      <a:noFill/>
+                      <a:prstDash val="solid"/>
+                      <a:round/>
+                      <a:headEnd type="none" w="med" len="med"/>
+                      <a:tailEnd type="none" w="med" len="med"/>
+                    </a:lnB>
+                    <a:lnTlToBr w="12700" cmpd="sng">
+                      <a:noFill/>
+                      <a:prstDash val="solid"/>
+                    </a:lnTlToBr>
+                    <a:lnBlToTr w="12700" cmpd="sng">
+                      <a:noFill/>
+                      <a:prstDash val="solid"/>
+                    </a:lnBlToTr>
+                  </a:tcPr>
+                </a:tc>
+              </a:tr>
+              <a:tr h="112270">
+                <a:tc>
+                  <a:txBody>
+                    <a:bodyPr/>
+                    <a:lstStyle/>
+                    <a:p>
+                      <a:pPr algn="l" fontAlgn="b"/>
+                      <a:r>
+                        <a:rPr lang="de-DE" sz="800" u="none" strike="noStrike">
+                          <a:effectLst/>
+                        </a:rPr>
+                        <a:t>feu</a:t>
+                      </a:r>
+                      <a:endParaRPr lang="de-DE" sz="800" b="0" i="0" u="none" strike="noStrike">
+                        <a:solidFill>
+                          <a:srgbClr val="000000"/>
+                        </a:solidFill>
+                        <a:effectLst/>
+                        <a:latin typeface="Calibri"/>
+                      </a:endParaRPr>
+                    </a:p>
+                  </a:txBody>
+                  <a:tcPr marL="7030" marR="7030" marT="7030" marB="0" anchor="b">
+                    <a:lnL w="12700" cap="flat" cmpd="sng" algn="ctr">
+                      <a:noFill/>
+                      <a:prstDash val="solid"/>
+                      <a:round/>
+                      <a:headEnd type="none" w="med" len="med"/>
+                      <a:tailEnd type="none" w="med" len="med"/>
+                    </a:lnL>
+                    <a:lnR w="12700" cap="flat" cmpd="sng" algn="ctr">
+                      <a:solidFill>
+                        <a:scrgbClr r="0" g="0" b="0"/>
+                      </a:solidFill>
+                      <a:prstDash val="solid"/>
+                      <a:round/>
+                      <a:headEnd type="none" w="med" len="med"/>
+                      <a:tailEnd type="none" w="med" len="med"/>
+                    </a:lnR>
+                    <a:lnT w="12700" cap="flat" cmpd="sng" algn="ctr">
+                      <a:noFill/>
+                      <a:prstDash val="solid"/>
+                      <a:round/>
+                      <a:headEnd type="none" w="med" len="med"/>
+                      <a:tailEnd type="none" w="med" len="med"/>
+                    </a:lnT>
+                    <a:lnB w="12700" cap="flat" cmpd="sng" algn="ctr">
+                      <a:noFill/>
+                      <a:prstDash val="solid"/>
+                      <a:round/>
+                      <a:headEnd type="none" w="med" len="med"/>
+                      <a:tailEnd type="none" w="med" len="med"/>
+                    </a:lnB>
+                    <a:lnTlToBr w="12700" cmpd="sng">
+                      <a:noFill/>
+                      <a:prstDash val="solid"/>
+                    </a:lnTlToBr>
+                    <a:lnBlToTr w="12700" cmpd="sng">
+                      <a:noFill/>
+                      <a:prstDash val="solid"/>
+                    </a:lnBlToTr>
+                  </a:tcPr>
+                </a:tc>
+                <a:tc>
+                  <a:txBody>
+                    <a:bodyPr/>
+                    <a:lstStyle/>
+                    <a:p>
+                      <a:pPr algn="l" fontAlgn="b"/>
+                      <a:r>
+                        <a:rPr lang="nl-NL" sz="800" u="none" strike="noStrike" dirty="0" smtClean="0">
+                          <a:effectLst/>
+                        </a:rPr>
+                        <a:t> '</a:t>
+                      </a:r>
+                      <a:r>
+                        <a:rPr lang="nl-NL" sz="800" u="none" strike="noStrike" dirty="0" err="1">
+                          <a:effectLst/>
+                        </a:rPr>
+                        <a:t>pattern</a:t>
+                      </a:r>
+                      <a:r>
+                        <a:rPr lang="nl-NL" sz="800" u="none" strike="noStrike" dirty="0">
+                          <a:effectLst/>
+                        </a:rPr>
+                        <a:t> </a:t>
+                      </a:r>
+                      <a:r>
+                        <a:rPr lang="nl-NL" sz="800" u="none" strike="noStrike" dirty="0" err="1">
+                          <a:effectLst/>
+                        </a:rPr>
+                        <a:t>flamme</a:t>
+                      </a:r>
+                      <a:r>
+                        <a:rPr lang="nl-NL" sz="800" u="none" strike="noStrike" dirty="0">
+                          <a:effectLst/>
+                        </a:rPr>
+                        <a:t>', '</a:t>
+                      </a:r>
+                      <a:r>
+                        <a:rPr lang="nl-NL" sz="800" u="none" strike="noStrike" dirty="0" err="1">
+                          <a:effectLst/>
+                        </a:rPr>
+                        <a:t>feu</a:t>
+                      </a:r>
+                      <a:r>
+                        <a:rPr lang="nl-NL" sz="800" u="none" strike="noStrike" dirty="0">
+                          <a:effectLst/>
+                        </a:rPr>
+                        <a:t> </a:t>
+                      </a:r>
+                      <a:r>
+                        <a:rPr lang="nl-NL" sz="800" u="none" strike="noStrike" dirty="0" err="1">
+                          <a:effectLst/>
+                        </a:rPr>
+                        <a:t>motif</a:t>
+                      </a:r>
+                      <a:r>
+                        <a:rPr lang="nl-NL" sz="800" u="none" strike="noStrike" dirty="0">
+                          <a:effectLst/>
+                        </a:rPr>
+                        <a:t>'</a:t>
+                      </a:r>
+                      <a:endParaRPr lang="nl-NL" sz="800" b="0" i="0" u="none" strike="noStrike" dirty="0">
+                        <a:solidFill>
+                          <a:srgbClr val="000000"/>
+                        </a:solidFill>
+                        <a:effectLst/>
+                        <a:latin typeface="Calibri"/>
+                      </a:endParaRPr>
+                    </a:p>
+                  </a:txBody>
+                  <a:tcPr marL="7030" marR="7030" marT="7030" marB="0" anchor="b">
+                    <a:lnL w="12700" cap="flat" cmpd="sng" algn="ctr">
+                      <a:solidFill>
+                        <a:scrgbClr r="0" g="0" b="0"/>
+                      </a:solidFill>
+                      <a:prstDash val="solid"/>
+                      <a:round/>
+                      <a:headEnd type="none" w="med" len="med"/>
+                      <a:tailEnd type="none" w="med" len="med"/>
+                    </a:lnL>
+                    <a:lnR w="12700" cap="flat" cmpd="sng" algn="ctr">
+                      <a:noFill/>
+                      <a:prstDash val="solid"/>
+                      <a:round/>
+                      <a:headEnd type="none" w="med" len="med"/>
+                      <a:tailEnd type="none" w="med" len="med"/>
+                    </a:lnR>
+                    <a:lnT w="12700" cap="flat" cmpd="sng" algn="ctr">
+                      <a:noFill/>
+                      <a:prstDash val="solid"/>
+                      <a:round/>
+                      <a:headEnd type="none" w="med" len="med"/>
+                      <a:tailEnd type="none" w="med" len="med"/>
+                    </a:lnT>
+                    <a:lnB w="12700" cap="flat" cmpd="sng" algn="ctr">
+                      <a:noFill/>
+                      <a:prstDash val="solid"/>
+                      <a:round/>
+                      <a:headEnd type="none" w="med" len="med"/>
+                      <a:tailEnd type="none" w="med" len="med"/>
+                    </a:lnB>
+                    <a:lnTlToBr w="12700" cmpd="sng">
+                      <a:noFill/>
+                      <a:prstDash val="solid"/>
+                    </a:lnTlToBr>
+                    <a:lnBlToTr w="12700" cmpd="sng">
+                      <a:noFill/>
+                      <a:prstDash val="solid"/>
+                    </a:lnBlToTr>
+                  </a:tcPr>
+                </a:tc>
+              </a:tr>
+              <a:tr h="112270">
+                <a:tc>
+                  <a:txBody>
+                    <a:bodyPr/>
+                    <a:lstStyle/>
+                    <a:p>
+                      <a:pPr algn="l" fontAlgn="b"/>
+                      <a:r>
+                        <a:rPr lang="fr-FR" sz="800" u="none" strike="noStrike" dirty="0" smtClean="0">
+                          <a:effectLst/>
+                        </a:rPr>
+                        <a:t>H</a:t>
+                      </a:r>
+                      <a:r>
+                        <a:rPr lang="en-US" sz="800" u="none" strike="noStrike" dirty="0" err="1" smtClean="0">
+                          <a:effectLst/>
+                        </a:rPr>
+                        <a:t>ibou</a:t>
+                      </a:r>
+                      <a:endParaRPr lang="en-US" sz="800" b="0" i="0" u="none" strike="noStrike" dirty="0">
+                        <a:solidFill>
+                          <a:srgbClr val="000000"/>
+                        </a:solidFill>
+                        <a:effectLst/>
+                        <a:latin typeface="Calibri"/>
+                      </a:endParaRPr>
+                    </a:p>
+                  </a:txBody>
+                  <a:tcPr marL="7030" marR="7030" marT="7030" marB="0" anchor="b">
+                    <a:lnL w="12700" cap="flat" cmpd="sng" algn="ctr">
+                      <a:noFill/>
+                      <a:prstDash val="solid"/>
+                      <a:round/>
+                      <a:headEnd type="none" w="med" len="med"/>
+                      <a:tailEnd type="none" w="med" len="med"/>
+                    </a:lnL>
+                    <a:lnR w="12700" cap="flat" cmpd="sng" algn="ctr">
+                      <a:solidFill>
+                        <a:scrgbClr r="0" g="0" b="0"/>
+                      </a:solidFill>
+                      <a:prstDash val="solid"/>
+                      <a:round/>
+                      <a:headEnd type="none" w="med" len="med"/>
+                      <a:tailEnd type="none" w="med" len="med"/>
+                    </a:lnR>
+                    <a:lnT w="12700" cap="flat" cmpd="sng" algn="ctr">
+                      <a:noFill/>
+                      <a:prstDash val="solid"/>
+                      <a:round/>
+                      <a:headEnd type="none" w="med" len="med"/>
+                      <a:tailEnd type="none" w="med" len="med"/>
+                    </a:lnT>
+                    <a:lnB w="12700" cap="flat" cmpd="sng" algn="ctr">
+                      <a:noFill/>
+                      <a:prstDash val="solid"/>
+                      <a:round/>
+                      <a:headEnd type="none" w="med" len="med"/>
+                      <a:tailEnd type="none" w="med" len="med"/>
+                    </a:lnB>
+                    <a:lnTlToBr w="12700" cmpd="sng">
+                      <a:noFill/>
+                      <a:prstDash val="solid"/>
+                    </a:lnTlToBr>
+                    <a:lnBlToTr w="12700" cmpd="sng">
+                      <a:noFill/>
+                      <a:prstDash val="solid"/>
+                    </a:lnBlToTr>
+                  </a:tcPr>
+                </a:tc>
+                <a:tc>
+                  <a:txBody>
+                    <a:bodyPr/>
+                    <a:lstStyle/>
+                    <a:p>
+                      <a:pPr algn="l" fontAlgn="b"/>
+                      <a:r>
+                        <a:rPr lang="en-US" sz="800" u="none" strike="noStrike" dirty="0" smtClean="0">
+                          <a:effectLst/>
+                        </a:rPr>
+                        <a:t> ‘motif </a:t>
+                      </a:r>
+                      <a:r>
+                        <a:rPr lang="en-US" sz="800" u="none" strike="noStrike" dirty="0" err="1">
+                          <a:effectLst/>
+                        </a:rPr>
+                        <a:t>hibou</a:t>
+                      </a:r>
+                      <a:r>
+                        <a:rPr lang="en-US" sz="800" u="none" strike="noStrike" dirty="0">
+                          <a:effectLst/>
+                        </a:rPr>
+                        <a:t>', 'pattern owl', '</a:t>
+                      </a:r>
+                      <a:r>
+                        <a:rPr lang="en-US" sz="800" u="none" strike="noStrike" dirty="0" err="1">
+                          <a:effectLst/>
+                        </a:rPr>
+                        <a:t>hibou</a:t>
+                      </a:r>
+                      <a:r>
+                        <a:rPr lang="en-US" sz="800" u="none" strike="noStrike" dirty="0">
+                          <a:effectLst/>
+                        </a:rPr>
+                        <a:t> </a:t>
+                      </a:r>
+                      <a:r>
+                        <a:rPr lang="en-US" sz="800" u="none" strike="noStrike" dirty="0" err="1">
+                          <a:effectLst/>
+                        </a:rPr>
+                        <a:t>tissu</a:t>
+                      </a:r>
+                      <a:r>
+                        <a:rPr lang="en-US" sz="800" u="none" strike="noStrike" dirty="0">
+                          <a:effectLst/>
+                        </a:rPr>
+                        <a:t>', 'owl fabric'</a:t>
+                      </a:r>
+                      <a:endParaRPr lang="en-US" sz="800" b="0" i="0" u="none" strike="noStrike" dirty="0">
+                        <a:solidFill>
+                          <a:srgbClr val="000000"/>
+                        </a:solidFill>
+                        <a:effectLst/>
+                        <a:latin typeface="Calibri"/>
+                      </a:endParaRPr>
+                    </a:p>
+                  </a:txBody>
+                  <a:tcPr marL="7030" marR="7030" marT="7030" marB="0" anchor="b">
+                    <a:lnL w="12700" cap="flat" cmpd="sng" algn="ctr">
+                      <a:solidFill>
+                        <a:scrgbClr r="0" g="0" b="0"/>
+                      </a:solidFill>
+                      <a:prstDash val="solid"/>
+                      <a:round/>
+                      <a:headEnd type="none" w="med" len="med"/>
+                      <a:tailEnd type="none" w="med" len="med"/>
+                    </a:lnL>
+                    <a:lnR w="12700" cap="flat" cmpd="sng" algn="ctr">
+                      <a:noFill/>
+                      <a:prstDash val="solid"/>
+                      <a:round/>
+                      <a:headEnd type="none" w="med" len="med"/>
+                      <a:tailEnd type="none" w="med" len="med"/>
+                    </a:lnR>
+                    <a:lnT w="12700" cap="flat" cmpd="sng" algn="ctr">
+                      <a:noFill/>
+                      <a:prstDash val="solid"/>
+                      <a:round/>
+                      <a:headEnd type="none" w="med" len="med"/>
+                      <a:tailEnd type="none" w="med" len="med"/>
+                    </a:lnT>
+                    <a:lnB w="12700" cap="flat" cmpd="sng" algn="ctr">
+                      <a:noFill/>
+                      <a:prstDash val="solid"/>
+                      <a:round/>
+                      <a:headEnd type="none" w="med" len="med"/>
+                      <a:tailEnd type="none" w="med" len="med"/>
+                    </a:lnB>
+                    <a:lnTlToBr w="12700" cmpd="sng">
+                      <a:noFill/>
+                      <a:prstDash val="solid"/>
+                    </a:lnTlToBr>
+                    <a:lnBlToTr w="12700" cmpd="sng">
+                      <a:noFill/>
+                      <a:prstDash val="solid"/>
+                    </a:lnBlToTr>
+                  </a:tcPr>
+                </a:tc>
+              </a:tr>
+              <a:tr h="112270">
+                <a:tc>
+                  <a:txBody>
+                    <a:bodyPr/>
+                    <a:lstStyle/>
+                    <a:p>
+                      <a:pPr algn="l" fontAlgn="b"/>
+                      <a:r>
+                        <a:rPr lang="da-DK" sz="800" u="none" strike="noStrike">
+                          <a:effectLst/>
+                        </a:rPr>
+                        <a:t>lys</a:t>
+                      </a:r>
+                      <a:endParaRPr lang="da-DK" sz="800" b="0" i="0" u="none" strike="noStrike">
+                        <a:solidFill>
+                          <a:srgbClr val="000000"/>
+                        </a:solidFill>
+                        <a:effectLst/>
+                        <a:latin typeface="Calibri"/>
+                      </a:endParaRPr>
+                    </a:p>
+                  </a:txBody>
+                  <a:tcPr marL="7030" marR="7030" marT="7030" marB="0" anchor="b">
+                    <a:lnL w="12700" cap="flat" cmpd="sng" algn="ctr">
+                      <a:noFill/>
+                      <a:prstDash val="solid"/>
+                      <a:round/>
+                      <a:headEnd type="none" w="med" len="med"/>
+                      <a:tailEnd type="none" w="med" len="med"/>
+                    </a:lnL>
+                    <a:lnR w="12700" cap="flat" cmpd="sng" algn="ctr">
+                      <a:solidFill>
+                        <a:scrgbClr r="0" g="0" b="0"/>
+                      </a:solidFill>
+                      <a:prstDash val="solid"/>
+                      <a:round/>
+                      <a:headEnd type="none" w="med" len="med"/>
+                      <a:tailEnd type="none" w="med" len="med"/>
+                    </a:lnR>
+                    <a:lnT w="12700" cap="flat" cmpd="sng" algn="ctr">
+                      <a:noFill/>
+                      <a:prstDash val="solid"/>
+                      <a:round/>
+                      <a:headEnd type="none" w="med" len="med"/>
+                      <a:tailEnd type="none" w="med" len="med"/>
+                    </a:lnT>
+                    <a:lnB w="12700" cap="flat" cmpd="sng" algn="ctr">
+                      <a:noFill/>
+                      <a:prstDash val="solid"/>
+                      <a:round/>
+                      <a:headEnd type="none" w="med" len="med"/>
+                      <a:tailEnd type="none" w="med" len="med"/>
+                    </a:lnB>
+                    <a:lnTlToBr w="12700" cmpd="sng">
+                      <a:noFill/>
+                      <a:prstDash val="solid"/>
+                    </a:lnTlToBr>
+                    <a:lnBlToTr w="12700" cmpd="sng">
+                      <a:noFill/>
+                      <a:prstDash val="solid"/>
+                    </a:lnBlToTr>
+                  </a:tcPr>
+                </a:tc>
+                <a:tc>
+                  <a:txBody>
+                    <a:bodyPr/>
+                    <a:lstStyle/>
+                    <a:p>
+                      <a:pPr algn="l" fontAlgn="b"/>
+                      <a:r>
+                        <a:rPr lang="nl-NL" sz="800" u="none" strike="noStrike" dirty="0" smtClean="0">
+                          <a:effectLst/>
+                        </a:rPr>
+                        <a:t> '</a:t>
+                      </a:r>
+                      <a:r>
+                        <a:rPr lang="nl-NL" sz="800" u="none" strike="noStrike" dirty="0" err="1">
+                          <a:effectLst/>
+                        </a:rPr>
+                        <a:t>motif</a:t>
+                      </a:r>
+                      <a:r>
+                        <a:rPr lang="nl-NL" sz="800" u="none" strike="noStrike" dirty="0">
+                          <a:effectLst/>
+                        </a:rPr>
+                        <a:t> lis', '</a:t>
+                      </a:r>
+                      <a:r>
+                        <a:rPr lang="nl-NL" sz="800" u="none" strike="noStrike" dirty="0" err="1">
+                          <a:effectLst/>
+                        </a:rPr>
+                        <a:t>pattern</a:t>
+                      </a:r>
+                      <a:r>
+                        <a:rPr lang="nl-NL" sz="800" u="none" strike="noStrike" dirty="0">
+                          <a:effectLst/>
+                        </a:rPr>
+                        <a:t> </a:t>
+                      </a:r>
+                      <a:r>
+                        <a:rPr lang="nl-NL" sz="800" u="none" strike="noStrike" dirty="0" err="1">
+                          <a:effectLst/>
+                        </a:rPr>
+                        <a:t>lily</a:t>
+                      </a:r>
+                      <a:r>
+                        <a:rPr lang="nl-NL" sz="800" u="none" strike="noStrike" dirty="0">
+                          <a:effectLst/>
+                        </a:rPr>
+                        <a:t>', '</a:t>
+                      </a:r>
+                      <a:r>
+                        <a:rPr lang="nl-NL" sz="800" u="none" strike="noStrike" dirty="0" err="1">
+                          <a:effectLst/>
+                        </a:rPr>
+                        <a:t>pattern</a:t>
+                      </a:r>
+                      <a:r>
+                        <a:rPr lang="nl-NL" sz="800" u="none" strike="noStrike" dirty="0">
+                          <a:effectLst/>
+                        </a:rPr>
+                        <a:t> lis', '</a:t>
+                      </a:r>
+                      <a:r>
+                        <a:rPr lang="nl-NL" sz="800" u="none" strike="noStrike" dirty="0" err="1">
+                          <a:effectLst/>
+                        </a:rPr>
+                        <a:t>lily</a:t>
+                      </a:r>
+                      <a:r>
+                        <a:rPr lang="nl-NL" sz="800" u="none" strike="noStrike" dirty="0">
+                          <a:effectLst/>
+                        </a:rPr>
+                        <a:t> </a:t>
+                      </a:r>
+                      <a:r>
+                        <a:rPr lang="nl-NL" sz="800" u="none" strike="noStrike" dirty="0" err="1">
+                          <a:effectLst/>
+                        </a:rPr>
+                        <a:t>fabric</a:t>
+                      </a:r>
+                      <a:r>
+                        <a:rPr lang="nl-NL" sz="800" u="none" strike="noStrike" dirty="0">
+                          <a:effectLst/>
+                        </a:rPr>
+                        <a:t>'</a:t>
+                      </a:r>
+                      <a:endParaRPr lang="nl-NL" sz="800" b="0" i="0" u="none" strike="noStrike" dirty="0">
+                        <a:solidFill>
+                          <a:srgbClr val="000000"/>
+                        </a:solidFill>
+                        <a:effectLst/>
+                        <a:latin typeface="Calibri"/>
+                      </a:endParaRPr>
+                    </a:p>
+                  </a:txBody>
+                  <a:tcPr marL="7030" marR="7030" marT="7030" marB="0" anchor="b">
+                    <a:lnL w="12700" cap="flat" cmpd="sng" algn="ctr">
+                      <a:solidFill>
+                        <a:scrgbClr r="0" g="0" b="0"/>
+                      </a:solidFill>
+                      <a:prstDash val="solid"/>
+                      <a:round/>
+                      <a:headEnd type="none" w="med" len="med"/>
+                      <a:tailEnd type="none" w="med" len="med"/>
+                    </a:lnL>
+                    <a:lnR w="12700" cap="flat" cmpd="sng" algn="ctr">
+                      <a:noFill/>
+                      <a:prstDash val="solid"/>
+                      <a:round/>
+                      <a:headEnd type="none" w="med" len="med"/>
+                      <a:tailEnd type="none" w="med" len="med"/>
+                    </a:lnR>
+                    <a:lnT w="12700" cap="flat" cmpd="sng" algn="ctr">
+                      <a:noFill/>
+                      <a:prstDash val="solid"/>
+                      <a:round/>
+                      <a:headEnd type="none" w="med" len="med"/>
+                      <a:tailEnd type="none" w="med" len="med"/>
+                    </a:lnT>
+                    <a:lnB w="12700" cap="flat" cmpd="sng" algn="ctr">
+                      <a:noFill/>
+                      <a:prstDash val="solid"/>
+                      <a:round/>
+                      <a:headEnd type="none" w="med" len="med"/>
+                      <a:tailEnd type="none" w="med" len="med"/>
+                    </a:lnB>
+                    <a:lnTlToBr w="12700" cmpd="sng">
+                      <a:noFill/>
+                      <a:prstDash val="solid"/>
+                    </a:lnTlToBr>
+                    <a:lnBlToTr w="12700" cmpd="sng">
+                      <a:noFill/>
+                      <a:prstDash val="solid"/>
+                    </a:lnBlToTr>
+                  </a:tcPr>
+                </a:tc>
+              </a:tr>
+              <a:tr h="112270">
+                <a:tc>
+                  <a:txBody>
+                    <a:bodyPr/>
+                    <a:lstStyle/>
+                    <a:p>
+                      <a:pPr algn="l" fontAlgn="b"/>
+                      <a:r>
+                        <a:rPr lang="tr-TR" sz="800" u="none" strike="noStrike">
+                          <a:effectLst/>
+                        </a:rPr>
+                        <a:t>plume</a:t>
+                      </a:r>
+                      <a:endParaRPr lang="tr-TR" sz="800" b="0" i="0" u="none" strike="noStrike">
+                        <a:solidFill>
+                          <a:srgbClr val="000000"/>
+                        </a:solidFill>
+                        <a:effectLst/>
+                        <a:latin typeface="Calibri"/>
+                      </a:endParaRPr>
+                    </a:p>
+                  </a:txBody>
+                  <a:tcPr marL="7030" marR="7030" marT="7030" marB="0" anchor="b">
+                    <a:lnL w="12700" cap="flat" cmpd="sng" algn="ctr">
+                      <a:noFill/>
+                      <a:prstDash val="solid"/>
+                      <a:round/>
+                      <a:headEnd type="none" w="med" len="med"/>
+                      <a:tailEnd type="none" w="med" len="med"/>
+                    </a:lnL>
+                    <a:lnR w="12700" cap="flat" cmpd="sng" algn="ctr">
+                      <a:solidFill>
+                        <a:scrgbClr r="0" g="0" b="0"/>
+                      </a:solidFill>
+                      <a:prstDash val="solid"/>
+                      <a:round/>
+                      <a:headEnd type="none" w="med" len="med"/>
+                      <a:tailEnd type="none" w="med" len="med"/>
+                    </a:lnR>
+                    <a:lnT w="12700" cap="flat" cmpd="sng" algn="ctr">
+                      <a:noFill/>
+                      <a:prstDash val="solid"/>
+                      <a:round/>
+                      <a:headEnd type="none" w="med" len="med"/>
+                      <a:tailEnd type="none" w="med" len="med"/>
+                    </a:lnT>
+                    <a:lnB w="12700" cap="flat" cmpd="sng" algn="ctr">
+                      <a:noFill/>
+                      <a:prstDash val="solid"/>
+                      <a:round/>
+                      <a:headEnd type="none" w="med" len="med"/>
+                      <a:tailEnd type="none" w="med" len="med"/>
+                    </a:lnB>
+                    <a:lnTlToBr w="12700" cmpd="sng">
+                      <a:noFill/>
+                      <a:prstDash val="solid"/>
+                    </a:lnTlToBr>
+                    <a:lnBlToTr w="12700" cmpd="sng">
+                      <a:noFill/>
+                      <a:prstDash val="solid"/>
+                    </a:lnBlToTr>
+                  </a:tcPr>
+                </a:tc>
+                <a:tc>
+                  <a:txBody>
+                    <a:bodyPr/>
+                    <a:lstStyle/>
+                    <a:p>
+                      <a:pPr algn="l" fontAlgn="b"/>
+                      <a:r>
+                        <a:rPr lang="en-US" sz="800" u="none" strike="noStrike" dirty="0" smtClean="0">
+                          <a:effectLst/>
+                        </a:rPr>
+                        <a:t> ’pattern </a:t>
+                      </a:r>
+                      <a:r>
+                        <a:rPr lang="en-US" sz="800" u="none" strike="noStrike" dirty="0">
+                          <a:effectLst/>
+                        </a:rPr>
+                        <a:t>feather', 'motif plume', 'plume </a:t>
+                      </a:r>
+                      <a:r>
+                        <a:rPr lang="en-US" sz="800" u="none" strike="noStrike" dirty="0" err="1">
+                          <a:effectLst/>
+                        </a:rPr>
+                        <a:t>tissu</a:t>
+                      </a:r>
+                      <a:r>
+                        <a:rPr lang="en-US" sz="800" u="none" strike="noStrike" dirty="0">
+                          <a:effectLst/>
+                        </a:rPr>
+                        <a:t>'</a:t>
+                      </a:r>
+                      <a:endParaRPr lang="en-US" sz="800" b="0" i="0" u="none" strike="noStrike" dirty="0">
+                        <a:solidFill>
+                          <a:srgbClr val="000000"/>
+                        </a:solidFill>
+                        <a:effectLst/>
+                        <a:latin typeface="Calibri"/>
+                      </a:endParaRPr>
+                    </a:p>
+                  </a:txBody>
+                  <a:tcPr marL="7030" marR="7030" marT="7030" marB="0" anchor="b">
+                    <a:lnL w="12700" cap="flat" cmpd="sng" algn="ctr">
+                      <a:solidFill>
+                        <a:scrgbClr r="0" g="0" b="0"/>
+                      </a:solidFill>
+                      <a:prstDash val="solid"/>
+                      <a:round/>
+                      <a:headEnd type="none" w="med" len="med"/>
+                      <a:tailEnd type="none" w="med" len="med"/>
+                    </a:lnL>
+                    <a:lnR w="12700" cap="flat" cmpd="sng" algn="ctr">
+                      <a:noFill/>
+                      <a:prstDash val="solid"/>
+                      <a:round/>
+                      <a:headEnd type="none" w="med" len="med"/>
+                      <a:tailEnd type="none" w="med" len="med"/>
+                    </a:lnR>
+                    <a:lnT w="12700" cap="flat" cmpd="sng" algn="ctr">
+                      <a:noFill/>
+                      <a:prstDash val="solid"/>
+                      <a:round/>
+                      <a:headEnd type="none" w="med" len="med"/>
+                      <a:tailEnd type="none" w="med" len="med"/>
+                    </a:lnT>
+                    <a:lnB w="12700" cap="flat" cmpd="sng" algn="ctr">
+                      <a:noFill/>
+                      <a:prstDash val="solid"/>
+                      <a:round/>
+                      <a:headEnd type="none" w="med" len="med"/>
+                      <a:tailEnd type="none" w="med" len="med"/>
+                    </a:lnB>
+                    <a:lnTlToBr w="12700" cmpd="sng">
+                      <a:noFill/>
+                      <a:prstDash val="solid"/>
+                    </a:lnTlToBr>
+                    <a:lnBlToTr w="12700" cmpd="sng">
+                      <a:noFill/>
+                      <a:prstDash val="solid"/>
+                    </a:lnBlToTr>
+                  </a:tcPr>
+                </a:tc>
+              </a:tr>
+              <a:tr h="112270">
+                <a:tc>
+                  <a:txBody>
+                    <a:bodyPr/>
+                    <a:lstStyle/>
+                    <a:p>
+                      <a:pPr algn="l" fontAlgn="b"/>
+                      <a:r>
+                        <a:rPr lang="fr-FR" sz="800" u="none" strike="noStrike">
+                          <a:effectLst/>
+                        </a:rPr>
+                        <a:t>goutte</a:t>
+                      </a:r>
+                      <a:endParaRPr lang="fr-FR" sz="800" b="0" i="0" u="none" strike="noStrike">
+                        <a:solidFill>
+                          <a:srgbClr val="000000"/>
+                        </a:solidFill>
+                        <a:effectLst/>
+                        <a:latin typeface="Calibri"/>
+                      </a:endParaRPr>
+                    </a:p>
+                  </a:txBody>
+                  <a:tcPr marL="7030" marR="7030" marT="7030" marB="0" anchor="b">
+                    <a:lnL w="12700" cap="flat" cmpd="sng" algn="ctr">
+                      <a:noFill/>
+                      <a:prstDash val="solid"/>
+                      <a:round/>
+                      <a:headEnd type="none" w="med" len="med"/>
+                      <a:tailEnd type="none" w="med" len="med"/>
+                    </a:lnL>
+                    <a:lnR w="12700" cap="flat" cmpd="sng" algn="ctr">
+                      <a:solidFill>
+                        <a:scrgbClr r="0" g="0" b="0"/>
+                      </a:solidFill>
+                      <a:prstDash val="solid"/>
+                      <a:round/>
+                      <a:headEnd type="none" w="med" len="med"/>
+                      <a:tailEnd type="none" w="med" len="med"/>
+                    </a:lnR>
+                    <a:lnT w="12700" cap="flat" cmpd="sng" algn="ctr">
+                      <a:noFill/>
+                      <a:prstDash val="solid"/>
+                      <a:round/>
+                      <a:headEnd type="none" w="med" len="med"/>
+                      <a:tailEnd type="none" w="med" len="med"/>
+                    </a:lnT>
+                    <a:lnB w="12700" cap="flat" cmpd="sng" algn="ctr">
+                      <a:noFill/>
+                      <a:prstDash val="solid"/>
+                      <a:round/>
+                      <a:headEnd type="none" w="med" len="med"/>
+                      <a:tailEnd type="none" w="med" len="med"/>
+                    </a:lnB>
+                    <a:lnTlToBr w="12700" cmpd="sng">
+                      <a:noFill/>
+                      <a:prstDash val="solid"/>
+                    </a:lnTlToBr>
+                    <a:lnBlToTr w="12700" cmpd="sng">
+                      <a:noFill/>
+                      <a:prstDash val="solid"/>
+                    </a:lnBlToTr>
+                  </a:tcPr>
+                </a:tc>
+                <a:tc>
+                  <a:txBody>
+                    <a:bodyPr/>
+                    <a:lstStyle/>
+                    <a:p>
+                      <a:pPr algn="l" fontAlgn="b"/>
+                      <a:r>
+                        <a:rPr lang="nl-NL" sz="800" u="none" strike="noStrike" dirty="0" smtClean="0">
+                          <a:effectLst/>
+                        </a:rPr>
+                        <a:t> ‘</a:t>
+                      </a:r>
+                      <a:r>
+                        <a:rPr lang="nl-NL" sz="800" u="none" strike="noStrike" dirty="0" err="1" smtClean="0">
+                          <a:effectLst/>
+                        </a:rPr>
+                        <a:t>motif</a:t>
+                      </a:r>
+                      <a:r>
+                        <a:rPr lang="nl-NL" sz="800" u="none" strike="noStrike" dirty="0" smtClean="0">
+                          <a:effectLst/>
+                        </a:rPr>
+                        <a:t> </a:t>
+                      </a:r>
+                      <a:r>
+                        <a:rPr lang="nl-NL" sz="800" u="none" strike="noStrike" dirty="0" err="1">
+                          <a:effectLst/>
+                        </a:rPr>
+                        <a:t>goutte</a:t>
+                      </a:r>
+                      <a:r>
+                        <a:rPr lang="nl-NL" sz="800" u="none" strike="noStrike" dirty="0">
+                          <a:effectLst/>
+                        </a:rPr>
+                        <a:t>', '</a:t>
+                      </a:r>
+                      <a:r>
+                        <a:rPr lang="nl-NL" sz="800" u="none" strike="noStrike" dirty="0" err="1">
+                          <a:effectLst/>
+                        </a:rPr>
+                        <a:t>pattern</a:t>
+                      </a:r>
+                      <a:r>
+                        <a:rPr lang="nl-NL" sz="800" u="none" strike="noStrike" dirty="0">
+                          <a:effectLst/>
+                        </a:rPr>
+                        <a:t> drop', '</a:t>
+                      </a:r>
+                      <a:r>
+                        <a:rPr lang="nl-NL" sz="800" u="none" strike="noStrike" dirty="0" err="1">
+                          <a:effectLst/>
+                        </a:rPr>
+                        <a:t>goutte</a:t>
+                      </a:r>
+                      <a:r>
+                        <a:rPr lang="nl-NL" sz="800" u="none" strike="noStrike" dirty="0">
+                          <a:effectLst/>
+                        </a:rPr>
+                        <a:t> </a:t>
+                      </a:r>
+                      <a:r>
+                        <a:rPr lang="nl-NL" sz="800" u="none" strike="noStrike" dirty="0" err="1">
+                          <a:effectLst/>
+                        </a:rPr>
+                        <a:t>tissu</a:t>
+                      </a:r>
+                      <a:r>
+                        <a:rPr lang="nl-NL" sz="800" u="none" strike="noStrike" dirty="0">
+                          <a:effectLst/>
+                        </a:rPr>
+                        <a:t>'</a:t>
+                      </a:r>
+                      <a:endParaRPr lang="nl-NL" sz="800" b="0" i="0" u="none" strike="noStrike" dirty="0">
+                        <a:solidFill>
+                          <a:srgbClr val="000000"/>
+                        </a:solidFill>
+                        <a:effectLst/>
+                        <a:latin typeface="Calibri"/>
+                      </a:endParaRPr>
+                    </a:p>
+                  </a:txBody>
+                  <a:tcPr marL="7030" marR="7030" marT="7030" marB="0" anchor="b">
+                    <a:lnL w="12700" cap="flat" cmpd="sng" algn="ctr">
+                      <a:solidFill>
+                        <a:scrgbClr r="0" g="0" b="0"/>
+                      </a:solidFill>
+                      <a:prstDash val="solid"/>
+                      <a:round/>
+                      <a:headEnd type="none" w="med" len="med"/>
+                      <a:tailEnd type="none" w="med" len="med"/>
+                    </a:lnL>
+                    <a:lnR w="12700" cap="flat" cmpd="sng" algn="ctr">
+                      <a:noFill/>
+                      <a:prstDash val="solid"/>
+                      <a:round/>
+                      <a:headEnd type="none" w="med" len="med"/>
+                      <a:tailEnd type="none" w="med" len="med"/>
+                    </a:lnR>
+                    <a:lnT w="12700" cap="flat" cmpd="sng" algn="ctr">
+                      <a:noFill/>
+                      <a:prstDash val="solid"/>
+                      <a:round/>
+                      <a:headEnd type="none" w="med" len="med"/>
+                      <a:tailEnd type="none" w="med" len="med"/>
+                    </a:lnT>
+                    <a:lnB w="12700" cap="flat" cmpd="sng" algn="ctr">
+                      <a:noFill/>
+                      <a:prstDash val="solid"/>
+                      <a:round/>
+                      <a:headEnd type="none" w="med" len="med"/>
+                      <a:tailEnd type="none" w="med" len="med"/>
+                    </a:lnB>
+                    <a:lnTlToBr w="12700" cmpd="sng">
+                      <a:noFill/>
+                      <a:prstDash val="solid"/>
+                    </a:lnTlToBr>
+                    <a:lnBlToTr w="12700" cmpd="sng">
+                      <a:noFill/>
+                      <a:prstDash val="solid"/>
+                    </a:lnBlToTr>
+                  </a:tcPr>
+                </a:tc>
+              </a:tr>
+              <a:tr h="112270">
+                <a:tc>
+                  <a:txBody>
+                    <a:bodyPr/>
+                    <a:lstStyle/>
+                    <a:p>
+                      <a:pPr algn="l" fontAlgn="b"/>
+                      <a:r>
+                        <a:rPr lang="fr-FR" sz="800" u="none" strike="noStrike">
+                          <a:effectLst/>
+                        </a:rPr>
+                        <a:t>cœur</a:t>
+                      </a:r>
+                      <a:endParaRPr lang="fr-FR" sz="800" b="0" i="0" u="none" strike="noStrike">
+                        <a:solidFill>
+                          <a:srgbClr val="000000"/>
+                        </a:solidFill>
+                        <a:effectLst/>
+                        <a:latin typeface="Calibri"/>
+                      </a:endParaRPr>
+                    </a:p>
+                  </a:txBody>
+                  <a:tcPr marL="7030" marR="7030" marT="7030" marB="0" anchor="b">
+                    <a:lnL w="12700" cap="flat" cmpd="sng" algn="ctr">
+                      <a:noFill/>
+                      <a:prstDash val="solid"/>
+                      <a:round/>
+                      <a:headEnd type="none" w="med" len="med"/>
+                      <a:tailEnd type="none" w="med" len="med"/>
+                    </a:lnL>
+                    <a:lnR w="12700" cap="flat" cmpd="sng" algn="ctr">
+                      <a:solidFill>
+                        <a:scrgbClr r="0" g="0" b="0"/>
+                      </a:solidFill>
+                      <a:prstDash val="solid"/>
+                      <a:round/>
+                      <a:headEnd type="none" w="med" len="med"/>
+                      <a:tailEnd type="none" w="med" len="med"/>
+                    </a:lnR>
+                    <a:lnT w="12700" cap="flat" cmpd="sng" algn="ctr">
+                      <a:noFill/>
+                      <a:prstDash val="solid"/>
+                      <a:round/>
+                      <a:headEnd type="none" w="med" len="med"/>
+                      <a:tailEnd type="none" w="med" len="med"/>
+                    </a:lnT>
+                    <a:lnB w="12700" cap="flat" cmpd="sng" algn="ctr">
+                      <a:noFill/>
+                      <a:prstDash val="solid"/>
+                      <a:round/>
+                      <a:headEnd type="none" w="med" len="med"/>
+                      <a:tailEnd type="none" w="med" len="med"/>
+                    </a:lnB>
+                    <a:lnTlToBr w="12700" cmpd="sng">
+                      <a:noFill/>
+                      <a:prstDash val="solid"/>
+                    </a:lnTlToBr>
+                    <a:lnBlToTr w="12700" cmpd="sng">
+                      <a:noFill/>
+                      <a:prstDash val="solid"/>
+                    </a:lnBlToTr>
+                  </a:tcPr>
+                </a:tc>
+                <a:tc>
+                  <a:txBody>
+                    <a:bodyPr/>
+                    <a:lstStyle/>
+                    <a:p>
+                      <a:pPr algn="l" fontAlgn="b"/>
+                      <a:r>
+                        <a:rPr lang="en-US" sz="800" u="none" strike="noStrike" dirty="0" smtClean="0">
+                          <a:effectLst/>
+                        </a:rPr>
+                        <a:t> '</a:t>
+                      </a:r>
+                      <a:r>
+                        <a:rPr lang="en-US" sz="800" u="none" strike="noStrike" dirty="0">
+                          <a:effectLst/>
+                        </a:rPr>
+                        <a:t>pattern heart', 'motif </a:t>
+                      </a:r>
+                      <a:r>
+                        <a:rPr lang="en-US" sz="800" u="none" strike="noStrike" dirty="0" err="1">
+                          <a:effectLst/>
+                        </a:rPr>
+                        <a:t>coeur</a:t>
+                      </a:r>
+                      <a:r>
+                        <a:rPr lang="en-US" sz="800" u="none" strike="noStrike" dirty="0">
+                          <a:effectLst/>
+                        </a:rPr>
+                        <a:t>', 'heart fabric'</a:t>
+                      </a:r>
+                      <a:endParaRPr lang="en-US" sz="800" b="0" i="0" u="none" strike="noStrike" dirty="0">
+                        <a:solidFill>
+                          <a:srgbClr val="000000"/>
+                        </a:solidFill>
+                        <a:effectLst/>
+                        <a:latin typeface="Calibri"/>
+                      </a:endParaRPr>
+                    </a:p>
+                  </a:txBody>
+                  <a:tcPr marL="7030" marR="7030" marT="7030" marB="0" anchor="b">
+                    <a:lnL w="12700" cap="flat" cmpd="sng" algn="ctr">
+                      <a:solidFill>
+                        <a:scrgbClr r="0" g="0" b="0"/>
+                      </a:solidFill>
+                      <a:prstDash val="solid"/>
+                      <a:round/>
+                      <a:headEnd type="none" w="med" len="med"/>
+                      <a:tailEnd type="none" w="med" len="med"/>
+                    </a:lnL>
+                    <a:lnR w="12700" cap="flat" cmpd="sng" algn="ctr">
+                      <a:noFill/>
+                      <a:prstDash val="solid"/>
+                      <a:round/>
+                      <a:headEnd type="none" w="med" len="med"/>
+                      <a:tailEnd type="none" w="med" len="med"/>
+                    </a:lnR>
+                    <a:lnT w="12700" cap="flat" cmpd="sng" algn="ctr">
+                      <a:noFill/>
+                      <a:prstDash val="solid"/>
+                      <a:round/>
+                      <a:headEnd type="none" w="med" len="med"/>
+                      <a:tailEnd type="none" w="med" len="med"/>
+                    </a:lnT>
+                    <a:lnB w="12700" cap="flat" cmpd="sng" algn="ctr">
+                      <a:noFill/>
+                      <a:prstDash val="solid"/>
+                      <a:round/>
+                      <a:headEnd type="none" w="med" len="med"/>
+                      <a:tailEnd type="none" w="med" len="med"/>
+                    </a:lnB>
+                    <a:lnTlToBr w="12700" cmpd="sng">
+                      <a:noFill/>
+                      <a:prstDash val="solid"/>
+                    </a:lnTlToBr>
+                    <a:lnBlToTr w="12700" cmpd="sng">
+                      <a:noFill/>
+                      <a:prstDash val="solid"/>
+                    </a:lnBlToTr>
+                  </a:tcPr>
+                </a:tc>
+              </a:tr>
+              <a:tr h="112270">
+                <a:tc>
+                  <a:txBody>
+                    <a:bodyPr/>
+                    <a:lstStyle/>
+                    <a:p>
+                      <a:pPr algn="l" fontAlgn="b"/>
+                      <a:r>
+                        <a:rPr lang="fr-FR" sz="800" u="none" strike="noStrike">
+                          <a:effectLst/>
+                        </a:rPr>
+                        <a:t>éclair</a:t>
+                      </a:r>
+                      <a:endParaRPr lang="fr-FR" sz="800" b="0" i="0" u="none" strike="noStrike">
+                        <a:solidFill>
+                          <a:srgbClr val="000000"/>
+                        </a:solidFill>
+                        <a:effectLst/>
+                        <a:latin typeface="Calibri"/>
+                      </a:endParaRPr>
+                    </a:p>
+                  </a:txBody>
+                  <a:tcPr marL="7030" marR="7030" marT="7030" marB="0" anchor="b">
+                    <a:lnL w="12700" cap="flat" cmpd="sng" algn="ctr">
+                      <a:noFill/>
+                      <a:prstDash val="solid"/>
+                      <a:round/>
+                      <a:headEnd type="none" w="med" len="med"/>
+                      <a:tailEnd type="none" w="med" len="med"/>
+                    </a:lnL>
+                    <a:lnR w="12700" cap="flat" cmpd="sng" algn="ctr">
+                      <a:solidFill>
+                        <a:scrgbClr r="0" g="0" b="0"/>
+                      </a:solidFill>
+                      <a:prstDash val="solid"/>
+                      <a:round/>
+                      <a:headEnd type="none" w="med" len="med"/>
+                      <a:tailEnd type="none" w="med" len="med"/>
+                    </a:lnR>
+                    <a:lnT w="12700" cap="flat" cmpd="sng" algn="ctr">
+                      <a:noFill/>
+                      <a:prstDash val="solid"/>
+                      <a:round/>
+                      <a:headEnd type="none" w="med" len="med"/>
+                      <a:tailEnd type="none" w="med" len="med"/>
+                    </a:lnT>
+                    <a:lnB w="12700" cap="flat" cmpd="sng" algn="ctr">
+                      <a:noFill/>
+                      <a:prstDash val="solid"/>
+                      <a:round/>
+                      <a:headEnd type="none" w="med" len="med"/>
+                      <a:tailEnd type="none" w="med" len="med"/>
+                    </a:lnB>
+                    <a:lnTlToBr w="12700" cmpd="sng">
+                      <a:noFill/>
+                      <a:prstDash val="solid"/>
+                    </a:lnTlToBr>
+                    <a:lnBlToTr w="12700" cmpd="sng">
+                      <a:noFill/>
+                      <a:prstDash val="solid"/>
+                    </a:lnBlToTr>
+                  </a:tcPr>
+                </a:tc>
+                <a:tc>
+                  <a:txBody>
+                    <a:bodyPr/>
+                    <a:lstStyle/>
+                    <a:p>
+                      <a:pPr algn="l" fontAlgn="b"/>
+                      <a:r>
+                        <a:rPr lang="fr-FR" sz="800" u="none" strike="noStrike" dirty="0" smtClean="0">
+                          <a:effectLst/>
+                        </a:rPr>
+                        <a:t> '</a:t>
+                      </a:r>
+                      <a:r>
+                        <a:rPr lang="fr-FR" sz="800" u="none" strike="noStrike" dirty="0">
+                          <a:effectLst/>
+                        </a:rPr>
+                        <a:t>éclair motif'</a:t>
+                      </a:r>
+                      <a:endParaRPr lang="fr-FR" sz="800" b="0" i="0" u="none" strike="noStrike" dirty="0">
+                        <a:solidFill>
+                          <a:srgbClr val="000000"/>
+                        </a:solidFill>
+                        <a:effectLst/>
+                        <a:latin typeface="Calibri"/>
+                      </a:endParaRPr>
+                    </a:p>
+                  </a:txBody>
+                  <a:tcPr marL="7030" marR="7030" marT="7030" marB="0" anchor="b">
+                    <a:lnL w="12700" cap="flat" cmpd="sng" algn="ctr">
+                      <a:solidFill>
+                        <a:scrgbClr r="0" g="0" b="0"/>
+                      </a:solidFill>
+                      <a:prstDash val="solid"/>
+                      <a:round/>
+                      <a:headEnd type="none" w="med" len="med"/>
+                      <a:tailEnd type="none" w="med" len="med"/>
+                    </a:lnL>
+                    <a:lnR w="12700" cap="flat" cmpd="sng" algn="ctr">
+                      <a:noFill/>
+                      <a:prstDash val="solid"/>
+                      <a:round/>
+                      <a:headEnd type="none" w="med" len="med"/>
+                      <a:tailEnd type="none" w="med" len="med"/>
+                    </a:lnR>
+                    <a:lnT w="12700" cap="flat" cmpd="sng" algn="ctr">
+                      <a:noFill/>
+                      <a:prstDash val="solid"/>
+                      <a:round/>
+                      <a:headEnd type="none" w="med" len="med"/>
+                      <a:tailEnd type="none" w="med" len="med"/>
+                    </a:lnT>
+                    <a:lnB w="12700" cap="flat" cmpd="sng" algn="ctr">
+                      <a:noFill/>
+                      <a:prstDash val="solid"/>
+                      <a:round/>
+                      <a:headEnd type="none" w="med" len="med"/>
+                      <a:tailEnd type="none" w="med" len="med"/>
+                    </a:lnB>
+                    <a:lnTlToBr w="12700" cmpd="sng">
+                      <a:noFill/>
+                      <a:prstDash val="solid"/>
+                    </a:lnTlToBr>
+                    <a:lnBlToTr w="12700" cmpd="sng">
+                      <a:noFill/>
+                      <a:prstDash val="solid"/>
+                    </a:lnBlToTr>
+                  </a:tcPr>
+                </a:tc>
+              </a:tr>
+              <a:tr h="112270">
+                <a:tc>
+                  <a:txBody>
+                    <a:bodyPr/>
+                    <a:lstStyle/>
+                    <a:p>
+                      <a:pPr algn="l" fontAlgn="b"/>
+                      <a:r>
+                        <a:rPr lang="fr-FR" sz="800" u="none" strike="noStrike">
+                          <a:effectLst/>
+                        </a:rPr>
+                        <a:t>vague</a:t>
+                      </a:r>
+                      <a:endParaRPr lang="fr-FR" sz="800" b="0" i="0" u="none" strike="noStrike">
+                        <a:solidFill>
+                          <a:srgbClr val="000000"/>
+                        </a:solidFill>
+                        <a:effectLst/>
+                        <a:latin typeface="Calibri"/>
+                      </a:endParaRPr>
+                    </a:p>
+                  </a:txBody>
+                  <a:tcPr marL="7030" marR="7030" marT="7030" marB="0" anchor="b">
+                    <a:lnL w="12700" cap="flat" cmpd="sng" algn="ctr">
+                      <a:noFill/>
+                      <a:prstDash val="solid"/>
+                      <a:round/>
+                      <a:headEnd type="none" w="med" len="med"/>
+                      <a:tailEnd type="none" w="med" len="med"/>
+                    </a:lnL>
+                    <a:lnR w="12700" cap="flat" cmpd="sng" algn="ctr">
+                      <a:solidFill>
+                        <a:scrgbClr r="0" g="0" b="0"/>
+                      </a:solidFill>
+                      <a:prstDash val="solid"/>
+                      <a:round/>
+                      <a:headEnd type="none" w="med" len="med"/>
+                      <a:tailEnd type="none" w="med" len="med"/>
+                    </a:lnR>
+                    <a:lnT w="12700" cap="flat" cmpd="sng" algn="ctr">
+                      <a:noFill/>
+                      <a:prstDash val="solid"/>
+                      <a:round/>
+                      <a:headEnd type="none" w="med" len="med"/>
+                      <a:tailEnd type="none" w="med" len="med"/>
+                    </a:lnT>
+                    <a:lnB w="12700" cap="flat" cmpd="sng" algn="ctr">
+                      <a:noFill/>
+                      <a:prstDash val="solid"/>
+                      <a:round/>
+                      <a:headEnd type="none" w="med" len="med"/>
+                      <a:tailEnd type="none" w="med" len="med"/>
+                    </a:lnB>
+                    <a:lnTlToBr w="12700" cmpd="sng">
+                      <a:noFill/>
+                      <a:prstDash val="solid"/>
+                    </a:lnTlToBr>
+                    <a:lnBlToTr w="12700" cmpd="sng">
+                      <a:noFill/>
+                      <a:prstDash val="solid"/>
+                    </a:lnBlToTr>
+                  </a:tcPr>
+                </a:tc>
+                <a:tc>
+                  <a:txBody>
+                    <a:bodyPr/>
+                    <a:lstStyle/>
+                    <a:p>
+                      <a:pPr algn="l" fontAlgn="b"/>
+                      <a:r>
+                        <a:rPr lang="nl-NL" sz="800" u="none" strike="noStrike" dirty="0" smtClean="0">
+                          <a:effectLst/>
+                        </a:rPr>
+                        <a:t> ’</a:t>
+                      </a:r>
+                      <a:r>
+                        <a:rPr lang="nl-NL" sz="800" u="none" strike="noStrike" dirty="0" err="1" smtClean="0">
+                          <a:effectLst/>
+                        </a:rPr>
+                        <a:t>motif</a:t>
+                      </a:r>
+                      <a:r>
+                        <a:rPr lang="nl-NL" sz="800" u="none" strike="noStrike" dirty="0" smtClean="0">
+                          <a:effectLst/>
+                        </a:rPr>
+                        <a:t> </a:t>
+                      </a:r>
+                      <a:r>
+                        <a:rPr lang="nl-NL" sz="800" u="none" strike="noStrike" dirty="0">
+                          <a:effectLst/>
+                        </a:rPr>
+                        <a:t>vague', '</a:t>
+                      </a:r>
+                      <a:r>
+                        <a:rPr lang="nl-NL" sz="800" u="none" strike="noStrike" dirty="0" err="1">
+                          <a:effectLst/>
+                        </a:rPr>
+                        <a:t>pattern</a:t>
+                      </a:r>
+                      <a:r>
+                        <a:rPr lang="nl-NL" sz="800" u="none" strike="noStrike" dirty="0">
+                          <a:effectLst/>
+                        </a:rPr>
+                        <a:t> wave', 'wave </a:t>
+                      </a:r>
+                      <a:r>
+                        <a:rPr lang="nl-NL" sz="800" u="none" strike="noStrike" dirty="0" err="1">
+                          <a:effectLst/>
+                        </a:rPr>
+                        <a:t>fabric</a:t>
+                      </a:r>
+                      <a:r>
+                        <a:rPr lang="nl-NL" sz="800" u="none" strike="noStrike" dirty="0">
+                          <a:effectLst/>
+                        </a:rPr>
+                        <a:t>'</a:t>
+                      </a:r>
+                      <a:endParaRPr lang="nl-NL" sz="800" b="0" i="0" u="none" strike="noStrike" dirty="0">
+                        <a:solidFill>
+                          <a:srgbClr val="000000"/>
+                        </a:solidFill>
+                        <a:effectLst/>
+                        <a:latin typeface="Calibri"/>
+                      </a:endParaRPr>
+                    </a:p>
+                  </a:txBody>
+                  <a:tcPr marL="7030" marR="7030" marT="7030" marB="0" anchor="b">
+                    <a:lnL w="12700" cap="flat" cmpd="sng" algn="ctr">
+                      <a:solidFill>
+                        <a:scrgbClr r="0" g="0" b="0"/>
+                      </a:solidFill>
+                      <a:prstDash val="solid"/>
+                      <a:round/>
+                      <a:headEnd type="none" w="med" len="med"/>
+                      <a:tailEnd type="none" w="med" len="med"/>
+                    </a:lnL>
+                    <a:lnR w="12700" cap="flat" cmpd="sng" algn="ctr">
+                      <a:noFill/>
+                      <a:prstDash val="solid"/>
+                      <a:round/>
+                      <a:headEnd type="none" w="med" len="med"/>
+                      <a:tailEnd type="none" w="med" len="med"/>
+                    </a:lnR>
+                    <a:lnT w="12700" cap="flat" cmpd="sng" algn="ctr">
+                      <a:noFill/>
+                      <a:prstDash val="solid"/>
+                      <a:round/>
+                      <a:headEnd type="none" w="med" len="med"/>
+                      <a:tailEnd type="none" w="med" len="med"/>
+                    </a:lnT>
+                    <a:lnB w="12700" cap="flat" cmpd="sng" algn="ctr">
+                      <a:noFill/>
+                      <a:prstDash val="solid"/>
+                      <a:round/>
+                      <a:headEnd type="none" w="med" len="med"/>
+                      <a:tailEnd type="none" w="med" len="med"/>
+                    </a:lnB>
+                    <a:lnTlToBr w="12700" cmpd="sng">
+                      <a:noFill/>
+                      <a:prstDash val="solid"/>
+                    </a:lnTlToBr>
+                    <a:lnBlToTr w="12700" cmpd="sng">
+                      <a:noFill/>
+                      <a:prstDash val="solid"/>
+                    </a:lnBlToTr>
+                  </a:tcPr>
+                </a:tc>
+              </a:tr>
+              <a:tr h="112270">
+                <a:tc>
+                  <a:txBody>
+                    <a:bodyPr/>
+                    <a:lstStyle/>
+                    <a:p>
+                      <a:pPr algn="l" fontAlgn="b"/>
+                      <a:r>
+                        <a:rPr lang="da-DK" sz="800" u="none" strike="noStrike">
+                          <a:effectLst/>
+                        </a:rPr>
+                        <a:t>kilt</a:t>
+                      </a:r>
+                      <a:endParaRPr lang="da-DK" sz="800" b="0" i="0" u="none" strike="noStrike">
+                        <a:solidFill>
+                          <a:srgbClr val="000000"/>
+                        </a:solidFill>
+                        <a:effectLst/>
+                        <a:latin typeface="Calibri"/>
+                      </a:endParaRPr>
+                    </a:p>
+                  </a:txBody>
+                  <a:tcPr marL="7030" marR="7030" marT="7030" marB="0" anchor="b">
+                    <a:lnL w="12700" cap="flat" cmpd="sng" algn="ctr">
+                      <a:noFill/>
+                      <a:prstDash val="solid"/>
+                      <a:round/>
+                      <a:headEnd type="none" w="med" len="med"/>
+                      <a:tailEnd type="none" w="med" len="med"/>
+                    </a:lnL>
+                    <a:lnR w="12700" cap="flat" cmpd="sng" algn="ctr">
+                      <a:solidFill>
+                        <a:scrgbClr r="0" g="0" b="0"/>
+                      </a:solidFill>
+                      <a:prstDash val="solid"/>
+                      <a:round/>
+                      <a:headEnd type="none" w="med" len="med"/>
+                      <a:tailEnd type="none" w="med" len="med"/>
+                    </a:lnR>
+                    <a:lnT w="12700" cap="flat" cmpd="sng" algn="ctr">
+                      <a:noFill/>
+                      <a:prstDash val="solid"/>
+                      <a:round/>
+                      <a:headEnd type="none" w="med" len="med"/>
+                      <a:tailEnd type="none" w="med" len="med"/>
+                    </a:lnT>
+                    <a:lnB w="12700" cap="flat" cmpd="sng" algn="ctr">
+                      <a:noFill/>
+                      <a:prstDash val="solid"/>
+                      <a:round/>
+                      <a:headEnd type="none" w="med" len="med"/>
+                      <a:tailEnd type="none" w="med" len="med"/>
+                    </a:lnB>
+                    <a:lnTlToBr w="12700" cmpd="sng">
+                      <a:noFill/>
+                      <a:prstDash val="solid"/>
+                    </a:lnTlToBr>
+                    <a:lnBlToTr w="12700" cmpd="sng">
+                      <a:noFill/>
+                      <a:prstDash val="solid"/>
+                    </a:lnBlToTr>
+                  </a:tcPr>
+                </a:tc>
+                <a:tc>
+                  <a:txBody>
+                    <a:bodyPr/>
+                    <a:lstStyle/>
+                    <a:p>
+                      <a:pPr algn="l" fontAlgn="b"/>
+                      <a:r>
+                        <a:rPr lang="nl-NL" sz="800" u="none" strike="noStrike" dirty="0" smtClean="0">
+                          <a:effectLst/>
+                        </a:rPr>
+                        <a:t> '</a:t>
+                      </a:r>
+                      <a:r>
+                        <a:rPr lang="nl-NL" sz="800" u="none" strike="noStrike" dirty="0" err="1">
+                          <a:effectLst/>
+                        </a:rPr>
+                        <a:t>pattern</a:t>
+                      </a:r>
+                      <a:r>
+                        <a:rPr lang="nl-NL" sz="800" u="none" strike="noStrike" dirty="0">
+                          <a:effectLst/>
+                        </a:rPr>
+                        <a:t> kilt', '</a:t>
+                      </a:r>
+                      <a:r>
+                        <a:rPr lang="nl-NL" sz="800" u="none" strike="noStrike" dirty="0" err="1">
+                          <a:effectLst/>
+                        </a:rPr>
+                        <a:t>pattern</a:t>
+                      </a:r>
+                      <a:r>
+                        <a:rPr lang="nl-NL" sz="800" u="none" strike="noStrike" dirty="0">
+                          <a:effectLst/>
+                        </a:rPr>
+                        <a:t> </a:t>
+                      </a:r>
+                      <a:r>
+                        <a:rPr lang="nl-NL" sz="800" u="none" strike="noStrike" dirty="0" err="1">
+                          <a:effectLst/>
+                        </a:rPr>
+                        <a:t>scotish</a:t>
+                      </a:r>
+                      <a:r>
+                        <a:rPr lang="nl-NL" sz="800" u="none" strike="noStrike" dirty="0">
+                          <a:effectLst/>
+                        </a:rPr>
+                        <a:t> clan', 'kilt </a:t>
+                      </a:r>
+                      <a:r>
+                        <a:rPr lang="nl-NL" sz="800" u="none" strike="noStrike" dirty="0" err="1">
+                          <a:effectLst/>
+                        </a:rPr>
+                        <a:t>fabric</a:t>
+                      </a:r>
+                      <a:r>
+                        <a:rPr lang="nl-NL" sz="800" u="none" strike="noStrike" dirty="0">
+                          <a:effectLst/>
+                        </a:rPr>
+                        <a:t>'</a:t>
+                      </a:r>
+                      <a:endParaRPr lang="nl-NL" sz="800" b="0" i="0" u="none" strike="noStrike" dirty="0">
+                        <a:solidFill>
+                          <a:srgbClr val="000000"/>
+                        </a:solidFill>
+                        <a:effectLst/>
+                        <a:latin typeface="Calibri"/>
+                      </a:endParaRPr>
+                    </a:p>
+                  </a:txBody>
+                  <a:tcPr marL="7030" marR="7030" marT="7030" marB="0" anchor="b">
+                    <a:lnL w="12700" cap="flat" cmpd="sng" algn="ctr">
+                      <a:solidFill>
+                        <a:scrgbClr r="0" g="0" b="0"/>
+                      </a:solidFill>
+                      <a:prstDash val="solid"/>
+                      <a:round/>
+                      <a:headEnd type="none" w="med" len="med"/>
+                      <a:tailEnd type="none" w="med" len="med"/>
+                    </a:lnL>
+                    <a:lnR w="12700" cap="flat" cmpd="sng" algn="ctr">
+                      <a:noFill/>
+                      <a:prstDash val="solid"/>
+                      <a:round/>
+                      <a:headEnd type="none" w="med" len="med"/>
+                      <a:tailEnd type="none" w="med" len="med"/>
+                    </a:lnR>
+                    <a:lnT w="12700" cap="flat" cmpd="sng" algn="ctr">
+                      <a:noFill/>
+                      <a:prstDash val="solid"/>
+                      <a:round/>
+                      <a:headEnd type="none" w="med" len="med"/>
+                      <a:tailEnd type="none" w="med" len="med"/>
+                    </a:lnT>
+                    <a:lnB w="12700" cap="flat" cmpd="sng" algn="ctr">
+                      <a:noFill/>
+                      <a:prstDash val="solid"/>
+                      <a:round/>
+                      <a:headEnd type="none" w="med" len="med"/>
+                      <a:tailEnd type="none" w="med" len="med"/>
+                    </a:lnB>
+                    <a:lnTlToBr w="12700" cmpd="sng">
+                      <a:noFill/>
+                      <a:prstDash val="solid"/>
+                    </a:lnTlToBr>
+                    <a:lnBlToTr w="12700" cmpd="sng">
+                      <a:noFill/>
+                      <a:prstDash val="solid"/>
+                    </a:lnBlToTr>
+                  </a:tcPr>
+                </a:tc>
+              </a:tr>
+              <a:tr h="112270">
+                <a:tc>
+                  <a:txBody>
+                    <a:bodyPr/>
+                    <a:lstStyle/>
+                    <a:p>
+                      <a:pPr algn="l" fontAlgn="b"/>
+                      <a:r>
+                        <a:rPr lang="fr-FR" sz="800" u="none" strike="noStrike">
+                          <a:effectLst/>
+                        </a:rPr>
+                        <a:t>retro</a:t>
+                      </a:r>
+                      <a:endParaRPr lang="fr-FR" sz="800" b="0" i="0" u="none" strike="noStrike">
+                        <a:solidFill>
+                          <a:srgbClr val="000000"/>
+                        </a:solidFill>
+                        <a:effectLst/>
+                        <a:latin typeface="Calibri"/>
+                      </a:endParaRPr>
+                    </a:p>
+                  </a:txBody>
+                  <a:tcPr marL="7030" marR="7030" marT="7030" marB="0" anchor="b">
+                    <a:lnL w="12700" cap="flat" cmpd="sng" algn="ctr">
+                      <a:noFill/>
+                      <a:prstDash val="solid"/>
+                      <a:round/>
+                      <a:headEnd type="none" w="med" len="med"/>
+                      <a:tailEnd type="none" w="med" len="med"/>
+                    </a:lnL>
+                    <a:lnR w="12700" cap="flat" cmpd="sng" algn="ctr">
+                      <a:solidFill>
+                        <a:scrgbClr r="0" g="0" b="0"/>
+                      </a:solidFill>
+                      <a:prstDash val="solid"/>
+                      <a:round/>
+                      <a:headEnd type="none" w="med" len="med"/>
+                      <a:tailEnd type="none" w="med" len="med"/>
+                    </a:lnR>
+                    <a:lnT w="12700" cap="flat" cmpd="sng" algn="ctr">
+                      <a:noFill/>
+                      <a:prstDash val="solid"/>
+                      <a:round/>
+                      <a:headEnd type="none" w="med" len="med"/>
+                      <a:tailEnd type="none" w="med" len="med"/>
+                    </a:lnT>
+                    <a:lnB w="12700" cap="flat" cmpd="sng" algn="ctr">
+                      <a:noFill/>
+                      <a:prstDash val="solid"/>
+                      <a:round/>
+                      <a:headEnd type="none" w="med" len="med"/>
+                      <a:tailEnd type="none" w="med" len="med"/>
+                    </a:lnB>
+                    <a:lnTlToBr w="12700" cmpd="sng">
+                      <a:noFill/>
+                      <a:prstDash val="solid"/>
+                    </a:lnTlToBr>
+                    <a:lnBlToTr w="12700" cmpd="sng">
+                      <a:noFill/>
+                      <a:prstDash val="solid"/>
+                    </a:lnBlToTr>
+                  </a:tcPr>
+                </a:tc>
+                <a:tc>
+                  <a:txBody>
+                    <a:bodyPr/>
+                    <a:lstStyle/>
+                    <a:p>
+                      <a:pPr algn="l" fontAlgn="b"/>
+                      <a:r>
+                        <a:rPr lang="en-US" sz="800" u="none" strike="noStrike" dirty="0" smtClean="0">
+                          <a:effectLst/>
+                        </a:rPr>
+                        <a:t> ‘motif </a:t>
+                      </a:r>
+                      <a:r>
+                        <a:rPr lang="en-US" sz="800" u="none" strike="noStrike" dirty="0">
+                          <a:effectLst/>
+                        </a:rPr>
+                        <a:t>retro'</a:t>
+                      </a:r>
+                      <a:endParaRPr lang="en-US" sz="800" b="0" i="0" u="none" strike="noStrike" dirty="0">
+                        <a:solidFill>
+                          <a:srgbClr val="000000"/>
+                        </a:solidFill>
+                        <a:effectLst/>
+                        <a:latin typeface="Calibri"/>
+                      </a:endParaRPr>
+                    </a:p>
+                  </a:txBody>
+                  <a:tcPr marL="7030" marR="7030" marT="7030" marB="0" anchor="b">
+                    <a:lnL w="12700" cap="flat" cmpd="sng" algn="ctr">
+                      <a:solidFill>
+                        <a:scrgbClr r="0" g="0" b="0"/>
+                      </a:solidFill>
+                      <a:prstDash val="solid"/>
+                      <a:round/>
+                      <a:headEnd type="none" w="med" len="med"/>
+                      <a:tailEnd type="none" w="med" len="med"/>
+                    </a:lnL>
+                    <a:lnR w="12700" cap="flat" cmpd="sng" algn="ctr">
+                      <a:noFill/>
+                      <a:prstDash val="solid"/>
+                      <a:round/>
+                      <a:headEnd type="none" w="med" len="med"/>
+                      <a:tailEnd type="none" w="med" len="med"/>
+                    </a:lnR>
+                    <a:lnT w="12700" cap="flat" cmpd="sng" algn="ctr">
+                      <a:noFill/>
+                      <a:prstDash val="solid"/>
+                      <a:round/>
+                      <a:headEnd type="none" w="med" len="med"/>
+                      <a:tailEnd type="none" w="med" len="med"/>
+                    </a:lnT>
+                    <a:lnB w="12700" cap="flat" cmpd="sng" algn="ctr">
+                      <a:noFill/>
+                      <a:prstDash val="solid"/>
+                      <a:round/>
+                      <a:headEnd type="none" w="med" len="med"/>
+                      <a:tailEnd type="none" w="med" len="med"/>
+                    </a:lnB>
+                    <a:lnTlToBr w="12700" cmpd="sng">
+                      <a:noFill/>
+                      <a:prstDash val="solid"/>
+                    </a:lnTlToBr>
+                    <a:lnBlToTr w="12700" cmpd="sng">
+                      <a:noFill/>
+                      <a:prstDash val="solid"/>
+                    </a:lnBlToTr>
+                  </a:tcPr>
+                </a:tc>
+              </a:tr>
+              <a:tr h="112270">
+                <a:tc>
+                  <a:txBody>
+                    <a:bodyPr/>
+                    <a:lstStyle/>
+                    <a:p>
+                      <a:pPr algn="l" fontAlgn="b"/>
+                      <a:r>
+                        <a:rPr lang="fr-FR" sz="800" u="none" strike="noStrike">
+                          <a:effectLst/>
+                        </a:rPr>
+                        <a:t>tête de mort</a:t>
+                      </a:r>
+                      <a:endParaRPr lang="fr-FR" sz="800" b="0" i="0" u="none" strike="noStrike">
+                        <a:solidFill>
+                          <a:srgbClr val="000000"/>
+                        </a:solidFill>
+                        <a:effectLst/>
+                        <a:latin typeface="Calibri"/>
+                      </a:endParaRPr>
+                    </a:p>
+                  </a:txBody>
+                  <a:tcPr marL="7030" marR="7030" marT="7030" marB="0" anchor="b">
+                    <a:lnL w="12700" cap="flat" cmpd="sng" algn="ctr">
+                      <a:noFill/>
+                      <a:prstDash val="solid"/>
+                      <a:round/>
+                      <a:headEnd type="none" w="med" len="med"/>
+                      <a:tailEnd type="none" w="med" len="med"/>
+                    </a:lnL>
+                    <a:lnR w="12700" cap="flat" cmpd="sng" algn="ctr">
+                      <a:solidFill>
+                        <a:scrgbClr r="0" g="0" b="0"/>
+                      </a:solidFill>
+                      <a:prstDash val="solid"/>
+                      <a:round/>
+                      <a:headEnd type="none" w="med" len="med"/>
+                      <a:tailEnd type="none" w="med" len="med"/>
+                    </a:lnR>
+                    <a:lnT w="12700" cap="flat" cmpd="sng" algn="ctr">
+                      <a:noFill/>
+                      <a:prstDash val="solid"/>
+                      <a:round/>
+                      <a:headEnd type="none" w="med" len="med"/>
+                      <a:tailEnd type="none" w="med" len="med"/>
+                    </a:lnT>
+                    <a:lnB w="12700" cap="flat" cmpd="sng" algn="ctr">
+                      <a:noFill/>
+                      <a:prstDash val="solid"/>
+                      <a:round/>
+                      <a:headEnd type="none" w="med" len="med"/>
+                      <a:tailEnd type="none" w="med" len="med"/>
+                    </a:lnB>
+                    <a:lnTlToBr w="12700" cmpd="sng">
+                      <a:noFill/>
+                      <a:prstDash val="solid"/>
+                    </a:lnTlToBr>
+                    <a:lnBlToTr w="12700" cmpd="sng">
+                      <a:noFill/>
+                      <a:prstDash val="solid"/>
+                    </a:lnBlToTr>
+                  </a:tcPr>
+                </a:tc>
+                <a:tc>
+                  <a:txBody>
+                    <a:bodyPr/>
+                    <a:lstStyle/>
+                    <a:p>
+                      <a:pPr algn="l" fontAlgn="b"/>
+                      <a:r>
+                        <a:rPr lang="fr-FR" sz="800" u="none" strike="noStrike" dirty="0" smtClean="0">
+                          <a:effectLst/>
+                        </a:rPr>
+                        <a:t> '</a:t>
+                      </a:r>
+                      <a:r>
+                        <a:rPr lang="fr-FR" sz="800" u="none" strike="noStrike" dirty="0">
+                          <a:effectLst/>
+                        </a:rPr>
+                        <a:t>motif tête de mort', 'pattern </a:t>
+                      </a:r>
+                      <a:r>
+                        <a:rPr lang="fr-FR" sz="800" u="none" strike="noStrike" dirty="0" err="1">
+                          <a:effectLst/>
+                        </a:rPr>
+                        <a:t>skull</a:t>
+                      </a:r>
+                      <a:r>
+                        <a:rPr lang="fr-FR" sz="800" u="none" strike="noStrike" dirty="0">
+                          <a:effectLst/>
+                        </a:rPr>
+                        <a:t>', 'tête de mort tissu', '</a:t>
+                      </a:r>
+                      <a:r>
+                        <a:rPr lang="fr-FR" sz="800" u="none" strike="noStrike" dirty="0" err="1">
+                          <a:effectLst/>
+                        </a:rPr>
+                        <a:t>skull</a:t>
+                      </a:r>
+                      <a:r>
+                        <a:rPr lang="fr-FR" sz="800" u="none" strike="noStrike" dirty="0">
+                          <a:effectLst/>
+                        </a:rPr>
+                        <a:t> </a:t>
+                      </a:r>
+                      <a:r>
+                        <a:rPr lang="fr-FR" sz="800" u="none" strike="noStrike" dirty="0" err="1">
+                          <a:effectLst/>
+                        </a:rPr>
+                        <a:t>fabric</a:t>
+                      </a:r>
+                      <a:r>
+                        <a:rPr lang="fr-FR" sz="800" u="none" strike="noStrike" dirty="0">
+                          <a:effectLst/>
+                        </a:rPr>
+                        <a:t>'</a:t>
+                      </a:r>
+                      <a:endParaRPr lang="fr-FR" sz="800" b="0" i="0" u="none" strike="noStrike" dirty="0">
+                        <a:solidFill>
+                          <a:srgbClr val="000000"/>
+                        </a:solidFill>
+                        <a:effectLst/>
+                        <a:latin typeface="Calibri"/>
+                      </a:endParaRPr>
+                    </a:p>
+                  </a:txBody>
+                  <a:tcPr marL="7030" marR="7030" marT="7030" marB="0" anchor="b">
+                    <a:lnL w="12700" cap="flat" cmpd="sng" algn="ctr">
+                      <a:solidFill>
+                        <a:scrgbClr r="0" g="0" b="0"/>
+                      </a:solidFill>
+                      <a:prstDash val="solid"/>
+                      <a:round/>
+                      <a:headEnd type="none" w="med" len="med"/>
+                      <a:tailEnd type="none" w="med" len="med"/>
+                    </a:lnL>
+                    <a:lnR w="12700" cap="flat" cmpd="sng" algn="ctr">
+                      <a:noFill/>
+                      <a:prstDash val="solid"/>
+                      <a:round/>
+                      <a:headEnd type="none" w="med" len="med"/>
+                      <a:tailEnd type="none" w="med" len="med"/>
+                    </a:lnR>
+                    <a:lnT w="12700" cap="flat" cmpd="sng" algn="ctr">
+                      <a:noFill/>
+                      <a:prstDash val="solid"/>
+                      <a:round/>
+                      <a:headEnd type="none" w="med" len="med"/>
+                      <a:tailEnd type="none" w="med" len="med"/>
+                    </a:lnT>
+                    <a:lnB w="12700" cap="flat" cmpd="sng" algn="ctr">
+                      <a:noFill/>
+                      <a:prstDash val="solid"/>
+                      <a:round/>
+                      <a:headEnd type="none" w="med" len="med"/>
+                      <a:tailEnd type="none" w="med" len="med"/>
+                    </a:lnB>
+                    <a:lnTlToBr w="12700" cmpd="sng">
+                      <a:noFill/>
+                      <a:prstDash val="solid"/>
+                    </a:lnTlToBr>
+                    <a:lnBlToTr w="12700" cmpd="sng">
+                      <a:noFill/>
+                      <a:prstDash val="solid"/>
+                    </a:lnBlToTr>
+                  </a:tcPr>
+                </a:tc>
+              </a:tr>
+              <a:tr h="112270">
+                <a:tc>
+                  <a:txBody>
+                    <a:bodyPr/>
+                    <a:lstStyle/>
+                    <a:p>
+                      <a:pPr algn="l" fontAlgn="b"/>
+                      <a:r>
+                        <a:rPr lang="pt-BR" sz="800" u="none" strike="noStrike">
+                          <a:effectLst/>
+                        </a:rPr>
+                        <a:t>chidori</a:t>
+                      </a:r>
+                      <a:endParaRPr lang="pt-BR" sz="800" b="0" i="0" u="none" strike="noStrike">
+                        <a:solidFill>
+                          <a:srgbClr val="000000"/>
+                        </a:solidFill>
+                        <a:effectLst/>
+                        <a:latin typeface="Calibri"/>
+                      </a:endParaRPr>
+                    </a:p>
+                  </a:txBody>
+                  <a:tcPr marL="7030" marR="7030" marT="7030" marB="0" anchor="b">
+                    <a:lnL w="12700" cap="flat" cmpd="sng" algn="ctr">
+                      <a:noFill/>
+                      <a:prstDash val="solid"/>
+                      <a:round/>
+                      <a:headEnd type="none" w="med" len="med"/>
+                      <a:tailEnd type="none" w="med" len="med"/>
+                    </a:lnL>
+                    <a:lnR w="12700" cap="flat" cmpd="sng" algn="ctr">
+                      <a:solidFill>
+                        <a:scrgbClr r="0" g="0" b="0"/>
+                      </a:solidFill>
+                      <a:prstDash val="solid"/>
+                      <a:round/>
+                      <a:headEnd type="none" w="med" len="med"/>
+                      <a:tailEnd type="none" w="med" len="med"/>
+                    </a:lnR>
+                    <a:lnT w="12700" cap="flat" cmpd="sng" algn="ctr">
+                      <a:noFill/>
+                      <a:prstDash val="solid"/>
+                      <a:round/>
+                      <a:headEnd type="none" w="med" len="med"/>
+                      <a:tailEnd type="none" w="med" len="med"/>
+                    </a:lnT>
+                    <a:lnB w="12700" cap="flat" cmpd="sng" algn="ctr">
+                      <a:noFill/>
+                      <a:prstDash val="solid"/>
+                      <a:round/>
+                      <a:headEnd type="none" w="med" len="med"/>
+                      <a:tailEnd type="none" w="med" len="med"/>
+                    </a:lnB>
+                    <a:lnTlToBr w="12700" cmpd="sng">
+                      <a:noFill/>
+                      <a:prstDash val="solid"/>
+                    </a:lnTlToBr>
+                    <a:lnBlToTr w="12700" cmpd="sng">
+                      <a:noFill/>
+                      <a:prstDash val="solid"/>
+                    </a:lnBlToTr>
+                  </a:tcPr>
+                </a:tc>
+                <a:tc>
+                  <a:txBody>
+                    <a:bodyPr/>
+                    <a:lstStyle/>
+                    <a:p>
+                      <a:pPr algn="l" fontAlgn="b"/>
+                      <a:r>
+                        <a:rPr lang="nl-NL" sz="800" u="none" strike="noStrike" dirty="0" smtClean="0">
+                          <a:effectLst/>
+                        </a:rPr>
+                        <a:t> '</a:t>
+                      </a:r>
+                      <a:r>
+                        <a:rPr lang="nl-NL" sz="800" u="none" strike="noStrike" dirty="0" err="1">
+                          <a:effectLst/>
+                        </a:rPr>
+                        <a:t>chidori</a:t>
+                      </a:r>
+                      <a:r>
+                        <a:rPr lang="nl-NL" sz="800" u="none" strike="noStrike" dirty="0">
+                          <a:effectLst/>
+                        </a:rPr>
+                        <a:t> </a:t>
+                      </a:r>
+                      <a:r>
+                        <a:rPr lang="nl-NL" sz="800" u="none" strike="noStrike" dirty="0" err="1">
+                          <a:effectLst/>
+                        </a:rPr>
+                        <a:t>pattern</a:t>
+                      </a:r>
+                      <a:r>
+                        <a:rPr lang="nl-NL" sz="800" u="none" strike="noStrike" dirty="0">
+                          <a:effectLst/>
+                        </a:rPr>
+                        <a:t>', '</a:t>
+                      </a:r>
+                      <a:r>
+                        <a:rPr lang="nl-NL" sz="800" u="none" strike="noStrike" dirty="0" err="1">
+                          <a:effectLst/>
+                        </a:rPr>
+                        <a:t>chidori</a:t>
+                      </a:r>
+                      <a:r>
+                        <a:rPr lang="nl-NL" sz="800" u="none" strike="noStrike" dirty="0">
+                          <a:effectLst/>
+                        </a:rPr>
+                        <a:t> </a:t>
+                      </a:r>
+                      <a:r>
+                        <a:rPr lang="nl-NL" sz="800" u="none" strike="noStrike" dirty="0" err="1">
+                          <a:effectLst/>
+                        </a:rPr>
+                        <a:t>fabric</a:t>
+                      </a:r>
+                      <a:r>
+                        <a:rPr lang="nl-NL" sz="800" u="none" strike="noStrike" dirty="0">
+                          <a:effectLst/>
+                        </a:rPr>
+                        <a:t>'</a:t>
+                      </a:r>
+                      <a:endParaRPr lang="nl-NL" sz="800" b="0" i="0" u="none" strike="noStrike" dirty="0">
+                        <a:solidFill>
+                          <a:srgbClr val="000000"/>
+                        </a:solidFill>
+                        <a:effectLst/>
+                        <a:latin typeface="Calibri"/>
+                      </a:endParaRPr>
+                    </a:p>
+                  </a:txBody>
+                  <a:tcPr marL="7030" marR="7030" marT="7030" marB="0" anchor="b">
+                    <a:lnL w="12700" cap="flat" cmpd="sng" algn="ctr">
+                      <a:solidFill>
+                        <a:scrgbClr r="0" g="0" b="0"/>
+                      </a:solidFill>
+                      <a:prstDash val="solid"/>
+                      <a:round/>
+                      <a:headEnd type="none" w="med" len="med"/>
+                      <a:tailEnd type="none" w="med" len="med"/>
+                    </a:lnL>
+                    <a:lnR w="12700" cap="flat" cmpd="sng" algn="ctr">
+                      <a:noFill/>
+                      <a:prstDash val="solid"/>
+                      <a:round/>
+                      <a:headEnd type="none" w="med" len="med"/>
+                      <a:tailEnd type="none" w="med" len="med"/>
+                    </a:lnR>
+                    <a:lnT w="12700" cap="flat" cmpd="sng" algn="ctr">
+                      <a:noFill/>
+                      <a:prstDash val="solid"/>
+                      <a:round/>
+                      <a:headEnd type="none" w="med" len="med"/>
+                      <a:tailEnd type="none" w="med" len="med"/>
+                    </a:lnT>
+                    <a:lnB w="12700" cap="flat" cmpd="sng" algn="ctr">
+                      <a:noFill/>
+                      <a:prstDash val="solid"/>
+                      <a:round/>
+                      <a:headEnd type="none" w="med" len="med"/>
+                      <a:tailEnd type="none" w="med" len="med"/>
+                    </a:lnB>
+                    <a:lnTlToBr w="12700" cmpd="sng">
+                      <a:noFill/>
+                      <a:prstDash val="solid"/>
+                    </a:lnTlToBr>
+                    <a:lnBlToTr w="12700" cmpd="sng">
+                      <a:noFill/>
+                      <a:prstDash val="solid"/>
+                    </a:lnBlToTr>
+                  </a:tcPr>
+                </a:tc>
+              </a:tr>
+              <a:tr h="112270">
+                <a:tc>
+                  <a:txBody>
+                    <a:bodyPr/>
+                    <a:lstStyle/>
+                    <a:p>
+                      <a:pPr algn="l" fontAlgn="b"/>
+                      <a:r>
+                        <a:rPr lang="it-IT" sz="800" u="none" strike="noStrike">
+                          <a:effectLst/>
+                        </a:rPr>
+                        <a:t>lune</a:t>
+                      </a:r>
+                      <a:endParaRPr lang="it-IT" sz="800" b="0" i="0" u="none" strike="noStrike">
+                        <a:solidFill>
+                          <a:srgbClr val="000000"/>
+                        </a:solidFill>
+                        <a:effectLst/>
+                        <a:latin typeface="Calibri"/>
+                      </a:endParaRPr>
+                    </a:p>
+                  </a:txBody>
+                  <a:tcPr marL="7030" marR="7030" marT="7030" marB="0" anchor="b">
+                    <a:lnL w="12700" cap="flat" cmpd="sng" algn="ctr">
+                      <a:noFill/>
+                      <a:prstDash val="solid"/>
+                      <a:round/>
+                      <a:headEnd type="none" w="med" len="med"/>
+                      <a:tailEnd type="none" w="med" len="med"/>
+                    </a:lnL>
+                    <a:lnR w="12700" cap="flat" cmpd="sng" algn="ctr">
+                      <a:solidFill>
+                        <a:scrgbClr r="0" g="0" b="0"/>
+                      </a:solidFill>
+                      <a:prstDash val="solid"/>
+                      <a:round/>
+                      <a:headEnd type="none" w="med" len="med"/>
+                      <a:tailEnd type="none" w="med" len="med"/>
+                    </a:lnR>
+                    <a:lnT w="12700" cap="flat" cmpd="sng" algn="ctr">
+                      <a:noFill/>
+                      <a:prstDash val="solid"/>
+                      <a:round/>
+                      <a:headEnd type="none" w="med" len="med"/>
+                      <a:tailEnd type="none" w="med" len="med"/>
+                    </a:lnT>
+                    <a:lnB w="12700" cap="flat" cmpd="sng" algn="ctr">
+                      <a:noFill/>
+                      <a:prstDash val="solid"/>
+                      <a:round/>
+                      <a:headEnd type="none" w="med" len="med"/>
+                      <a:tailEnd type="none" w="med" len="med"/>
+                    </a:lnB>
+                    <a:lnTlToBr w="12700" cmpd="sng">
+                      <a:noFill/>
+                      <a:prstDash val="solid"/>
+                    </a:lnTlToBr>
+                    <a:lnBlToTr w="12700" cmpd="sng">
+                      <a:noFill/>
+                      <a:prstDash val="solid"/>
+                    </a:lnBlToTr>
+                  </a:tcPr>
+                </a:tc>
+                <a:tc>
+                  <a:txBody>
+                    <a:bodyPr/>
+                    <a:lstStyle/>
+                    <a:p>
+                      <a:pPr algn="l" fontAlgn="b"/>
+                      <a:r>
+                        <a:rPr lang="en-US" sz="800" u="none" strike="noStrike" dirty="0" smtClean="0">
+                          <a:effectLst/>
+                        </a:rPr>
+                        <a:t> '</a:t>
+                      </a:r>
+                      <a:r>
+                        <a:rPr lang="en-US" sz="800" u="none" strike="noStrike" dirty="0">
+                          <a:effectLst/>
+                        </a:rPr>
+                        <a:t>motif </a:t>
+                      </a:r>
+                      <a:r>
+                        <a:rPr lang="en-US" sz="800" u="none" strike="noStrike" dirty="0" err="1">
+                          <a:effectLst/>
+                        </a:rPr>
+                        <a:t>lune</a:t>
+                      </a:r>
+                      <a:r>
+                        <a:rPr lang="en-US" sz="800" u="none" strike="noStrike" dirty="0">
+                          <a:effectLst/>
+                        </a:rPr>
+                        <a:t>', 'pattern </a:t>
+                      </a:r>
+                      <a:r>
+                        <a:rPr lang="en-US" sz="800" u="none" strike="noStrike" dirty="0" err="1">
+                          <a:effectLst/>
+                        </a:rPr>
+                        <a:t>moon','moon</a:t>
+                      </a:r>
+                      <a:r>
+                        <a:rPr lang="en-US" sz="800" u="none" strike="noStrike" dirty="0">
+                          <a:effectLst/>
+                        </a:rPr>
+                        <a:t> fabric', '</a:t>
+                      </a:r>
+                      <a:r>
+                        <a:rPr lang="en-US" sz="800" u="none" strike="noStrike" dirty="0" err="1">
+                          <a:effectLst/>
+                        </a:rPr>
+                        <a:t>lune</a:t>
+                      </a:r>
+                      <a:r>
+                        <a:rPr lang="en-US" sz="800" u="none" strike="noStrike" dirty="0">
+                          <a:effectLst/>
+                        </a:rPr>
+                        <a:t> </a:t>
+                      </a:r>
+                      <a:r>
+                        <a:rPr lang="en-US" sz="800" u="none" strike="noStrike" dirty="0" err="1">
+                          <a:effectLst/>
+                        </a:rPr>
+                        <a:t>tissu</a:t>
+                      </a:r>
+                      <a:r>
+                        <a:rPr lang="en-US" sz="800" u="none" strike="noStrike" dirty="0">
+                          <a:effectLst/>
+                        </a:rPr>
+                        <a:t>',</a:t>
+                      </a:r>
+                      <a:endParaRPr lang="en-US" sz="800" b="0" i="0" u="none" strike="noStrike" dirty="0">
+                        <a:solidFill>
+                          <a:srgbClr val="000000"/>
+                        </a:solidFill>
+                        <a:effectLst/>
+                        <a:latin typeface="Calibri"/>
+                      </a:endParaRPr>
+                    </a:p>
+                  </a:txBody>
+                  <a:tcPr marL="7030" marR="7030" marT="7030" marB="0" anchor="b">
+                    <a:lnL w="12700" cap="flat" cmpd="sng" algn="ctr">
+                      <a:solidFill>
+                        <a:scrgbClr r="0" g="0" b="0"/>
+                      </a:solidFill>
+                      <a:prstDash val="solid"/>
+                      <a:round/>
+                      <a:headEnd type="none" w="med" len="med"/>
+                      <a:tailEnd type="none" w="med" len="med"/>
+                    </a:lnL>
+                    <a:lnR w="12700" cap="flat" cmpd="sng" algn="ctr">
+                      <a:noFill/>
+                      <a:prstDash val="solid"/>
+                      <a:round/>
+                      <a:headEnd type="none" w="med" len="med"/>
+                      <a:tailEnd type="none" w="med" len="med"/>
+                    </a:lnR>
+                    <a:lnT w="12700" cap="flat" cmpd="sng" algn="ctr">
+                      <a:noFill/>
+                      <a:prstDash val="solid"/>
+                      <a:round/>
+                      <a:headEnd type="none" w="med" len="med"/>
+                      <a:tailEnd type="none" w="med" len="med"/>
+                    </a:lnT>
+                    <a:lnB w="12700" cap="flat" cmpd="sng" algn="ctr">
+                      <a:noFill/>
+                      <a:prstDash val="solid"/>
+                      <a:round/>
+                      <a:headEnd type="none" w="med" len="med"/>
+                      <a:tailEnd type="none" w="med" len="med"/>
+                    </a:lnB>
+                    <a:lnTlToBr w="12700" cmpd="sng">
+                      <a:noFill/>
+                      <a:prstDash val="solid"/>
+                    </a:lnTlToBr>
+                    <a:lnBlToTr w="12700" cmpd="sng">
+                      <a:noFill/>
+                      <a:prstDash val="solid"/>
+                    </a:lnBlToTr>
+                  </a:tcPr>
+                </a:tc>
+              </a:tr>
+              <a:tr h="112270">
+                <a:tc>
+                  <a:txBody>
+                    <a:bodyPr/>
+                    <a:lstStyle/>
+                    <a:p>
+                      <a:pPr algn="l" fontAlgn="b"/>
+                      <a:r>
+                        <a:rPr lang="fr-FR" sz="800" u="none" strike="noStrike">
+                          <a:effectLst/>
+                        </a:rPr>
+                        <a:t>feuille</a:t>
+                      </a:r>
+                      <a:endParaRPr lang="fr-FR" sz="800" b="0" i="0" u="none" strike="noStrike">
+                        <a:solidFill>
+                          <a:srgbClr val="000000"/>
+                        </a:solidFill>
+                        <a:effectLst/>
+                        <a:latin typeface="Calibri"/>
+                      </a:endParaRPr>
+                    </a:p>
+                  </a:txBody>
+                  <a:tcPr marL="7030" marR="7030" marT="7030" marB="0" anchor="b">
+                    <a:lnL w="12700" cap="flat" cmpd="sng" algn="ctr">
+                      <a:noFill/>
+                      <a:prstDash val="solid"/>
+                      <a:round/>
+                      <a:headEnd type="none" w="med" len="med"/>
+                      <a:tailEnd type="none" w="med" len="med"/>
+                    </a:lnL>
+                    <a:lnR w="12700" cap="flat" cmpd="sng" algn="ctr">
+                      <a:solidFill>
+                        <a:scrgbClr r="0" g="0" b="0"/>
+                      </a:solidFill>
+                      <a:prstDash val="solid"/>
+                      <a:round/>
+                      <a:headEnd type="none" w="med" len="med"/>
+                      <a:tailEnd type="none" w="med" len="med"/>
+                    </a:lnR>
+                    <a:lnT w="12700" cap="flat" cmpd="sng" algn="ctr">
+                      <a:noFill/>
+                      <a:prstDash val="solid"/>
+                      <a:round/>
+                      <a:headEnd type="none" w="med" len="med"/>
+                      <a:tailEnd type="none" w="med" len="med"/>
+                    </a:lnT>
+                    <a:lnB w="12700" cap="flat" cmpd="sng" algn="ctr">
+                      <a:noFill/>
+                      <a:prstDash val="solid"/>
+                      <a:round/>
+                      <a:headEnd type="none" w="med" len="med"/>
+                      <a:tailEnd type="none" w="med" len="med"/>
+                    </a:lnB>
+                    <a:lnTlToBr w="12700" cmpd="sng">
+                      <a:noFill/>
+                      <a:prstDash val="solid"/>
+                    </a:lnTlToBr>
+                    <a:lnBlToTr w="12700" cmpd="sng">
+                      <a:noFill/>
+                      <a:prstDash val="solid"/>
+                    </a:lnBlToTr>
+                  </a:tcPr>
+                </a:tc>
+                <a:tc>
+                  <a:txBody>
+                    <a:bodyPr/>
+                    <a:lstStyle/>
+                    <a:p>
+                      <a:pPr algn="l" fontAlgn="b"/>
+                      <a:r>
+                        <a:rPr lang="en-US" sz="800" u="none" strike="noStrike" dirty="0" smtClean="0">
+                          <a:effectLst/>
+                        </a:rPr>
+                        <a:t> ‘</a:t>
+                      </a:r>
+                      <a:r>
+                        <a:rPr lang="en-US" sz="800" u="none" strike="noStrike" dirty="0" err="1" smtClean="0">
+                          <a:effectLst/>
+                        </a:rPr>
+                        <a:t>feuille</a:t>
+                      </a:r>
+                      <a:r>
+                        <a:rPr lang="en-US" sz="800" u="none" strike="noStrike" dirty="0" smtClean="0">
+                          <a:effectLst/>
+                        </a:rPr>
+                        <a:t> </a:t>
+                      </a:r>
+                      <a:r>
+                        <a:rPr lang="en-US" sz="800" u="none" strike="noStrike" dirty="0">
+                          <a:effectLst/>
+                        </a:rPr>
+                        <a:t>motif', 'leave pattern', 'leave fabric'</a:t>
+                      </a:r>
+                      <a:endParaRPr lang="en-US" sz="800" b="0" i="0" u="none" strike="noStrike" dirty="0">
+                        <a:solidFill>
+                          <a:srgbClr val="000000"/>
+                        </a:solidFill>
+                        <a:effectLst/>
+                        <a:latin typeface="Calibri"/>
+                      </a:endParaRPr>
+                    </a:p>
+                  </a:txBody>
+                  <a:tcPr marL="7030" marR="7030" marT="7030" marB="0" anchor="b">
+                    <a:lnL w="12700" cap="flat" cmpd="sng" algn="ctr">
+                      <a:solidFill>
+                        <a:scrgbClr r="0" g="0" b="0"/>
+                      </a:solidFill>
+                      <a:prstDash val="solid"/>
+                      <a:round/>
+                      <a:headEnd type="none" w="med" len="med"/>
+                      <a:tailEnd type="none" w="med" len="med"/>
+                    </a:lnL>
+                    <a:lnR w="12700" cap="flat" cmpd="sng" algn="ctr">
+                      <a:noFill/>
+                      <a:prstDash val="solid"/>
+                      <a:round/>
+                      <a:headEnd type="none" w="med" len="med"/>
+                      <a:tailEnd type="none" w="med" len="med"/>
+                    </a:lnR>
+                    <a:lnT w="12700" cap="flat" cmpd="sng" algn="ctr">
+                      <a:noFill/>
+                      <a:prstDash val="solid"/>
+                      <a:round/>
+                      <a:headEnd type="none" w="med" len="med"/>
+                      <a:tailEnd type="none" w="med" len="med"/>
+                    </a:lnT>
+                    <a:lnB w="12700" cap="flat" cmpd="sng" algn="ctr">
+                      <a:noFill/>
+                      <a:prstDash val="solid"/>
+                      <a:round/>
+                      <a:headEnd type="none" w="med" len="med"/>
+                      <a:tailEnd type="none" w="med" len="med"/>
+                    </a:lnB>
+                    <a:lnTlToBr w="12700" cmpd="sng">
+                      <a:noFill/>
+                      <a:prstDash val="solid"/>
+                    </a:lnTlToBr>
+                    <a:lnBlToTr w="12700" cmpd="sng">
+                      <a:noFill/>
+                      <a:prstDash val="solid"/>
+                    </a:lnBlToTr>
+                  </a:tcPr>
+                </a:tc>
+              </a:tr>
+              <a:tr h="112270">
+                <a:tc>
+                  <a:txBody>
+                    <a:bodyPr/>
+                    <a:lstStyle/>
+                    <a:p>
+                      <a:pPr algn="l" fontAlgn="b"/>
+                      <a:r>
+                        <a:rPr lang="fi-FI" sz="800" u="none" strike="noStrike">
+                          <a:effectLst/>
+                        </a:rPr>
+                        <a:t>palmier</a:t>
+                      </a:r>
+                      <a:endParaRPr lang="fi-FI" sz="800" b="0" i="0" u="none" strike="noStrike">
+                        <a:solidFill>
+                          <a:srgbClr val="000000"/>
+                        </a:solidFill>
+                        <a:effectLst/>
+                        <a:latin typeface="Calibri"/>
+                      </a:endParaRPr>
+                    </a:p>
+                  </a:txBody>
+                  <a:tcPr marL="7030" marR="7030" marT="7030" marB="0" anchor="b">
+                    <a:lnL w="12700" cap="flat" cmpd="sng" algn="ctr">
+                      <a:noFill/>
+                      <a:prstDash val="solid"/>
+                      <a:round/>
+                      <a:headEnd type="none" w="med" len="med"/>
+                      <a:tailEnd type="none" w="med" len="med"/>
+                    </a:lnL>
+                    <a:lnR w="12700" cap="flat" cmpd="sng" algn="ctr">
+                      <a:solidFill>
+                        <a:scrgbClr r="0" g="0" b="0"/>
+                      </a:solidFill>
+                      <a:prstDash val="solid"/>
+                      <a:round/>
+                      <a:headEnd type="none" w="med" len="med"/>
+                      <a:tailEnd type="none" w="med" len="med"/>
+                    </a:lnR>
+                    <a:lnT w="12700" cap="flat" cmpd="sng" algn="ctr">
+                      <a:noFill/>
+                      <a:prstDash val="solid"/>
+                      <a:round/>
+                      <a:headEnd type="none" w="med" len="med"/>
+                      <a:tailEnd type="none" w="med" len="med"/>
+                    </a:lnT>
+                    <a:lnB w="12700" cap="flat" cmpd="sng" algn="ctr">
+                      <a:noFill/>
+                      <a:prstDash val="solid"/>
+                      <a:round/>
+                      <a:headEnd type="none" w="med" len="med"/>
+                      <a:tailEnd type="none" w="med" len="med"/>
+                    </a:lnB>
+                    <a:lnTlToBr w="12700" cmpd="sng">
+                      <a:noFill/>
+                      <a:prstDash val="solid"/>
+                    </a:lnTlToBr>
+                    <a:lnBlToTr w="12700" cmpd="sng">
+                      <a:noFill/>
+                      <a:prstDash val="solid"/>
+                    </a:lnBlToTr>
+                  </a:tcPr>
+                </a:tc>
+                <a:tc>
+                  <a:txBody>
+                    <a:bodyPr/>
+                    <a:lstStyle/>
+                    <a:p>
+                      <a:pPr algn="l" fontAlgn="b"/>
+                      <a:r>
+                        <a:rPr lang="nl-NL" sz="800" u="none" strike="noStrike" dirty="0" smtClean="0">
+                          <a:effectLst/>
+                        </a:rPr>
+                        <a:t> '</a:t>
+                      </a:r>
+                      <a:r>
+                        <a:rPr lang="nl-NL" sz="800" u="none" strike="noStrike" dirty="0" err="1">
+                          <a:effectLst/>
+                        </a:rPr>
+                        <a:t>motif</a:t>
+                      </a:r>
+                      <a:r>
+                        <a:rPr lang="nl-NL" sz="800" u="none" strike="noStrike" dirty="0">
+                          <a:effectLst/>
+                        </a:rPr>
+                        <a:t> </a:t>
+                      </a:r>
+                      <a:r>
+                        <a:rPr lang="nl-NL" sz="800" u="none" strike="noStrike" dirty="0" err="1">
+                          <a:effectLst/>
+                        </a:rPr>
+                        <a:t>palmier</a:t>
+                      </a:r>
+                      <a:r>
+                        <a:rPr lang="nl-NL" sz="800" u="none" strike="noStrike" dirty="0">
+                          <a:effectLst/>
+                        </a:rPr>
+                        <a:t>', '</a:t>
+                      </a:r>
+                      <a:r>
+                        <a:rPr lang="nl-NL" sz="800" u="none" strike="noStrike" dirty="0" err="1">
+                          <a:effectLst/>
+                        </a:rPr>
+                        <a:t>palmier</a:t>
+                      </a:r>
+                      <a:r>
+                        <a:rPr lang="nl-NL" sz="800" u="none" strike="noStrike" dirty="0">
+                          <a:effectLst/>
+                        </a:rPr>
+                        <a:t> </a:t>
+                      </a:r>
+                      <a:r>
+                        <a:rPr lang="nl-NL" sz="800" u="none" strike="noStrike" dirty="0" err="1">
+                          <a:effectLst/>
+                        </a:rPr>
+                        <a:t>tissu</a:t>
+                      </a:r>
+                      <a:r>
+                        <a:rPr lang="nl-NL" sz="800" u="none" strike="noStrike" dirty="0">
+                          <a:effectLst/>
+                        </a:rPr>
+                        <a:t>', '</a:t>
+                      </a:r>
+                      <a:r>
+                        <a:rPr lang="nl-NL" sz="800" u="none" strike="noStrike" dirty="0" err="1">
+                          <a:effectLst/>
+                        </a:rPr>
+                        <a:t>pattern</a:t>
+                      </a:r>
+                      <a:r>
+                        <a:rPr lang="nl-NL" sz="800" u="none" strike="noStrike" dirty="0">
+                          <a:effectLst/>
+                        </a:rPr>
+                        <a:t> palm', 'palm </a:t>
+                      </a:r>
+                      <a:r>
+                        <a:rPr lang="nl-NL" sz="800" u="none" strike="noStrike" dirty="0" err="1">
+                          <a:effectLst/>
+                        </a:rPr>
+                        <a:t>fabric</a:t>
+                      </a:r>
+                      <a:r>
+                        <a:rPr lang="nl-NL" sz="800" u="none" strike="noStrike" dirty="0">
+                          <a:effectLst/>
+                        </a:rPr>
+                        <a:t>'</a:t>
+                      </a:r>
+                      <a:endParaRPr lang="nl-NL" sz="800" b="0" i="0" u="none" strike="noStrike" dirty="0">
+                        <a:solidFill>
+                          <a:srgbClr val="000000"/>
+                        </a:solidFill>
+                        <a:effectLst/>
+                        <a:latin typeface="Calibri"/>
+                      </a:endParaRPr>
+                    </a:p>
+                  </a:txBody>
+                  <a:tcPr marL="7030" marR="7030" marT="7030" marB="0" anchor="b">
+                    <a:lnL w="12700" cap="flat" cmpd="sng" algn="ctr">
+                      <a:solidFill>
+                        <a:scrgbClr r="0" g="0" b="0"/>
+                      </a:solidFill>
+                      <a:prstDash val="solid"/>
+                      <a:round/>
+                      <a:headEnd type="none" w="med" len="med"/>
+                      <a:tailEnd type="none" w="med" len="med"/>
+                    </a:lnL>
+                    <a:lnR w="12700" cap="flat" cmpd="sng" algn="ctr">
+                      <a:noFill/>
+                      <a:prstDash val="solid"/>
+                      <a:round/>
+                      <a:headEnd type="none" w="med" len="med"/>
+                      <a:tailEnd type="none" w="med" len="med"/>
+                    </a:lnR>
+                    <a:lnT w="12700" cap="flat" cmpd="sng" algn="ctr">
+                      <a:noFill/>
+                      <a:prstDash val="solid"/>
+                      <a:round/>
+                      <a:headEnd type="none" w="med" len="med"/>
+                      <a:tailEnd type="none" w="med" len="med"/>
+                    </a:lnT>
+                    <a:lnB w="12700" cap="flat" cmpd="sng" algn="ctr">
+                      <a:noFill/>
+                      <a:prstDash val="solid"/>
+                      <a:round/>
+                      <a:headEnd type="none" w="med" len="med"/>
+                      <a:tailEnd type="none" w="med" len="med"/>
+                    </a:lnB>
+                    <a:lnTlToBr w="12700" cmpd="sng">
+                      <a:noFill/>
+                      <a:prstDash val="solid"/>
+                    </a:lnTlToBr>
+                    <a:lnBlToTr w="12700" cmpd="sng">
+                      <a:noFill/>
+                      <a:prstDash val="solid"/>
+                    </a:lnBlToTr>
+                  </a:tcPr>
+                </a:tc>
+              </a:tr>
+              <a:tr h="112270">
+                <a:tc>
+                  <a:txBody>
+                    <a:bodyPr/>
+                    <a:lstStyle/>
+                    <a:p>
+                      <a:pPr algn="l" fontAlgn="b"/>
+                      <a:r>
+                        <a:rPr lang="fr-FR" sz="800" u="none" strike="noStrike">
+                          <a:effectLst/>
+                        </a:rPr>
+                        <a:t>poisson</a:t>
+                      </a:r>
+                      <a:endParaRPr lang="fr-FR" sz="800" b="0" i="0" u="none" strike="noStrike">
+                        <a:solidFill>
+                          <a:srgbClr val="000000"/>
+                        </a:solidFill>
+                        <a:effectLst/>
+                        <a:latin typeface="Calibri"/>
+                      </a:endParaRPr>
+                    </a:p>
+                  </a:txBody>
+                  <a:tcPr marL="7030" marR="7030" marT="7030" marB="0" anchor="b">
+                    <a:lnL w="12700" cap="flat" cmpd="sng" algn="ctr">
+                      <a:noFill/>
+                      <a:prstDash val="solid"/>
+                      <a:round/>
+                      <a:headEnd type="none" w="med" len="med"/>
+                      <a:tailEnd type="none" w="med" len="med"/>
+                    </a:lnL>
+                    <a:lnR w="12700" cap="flat" cmpd="sng" algn="ctr">
+                      <a:solidFill>
+                        <a:scrgbClr r="0" g="0" b="0"/>
+                      </a:solidFill>
+                      <a:prstDash val="solid"/>
+                      <a:round/>
+                      <a:headEnd type="none" w="med" len="med"/>
+                      <a:tailEnd type="none" w="med" len="med"/>
+                    </a:lnR>
+                    <a:lnT w="12700" cap="flat" cmpd="sng" algn="ctr">
+                      <a:noFill/>
+                      <a:prstDash val="solid"/>
+                      <a:round/>
+                      <a:headEnd type="none" w="med" len="med"/>
+                      <a:tailEnd type="none" w="med" len="med"/>
+                    </a:lnT>
+                    <a:lnB w="12700" cap="flat" cmpd="sng" algn="ctr">
+                      <a:noFill/>
+                      <a:prstDash val="solid"/>
+                      <a:round/>
+                      <a:headEnd type="none" w="med" len="med"/>
+                      <a:tailEnd type="none" w="med" len="med"/>
+                    </a:lnB>
+                    <a:lnTlToBr w="12700" cmpd="sng">
+                      <a:noFill/>
+                      <a:prstDash val="solid"/>
+                    </a:lnTlToBr>
+                    <a:lnBlToTr w="12700" cmpd="sng">
+                      <a:noFill/>
+                      <a:prstDash val="solid"/>
+                    </a:lnBlToTr>
+                  </a:tcPr>
+                </a:tc>
+                <a:tc>
+                  <a:txBody>
+                    <a:bodyPr/>
+                    <a:lstStyle/>
+                    <a:p>
+                      <a:pPr algn="l" fontAlgn="b"/>
+                      <a:r>
+                        <a:rPr lang="en-US" sz="800" u="none" strike="noStrike" dirty="0" smtClean="0">
+                          <a:effectLst/>
+                        </a:rPr>
+                        <a:t> ‘motif </a:t>
+                      </a:r>
+                      <a:r>
+                        <a:rPr lang="en-US" sz="800" u="none" strike="noStrike" dirty="0" err="1">
+                          <a:effectLst/>
+                        </a:rPr>
+                        <a:t>poisson</a:t>
+                      </a:r>
+                      <a:r>
+                        <a:rPr lang="en-US" sz="800" u="none" strike="noStrike" dirty="0">
+                          <a:effectLst/>
+                        </a:rPr>
+                        <a:t>', '</a:t>
+                      </a:r>
+                      <a:r>
+                        <a:rPr lang="en-US" sz="800" u="none" strike="noStrike" dirty="0" err="1">
+                          <a:effectLst/>
+                        </a:rPr>
+                        <a:t>poisson</a:t>
+                      </a:r>
+                      <a:r>
+                        <a:rPr lang="en-US" sz="800" u="none" strike="noStrike" dirty="0">
+                          <a:effectLst/>
+                        </a:rPr>
+                        <a:t> </a:t>
+                      </a:r>
+                      <a:r>
+                        <a:rPr lang="en-US" sz="800" u="none" strike="noStrike" dirty="0" err="1">
+                          <a:effectLst/>
+                        </a:rPr>
+                        <a:t>tissu</a:t>
+                      </a:r>
+                      <a:r>
+                        <a:rPr lang="en-US" sz="800" u="none" strike="noStrike" dirty="0">
+                          <a:effectLst/>
+                        </a:rPr>
+                        <a:t>', 'fish pattern', 'fish fabric', </a:t>
+                      </a:r>
+                      <a:endParaRPr lang="en-US" sz="800" b="0" i="0" u="none" strike="noStrike" dirty="0">
+                        <a:solidFill>
+                          <a:srgbClr val="000000"/>
+                        </a:solidFill>
+                        <a:effectLst/>
+                        <a:latin typeface="Calibri"/>
+                      </a:endParaRPr>
+                    </a:p>
+                  </a:txBody>
+                  <a:tcPr marL="7030" marR="7030" marT="7030" marB="0" anchor="b">
+                    <a:lnL w="12700" cap="flat" cmpd="sng" algn="ctr">
+                      <a:solidFill>
+                        <a:scrgbClr r="0" g="0" b="0"/>
+                      </a:solidFill>
+                      <a:prstDash val="solid"/>
+                      <a:round/>
+                      <a:headEnd type="none" w="med" len="med"/>
+                      <a:tailEnd type="none" w="med" len="med"/>
+                    </a:lnL>
+                    <a:lnR w="12700" cap="flat" cmpd="sng" algn="ctr">
+                      <a:noFill/>
+                      <a:prstDash val="solid"/>
+                      <a:round/>
+                      <a:headEnd type="none" w="med" len="med"/>
+                      <a:tailEnd type="none" w="med" len="med"/>
+                    </a:lnR>
+                    <a:lnT w="12700" cap="flat" cmpd="sng" algn="ctr">
+                      <a:noFill/>
+                      <a:prstDash val="solid"/>
+                      <a:round/>
+                      <a:headEnd type="none" w="med" len="med"/>
+                      <a:tailEnd type="none" w="med" len="med"/>
+                    </a:lnT>
+                    <a:lnB w="12700" cap="flat" cmpd="sng" algn="ctr">
+                      <a:noFill/>
+                      <a:prstDash val="solid"/>
+                      <a:round/>
+                      <a:headEnd type="none" w="med" len="med"/>
+                      <a:tailEnd type="none" w="med" len="med"/>
+                    </a:lnB>
+                    <a:lnTlToBr w="12700" cmpd="sng">
+                      <a:noFill/>
+                      <a:prstDash val="solid"/>
+                    </a:lnTlToBr>
+                    <a:lnBlToTr w="12700" cmpd="sng">
+                      <a:noFill/>
+                      <a:prstDash val="solid"/>
+                    </a:lnBlToTr>
+                  </a:tcPr>
+                </a:tc>
+              </a:tr>
+              <a:tr h="112270">
+                <a:tc>
+                  <a:txBody>
+                    <a:bodyPr/>
+                    <a:lstStyle/>
+                    <a:p>
+                      <a:pPr algn="l" fontAlgn="b"/>
+                      <a:r>
+                        <a:rPr lang="fi-FI" sz="800" u="none" strike="noStrike">
+                          <a:effectLst/>
+                        </a:rPr>
+                        <a:t>dauphin</a:t>
+                      </a:r>
+                      <a:endParaRPr lang="fi-FI" sz="800" b="0" i="0" u="none" strike="noStrike">
+                        <a:solidFill>
+                          <a:srgbClr val="000000"/>
+                        </a:solidFill>
+                        <a:effectLst/>
+                        <a:latin typeface="Calibri"/>
+                      </a:endParaRPr>
+                    </a:p>
+                  </a:txBody>
+                  <a:tcPr marL="7030" marR="7030" marT="7030" marB="0" anchor="b">
+                    <a:lnL w="12700" cap="flat" cmpd="sng" algn="ctr">
+                      <a:noFill/>
+                      <a:prstDash val="solid"/>
+                      <a:round/>
+                      <a:headEnd type="none" w="med" len="med"/>
+                      <a:tailEnd type="none" w="med" len="med"/>
+                    </a:lnL>
+                    <a:lnR w="12700" cap="flat" cmpd="sng" algn="ctr">
+                      <a:solidFill>
+                        <a:scrgbClr r="0" g="0" b="0"/>
+                      </a:solidFill>
+                      <a:prstDash val="solid"/>
+                      <a:round/>
+                      <a:headEnd type="none" w="med" len="med"/>
+                      <a:tailEnd type="none" w="med" len="med"/>
+                    </a:lnR>
+                    <a:lnT w="12700" cap="flat" cmpd="sng" algn="ctr">
+                      <a:noFill/>
+                      <a:prstDash val="solid"/>
+                      <a:round/>
+                      <a:headEnd type="none" w="med" len="med"/>
+                      <a:tailEnd type="none" w="med" len="med"/>
+                    </a:lnT>
+                    <a:lnB w="12700" cap="flat" cmpd="sng" algn="ctr">
+                      <a:noFill/>
+                      <a:prstDash val="solid"/>
+                      <a:round/>
+                      <a:headEnd type="none" w="med" len="med"/>
+                      <a:tailEnd type="none" w="med" len="med"/>
+                    </a:lnB>
+                    <a:lnTlToBr w="12700" cmpd="sng">
+                      <a:noFill/>
+                      <a:prstDash val="solid"/>
+                    </a:lnTlToBr>
+                    <a:lnBlToTr w="12700" cmpd="sng">
+                      <a:noFill/>
+                      <a:prstDash val="solid"/>
+                    </a:lnBlToTr>
+                  </a:tcPr>
+                </a:tc>
+                <a:tc>
+                  <a:txBody>
+                    <a:bodyPr/>
+                    <a:lstStyle/>
+                    <a:p>
+                      <a:pPr algn="l" fontAlgn="b"/>
+                      <a:r>
+                        <a:rPr lang="tr-TR" sz="800" u="none" strike="noStrike" dirty="0" smtClean="0">
+                          <a:effectLst/>
+                        </a:rPr>
+                        <a:t> ’</a:t>
+                      </a:r>
+                      <a:r>
+                        <a:rPr lang="tr-TR" sz="800" u="none" strike="noStrike" dirty="0" err="1" smtClean="0">
+                          <a:effectLst/>
+                        </a:rPr>
+                        <a:t>dauphin</a:t>
+                      </a:r>
+                      <a:r>
+                        <a:rPr lang="tr-TR" sz="800" u="none" strike="noStrike" dirty="0" smtClean="0">
+                          <a:effectLst/>
+                        </a:rPr>
+                        <a:t> </a:t>
+                      </a:r>
+                      <a:r>
+                        <a:rPr lang="tr-TR" sz="800" u="none" strike="noStrike" dirty="0" err="1">
+                          <a:effectLst/>
+                        </a:rPr>
+                        <a:t>tissu</a:t>
+                      </a:r>
+                      <a:r>
+                        <a:rPr lang="tr-TR" sz="800" u="none" strike="noStrike" dirty="0">
+                          <a:effectLst/>
+                        </a:rPr>
+                        <a:t>', '</a:t>
+                      </a:r>
+                      <a:r>
+                        <a:rPr lang="tr-TR" sz="800" u="none" strike="noStrike" dirty="0" err="1">
+                          <a:effectLst/>
+                        </a:rPr>
+                        <a:t>dauphin</a:t>
+                      </a:r>
+                      <a:r>
+                        <a:rPr lang="tr-TR" sz="800" u="none" strike="noStrike" dirty="0">
+                          <a:effectLst/>
+                        </a:rPr>
+                        <a:t> motif',</a:t>
+                      </a:r>
+                      <a:endParaRPr lang="tr-TR" sz="800" b="0" i="0" u="none" strike="noStrike" dirty="0">
+                        <a:solidFill>
+                          <a:srgbClr val="000000"/>
+                        </a:solidFill>
+                        <a:effectLst/>
+                        <a:latin typeface="Calibri"/>
+                      </a:endParaRPr>
+                    </a:p>
+                  </a:txBody>
+                  <a:tcPr marL="7030" marR="7030" marT="7030" marB="0" anchor="b">
+                    <a:lnL w="12700" cap="flat" cmpd="sng" algn="ctr">
+                      <a:solidFill>
+                        <a:scrgbClr r="0" g="0" b="0"/>
+                      </a:solidFill>
+                      <a:prstDash val="solid"/>
+                      <a:round/>
+                      <a:headEnd type="none" w="med" len="med"/>
+                      <a:tailEnd type="none" w="med" len="med"/>
+                    </a:lnL>
+                    <a:lnR w="12700" cap="flat" cmpd="sng" algn="ctr">
+                      <a:noFill/>
+                      <a:prstDash val="solid"/>
+                      <a:round/>
+                      <a:headEnd type="none" w="med" len="med"/>
+                      <a:tailEnd type="none" w="med" len="med"/>
+                    </a:lnR>
+                    <a:lnT w="12700" cap="flat" cmpd="sng" algn="ctr">
+                      <a:noFill/>
+                      <a:prstDash val="solid"/>
+                      <a:round/>
+                      <a:headEnd type="none" w="med" len="med"/>
+                      <a:tailEnd type="none" w="med" len="med"/>
+                    </a:lnT>
+                    <a:lnB w="12700" cap="flat" cmpd="sng" algn="ctr">
+                      <a:noFill/>
+                      <a:prstDash val="solid"/>
+                      <a:round/>
+                      <a:headEnd type="none" w="med" len="med"/>
+                      <a:tailEnd type="none" w="med" len="med"/>
+                    </a:lnB>
+                    <a:lnTlToBr w="12700" cmpd="sng">
+                      <a:noFill/>
+                      <a:prstDash val="solid"/>
+                    </a:lnTlToBr>
+                    <a:lnBlToTr w="12700" cmpd="sng">
+                      <a:noFill/>
+                      <a:prstDash val="solid"/>
+                    </a:lnBlToTr>
+                  </a:tcPr>
+                </a:tc>
+              </a:tr>
+              <a:tr h="112270">
+                <a:tc>
+                  <a:txBody>
+                    <a:bodyPr/>
+                    <a:lstStyle/>
+                    <a:p>
+                      <a:pPr algn="l" fontAlgn="b"/>
+                      <a:r>
+                        <a:rPr lang="nb-NO" sz="800" u="none" strike="noStrike">
+                          <a:effectLst/>
+                        </a:rPr>
+                        <a:t>triangle</a:t>
+                      </a:r>
+                      <a:endParaRPr lang="nb-NO" sz="800" b="0" i="0" u="none" strike="noStrike">
+                        <a:solidFill>
+                          <a:srgbClr val="000000"/>
+                        </a:solidFill>
+                        <a:effectLst/>
+                        <a:latin typeface="Calibri"/>
+                      </a:endParaRPr>
+                    </a:p>
+                  </a:txBody>
+                  <a:tcPr marL="7030" marR="7030" marT="7030" marB="0" anchor="b">
+                    <a:lnL w="12700" cap="flat" cmpd="sng" algn="ctr">
+                      <a:noFill/>
+                      <a:prstDash val="solid"/>
+                      <a:round/>
+                      <a:headEnd type="none" w="med" len="med"/>
+                      <a:tailEnd type="none" w="med" len="med"/>
+                    </a:lnL>
+                    <a:lnR w="12700" cap="flat" cmpd="sng" algn="ctr">
+                      <a:solidFill>
+                        <a:scrgbClr r="0" g="0" b="0"/>
+                      </a:solidFill>
+                      <a:prstDash val="solid"/>
+                      <a:round/>
+                      <a:headEnd type="none" w="med" len="med"/>
+                      <a:tailEnd type="none" w="med" len="med"/>
+                    </a:lnR>
+                    <a:lnT w="12700" cap="flat" cmpd="sng" algn="ctr">
+                      <a:noFill/>
+                      <a:prstDash val="solid"/>
+                      <a:round/>
+                      <a:headEnd type="none" w="med" len="med"/>
+                      <a:tailEnd type="none" w="med" len="med"/>
+                    </a:lnT>
+                    <a:lnB w="12700" cap="flat" cmpd="sng" algn="ctr">
+                      <a:noFill/>
+                      <a:prstDash val="solid"/>
+                      <a:round/>
+                      <a:headEnd type="none" w="med" len="med"/>
+                      <a:tailEnd type="none" w="med" len="med"/>
+                    </a:lnB>
+                    <a:lnTlToBr w="12700" cmpd="sng">
+                      <a:noFill/>
+                      <a:prstDash val="solid"/>
+                    </a:lnTlToBr>
+                    <a:lnBlToTr w="12700" cmpd="sng">
+                      <a:noFill/>
+                      <a:prstDash val="solid"/>
+                    </a:lnBlToTr>
+                  </a:tcPr>
+                </a:tc>
+                <a:tc>
+                  <a:txBody>
+                    <a:bodyPr/>
+                    <a:lstStyle/>
+                    <a:p>
+                      <a:pPr algn="l" fontAlgn="b"/>
+                      <a:r>
+                        <a:rPr lang="en-US" sz="800" u="none" strike="noStrike" dirty="0" smtClean="0">
+                          <a:effectLst/>
+                        </a:rPr>
+                        <a:t> ’motif </a:t>
+                      </a:r>
+                      <a:r>
+                        <a:rPr lang="en-US" sz="800" u="none" strike="noStrike" dirty="0">
+                          <a:effectLst/>
+                        </a:rPr>
+                        <a:t>triangle', 'pattern triangle', 'triangle </a:t>
+                      </a:r>
+                      <a:r>
+                        <a:rPr lang="en-US" sz="800" u="none" strike="noStrike" dirty="0" err="1">
+                          <a:effectLst/>
+                        </a:rPr>
+                        <a:t>tissu</a:t>
+                      </a:r>
+                      <a:r>
+                        <a:rPr lang="en-US" sz="800" u="none" strike="noStrike" dirty="0">
+                          <a:effectLst/>
+                        </a:rPr>
+                        <a:t>', 'triangle fabric'</a:t>
+                      </a:r>
+                      <a:endParaRPr lang="en-US" sz="800" b="0" i="0" u="none" strike="noStrike" dirty="0">
+                        <a:solidFill>
+                          <a:srgbClr val="000000"/>
+                        </a:solidFill>
+                        <a:effectLst/>
+                        <a:latin typeface="Calibri"/>
+                      </a:endParaRPr>
+                    </a:p>
+                  </a:txBody>
+                  <a:tcPr marL="7030" marR="7030" marT="7030" marB="0" anchor="b">
+                    <a:lnL w="12700" cap="flat" cmpd="sng" algn="ctr">
+                      <a:solidFill>
+                        <a:scrgbClr r="0" g="0" b="0"/>
+                      </a:solidFill>
+                      <a:prstDash val="solid"/>
+                      <a:round/>
+                      <a:headEnd type="none" w="med" len="med"/>
+                      <a:tailEnd type="none" w="med" len="med"/>
+                    </a:lnL>
+                    <a:lnR w="12700" cap="flat" cmpd="sng" algn="ctr">
+                      <a:noFill/>
+                      <a:prstDash val="solid"/>
+                      <a:round/>
+                      <a:headEnd type="none" w="med" len="med"/>
+                      <a:tailEnd type="none" w="med" len="med"/>
+                    </a:lnR>
+                    <a:lnT w="12700" cap="flat" cmpd="sng" algn="ctr">
+                      <a:noFill/>
+                      <a:prstDash val="solid"/>
+                      <a:round/>
+                      <a:headEnd type="none" w="med" len="med"/>
+                      <a:tailEnd type="none" w="med" len="med"/>
+                    </a:lnT>
+                    <a:lnB w="12700" cap="flat" cmpd="sng" algn="ctr">
+                      <a:noFill/>
+                      <a:prstDash val="solid"/>
+                      <a:round/>
+                      <a:headEnd type="none" w="med" len="med"/>
+                      <a:tailEnd type="none" w="med" len="med"/>
+                    </a:lnB>
+                    <a:lnTlToBr w="12700" cmpd="sng">
+                      <a:noFill/>
+                      <a:prstDash val="solid"/>
+                    </a:lnTlToBr>
+                    <a:lnBlToTr w="12700" cmpd="sng">
+                      <a:noFill/>
+                      <a:prstDash val="solid"/>
+                    </a:lnBlToTr>
+                  </a:tcPr>
+                </a:tc>
+              </a:tr>
+              <a:tr h="112270">
+                <a:tc>
+                  <a:txBody>
+                    <a:bodyPr/>
+                    <a:lstStyle/>
+                    <a:p>
+                      <a:pPr algn="l" fontAlgn="b"/>
+                      <a:r>
+                        <a:rPr lang="fr-FR" sz="800" u="none" strike="noStrike">
+                          <a:effectLst/>
+                        </a:rPr>
+                        <a:t>circulaire</a:t>
+                      </a:r>
+                      <a:endParaRPr lang="fr-FR" sz="800" b="0" i="0" u="none" strike="noStrike">
+                        <a:solidFill>
+                          <a:srgbClr val="000000"/>
+                        </a:solidFill>
+                        <a:effectLst/>
+                        <a:latin typeface="Calibri"/>
+                      </a:endParaRPr>
+                    </a:p>
+                  </a:txBody>
+                  <a:tcPr marL="7030" marR="7030" marT="7030" marB="0" anchor="b">
+                    <a:lnL w="12700" cap="flat" cmpd="sng" algn="ctr">
+                      <a:noFill/>
+                      <a:prstDash val="solid"/>
+                      <a:round/>
+                      <a:headEnd type="none" w="med" len="med"/>
+                      <a:tailEnd type="none" w="med" len="med"/>
+                    </a:lnL>
+                    <a:lnR w="12700" cap="flat" cmpd="sng" algn="ctr">
+                      <a:solidFill>
+                        <a:scrgbClr r="0" g="0" b="0"/>
+                      </a:solidFill>
+                      <a:prstDash val="solid"/>
+                      <a:round/>
+                      <a:headEnd type="none" w="med" len="med"/>
+                      <a:tailEnd type="none" w="med" len="med"/>
+                    </a:lnR>
+                    <a:lnT w="12700" cap="flat" cmpd="sng" algn="ctr">
+                      <a:noFill/>
+                      <a:prstDash val="solid"/>
+                      <a:round/>
+                      <a:headEnd type="none" w="med" len="med"/>
+                      <a:tailEnd type="none" w="med" len="med"/>
+                    </a:lnT>
+                    <a:lnB w="12700" cap="flat" cmpd="sng" algn="ctr">
+                      <a:noFill/>
+                      <a:prstDash val="solid"/>
+                      <a:round/>
+                      <a:headEnd type="none" w="med" len="med"/>
+                      <a:tailEnd type="none" w="med" len="med"/>
+                    </a:lnB>
+                    <a:lnTlToBr w="12700" cmpd="sng">
+                      <a:noFill/>
+                      <a:prstDash val="solid"/>
+                    </a:lnTlToBr>
+                    <a:lnBlToTr w="12700" cmpd="sng">
+                      <a:noFill/>
+                      <a:prstDash val="solid"/>
+                    </a:lnBlToTr>
+                  </a:tcPr>
+                </a:tc>
+                <a:tc>
+                  <a:txBody>
+                    <a:bodyPr/>
+                    <a:lstStyle/>
+                    <a:p>
+                      <a:pPr algn="l" fontAlgn="b"/>
+                      <a:r>
+                        <a:rPr lang="fr-FR" sz="800" u="none" strike="noStrike" dirty="0" smtClean="0">
+                          <a:effectLst/>
+                        </a:rPr>
+                        <a:t> '</a:t>
+                      </a:r>
+                      <a:r>
+                        <a:rPr lang="fr-FR" sz="800" u="none" strike="noStrike" dirty="0">
+                          <a:effectLst/>
+                        </a:rPr>
+                        <a:t>motif circulaire'</a:t>
+                      </a:r>
+                      <a:endParaRPr lang="fr-FR" sz="800" b="0" i="0" u="none" strike="noStrike" dirty="0">
+                        <a:solidFill>
+                          <a:srgbClr val="000000"/>
+                        </a:solidFill>
+                        <a:effectLst/>
+                        <a:latin typeface="Calibri"/>
+                      </a:endParaRPr>
+                    </a:p>
+                  </a:txBody>
+                  <a:tcPr marL="7030" marR="7030" marT="7030" marB="0" anchor="b">
+                    <a:lnL w="12700" cap="flat" cmpd="sng" algn="ctr">
+                      <a:solidFill>
+                        <a:scrgbClr r="0" g="0" b="0"/>
+                      </a:solidFill>
+                      <a:prstDash val="solid"/>
+                      <a:round/>
+                      <a:headEnd type="none" w="med" len="med"/>
+                      <a:tailEnd type="none" w="med" len="med"/>
+                    </a:lnL>
+                    <a:lnR w="12700" cap="flat" cmpd="sng" algn="ctr">
+                      <a:noFill/>
+                      <a:prstDash val="solid"/>
+                      <a:round/>
+                      <a:headEnd type="none" w="med" len="med"/>
+                      <a:tailEnd type="none" w="med" len="med"/>
+                    </a:lnR>
+                    <a:lnT w="12700" cap="flat" cmpd="sng" algn="ctr">
+                      <a:noFill/>
+                      <a:prstDash val="solid"/>
+                      <a:round/>
+                      <a:headEnd type="none" w="med" len="med"/>
+                      <a:tailEnd type="none" w="med" len="med"/>
+                    </a:lnT>
+                    <a:lnB w="12700" cap="flat" cmpd="sng" algn="ctr">
+                      <a:noFill/>
+                      <a:prstDash val="solid"/>
+                      <a:round/>
+                      <a:headEnd type="none" w="med" len="med"/>
+                      <a:tailEnd type="none" w="med" len="med"/>
+                    </a:lnB>
+                    <a:lnTlToBr w="12700" cmpd="sng">
+                      <a:noFill/>
+                      <a:prstDash val="solid"/>
+                    </a:lnTlToBr>
+                    <a:lnBlToTr w="12700" cmpd="sng">
+                      <a:noFill/>
+                      <a:prstDash val="solid"/>
+                    </a:lnBlToTr>
+                  </a:tcPr>
+                </a:tc>
+              </a:tr>
+              <a:tr h="112270">
+                <a:tc>
+                  <a:txBody>
+                    <a:bodyPr/>
+                    <a:lstStyle/>
+                    <a:p>
+                      <a:pPr algn="l" fontAlgn="b"/>
+                      <a:r>
+                        <a:rPr lang="nl-NL" sz="800" u="none" strike="noStrike">
+                          <a:effectLst/>
+                        </a:rPr>
+                        <a:t>pagne wax</a:t>
+                      </a:r>
+                      <a:endParaRPr lang="nl-NL" sz="800" b="0" i="0" u="none" strike="noStrike">
+                        <a:solidFill>
+                          <a:srgbClr val="000000"/>
+                        </a:solidFill>
+                        <a:effectLst/>
+                        <a:latin typeface="Calibri"/>
+                      </a:endParaRPr>
+                    </a:p>
+                  </a:txBody>
+                  <a:tcPr marL="7030" marR="7030" marT="7030" marB="0" anchor="b">
+                    <a:lnL w="12700" cap="flat" cmpd="sng" algn="ctr">
+                      <a:noFill/>
+                      <a:prstDash val="solid"/>
+                      <a:round/>
+                      <a:headEnd type="none" w="med" len="med"/>
+                      <a:tailEnd type="none" w="med" len="med"/>
+                    </a:lnL>
+                    <a:lnR w="12700" cap="flat" cmpd="sng" algn="ctr">
+                      <a:solidFill>
+                        <a:scrgbClr r="0" g="0" b="0"/>
+                      </a:solidFill>
+                      <a:prstDash val="solid"/>
+                      <a:round/>
+                      <a:headEnd type="none" w="med" len="med"/>
+                      <a:tailEnd type="none" w="med" len="med"/>
+                    </a:lnR>
+                    <a:lnT w="12700" cap="flat" cmpd="sng" algn="ctr">
+                      <a:noFill/>
+                      <a:prstDash val="solid"/>
+                      <a:round/>
+                      <a:headEnd type="none" w="med" len="med"/>
+                      <a:tailEnd type="none" w="med" len="med"/>
+                    </a:lnT>
+                    <a:lnB w="12700" cap="flat" cmpd="sng" algn="ctr">
+                      <a:noFill/>
+                      <a:prstDash val="solid"/>
+                      <a:round/>
+                      <a:headEnd type="none" w="med" len="med"/>
+                      <a:tailEnd type="none" w="med" len="med"/>
+                    </a:lnB>
+                    <a:lnTlToBr w="12700" cmpd="sng">
+                      <a:noFill/>
+                      <a:prstDash val="solid"/>
+                    </a:lnTlToBr>
+                    <a:lnBlToTr w="12700" cmpd="sng">
+                      <a:noFill/>
+                      <a:prstDash val="solid"/>
+                    </a:lnBlToTr>
+                  </a:tcPr>
+                </a:tc>
+                <a:tc>
+                  <a:txBody>
+                    <a:bodyPr/>
+                    <a:lstStyle/>
+                    <a:p>
+                      <a:pPr algn="l" fontAlgn="b"/>
+                      <a:r>
+                        <a:rPr lang="nl-NL" sz="800" u="none" strike="noStrike" dirty="0" smtClean="0">
+                          <a:effectLst/>
+                        </a:rPr>
+                        <a:t> ‘</a:t>
+                      </a:r>
+                      <a:r>
+                        <a:rPr lang="nl-NL" sz="800" u="none" strike="noStrike" dirty="0" err="1" smtClean="0">
+                          <a:effectLst/>
+                        </a:rPr>
+                        <a:t>pagne</a:t>
+                      </a:r>
+                      <a:r>
+                        <a:rPr lang="nl-NL" sz="800" u="none" strike="noStrike" dirty="0" smtClean="0">
+                          <a:effectLst/>
+                        </a:rPr>
+                        <a:t> </a:t>
+                      </a:r>
+                      <a:r>
+                        <a:rPr lang="nl-NL" sz="800" u="none" strike="noStrike" dirty="0">
+                          <a:effectLst/>
+                        </a:rPr>
+                        <a:t>wax </a:t>
+                      </a:r>
+                      <a:r>
+                        <a:rPr lang="nl-NL" sz="800" u="none" strike="noStrike" dirty="0" err="1">
+                          <a:effectLst/>
+                        </a:rPr>
+                        <a:t>tissu</a:t>
+                      </a:r>
+                      <a:r>
+                        <a:rPr lang="nl-NL" sz="800" u="none" strike="noStrike" dirty="0">
+                          <a:effectLst/>
+                        </a:rPr>
+                        <a:t>', '</a:t>
+                      </a:r>
+                      <a:r>
+                        <a:rPr lang="nl-NL" sz="800" u="none" strike="noStrike" dirty="0" err="1">
+                          <a:effectLst/>
+                        </a:rPr>
+                        <a:t>pagne</a:t>
+                      </a:r>
+                      <a:r>
+                        <a:rPr lang="nl-NL" sz="800" u="none" strike="noStrike" dirty="0">
+                          <a:effectLst/>
+                        </a:rPr>
+                        <a:t> wax </a:t>
+                      </a:r>
+                      <a:r>
+                        <a:rPr lang="nl-NL" sz="800" u="none" strike="noStrike" dirty="0" err="1">
+                          <a:effectLst/>
+                        </a:rPr>
+                        <a:t>motif</a:t>
+                      </a:r>
+                      <a:r>
+                        <a:rPr lang="nl-NL" sz="800" u="none" strike="noStrike" dirty="0">
+                          <a:effectLst/>
+                        </a:rPr>
+                        <a:t>',</a:t>
+                      </a:r>
+                      <a:endParaRPr lang="nl-NL" sz="800" b="0" i="0" u="none" strike="noStrike" dirty="0">
+                        <a:solidFill>
+                          <a:srgbClr val="000000"/>
+                        </a:solidFill>
+                        <a:effectLst/>
+                        <a:latin typeface="Calibri"/>
+                      </a:endParaRPr>
+                    </a:p>
+                  </a:txBody>
+                  <a:tcPr marL="7030" marR="7030" marT="7030" marB="0" anchor="b">
+                    <a:lnL w="12700" cap="flat" cmpd="sng" algn="ctr">
+                      <a:solidFill>
+                        <a:scrgbClr r="0" g="0" b="0"/>
+                      </a:solidFill>
+                      <a:prstDash val="solid"/>
+                      <a:round/>
+                      <a:headEnd type="none" w="med" len="med"/>
+                      <a:tailEnd type="none" w="med" len="med"/>
+                    </a:lnL>
+                    <a:lnR w="12700" cap="flat" cmpd="sng" algn="ctr">
+                      <a:noFill/>
+                      <a:prstDash val="solid"/>
+                      <a:round/>
+                      <a:headEnd type="none" w="med" len="med"/>
+                      <a:tailEnd type="none" w="med" len="med"/>
+                    </a:lnR>
+                    <a:lnT w="12700" cap="flat" cmpd="sng" algn="ctr">
+                      <a:noFill/>
+                      <a:prstDash val="solid"/>
+                      <a:round/>
+                      <a:headEnd type="none" w="med" len="med"/>
+                      <a:tailEnd type="none" w="med" len="med"/>
+                    </a:lnT>
+                    <a:lnB w="12700" cap="flat" cmpd="sng" algn="ctr">
+                      <a:noFill/>
+                      <a:prstDash val="solid"/>
+                      <a:round/>
+                      <a:headEnd type="none" w="med" len="med"/>
+                      <a:tailEnd type="none" w="med" len="med"/>
+                    </a:lnB>
+                    <a:lnTlToBr w="12700" cmpd="sng">
+                      <a:noFill/>
+                      <a:prstDash val="solid"/>
+                    </a:lnTlToBr>
+                    <a:lnBlToTr w="12700" cmpd="sng">
+                      <a:noFill/>
+                      <a:prstDash val="solid"/>
+                    </a:lnBlToTr>
+                  </a:tcPr>
+                </a:tc>
+              </a:tr>
+              <a:tr h="112270">
+                <a:tc>
+                  <a:txBody>
+                    <a:bodyPr/>
+                    <a:lstStyle/>
+                    <a:p>
+                      <a:pPr algn="l" fontAlgn="b"/>
+                      <a:r>
+                        <a:rPr lang="de-DE" sz="800" u="none" strike="noStrike">
+                          <a:effectLst/>
+                        </a:rPr>
+                        <a:t>patchwork</a:t>
+                      </a:r>
+                      <a:endParaRPr lang="de-DE" sz="800" b="0" i="0" u="none" strike="noStrike">
+                        <a:solidFill>
+                          <a:srgbClr val="000000"/>
+                        </a:solidFill>
+                        <a:effectLst/>
+                        <a:latin typeface="Calibri"/>
+                      </a:endParaRPr>
+                    </a:p>
+                  </a:txBody>
+                  <a:tcPr marL="7030" marR="7030" marT="7030" marB="0" anchor="b">
+                    <a:lnL w="12700" cap="flat" cmpd="sng" algn="ctr">
+                      <a:noFill/>
+                      <a:prstDash val="solid"/>
+                      <a:round/>
+                      <a:headEnd type="none" w="med" len="med"/>
+                      <a:tailEnd type="none" w="med" len="med"/>
+                    </a:lnL>
+                    <a:lnR w="12700" cap="flat" cmpd="sng" algn="ctr">
+                      <a:solidFill>
+                        <a:scrgbClr r="0" g="0" b="0"/>
+                      </a:solidFill>
+                      <a:prstDash val="solid"/>
+                      <a:round/>
+                      <a:headEnd type="none" w="med" len="med"/>
+                      <a:tailEnd type="none" w="med" len="med"/>
+                    </a:lnR>
+                    <a:lnT w="12700" cap="flat" cmpd="sng" algn="ctr">
+                      <a:noFill/>
+                      <a:prstDash val="solid"/>
+                      <a:round/>
+                      <a:headEnd type="none" w="med" len="med"/>
+                      <a:tailEnd type="none" w="med" len="med"/>
+                    </a:lnT>
+                    <a:lnB w="12700" cap="flat" cmpd="sng" algn="ctr">
+                      <a:noFill/>
+                      <a:prstDash val="solid"/>
+                      <a:round/>
+                      <a:headEnd type="none" w="med" len="med"/>
+                      <a:tailEnd type="none" w="med" len="med"/>
+                    </a:lnB>
+                    <a:lnTlToBr w="12700" cmpd="sng">
+                      <a:noFill/>
+                      <a:prstDash val="solid"/>
+                    </a:lnTlToBr>
+                    <a:lnBlToTr w="12700" cmpd="sng">
+                      <a:noFill/>
+                      <a:prstDash val="solid"/>
+                    </a:lnBlToTr>
+                  </a:tcPr>
+                </a:tc>
+                <a:tc>
+                  <a:txBody>
+                    <a:bodyPr/>
+                    <a:lstStyle/>
+                    <a:p>
+                      <a:pPr algn="l" fontAlgn="b"/>
+                      <a:r>
+                        <a:rPr lang="en-US" sz="800" u="none" strike="noStrike" dirty="0" smtClean="0">
+                          <a:effectLst/>
+                        </a:rPr>
+                        <a:t> ‘patchwork </a:t>
+                      </a:r>
+                      <a:r>
+                        <a:rPr lang="en-US" sz="800" u="none" strike="noStrike" dirty="0">
+                          <a:effectLst/>
+                        </a:rPr>
+                        <a:t>fabric', 'patchwork pattern'</a:t>
+                      </a:r>
+                      <a:endParaRPr lang="en-US" sz="800" b="0" i="0" u="none" strike="noStrike" dirty="0">
+                        <a:solidFill>
+                          <a:srgbClr val="000000"/>
+                        </a:solidFill>
+                        <a:effectLst/>
+                        <a:latin typeface="Calibri"/>
+                      </a:endParaRPr>
+                    </a:p>
+                  </a:txBody>
+                  <a:tcPr marL="7030" marR="7030" marT="7030" marB="0" anchor="b">
+                    <a:lnL w="12700" cap="flat" cmpd="sng" algn="ctr">
+                      <a:solidFill>
+                        <a:scrgbClr r="0" g="0" b="0"/>
+                      </a:solidFill>
+                      <a:prstDash val="solid"/>
+                      <a:round/>
+                      <a:headEnd type="none" w="med" len="med"/>
+                      <a:tailEnd type="none" w="med" len="med"/>
+                    </a:lnL>
+                    <a:lnR w="12700" cap="flat" cmpd="sng" algn="ctr">
+                      <a:noFill/>
+                      <a:prstDash val="solid"/>
+                      <a:round/>
+                      <a:headEnd type="none" w="med" len="med"/>
+                      <a:tailEnd type="none" w="med" len="med"/>
+                    </a:lnR>
+                    <a:lnT w="12700" cap="flat" cmpd="sng" algn="ctr">
+                      <a:noFill/>
+                      <a:prstDash val="solid"/>
+                      <a:round/>
+                      <a:headEnd type="none" w="med" len="med"/>
+                      <a:tailEnd type="none" w="med" len="med"/>
+                    </a:lnT>
+                    <a:lnB w="12700" cap="flat" cmpd="sng" algn="ctr">
+                      <a:noFill/>
+                      <a:prstDash val="solid"/>
+                      <a:round/>
+                      <a:headEnd type="none" w="med" len="med"/>
+                      <a:tailEnd type="none" w="med" len="med"/>
+                    </a:lnB>
+                    <a:lnTlToBr w="12700" cmpd="sng">
+                      <a:noFill/>
+                      <a:prstDash val="solid"/>
+                    </a:lnTlToBr>
+                    <a:lnBlToTr w="12700" cmpd="sng">
+                      <a:noFill/>
+                      <a:prstDash val="solid"/>
+                    </a:lnBlToTr>
+                  </a:tcPr>
+                </a:tc>
+              </a:tr>
+              <a:tr h="112270">
+                <a:tc>
+                  <a:txBody>
+                    <a:bodyPr/>
+                    <a:lstStyle/>
+                    <a:p>
+                      <a:pPr algn="l" fontAlgn="b"/>
+                      <a:r>
+                        <a:rPr lang="en-US" sz="800" u="none" strike="noStrike">
+                          <a:effectLst/>
+                        </a:rPr>
+                        <a:t>seanless</a:t>
+                      </a:r>
+                      <a:endParaRPr lang="en-US" sz="800" b="0" i="0" u="none" strike="noStrike">
+                        <a:solidFill>
+                          <a:srgbClr val="000000"/>
+                        </a:solidFill>
+                        <a:effectLst/>
+                        <a:latin typeface="Calibri"/>
+                      </a:endParaRPr>
+                    </a:p>
+                  </a:txBody>
+                  <a:tcPr marL="7030" marR="7030" marT="7030" marB="0" anchor="b">
+                    <a:lnL w="12700" cap="flat" cmpd="sng" algn="ctr">
+                      <a:noFill/>
+                      <a:prstDash val="solid"/>
+                      <a:round/>
+                      <a:headEnd type="none" w="med" len="med"/>
+                      <a:tailEnd type="none" w="med" len="med"/>
+                    </a:lnL>
+                    <a:lnR w="12700" cap="flat" cmpd="sng" algn="ctr">
+                      <a:solidFill>
+                        <a:scrgbClr r="0" g="0" b="0"/>
+                      </a:solidFill>
+                      <a:prstDash val="solid"/>
+                      <a:round/>
+                      <a:headEnd type="none" w="med" len="med"/>
+                      <a:tailEnd type="none" w="med" len="med"/>
+                    </a:lnR>
+                    <a:lnT w="12700" cap="flat" cmpd="sng" algn="ctr">
+                      <a:noFill/>
+                      <a:prstDash val="solid"/>
+                      <a:round/>
+                      <a:headEnd type="none" w="med" len="med"/>
+                      <a:tailEnd type="none" w="med" len="med"/>
+                    </a:lnT>
+                    <a:lnB w="12700" cap="flat" cmpd="sng" algn="ctr">
+                      <a:noFill/>
+                      <a:prstDash val="solid"/>
+                      <a:round/>
+                      <a:headEnd type="none" w="med" len="med"/>
+                      <a:tailEnd type="none" w="med" len="med"/>
+                    </a:lnB>
+                    <a:lnTlToBr w="12700" cmpd="sng">
+                      <a:noFill/>
+                      <a:prstDash val="solid"/>
+                    </a:lnTlToBr>
+                    <a:lnBlToTr w="12700" cmpd="sng">
+                      <a:noFill/>
+                      <a:prstDash val="solid"/>
+                    </a:lnBlToTr>
+                  </a:tcPr>
+                </a:tc>
+                <a:tc>
+                  <a:txBody>
+                    <a:bodyPr/>
+                    <a:lstStyle/>
+                    <a:p>
+                      <a:pPr algn="l" fontAlgn="b"/>
+                      <a:r>
+                        <a:rPr lang="en-US" sz="800" u="none" strike="noStrike" dirty="0" smtClean="0">
+                          <a:effectLst/>
+                        </a:rPr>
+                        <a:t> '</a:t>
+                      </a:r>
+                      <a:r>
+                        <a:rPr lang="en-US" sz="800" u="none" strike="noStrike" dirty="0" err="1">
+                          <a:effectLst/>
+                        </a:rPr>
+                        <a:t>seanless</a:t>
+                      </a:r>
+                      <a:r>
+                        <a:rPr lang="en-US" sz="800" u="none" strike="noStrike" dirty="0">
+                          <a:effectLst/>
+                        </a:rPr>
+                        <a:t> motif', '</a:t>
+                      </a:r>
+                      <a:r>
+                        <a:rPr lang="en-US" sz="800" u="none" strike="noStrike" dirty="0" err="1">
+                          <a:effectLst/>
+                        </a:rPr>
+                        <a:t>seanless</a:t>
+                      </a:r>
+                      <a:r>
+                        <a:rPr lang="en-US" sz="800" u="none" strike="noStrike" dirty="0">
+                          <a:effectLst/>
+                        </a:rPr>
+                        <a:t> pattern'</a:t>
+                      </a:r>
+                      <a:endParaRPr lang="en-US" sz="800" b="0" i="0" u="none" strike="noStrike" dirty="0">
+                        <a:solidFill>
+                          <a:srgbClr val="000000"/>
+                        </a:solidFill>
+                        <a:effectLst/>
+                        <a:latin typeface="Calibri"/>
+                      </a:endParaRPr>
+                    </a:p>
+                  </a:txBody>
+                  <a:tcPr marL="7030" marR="7030" marT="7030" marB="0" anchor="b">
+                    <a:lnL w="12700" cap="flat" cmpd="sng" algn="ctr">
+                      <a:solidFill>
+                        <a:scrgbClr r="0" g="0" b="0"/>
+                      </a:solidFill>
+                      <a:prstDash val="solid"/>
+                      <a:round/>
+                      <a:headEnd type="none" w="med" len="med"/>
+                      <a:tailEnd type="none" w="med" len="med"/>
+                    </a:lnL>
+                    <a:lnR w="12700" cap="flat" cmpd="sng" algn="ctr">
+                      <a:noFill/>
+                      <a:prstDash val="solid"/>
+                      <a:round/>
+                      <a:headEnd type="none" w="med" len="med"/>
+                      <a:tailEnd type="none" w="med" len="med"/>
+                    </a:lnR>
+                    <a:lnT w="12700" cap="flat" cmpd="sng" algn="ctr">
+                      <a:noFill/>
+                      <a:prstDash val="solid"/>
+                      <a:round/>
+                      <a:headEnd type="none" w="med" len="med"/>
+                      <a:tailEnd type="none" w="med" len="med"/>
+                    </a:lnT>
+                    <a:lnB w="12700" cap="flat" cmpd="sng" algn="ctr">
+                      <a:noFill/>
+                      <a:prstDash val="solid"/>
+                      <a:round/>
+                      <a:headEnd type="none" w="med" len="med"/>
+                      <a:tailEnd type="none" w="med" len="med"/>
+                    </a:lnB>
+                    <a:lnTlToBr w="12700" cmpd="sng">
+                      <a:noFill/>
+                      <a:prstDash val="solid"/>
+                    </a:lnTlToBr>
+                    <a:lnBlToTr w="12700" cmpd="sng">
+                      <a:noFill/>
+                      <a:prstDash val="solid"/>
+                    </a:lnBlToTr>
+                  </a:tcPr>
+                </a:tc>
+              </a:tr>
+              <a:tr h="112270">
+                <a:tc>
+                  <a:txBody>
+                    <a:bodyPr/>
+                    <a:lstStyle/>
+                    <a:p>
+                      <a:pPr algn="l" fontAlgn="b"/>
+                      <a:r>
+                        <a:rPr lang="hr-HR" sz="800" u="none" strike="noStrike" dirty="0">
+                          <a:effectLst/>
+                        </a:rPr>
+                        <a:t>jean</a:t>
+                      </a:r>
+                      <a:endParaRPr lang="hr-HR" sz="800" b="0" i="0" u="none" strike="noStrike" dirty="0">
+                        <a:solidFill>
+                          <a:srgbClr val="000000"/>
+                        </a:solidFill>
+                        <a:effectLst/>
+                        <a:latin typeface="Calibri"/>
+                      </a:endParaRPr>
+                    </a:p>
+                  </a:txBody>
+                  <a:tcPr marL="7030" marR="7030" marT="7030" marB="0" anchor="b">
+                    <a:lnL w="12700" cap="flat" cmpd="sng" algn="ctr">
+                      <a:noFill/>
+                      <a:prstDash val="solid"/>
+                      <a:round/>
+                      <a:headEnd type="none" w="med" len="med"/>
+                      <a:tailEnd type="none" w="med" len="med"/>
+                    </a:lnL>
+                    <a:lnR w="12700" cap="flat" cmpd="sng" algn="ctr">
+                      <a:solidFill>
+                        <a:scrgbClr r="0" g="0" b="0"/>
+                      </a:solidFill>
+                      <a:prstDash val="solid"/>
+                      <a:round/>
+                      <a:headEnd type="none" w="med" len="med"/>
+                      <a:tailEnd type="none" w="med" len="med"/>
+                    </a:lnR>
+                    <a:lnT w="12700" cap="flat" cmpd="sng" algn="ctr">
+                      <a:noFill/>
+                      <a:prstDash val="solid"/>
+                      <a:round/>
+                      <a:headEnd type="none" w="med" len="med"/>
+                      <a:tailEnd type="none" w="med" len="med"/>
+                    </a:lnT>
+                    <a:lnB w="12700" cap="flat" cmpd="sng" algn="ctr">
+                      <a:noFill/>
+                      <a:prstDash val="solid"/>
+                      <a:round/>
+                      <a:headEnd type="none" w="med" len="med"/>
+                      <a:tailEnd type="none" w="med" len="med"/>
+                    </a:lnB>
+                    <a:lnTlToBr w="12700" cmpd="sng">
+                      <a:noFill/>
+                      <a:prstDash val="solid"/>
+                    </a:lnTlToBr>
+                    <a:lnBlToTr w="12700" cmpd="sng">
+                      <a:noFill/>
+                      <a:prstDash val="solid"/>
+                    </a:lnBlToTr>
+                  </a:tcPr>
+                </a:tc>
+                <a:tc>
+                  <a:txBody>
+                    <a:bodyPr/>
+                    <a:lstStyle/>
+                    <a:p>
+                      <a:pPr algn="l" fontAlgn="b"/>
+                      <a:r>
+                        <a:rPr lang="fr-FR" sz="800" u="none" strike="noStrike" dirty="0" smtClean="0">
+                          <a:effectLst/>
+                        </a:rPr>
+                        <a:t> </a:t>
+                      </a:r>
+                      <a:r>
+                        <a:rPr lang="mr-IN" sz="800" u="none" strike="noStrike" dirty="0" smtClean="0">
+                          <a:effectLst/>
+                        </a:rPr>
+                        <a:t>’jean tissu’, </a:t>
+                      </a:r>
+                      <a:r>
+                        <a:rPr lang="fr-FR" sz="800" u="none" strike="noStrike" dirty="0" smtClean="0">
+                          <a:effectLst/>
+                        </a:rPr>
+                        <a:t>‘</a:t>
+                      </a:r>
+                      <a:r>
+                        <a:rPr lang="mr-IN" sz="800" u="none" strike="noStrike" dirty="0" smtClean="0">
+                          <a:effectLst/>
+                        </a:rPr>
+                        <a:t>jean fabric’</a:t>
+                      </a:r>
+                      <a:r>
+                        <a:rPr lang="fr-FR" sz="800" u="none" strike="noStrike" dirty="0" smtClean="0">
+                          <a:effectLst/>
+                        </a:rPr>
+                        <a:t>’</a:t>
+                      </a:r>
+                      <a:endParaRPr lang="mr-IN" sz="800" b="0" i="0" u="none" strike="noStrike" dirty="0">
+                        <a:solidFill>
+                          <a:srgbClr val="000000"/>
+                        </a:solidFill>
+                        <a:effectLst/>
+                        <a:latin typeface="Calibri"/>
+                      </a:endParaRPr>
+                    </a:p>
+                  </a:txBody>
+                  <a:tcPr marL="7030" marR="7030" marT="7030" marB="0" anchor="b">
+                    <a:lnL w="12700" cap="flat" cmpd="sng" algn="ctr">
+                      <a:solidFill>
+                        <a:scrgbClr r="0" g="0" b="0"/>
+                      </a:solidFill>
+                      <a:prstDash val="solid"/>
+                      <a:round/>
+                      <a:headEnd type="none" w="med" len="med"/>
+                      <a:tailEnd type="none" w="med" len="med"/>
+                    </a:lnL>
+                    <a:lnR w="12700" cap="flat" cmpd="sng" algn="ctr">
+                      <a:noFill/>
+                      <a:prstDash val="solid"/>
+                      <a:round/>
+                      <a:headEnd type="none" w="med" len="med"/>
+                      <a:tailEnd type="none" w="med" len="med"/>
+                    </a:lnR>
+                    <a:lnT w="12700" cap="flat" cmpd="sng" algn="ctr">
+                      <a:noFill/>
+                      <a:prstDash val="solid"/>
+                      <a:round/>
+                      <a:headEnd type="none" w="med" len="med"/>
+                      <a:tailEnd type="none" w="med" len="med"/>
+                    </a:lnT>
+                    <a:lnB w="12700" cap="flat" cmpd="sng" algn="ctr">
+                      <a:noFill/>
+                      <a:prstDash val="solid"/>
+                      <a:round/>
+                      <a:headEnd type="none" w="med" len="med"/>
+                      <a:tailEnd type="none" w="med" len="med"/>
+                    </a:lnB>
+                    <a:lnTlToBr w="12700" cmpd="sng">
+                      <a:noFill/>
+                      <a:prstDash val="solid"/>
+                    </a:lnTlToBr>
+                    <a:lnBlToTr w="12700" cmpd="sng">
+                      <a:noFill/>
+                      <a:prstDash val="solid"/>
+                    </a:lnBlToTr>
+                  </a:tcPr>
+                </a:tc>
+              </a:tr>
+            </a:tbl>
+          </a:graphicData>
+        </a:graphic>
+      </p:graphicFrame>
+      <p:sp>
+        <p:nvSpPr>
+          <p:cNvPr id="7" name="Rectangle à coins arrondis 6"/>
+          <p:cNvSpPr/>
+          <p:nvPr/>
+        </p:nvSpPr>
+        <p:spPr>
+          <a:xfrm>
+            <a:off x="403665" y="2096776"/>
+            <a:ext cx="1703270" cy="885962"/>
+          </a:xfrm>
+          <a:prstGeom prst="roundRect">
+            <a:avLst/>
+          </a:prstGeom>
+        </p:spPr>
+        <p:style>
+          <a:lnRef idx="2">
+            <a:schemeClr val="accent3"/>
+          </a:lnRef>
+          <a:fillRef idx="1">
+            <a:schemeClr val="lt1"/>
+          </a:fillRef>
+          <a:effectRef idx="0">
+            <a:schemeClr val="accent3"/>
+          </a:effectRef>
+          <a:fontRef idx="minor">
+            <a:schemeClr val="dk1"/>
+          </a:fontRef>
+        </p:style>
+        <p:txBody>
+          <a:bodyPr rtlCol="0" anchor="ctr"/>
+          <a:lstStyle/>
+          <a:p>
+            <a:pPr algn="ctr"/>
+            <a:r>
+              <a:rPr lang="fr-FR" dirty="0" smtClean="0"/>
+              <a:t>Tableau des motifs de recherche</a:t>
+            </a:r>
+            <a:endParaRPr lang="fr-FR" dirty="0"/>
+          </a:p>
+        </p:txBody>
+      </p:sp>
+    </p:spTree>
+    <p:extLst>
+      <p:ext uri="{BB962C8B-B14F-4D97-AF65-F5344CB8AC3E}">
+        <p14:creationId xmlns:p14="http://schemas.microsoft.com/office/powerpoint/2010/main" val="2839743288"/>
+      </p:ext>
+    </p:extLst>
+  </p:cSld>
+  <p:clrMapOvr>
+    <a:masterClrMapping/>
+  </p:clrMapOvr>
+</p:sld>
+</file>
+
+<file path=ppt/slides/slide9.xml><?xml version="1.0" encoding="utf-8"?>
+<p:sld xmlns:a="http://schemas.openxmlformats.org/drawingml/2006/main" xmlns:r="http://schemas.openxmlformats.org/officeDocument/2006/relationships" xmlns:p="http://schemas.openxmlformats.org/presentationml/2006/main">
+  <p:cSld>
+    <p:spTree>
+      <p:nvGrpSpPr>
+        <p:cNvPr id="1" name=""/>
+        <p:cNvGrpSpPr/>
+        <p:nvPr/>
+      </p:nvGrpSpPr>
+      <p:grpSpPr>
+        <a:xfrm>
+          <a:off x="0" y="0"/>
+          <a:ext cx="0" cy="0"/>
+          <a:chOff x="0" y="0"/>
+          <a:chExt cx="0" cy="0"/>
+        </a:xfrm>
+      </p:grpSpPr>
+      <p:sp>
+        <p:nvSpPr>
+          <p:cNvPr id="2" name="Titre 1"/>
+          <p:cNvSpPr>
+            <a:spLocks noGrp="1"/>
+          </p:cNvSpPr>
+          <p:nvPr>
+            <p:ph type="title"/>
+          </p:nvPr>
+        </p:nvSpPr>
+        <p:spPr/>
+        <p:txBody>
+          <a:bodyPr/>
+          <a:lstStyle/>
+          <a:p>
+            <a:r>
+              <a:rPr lang="fr-FR" dirty="0"/>
+              <a:t>Création de la base des </a:t>
+            </a:r>
+            <a:r>
+              <a:rPr lang="fr-FR" dirty="0" smtClean="0"/>
+              <a:t>données : résumé</a:t>
+            </a:r>
+            <a:endParaRPr lang="fr-FR" dirty="0"/>
+          </a:p>
+        </p:txBody>
+      </p:sp>
+      <p:sp>
+        <p:nvSpPr>
+          <p:cNvPr id="3" name="Espace réservé du pied de page 2"/>
+          <p:cNvSpPr>
+            <a:spLocks noGrp="1"/>
+          </p:cNvSpPr>
+          <p:nvPr>
+            <p:ph type="ftr" sz="quarter" idx="10"/>
+          </p:nvPr>
+        </p:nvSpPr>
+        <p:spPr/>
+        <p:txBody>
+          <a:bodyPr/>
+          <a:lstStyle/>
+          <a:p>
+            <a:endParaRPr lang="fr-FR" dirty="0"/>
+          </a:p>
+        </p:txBody>
+      </p:sp>
+      <p:sp>
+        <p:nvSpPr>
+          <p:cNvPr id="5" name="Espace réservé du numéro de diapositive 4"/>
+          <p:cNvSpPr>
+            <a:spLocks noGrp="1"/>
+          </p:cNvSpPr>
+          <p:nvPr>
+            <p:ph type="sldNum" sz="quarter" idx="12"/>
+          </p:nvPr>
+        </p:nvSpPr>
+        <p:spPr/>
+        <p:txBody>
+          <a:bodyPr/>
+          <a:lstStyle/>
+          <a:p>
+            <a:fld id="{DECE1661-AE8E-4B23-8144-2F4A39DE61A3}" type="slidenum">
+              <a:rPr lang="fr-FR" smtClean="0"/>
+              <a:pPr/>
+              <a:t>9</a:t>
+            </a:fld>
+            <a:endParaRPr lang="fr-FR" dirty="0"/>
+          </a:p>
+        </p:txBody>
+      </p:sp>
+      <p:pic>
+        <p:nvPicPr>
+          <p:cNvPr id="6" name="Image 5"/>
+          <p:cNvPicPr>
+            <a:picLocks noChangeAspect="1"/>
+          </p:cNvPicPr>
+          <p:nvPr/>
+        </p:nvPicPr>
+        <p:blipFill>
+          <a:blip r:embed="rId2"/>
+          <a:stretch>
+            <a:fillRect/>
+          </a:stretch>
+        </p:blipFill>
+        <p:spPr>
+          <a:xfrm>
+            <a:off x="679346" y="631707"/>
+            <a:ext cx="3899225" cy="2822876"/>
+          </a:xfrm>
+          <a:prstGeom prst="rect">
+            <a:avLst/>
+          </a:prstGeom>
+        </p:spPr>
+      </p:pic>
+      <p:pic>
+        <p:nvPicPr>
+          <p:cNvPr id="9" name="Image 8" descr="size.png"/>
+          <p:cNvPicPr>
+            <a:picLocks noChangeAspect="1"/>
+          </p:cNvPicPr>
+          <p:nvPr/>
+        </p:nvPicPr>
+        <p:blipFill>
+          <a:blip r:embed="rId3">
+            <a:extLst>
+              <a:ext uri="{28A0092B-C50C-407E-A947-70E740481C1C}">
+                <a14:useLocalDpi xmlns:a14="http://schemas.microsoft.com/office/drawing/2010/main" val="0"/>
+              </a:ext>
+            </a:extLst>
+          </a:blip>
+          <a:stretch>
+            <a:fillRect/>
+          </a:stretch>
+        </p:blipFill>
+        <p:spPr>
+          <a:xfrm>
+            <a:off x="4647071" y="608280"/>
+            <a:ext cx="3957460" cy="2850191"/>
+          </a:xfrm>
+          <a:prstGeom prst="rect">
+            <a:avLst/>
+          </a:prstGeom>
+        </p:spPr>
+      </p:pic>
+      <p:sp>
+        <p:nvSpPr>
+          <p:cNvPr id="10" name="Rectangle à coins arrondis 9"/>
+          <p:cNvSpPr/>
+          <p:nvPr/>
+        </p:nvSpPr>
+        <p:spPr>
+          <a:xfrm>
+            <a:off x="817189" y="3470017"/>
+            <a:ext cx="3573914" cy="1570121"/>
+          </a:xfrm>
+          <a:prstGeom prst="roundRect">
+            <a:avLst/>
+          </a:prstGeom>
+        </p:spPr>
+        <p:style>
+          <a:lnRef idx="2">
+            <a:schemeClr val="accent4"/>
+          </a:lnRef>
+          <a:fillRef idx="1">
+            <a:schemeClr val="lt1"/>
+          </a:fillRef>
+          <a:effectRef idx="0">
+            <a:schemeClr val="accent4"/>
+          </a:effectRef>
+          <a:fontRef idx="minor">
+            <a:schemeClr val="dk1"/>
+          </a:fontRef>
+        </p:style>
+        <p:txBody>
+          <a:bodyPr rtlCol="0" anchor="ctr"/>
+          <a:lstStyle/>
+          <a:p>
+            <a:pPr marL="285750" indent="-285750">
+              <a:buFont typeface="Arial"/>
+              <a:buChar char="•"/>
+            </a:pPr>
+            <a:r>
+              <a:rPr lang="fr-FR" dirty="0" smtClean="0"/>
+              <a:t>102 répertoires crées, chaque répertoire correspond à un mot clé</a:t>
+            </a:r>
+          </a:p>
+          <a:p>
+            <a:pPr marL="285750" indent="-285750">
+              <a:buFont typeface="Arial"/>
+              <a:buChar char="•"/>
+            </a:pPr>
+            <a:r>
+              <a:rPr lang="fr-FR" dirty="0" smtClean="0"/>
+              <a:t>Distribution du nombre des images collecté par mot clé: ne pas équivalant</a:t>
+            </a:r>
+          </a:p>
+          <a:p>
+            <a:pPr marL="285750" indent="-285750">
+              <a:buFont typeface="Arial"/>
+              <a:buChar char="•"/>
+            </a:pPr>
+            <a:r>
+              <a:rPr lang="fr-FR" dirty="0" smtClean="0"/>
+              <a:t>Nombre total des images récupérées : 72 724   </a:t>
+            </a:r>
+            <a:endParaRPr lang="fr-FR" dirty="0"/>
+          </a:p>
+        </p:txBody>
+      </p:sp>
+      <p:sp>
+        <p:nvSpPr>
+          <p:cNvPr id="11" name="Rectangle à coins arrondis 10"/>
+          <p:cNvSpPr/>
+          <p:nvPr/>
+        </p:nvSpPr>
+        <p:spPr>
+          <a:xfrm>
+            <a:off x="4986550" y="3455069"/>
+            <a:ext cx="3573914" cy="1570121"/>
+          </a:xfrm>
+          <a:prstGeom prst="roundRect">
+            <a:avLst/>
+          </a:prstGeom>
+        </p:spPr>
+        <p:style>
+          <a:lnRef idx="2">
+            <a:schemeClr val="accent4"/>
+          </a:lnRef>
+          <a:fillRef idx="1">
+            <a:schemeClr val="lt1"/>
+          </a:fillRef>
+          <a:effectRef idx="0">
+            <a:schemeClr val="accent4"/>
+          </a:effectRef>
+          <a:fontRef idx="minor">
+            <a:schemeClr val="dk1"/>
+          </a:fontRef>
+        </p:style>
+        <p:txBody>
+          <a:bodyPr rtlCol="0" anchor="ctr"/>
+          <a:lstStyle/>
+          <a:p>
+            <a:pPr marL="285750" indent="-285750">
+              <a:buFont typeface="Arial"/>
+              <a:buChar char="•"/>
+            </a:pPr>
+            <a:r>
+              <a:rPr lang="fr-FR" dirty="0" smtClean="0"/>
+              <a:t>Distribution de la taille des chaque répertoire : </a:t>
+            </a:r>
+          </a:p>
+          <a:p>
+            <a:pPr marL="628650" lvl="1" indent="-285750">
+              <a:buFont typeface="Arial"/>
+              <a:buChar char="•"/>
+            </a:pPr>
+            <a:r>
+              <a:rPr lang="fr-FR" dirty="0" smtClean="0"/>
+              <a:t>entre 1 Mo et 6 Mo</a:t>
+            </a:r>
+          </a:p>
+          <a:p>
+            <a:pPr marL="628650" lvl="1" indent="-285750">
+              <a:buFont typeface="Arial"/>
+              <a:buChar char="•"/>
+            </a:pPr>
+            <a:r>
+              <a:rPr lang="fr-FR" dirty="0" smtClean="0"/>
+              <a:t>L</a:t>
+            </a:r>
+            <a:r>
+              <a:rPr lang="fr-FR" dirty="0" smtClean="0"/>
+              <a:t>e pixel de chaque image n’est pas pareil</a:t>
+            </a:r>
+          </a:p>
+          <a:p>
+            <a:pPr marL="285750" indent="-285750">
+              <a:buFont typeface="Arial"/>
+              <a:buChar char="•"/>
+            </a:pPr>
+            <a:r>
+              <a:rPr lang="fr-FR" dirty="0" smtClean="0"/>
+              <a:t>Taille totale des images récupérées : </a:t>
+            </a:r>
+            <a:r>
+              <a:rPr lang="fr-FR" dirty="0" smtClean="0"/>
+              <a:t>~481.6 Mo</a:t>
+            </a:r>
+            <a:r>
+              <a:rPr lang="fr-FR" dirty="0" smtClean="0"/>
+              <a:t>   </a:t>
+            </a:r>
+            <a:endParaRPr lang="fr-FR" dirty="0"/>
+          </a:p>
+        </p:txBody>
+      </p:sp>
+    </p:spTree>
+    <p:extLst>
+      <p:ext uri="{BB962C8B-B14F-4D97-AF65-F5344CB8AC3E}">
+        <p14:creationId xmlns:p14="http://schemas.microsoft.com/office/powerpoint/2010/main" val="3282651662"/>
       </p:ext>
     </p:extLst>
   </p:cSld>
@@ -8282,7 +17024,7 @@
   <a:extraClrSchemeLst/>
   <a:extLst>
     <a:ext uri="{05A4C25C-085E-4340-85A3-A5531E510DB2}">
-      <thm15:themeFamily xmlns:thm15="http://schemas.microsoft.com/office/thememl/2012/main" name="Office Theme" id="{62F939B6-93AF-4DB8-9C6B-D6C7DFDC589F}" vid="{4A3C46E8-61CC-4603-A589-7422A47A8E4A}"/>
+      <thm15:themeFamily xmlns:thm15="http://schemas.microsoft.com/office/thememl/2012/main" xmlns="" name="Office Theme" id="{62F939B6-93AF-4DB8-9C6B-D6C7DFDC589F}" vid="{4A3C46E8-61CC-4603-A589-7422A47A8E4A}"/>
     </a:ext>
   </a:extLst>
 </a:theme>

--- a/methodologie.pptx
+++ b/methodologie.pptx
@@ -122,7 +122,7 @@
   </p:defaultTextStyle>
   <p:extLst>
     <p:ext uri="{EFAFB233-063F-42B5-8137-9DF3F51BA10A}">
-      <p15:sldGuideLst xmlns:p15="http://schemas.microsoft.com/office/powerpoint/2012/main" xmlns="">
+      <p15:sldGuideLst xmlns:p15="http://schemas.microsoft.com/office/powerpoint/2012/main">
         <p15:guide id="1" orient="horz" pos="2160">
           <p15:clr>
             <a:srgbClr val="A4A3A4"/>
@@ -166,7 +166,7 @@
       </p15:sldGuideLst>
     </p:ext>
     <p:ext uri="{2D200454-40CA-4A62-9FC3-DE9A4176ACB9}">
-      <p15:notesGuideLst xmlns:p15="http://schemas.microsoft.com/office/powerpoint/2012/main" xmlns="">
+      <p15:notesGuideLst xmlns:p15="http://schemas.microsoft.com/office/powerpoint/2012/main">
         <p15:guide id="1" orient="horz" pos="2880">
           <p15:clr>
             <a:srgbClr val="A4A3A4"/>
@@ -1905,39 +1905,39 @@
     </dgm:pt>
   </dgm:ptLst>
   <dgm:cxnLst>
-    <dgm:cxn modelId="{7868B9FB-CA22-4CDB-A0AF-5B08206E1125}" type="presOf" srcId="{69727BFC-18EE-4444-8787-12CA5E2BF5AC}" destId="{D6768D5B-4EB5-4FD9-BC3B-B8E957D304F8}" srcOrd="0" destOrd="0" presId="urn:microsoft.com/office/officeart/2005/8/layout/StepDownProcess"/>
-    <dgm:cxn modelId="{34A83FA2-9990-4EC6-8702-0DAFCE8381E0}" type="presOf" srcId="{F28E2261-9BB5-476F-8AE9-8548DDFD322D}" destId="{E3206A42-2813-4C45-8EA8-302407570C45}" srcOrd="0" destOrd="0" presId="urn:microsoft.com/office/officeart/2005/8/layout/StepDownProcess"/>
-    <dgm:cxn modelId="{AF556CDF-C94D-4D60-98AF-8054C7704A5B}" srcId="{71A3DDA1-DA88-42E7-BB52-1405F617C29E}" destId="{644F090A-E3DF-4F88-885D-27891C9A633E}" srcOrd="0" destOrd="0" parTransId="{A5027104-7A10-47EB-9435-8432723AF30F}" sibTransId="{6CE05A2D-FEAE-4000-9DEB-966F5C45F0DD}"/>
-    <dgm:cxn modelId="{043CB83E-CD30-4C64-98F7-34727CFCFB09}" type="presOf" srcId="{2E0AC65A-47ED-41AA-952C-C12237C2B919}" destId="{D6C6EE97-94C1-4CB9-9327-A410EFE824DC}" srcOrd="0" destOrd="0" presId="urn:microsoft.com/office/officeart/2005/8/layout/StepDownProcess"/>
-    <dgm:cxn modelId="{4B171EC1-4D2B-42A1-9487-458A2B394349}" srcId="{0208ED21-5D99-46DC-A879-FA82D1539FD3}" destId="{5FFD04AE-75F8-4CB7-B365-D166237101F0}" srcOrd="2" destOrd="0" parTransId="{AF4763C8-9B85-477C-A63D-C14D7A504107}" sibTransId="{AE53AE37-7E17-4DE6-BE4D-FD80612B52C5}"/>
+    <dgm:cxn modelId="{DDC7C484-7ACB-4F71-A2ED-2C0DADE41FC4}" srcId="{71A3DDA1-DA88-42E7-BB52-1405F617C29E}" destId="{99135157-93E7-4FA3-BB67-63B14448AF35}" srcOrd="1" destOrd="0" parTransId="{7D64ABA6-C0DA-45F4-A293-9D530C95AED7}" sibTransId="{857F03E0-16F0-4B4A-9DB3-F2B6461A1155}"/>
+    <dgm:cxn modelId="{D1E0CB83-7A23-4830-9285-04E27578F7F2}" srcId="{1E59F4FA-2125-4C35-9699-17FC1B446B1A}" destId="{0208ED21-5D99-46DC-A879-FA82D1539FD3}" srcOrd="2" destOrd="0" parTransId="{DD3028F5-E89B-4985-8046-ECAA3BEC205B}" sibTransId="{AA74629F-635A-4565-9A1A-541729513493}"/>
+    <dgm:cxn modelId="{4E1C3AEB-336D-4BE4-8C5D-6FACCA88A331}" type="presOf" srcId="{FABE3891-AD7B-4259-8200-DBB796CAC844}" destId="{639B2005-36E4-4BB3-9D03-3371E772C037}" srcOrd="0" destOrd="3" presId="urn:microsoft.com/office/officeart/2005/8/layout/StepDownProcess"/>
+    <dgm:cxn modelId="{28137738-5069-4EE5-A552-3AAC8D7B74A4}" srcId="{1E59F4FA-2125-4C35-9699-17FC1B446B1A}" destId="{F28E2261-9BB5-476F-8AE9-8548DDFD322D}" srcOrd="3" destOrd="0" parTransId="{22E5B2FB-373B-4A51-B53C-491E3B9EA930}" sibTransId="{FBDBB156-7B08-4BCE-BB7B-EC9ED3314341}"/>
     <dgm:cxn modelId="{0EE2E187-7CEC-447D-95BC-952AB8CE5546}" srcId="{4FE09A4E-C6E2-4D5F-8BDD-0CAC08904B5D}" destId="{A96345F6-3AE4-42BF-9A53-EB6248243EBE}" srcOrd="1" destOrd="0" parTransId="{E55F235A-0A0C-4A01-AE5F-AAEDFB8F59CC}" sibTransId="{C1EEB7FA-D170-4610-90E5-AC61E53813BC}"/>
     <dgm:cxn modelId="{C89D75E9-F14B-45A8-8226-E6CD5075A700}" type="presOf" srcId="{71A3DDA1-DA88-42E7-BB52-1405F617C29E}" destId="{639B2005-36E4-4BB3-9D03-3371E772C037}" srcOrd="0" destOrd="0" presId="urn:microsoft.com/office/officeart/2005/8/layout/StepDownProcess"/>
+    <dgm:cxn modelId="{51D57014-B0FD-4756-A8CC-A82B6F4CED98}" type="presOf" srcId="{4FE09A4E-C6E2-4D5F-8BDD-0CAC08904B5D}" destId="{B6CD8CD0-F008-4FC2-BF5C-556A9517CF95}" srcOrd="0" destOrd="0" presId="urn:microsoft.com/office/officeart/2005/8/layout/StepDownProcess"/>
+    <dgm:cxn modelId="{24754251-6873-4961-B340-DEAC8E86B0EE}" type="presOf" srcId="{A96345F6-3AE4-42BF-9A53-EB6248243EBE}" destId="{D6768D5B-4EB5-4FD9-BC3B-B8E957D304F8}" srcOrd="0" destOrd="2" presId="urn:microsoft.com/office/officeart/2005/8/layout/StepDownProcess"/>
+    <dgm:cxn modelId="{AF556CDF-C94D-4D60-98AF-8054C7704A5B}" srcId="{71A3DDA1-DA88-42E7-BB52-1405F617C29E}" destId="{644F090A-E3DF-4F88-885D-27891C9A633E}" srcOrd="0" destOrd="0" parTransId="{A5027104-7A10-47EB-9435-8432723AF30F}" sibTransId="{6CE05A2D-FEAE-4000-9DEB-966F5C45F0DD}"/>
+    <dgm:cxn modelId="{F7CA9FD4-8250-42CF-BD70-726C68CE3E3B}" type="presOf" srcId="{5FFD04AE-75F8-4CB7-B365-D166237101F0}" destId="{D6C6EE97-94C1-4CB9-9327-A410EFE824DC}" srcOrd="0" destOrd="2" presId="urn:microsoft.com/office/officeart/2005/8/layout/StepDownProcess"/>
+    <dgm:cxn modelId="{BDE1103A-D823-4A4F-9B7E-47701FB2A245}" type="presOf" srcId="{99135157-93E7-4FA3-BB67-63B14448AF35}" destId="{639B2005-36E4-4BB3-9D03-3371E772C037}" srcOrd="0" destOrd="2" presId="urn:microsoft.com/office/officeart/2005/8/layout/StepDownProcess"/>
+    <dgm:cxn modelId="{35AA0BFC-5445-4605-8047-06FBFB0DFB68}" srcId="{0208ED21-5D99-46DC-A879-FA82D1539FD3}" destId="{2E0AC65A-47ED-41AA-952C-C12237C2B919}" srcOrd="0" destOrd="0" parTransId="{079E07AA-0CBF-437D-8E60-1729A6AB491A}" sibTransId="{BCD80A27-F127-4023-BE93-460B1C717405}"/>
+    <dgm:cxn modelId="{48163408-9567-4856-92AC-626BC141A364}" type="presOf" srcId="{6B798C4E-ACE5-48EA-853D-C1CA504359E6}" destId="{D6768D5B-4EB5-4FD9-BC3B-B8E957D304F8}" srcOrd="0" destOrd="1" presId="urn:microsoft.com/office/officeart/2005/8/layout/StepDownProcess"/>
+    <dgm:cxn modelId="{DA1C6E81-ABBA-4CAE-8924-70A758C60E81}" srcId="{338B8F4C-EE92-44DC-8154-9DDD61587F1D}" destId="{D40A470A-102B-4C10-9A98-B2634E7FC110}" srcOrd="2" destOrd="0" parTransId="{C9D58F2D-D536-4BB5-A25F-688E6811E965}" sibTransId="{FC157E50-0362-44D5-90B9-E6D8E45C0BFF}"/>
+    <dgm:cxn modelId="{4B171EC1-4D2B-42A1-9487-458A2B394349}" srcId="{0208ED21-5D99-46DC-A879-FA82D1539FD3}" destId="{5FFD04AE-75F8-4CB7-B365-D166237101F0}" srcOrd="2" destOrd="0" parTransId="{AF4763C8-9B85-477C-A63D-C14D7A504107}" sibTransId="{AE53AE37-7E17-4DE6-BE4D-FD80612B52C5}"/>
+    <dgm:cxn modelId="{1F094F91-52A2-413F-A31E-6A11719F7BDD}" srcId="{A96345F6-3AE4-42BF-9A53-EB6248243EBE}" destId="{E70B141A-C8D1-456A-9ED2-DD75C5766F9A}" srcOrd="0" destOrd="0" parTransId="{535F92DC-1C4E-4EA3-8D54-3B162A580767}" sibTransId="{35A65379-58F0-4B44-B00A-1995D9E5E73F}"/>
+    <dgm:cxn modelId="{C670D0D8-62D9-469F-8ADA-5CC216815A15}" srcId="{4FE09A4E-C6E2-4D5F-8BDD-0CAC08904B5D}" destId="{69727BFC-18EE-4444-8787-12CA5E2BF5AC}" srcOrd="0" destOrd="0" parTransId="{67AAE3C0-1A93-4688-9959-2D5B11C9720F}" sibTransId="{DCE5FECC-090E-413C-B364-5F1558E72A0A}"/>
+    <dgm:cxn modelId="{C29F9A65-2805-4E17-9FD0-EC030322B325}" type="presOf" srcId="{E6460A14-6CB6-4571-8981-5D6FB804959A}" destId="{D6C6EE97-94C1-4CB9-9327-A410EFE824DC}" srcOrd="0" destOrd="1" presId="urn:microsoft.com/office/officeart/2005/8/layout/StepDownProcess"/>
+    <dgm:cxn modelId="{043CB83E-CD30-4C64-98F7-34727CFCFB09}" type="presOf" srcId="{2E0AC65A-47ED-41AA-952C-C12237C2B919}" destId="{D6C6EE97-94C1-4CB9-9327-A410EFE824DC}" srcOrd="0" destOrd="0" presId="urn:microsoft.com/office/officeart/2005/8/layout/StepDownProcess"/>
+    <dgm:cxn modelId="{9E672E90-1E3F-43FA-9F25-19577184632D}" srcId="{0208ED21-5D99-46DC-A879-FA82D1539FD3}" destId="{E6460A14-6CB6-4571-8981-5D6FB804959A}" srcOrd="1" destOrd="0" parTransId="{A3BF6871-57DC-474D-915F-14D294432F32}" sibTransId="{1A086E72-562D-4B0C-97AB-447702CE46F4}"/>
+    <dgm:cxn modelId="{5E8735D0-675A-4F2D-8962-B504441818E7}" type="presOf" srcId="{D40A470A-102B-4C10-9A98-B2634E7FC110}" destId="{639B2005-36E4-4BB3-9D03-3371E772C037}" srcOrd="0" destOrd="4" presId="urn:microsoft.com/office/officeart/2005/8/layout/StepDownProcess"/>
+    <dgm:cxn modelId="{DEFBC493-DF94-4F12-9C29-A8DE9135E84E}" srcId="{338B8F4C-EE92-44DC-8154-9DDD61587F1D}" destId="{71A3DDA1-DA88-42E7-BB52-1405F617C29E}" srcOrd="0" destOrd="0" parTransId="{7EC528DB-37BE-4B18-A35F-E9646587EC04}" sibTransId="{E94671B7-8A64-451F-B423-577A15B75BB3}"/>
+    <dgm:cxn modelId="{7868B9FB-CA22-4CDB-A0AF-5B08206E1125}" type="presOf" srcId="{69727BFC-18EE-4444-8787-12CA5E2BF5AC}" destId="{D6768D5B-4EB5-4FD9-BC3B-B8E957D304F8}" srcOrd="0" destOrd="0" presId="urn:microsoft.com/office/officeart/2005/8/layout/StepDownProcess"/>
+    <dgm:cxn modelId="{CCF18D31-32C0-46C7-B727-0AF4B2B0CB95}" type="presOf" srcId="{338B8F4C-EE92-44DC-8154-9DDD61587F1D}" destId="{FEAEE636-5B63-4451-ABEE-0CE6435C4E50}" srcOrd="0" destOrd="0" presId="urn:microsoft.com/office/officeart/2005/8/layout/StepDownProcess"/>
+    <dgm:cxn modelId="{34A83FA2-9990-4EC6-8702-0DAFCE8381E0}" type="presOf" srcId="{F28E2261-9BB5-476F-8AE9-8548DDFD322D}" destId="{E3206A42-2813-4C45-8EA8-302407570C45}" srcOrd="0" destOrd="0" presId="urn:microsoft.com/office/officeart/2005/8/layout/StepDownProcess"/>
+    <dgm:cxn modelId="{C65DBD6B-6733-4076-AD80-C1CD34F7410C}" type="presOf" srcId="{0208ED21-5D99-46DC-A879-FA82D1539FD3}" destId="{8100AE61-BE74-4046-870A-CAB467A4FEB8}" srcOrd="0" destOrd="0" presId="urn:microsoft.com/office/officeart/2005/8/layout/StepDownProcess"/>
+    <dgm:cxn modelId="{BF2E0070-55A5-43AF-A0A3-F70545F1D75C}" srcId="{1E59F4FA-2125-4C35-9699-17FC1B446B1A}" destId="{338B8F4C-EE92-44DC-8154-9DDD61587F1D}" srcOrd="1" destOrd="0" parTransId="{0D35ECCF-689C-4901-8BC7-C6809BAB56E3}" sibTransId="{DABDEA36-008C-4707-A234-AAF89F1DF505}"/>
+    <dgm:cxn modelId="{9A041767-F135-411C-9165-4B98B9DB83FB}" type="presOf" srcId="{644F090A-E3DF-4F88-885D-27891C9A633E}" destId="{639B2005-36E4-4BB3-9D03-3371E772C037}" srcOrd="0" destOrd="1" presId="urn:microsoft.com/office/officeart/2005/8/layout/StepDownProcess"/>
+    <dgm:cxn modelId="{C7FF4D69-F99A-431D-AEE1-70AC601FAB78}" type="presOf" srcId="{1E59F4FA-2125-4C35-9699-17FC1B446B1A}" destId="{70329760-9C4D-48D8-8EA1-FCD3EBA0883F}" srcOrd="0" destOrd="0" presId="urn:microsoft.com/office/officeart/2005/8/layout/StepDownProcess"/>
     <dgm:cxn modelId="{4905C0DD-C40C-4294-9481-10F566E91B69}" srcId="{338B8F4C-EE92-44DC-8154-9DDD61587F1D}" destId="{FABE3891-AD7B-4259-8200-DBB796CAC844}" srcOrd="1" destOrd="0" parTransId="{00B7C992-FDFC-4728-A311-B4461A920D4D}" sibTransId="{819E2C08-B8A3-4E94-8896-31E82370FC8B}"/>
+    <dgm:cxn modelId="{0DB10337-2840-40C7-835A-17D67F4A00C9}" srcId="{69727BFC-18EE-4444-8787-12CA5E2BF5AC}" destId="{6B798C4E-ACE5-48EA-853D-C1CA504359E6}" srcOrd="0" destOrd="0" parTransId="{B0581C13-EEFF-4CB9-9CA8-1CB2743E8C34}" sibTransId="{CA18F455-64F2-4A6D-B770-BAD1883478E6}"/>
     <dgm:cxn modelId="{F1A8AAA5-C2C7-4834-A36D-765A2F866C3D}" type="presOf" srcId="{E70B141A-C8D1-456A-9ED2-DD75C5766F9A}" destId="{D6768D5B-4EB5-4FD9-BC3B-B8E957D304F8}" srcOrd="0" destOrd="3" presId="urn:microsoft.com/office/officeart/2005/8/layout/StepDownProcess"/>
-    <dgm:cxn modelId="{51D57014-B0FD-4756-A8CC-A82B6F4CED98}" type="presOf" srcId="{4FE09A4E-C6E2-4D5F-8BDD-0CAC08904B5D}" destId="{B6CD8CD0-F008-4FC2-BF5C-556A9517CF95}" srcOrd="0" destOrd="0" presId="urn:microsoft.com/office/officeart/2005/8/layout/StepDownProcess"/>
-    <dgm:cxn modelId="{9E672E90-1E3F-43FA-9F25-19577184632D}" srcId="{0208ED21-5D99-46DC-A879-FA82D1539FD3}" destId="{E6460A14-6CB6-4571-8981-5D6FB804959A}" srcOrd="1" destOrd="0" parTransId="{A3BF6871-57DC-474D-915F-14D294432F32}" sibTransId="{1A086E72-562D-4B0C-97AB-447702CE46F4}"/>
-    <dgm:cxn modelId="{28137738-5069-4EE5-A552-3AAC8D7B74A4}" srcId="{1E59F4FA-2125-4C35-9699-17FC1B446B1A}" destId="{F28E2261-9BB5-476F-8AE9-8548DDFD322D}" srcOrd="3" destOrd="0" parTransId="{22E5B2FB-373B-4A51-B53C-491E3B9EA930}" sibTransId="{FBDBB156-7B08-4BCE-BB7B-EC9ED3314341}"/>
-    <dgm:cxn modelId="{4E1C3AEB-336D-4BE4-8C5D-6FACCA88A331}" type="presOf" srcId="{FABE3891-AD7B-4259-8200-DBB796CAC844}" destId="{639B2005-36E4-4BB3-9D03-3371E772C037}" srcOrd="0" destOrd="3" presId="urn:microsoft.com/office/officeart/2005/8/layout/StepDownProcess"/>
-    <dgm:cxn modelId="{9A041767-F135-411C-9165-4B98B9DB83FB}" type="presOf" srcId="{644F090A-E3DF-4F88-885D-27891C9A633E}" destId="{639B2005-36E4-4BB3-9D03-3371E772C037}" srcOrd="0" destOrd="1" presId="urn:microsoft.com/office/officeart/2005/8/layout/StepDownProcess"/>
-    <dgm:cxn modelId="{48163408-9567-4856-92AC-626BC141A364}" type="presOf" srcId="{6B798C4E-ACE5-48EA-853D-C1CA504359E6}" destId="{D6768D5B-4EB5-4FD9-BC3B-B8E957D304F8}" srcOrd="0" destOrd="1" presId="urn:microsoft.com/office/officeart/2005/8/layout/StepDownProcess"/>
-    <dgm:cxn modelId="{BDE1103A-D823-4A4F-9B7E-47701FB2A245}" type="presOf" srcId="{99135157-93E7-4FA3-BB67-63B14448AF35}" destId="{639B2005-36E4-4BB3-9D03-3371E772C037}" srcOrd="0" destOrd="2" presId="urn:microsoft.com/office/officeart/2005/8/layout/StepDownProcess"/>
-    <dgm:cxn modelId="{C7FF4D69-F99A-431D-AEE1-70AC601FAB78}" type="presOf" srcId="{1E59F4FA-2125-4C35-9699-17FC1B446B1A}" destId="{70329760-9C4D-48D8-8EA1-FCD3EBA0883F}" srcOrd="0" destOrd="0" presId="urn:microsoft.com/office/officeart/2005/8/layout/StepDownProcess"/>
-    <dgm:cxn modelId="{24754251-6873-4961-B340-DEAC8E86B0EE}" type="presOf" srcId="{A96345F6-3AE4-42BF-9A53-EB6248243EBE}" destId="{D6768D5B-4EB5-4FD9-BC3B-B8E957D304F8}" srcOrd="0" destOrd="2" presId="urn:microsoft.com/office/officeart/2005/8/layout/StepDownProcess"/>
-    <dgm:cxn modelId="{C670D0D8-62D9-469F-8ADA-5CC216815A15}" srcId="{4FE09A4E-C6E2-4D5F-8BDD-0CAC08904B5D}" destId="{69727BFC-18EE-4444-8787-12CA5E2BF5AC}" srcOrd="0" destOrd="0" parTransId="{67AAE3C0-1A93-4688-9959-2D5B11C9720F}" sibTransId="{DCE5FECC-090E-413C-B364-5F1558E72A0A}"/>
-    <dgm:cxn modelId="{DDC7C484-7ACB-4F71-A2ED-2C0DADE41FC4}" srcId="{71A3DDA1-DA88-42E7-BB52-1405F617C29E}" destId="{99135157-93E7-4FA3-BB67-63B14448AF35}" srcOrd="1" destOrd="0" parTransId="{7D64ABA6-C0DA-45F4-A293-9D530C95AED7}" sibTransId="{857F03E0-16F0-4B4A-9DB3-F2B6461A1155}"/>
-    <dgm:cxn modelId="{5E8735D0-675A-4F2D-8962-B504441818E7}" type="presOf" srcId="{D40A470A-102B-4C10-9A98-B2634E7FC110}" destId="{639B2005-36E4-4BB3-9D03-3371E772C037}" srcOrd="0" destOrd="4" presId="urn:microsoft.com/office/officeart/2005/8/layout/StepDownProcess"/>
-    <dgm:cxn modelId="{BF2E0070-55A5-43AF-A0A3-F70545F1D75C}" srcId="{1E59F4FA-2125-4C35-9699-17FC1B446B1A}" destId="{338B8F4C-EE92-44DC-8154-9DDD61587F1D}" srcOrd="1" destOrd="0" parTransId="{0D35ECCF-689C-4901-8BC7-C6809BAB56E3}" sibTransId="{DABDEA36-008C-4707-A234-AAF89F1DF505}"/>
-    <dgm:cxn modelId="{F7CA9FD4-8250-42CF-BD70-726C68CE3E3B}" type="presOf" srcId="{5FFD04AE-75F8-4CB7-B365-D166237101F0}" destId="{D6C6EE97-94C1-4CB9-9327-A410EFE824DC}" srcOrd="0" destOrd="2" presId="urn:microsoft.com/office/officeart/2005/8/layout/StepDownProcess"/>
-    <dgm:cxn modelId="{1F094F91-52A2-413F-A31E-6A11719F7BDD}" srcId="{A96345F6-3AE4-42BF-9A53-EB6248243EBE}" destId="{E70B141A-C8D1-456A-9ED2-DD75C5766F9A}" srcOrd="0" destOrd="0" parTransId="{535F92DC-1C4E-4EA3-8D54-3B162A580767}" sibTransId="{35A65379-58F0-4B44-B00A-1995D9E5E73F}"/>
-    <dgm:cxn modelId="{C65DBD6B-6733-4076-AD80-C1CD34F7410C}" type="presOf" srcId="{0208ED21-5D99-46DC-A879-FA82D1539FD3}" destId="{8100AE61-BE74-4046-870A-CAB467A4FEB8}" srcOrd="0" destOrd="0" presId="urn:microsoft.com/office/officeart/2005/8/layout/StepDownProcess"/>
-    <dgm:cxn modelId="{0DB10337-2840-40C7-835A-17D67F4A00C9}" srcId="{69727BFC-18EE-4444-8787-12CA5E2BF5AC}" destId="{6B798C4E-ACE5-48EA-853D-C1CA504359E6}" srcOrd="0" destOrd="0" parTransId="{B0581C13-EEFF-4CB9-9CA8-1CB2743E8C34}" sibTransId="{CA18F455-64F2-4A6D-B770-BAD1883478E6}"/>
-    <dgm:cxn modelId="{35AA0BFC-5445-4605-8047-06FBFB0DFB68}" srcId="{0208ED21-5D99-46DC-A879-FA82D1539FD3}" destId="{2E0AC65A-47ED-41AA-952C-C12237C2B919}" srcOrd="0" destOrd="0" parTransId="{079E07AA-0CBF-437D-8E60-1729A6AB491A}" sibTransId="{BCD80A27-F127-4023-BE93-460B1C717405}"/>
-    <dgm:cxn modelId="{DA1C6E81-ABBA-4CAE-8924-70A758C60E81}" srcId="{338B8F4C-EE92-44DC-8154-9DDD61587F1D}" destId="{D40A470A-102B-4C10-9A98-B2634E7FC110}" srcOrd="2" destOrd="0" parTransId="{C9D58F2D-D536-4BB5-A25F-688E6811E965}" sibTransId="{FC157E50-0362-44D5-90B9-E6D8E45C0BFF}"/>
-    <dgm:cxn modelId="{DEFBC493-DF94-4F12-9C29-A8DE9135E84E}" srcId="{338B8F4C-EE92-44DC-8154-9DDD61587F1D}" destId="{71A3DDA1-DA88-42E7-BB52-1405F617C29E}" srcOrd="0" destOrd="0" parTransId="{7EC528DB-37BE-4B18-A35F-E9646587EC04}" sibTransId="{E94671B7-8A64-451F-B423-577A15B75BB3}"/>
-    <dgm:cxn modelId="{C29F9A65-2805-4E17-9FD0-EC030322B325}" type="presOf" srcId="{E6460A14-6CB6-4571-8981-5D6FB804959A}" destId="{D6C6EE97-94C1-4CB9-9327-A410EFE824DC}" srcOrd="0" destOrd="1" presId="urn:microsoft.com/office/officeart/2005/8/layout/StepDownProcess"/>
-    <dgm:cxn modelId="{CCF18D31-32C0-46C7-B727-0AF4B2B0CB95}" type="presOf" srcId="{338B8F4C-EE92-44DC-8154-9DDD61587F1D}" destId="{FEAEE636-5B63-4451-ABEE-0CE6435C4E50}" srcOrd="0" destOrd="0" presId="urn:microsoft.com/office/officeart/2005/8/layout/StepDownProcess"/>
     <dgm:cxn modelId="{9D19B23A-B8E8-4F82-A448-BA9AFE42922A}" srcId="{1E59F4FA-2125-4C35-9699-17FC1B446B1A}" destId="{4FE09A4E-C6E2-4D5F-8BDD-0CAC08904B5D}" srcOrd="0" destOrd="0" parTransId="{42F46F30-F117-409A-8A74-7E6B15849066}" sibTransId="{419C5BD0-0C8A-499D-843D-512E87662CAD}"/>
-    <dgm:cxn modelId="{D1E0CB83-7A23-4830-9285-04E27578F7F2}" srcId="{1E59F4FA-2125-4C35-9699-17FC1B446B1A}" destId="{0208ED21-5D99-46DC-A879-FA82D1539FD3}" srcOrd="2" destOrd="0" parTransId="{DD3028F5-E89B-4985-8046-ECAA3BEC205B}" sibTransId="{AA74629F-635A-4565-9A1A-541729513493}"/>
     <dgm:cxn modelId="{2962516E-C426-447C-8DD3-0A51363428C0}" type="presParOf" srcId="{70329760-9C4D-48D8-8EA1-FCD3EBA0883F}" destId="{818BF564-DDB2-4411-BB80-9D6932BAE946}" srcOrd="0" destOrd="0" presId="urn:microsoft.com/office/officeart/2005/8/layout/StepDownProcess"/>
     <dgm:cxn modelId="{50395C0F-D6CE-43EC-9D8A-D68C35007422}" type="presParOf" srcId="{818BF564-DDB2-4411-BB80-9D6932BAE946}" destId="{11FB7237-8546-47A0-A46F-5FBD2C8DBB89}" srcOrd="0" destOrd="0" presId="urn:microsoft.com/office/officeart/2005/8/layout/StepDownProcess"/>
     <dgm:cxn modelId="{2D068D6A-409B-4842-A101-27923A702610}" type="presParOf" srcId="{818BF564-DDB2-4411-BB80-9D6932BAE946}" destId="{B6CD8CD0-F008-4FC2-BF5C-556A9517CF95}" srcOrd="1" destOrd="0" presId="urn:microsoft.com/office/officeart/2005/8/layout/StepDownProcess"/>
@@ -4352,7 +4352,7 @@
           <a:p>
             <a:fld id="{1692AFF0-966E-4944-9B71-C3349F505074}" type="datetimeFigureOut">
               <a:rPr lang="fr-FR" smtClean="0"/>
-              <a:t>09/04/17</a:t>
+              <a:t>10/04/2017</a:t>
             </a:fld>
             <a:endParaRPr lang="fr-FR"/>
           </a:p>
@@ -4418,7 +4418,7 @@
           <a:p>
             <a:fld id="{2BEF044B-AA01-42EA-9159-7C8CE6C245DA}" type="slidenum">
               <a:rPr lang="fr-FR" smtClean="0"/>
-              <a:t>‹#›</a:t>
+              <a:t>‹N°›</a:t>
             </a:fld>
             <a:endParaRPr lang="fr-FR"/>
           </a:p>
@@ -4518,7 +4518,7 @@
           <a:p>
             <a:fld id="{671F75ED-E255-404A-932D-7A621A57D8AA}" type="datetimeFigureOut">
               <a:rPr lang="fr-FR" smtClean="0"/>
-              <a:t>09/04/17</a:t>
+              <a:t>10/04/2017</a:t>
             </a:fld>
             <a:endParaRPr lang="fr-FR"/>
           </a:p>
@@ -4676,7 +4676,7 @@
           <a:p>
             <a:fld id="{C4E3ACA0-A57E-467F-A4C3-2040FFF32C14}" type="slidenum">
               <a:rPr lang="fr-FR" smtClean="0"/>
-              <a:t>‹#›</a:t>
+              <a:t>‹N°›</a:t>
             </a:fld>
             <a:endParaRPr lang="fr-FR"/>
           </a:p>
@@ -5241,7 +5241,7 @@
   </p:clrMapOvr>
   <p:extLst mod="1">
     <p:ext uri="{DCECCB84-F9BA-43D5-87BE-67443E8EF086}">
-      <p15:sldGuideLst xmlns:p15="http://schemas.microsoft.com/office/powerpoint/2012/main" xmlns="">
+      <p15:sldGuideLst xmlns:p15="http://schemas.microsoft.com/office/powerpoint/2012/main">
         <p15:guide id="1" pos="619" userDrawn="1">
           <p15:clr>
             <a:srgbClr val="FBAE40"/>
@@ -5494,7 +5494,7 @@
             <a:fld id="{DECE1661-AE8E-4B23-8144-2F4A39DE61A3}" type="slidenum">
               <a:rPr lang="fr-FR" smtClean="0"/>
               <a:pPr/>
-              <a:t>‹#›</a:t>
+              <a:t>‹N°›</a:t>
             </a:fld>
             <a:endParaRPr lang="fr-FR" dirty="0"/>
           </a:p>
@@ -5684,7 +5684,7 @@
             <a:fld id="{DECE1661-AE8E-4B23-8144-2F4A39DE61A3}" type="slidenum">
               <a:rPr lang="fr-FR" smtClean="0"/>
               <a:pPr/>
-              <a:t>‹#›</a:t>
+              <a:t>‹N°›</a:t>
             </a:fld>
             <a:endParaRPr lang="fr-FR" dirty="0"/>
           </a:p>
@@ -5757,7 +5757,7 @@
             <a:fld id="{DECE1661-AE8E-4B23-8144-2F4A39DE61A3}" type="slidenum">
               <a:rPr lang="fr-FR" smtClean="0"/>
               <a:pPr/>
-              <a:t>‹#›</a:t>
+              <a:t>‹N°›</a:t>
             </a:fld>
             <a:endParaRPr lang="fr-FR" dirty="0"/>
           </a:p>
@@ -5967,7 +5967,7 @@
               <a:pPr>
                 <a:defRPr/>
               </a:pPr>
-              <a:t>‹#›</a:t>
+              <a:t>‹N°›</a:t>
             </a:fld>
             <a:endParaRPr lang="fr-FR">
               <a:solidFill>
@@ -6256,7 +6256,7 @@
             <a:fld id="{DECE1661-AE8E-4B23-8144-2F4A39DE61A3}" type="slidenum">
               <a:rPr lang="fr-FR" smtClean="0"/>
               <a:pPr/>
-              <a:t>‹#›</a:t>
+              <a:t>‹N°›</a:t>
             </a:fld>
             <a:endParaRPr lang="fr-FR" dirty="0"/>
           </a:p>
@@ -6633,19 +6633,7 @@
           <a:p>
             <a:r>
               <a:rPr lang="fr-FR" dirty="0" smtClean="0"/>
-              <a:t>A</a:t>
-            </a:r>
-            <a:r>
-              <a:rPr lang="fr-FR" dirty="0" smtClean="0"/>
-              <a:t>vancement </a:t>
-            </a:r>
-            <a:r>
-              <a:rPr lang="fr-FR" dirty="0" smtClean="0"/>
-              <a:t>du </a:t>
-            </a:r>
-            <a:r>
-              <a:rPr lang="fr-FR" dirty="0" smtClean="0"/>
-              <a:t>projet CIR Mode</a:t>
+              <a:t>Avancement du projet CIR Mode</a:t>
             </a:r>
             <a:endParaRPr lang="fr-FR" dirty="0"/>
           </a:p>
@@ -6771,7 +6759,12 @@
             <p:ph sz="quarter" idx="11"/>
           </p:nvPr>
         </p:nvSpPr>
-        <p:spPr/>
+        <p:spPr>
+          <a:xfrm>
+            <a:off x="540000" y="611026"/>
+            <a:ext cx="8267400" cy="3788100"/>
+          </a:xfrm>
+        </p:spPr>
         <p:txBody>
           <a:bodyPr/>
           <a:lstStyle/>
@@ -6793,7 +6786,23 @@
             <a:pPr lvl="1"/>
             <a:r>
               <a:rPr lang="fr-FR" dirty="0" smtClean="0"/>
-              <a:t>Solution : fusionner certains répertoires entre eux </a:t>
+              <a:t>Solution : </a:t>
+            </a:r>
+            <a:r>
+              <a:rPr lang="fr-FR" dirty="0" smtClean="0"/>
+              <a:t>réduire le nombre des répertoires et fusionner </a:t>
+            </a:r>
+            <a:r>
+              <a:rPr lang="fr-FR" dirty="0" smtClean="0"/>
+              <a:t>certains </a:t>
+            </a:r>
+            <a:r>
+              <a:rPr lang="fr-FR" dirty="0" smtClean="0"/>
+              <a:t>répertoires similaires </a:t>
+            </a:r>
+            <a:r>
+              <a:rPr lang="fr-FR" dirty="0" smtClean="0"/>
+              <a:t>entre eux </a:t>
             </a:r>
           </a:p>
           <a:p>
@@ -6822,11 +6831,7 @@
             <a:pPr lvl="1"/>
             <a:r>
               <a:rPr lang="fr-FR" dirty="0" smtClean="0"/>
-              <a:t>E</a:t>
-            </a:r>
-            <a:r>
-              <a:rPr lang="fr-FR" dirty="0" smtClean="0"/>
-              <a:t>xemple :</a:t>
+              <a:t>Exemple :</a:t>
             </a:r>
           </a:p>
           <a:p>
@@ -6834,15 +6839,23 @@
             <a:endParaRPr lang="fr-FR" dirty="0"/>
           </a:p>
           <a:p>
-            <a:pPr lvl="1"/>
-            <a:endParaRPr lang="fr-FR" dirty="0" smtClean="0"/>
+            <a:pPr marL="271463" lvl="1" indent="0">
+              <a:buNone/>
+            </a:pPr>
+            <a:endParaRPr lang="fr-FR" dirty="0" smtClean="0">
+              <a:solidFill>
+                <a:srgbClr val="E85290"/>
+              </a:solidFill>
+            </a:endParaRPr>
           </a:p>
           <a:p>
             <a:pPr lvl="1"/>
             <a:endParaRPr lang="fr-FR" dirty="0"/>
           </a:p>
           <a:p>
-            <a:pPr lvl="1"/>
+            <a:pPr marL="271463" lvl="1" indent="0">
+              <a:buNone/>
+            </a:pPr>
             <a:endParaRPr lang="fr-FR" dirty="0" smtClean="0"/>
           </a:p>
           <a:p>
@@ -6855,25 +6868,60 @@
           <a:p>
             <a:pPr lvl="1"/>
             <a:r>
-              <a:rPr lang="fr-FR" dirty="0"/>
+              <a:rPr lang="fr-FR" u="sng" dirty="0"/>
               <a:t>U</a:t>
             </a:r>
             <a:r>
-              <a:rPr lang="fr-FR" dirty="0" smtClean="0"/>
+              <a:rPr lang="fr-FR" u="sng" dirty="0" smtClean="0"/>
               <a:t>ne </a:t>
             </a:r>
             <a:r>
-              <a:rPr lang="fr-FR" i="1" dirty="0" smtClean="0"/>
+              <a:rPr lang="fr-FR" i="1" u="sng" dirty="0" smtClean="0"/>
               <a:t>machine </a:t>
             </a:r>
             <a:r>
-              <a:rPr lang="fr-FR" i="1" dirty="0" err="1" smtClean="0"/>
+              <a:rPr lang="fr-FR" i="1" u="sng" dirty="0" err="1" smtClean="0"/>
               <a:t>learning</a:t>
             </a:r>
             <a:r>
+              <a:rPr lang="fr-FR" u="sng" dirty="0" smtClean="0"/>
+              <a:t> modèle</a:t>
+            </a:r>
+            <a:r>
               <a:rPr lang="fr-FR" dirty="0" smtClean="0"/>
-              <a:t> modèle, cette modèle sera testé et implémentée dans le Sprint 3</a:t>
+              <a:t>, cette modèle sera testé et implémentée dans le Sprint </a:t>
             </a:r>
+            <a:r>
+              <a:rPr lang="fr-FR" dirty="0" smtClean="0"/>
+              <a:t>3</a:t>
+            </a:r>
+          </a:p>
+          <a:p>
+            <a:pPr lvl="2"/>
+            <a:r>
+              <a:rPr lang="fr-FR" dirty="0" smtClean="0"/>
+              <a:t>PCA + SVM</a:t>
+            </a:r>
+          </a:p>
+          <a:p>
+            <a:pPr lvl="2"/>
+            <a:r>
+              <a:rPr lang="fr-FR" dirty="0" err="1" smtClean="0"/>
+              <a:t>Logistic</a:t>
+            </a:r>
+            <a:r>
+              <a:rPr lang="fr-FR" dirty="0" smtClean="0"/>
+              <a:t> </a:t>
+            </a:r>
+            <a:r>
+              <a:rPr lang="fr-FR" dirty="0" err="1" smtClean="0"/>
+              <a:t>Regression</a:t>
+            </a:r>
+            <a:endParaRPr lang="fr-FR" dirty="0" smtClean="0"/>
+          </a:p>
+          <a:p>
+            <a:pPr lvl="2"/>
+            <a:endParaRPr lang="fr-FR" dirty="0" smtClean="0"/>
           </a:p>
         </p:txBody>
       </p:sp>
@@ -6923,7 +6971,7 @@
         </p:blipFill>
         <p:spPr>
           <a:xfrm>
-            <a:off x="1959259" y="2194747"/>
+            <a:off x="1959259" y="2368915"/>
             <a:ext cx="888007" cy="1021208"/>
           </a:xfrm>
           <a:prstGeom prst="rect">
@@ -6939,7 +6987,7 @@
         </p:nvSpPr>
         <p:spPr>
           <a:xfrm>
-            <a:off x="3140720" y="2372409"/>
+            <a:off x="3140720" y="2546577"/>
             <a:ext cx="1083004" cy="442980"/>
           </a:xfrm>
           <a:prstGeom prst="roundRect">
@@ -6966,8 +7014,8 @@
           <a:p>
             <a:pPr algn="ctr"/>
             <a:r>
-              <a:rPr lang="fr-FR" dirty="0"/>
-              <a:t>étoiles</a:t>
+              <a:rPr lang="fr-FR" dirty="0" smtClean="0"/>
+              <a:t> étoiles </a:t>
             </a:r>
             <a:endParaRPr lang="fr-FR" dirty="0"/>
           </a:p>
@@ -6981,7 +7029,7 @@
         </p:nvSpPr>
         <p:spPr>
           <a:xfrm>
-            <a:off x="2904428" y="2529913"/>
+            <a:off x="2904428" y="2704081"/>
             <a:ext cx="393819" cy="157504"/>
           </a:xfrm>
           <a:prstGeom prst="rightArrow">
@@ -7009,7 +7057,19 @@
           <a:lstStyle/>
           <a:p>
             <a:pPr algn="ctr"/>
-            <a:endParaRPr lang="fr-FR"/>
+            <a:r>
+              <a:rPr lang="fr-FR" sz="2400" smtClean="0">
+                <a:solidFill>
+                  <a:srgbClr val="FFC000"/>
+                </a:solidFill>
+              </a:rPr>
+              <a:t>X</a:t>
+            </a:r>
+            <a:endParaRPr lang="fr-FR" sz="2400" dirty="0">
+              <a:solidFill>
+                <a:srgbClr val="FFC000"/>
+              </a:solidFill>
+            </a:endParaRPr>
           </a:p>
         </p:txBody>
       </p:sp>
@@ -7035,7 +7095,7 @@
         </p:blipFill>
         <p:spPr>
           <a:xfrm>
-            <a:off x="4263162" y="2047556"/>
+            <a:off x="4263162" y="2221724"/>
             <a:ext cx="1084854" cy="1240801"/>
           </a:xfrm>
           <a:prstGeom prst="rect">
@@ -7065,7 +7125,7 @@
         </p:blipFill>
         <p:spPr>
           <a:xfrm>
-            <a:off x="6714624" y="2045108"/>
+            <a:off x="6714624" y="2219276"/>
             <a:ext cx="947081" cy="1183851"/>
           </a:xfrm>
           <a:prstGeom prst="rect">
@@ -7081,7 +7141,7 @@
         </p:nvSpPr>
         <p:spPr>
           <a:xfrm>
-            <a:off x="5488660" y="2347617"/>
+            <a:off x="5488660" y="2521785"/>
             <a:ext cx="1083004" cy="442980"/>
           </a:xfrm>
           <a:prstGeom prst="roundRect">
@@ -7108,12 +7168,8 @@
           <a:p>
             <a:pPr algn="ctr"/>
             <a:r>
-              <a:rPr lang="fr-FR" dirty="0"/>
-              <a:t>f</a:t>
-            </a:r>
-            <a:r>
               <a:rPr lang="fr-FR" dirty="0" smtClean="0"/>
-              <a:t>eu motif</a:t>
+              <a:t>feu motif</a:t>
             </a:r>
             <a:endParaRPr lang="fr-FR" dirty="0"/>
           </a:p>
@@ -7127,7 +7183,7 @@
         </p:nvSpPr>
         <p:spPr>
           <a:xfrm>
-            <a:off x="5272060" y="2485433"/>
+            <a:off x="5272060" y="2659601"/>
             <a:ext cx="393819" cy="157504"/>
           </a:xfrm>
           <a:prstGeom prst="rightArrow">
@@ -7155,7 +7211,19 @@
           <a:lstStyle/>
           <a:p>
             <a:pPr algn="ctr"/>
-            <a:endParaRPr lang="fr-FR"/>
+            <a:r>
+              <a:rPr lang="fr-FR" sz="2400" dirty="0" smtClean="0">
+                <a:solidFill>
+                  <a:srgbClr val="FFC000"/>
+                </a:solidFill>
+              </a:rPr>
+              <a:t>X</a:t>
+            </a:r>
+            <a:endParaRPr lang="fr-FR" sz="2400" dirty="0">
+              <a:solidFill>
+                <a:srgbClr val="FFC000"/>
+              </a:solidFill>
+            </a:endParaRPr>
           </a:p>
         </p:txBody>
       </p:sp>
@@ -7167,7 +7235,7 @@
         </p:nvSpPr>
         <p:spPr>
           <a:xfrm>
-            <a:off x="7962546" y="2342513"/>
+            <a:off x="7962546" y="2516681"/>
             <a:ext cx="1083004" cy="442980"/>
           </a:xfrm>
           <a:prstGeom prst="roundRect">
@@ -7194,12 +7262,8 @@
           <a:p>
             <a:pPr algn="ctr"/>
             <a:r>
-              <a:rPr lang="fr-FR" dirty="0" err="1"/>
-              <a:t>h</a:t>
-            </a:r>
-            <a:r>
               <a:rPr lang="fr-FR" dirty="0" err="1" smtClean="0"/>
-              <a:t>eart</a:t>
+              <a:t>heart</a:t>
             </a:r>
             <a:r>
               <a:rPr lang="fr-FR" dirty="0" smtClean="0"/>
@@ -7221,7 +7285,7 @@
         </p:nvSpPr>
         <p:spPr>
           <a:xfrm>
-            <a:off x="7726254" y="2500017"/>
+            <a:off x="7726254" y="2674185"/>
             <a:ext cx="393819" cy="157504"/>
           </a:xfrm>
           <a:prstGeom prst="rightArrow">
@@ -7249,7 +7313,254 @@
           <a:lstStyle/>
           <a:p>
             <a:pPr algn="ctr"/>
-            <a:endParaRPr lang="fr-FR"/>
+            <a:r>
+              <a:rPr lang="fr-FR" sz="2400" dirty="0" smtClean="0">
+                <a:solidFill>
+                  <a:srgbClr val="FFC000"/>
+                </a:solidFill>
+              </a:rPr>
+              <a:t>X</a:t>
+            </a:r>
+            <a:endParaRPr lang="fr-FR" sz="2400" dirty="0">
+              <a:solidFill>
+                <a:srgbClr val="FFC000"/>
+              </a:solidFill>
+            </a:endParaRPr>
+          </a:p>
+        </p:txBody>
+      </p:sp>
+      <p:sp>
+        <p:nvSpPr>
+          <p:cNvPr id="15" name="Rectangle 1"/>
+          <p:cNvSpPr>
+            <a:spLocks noChangeArrowheads="1"/>
+          </p:cNvSpPr>
+          <p:nvPr/>
+        </p:nvSpPr>
+        <p:spPr bwMode="auto">
+          <a:xfrm>
+            <a:off x="0" y="0"/>
+            <a:ext cx="9144000" cy="457200"/>
+          </a:xfrm>
+          <a:prstGeom prst="rect">
+            <a:avLst/>
+          </a:prstGeom>
+          <a:solidFill>
+            <a:srgbClr val="F7F7F7"/>
+          </a:solidFill>
+          <a:ln>
+            <a:noFill/>
+          </a:ln>
+          <a:effectLst/>
+          <a:extLst>
+            <a:ext uri="{91240B29-F687-4F45-9708-019B960494DF}">
+              <a14:hiddenLine xmlns:a14="http://schemas.microsoft.com/office/drawing/2010/main" w="9525">
+                <a:solidFill>
+                  <a:schemeClr val="tx1"/>
+                </a:solidFill>
+                <a:miter lim="800000"/>
+                <a:headEnd/>
+                <a:tailEnd/>
+              </a14:hiddenLine>
+            </a:ext>
+            <a:ext uri="{AF507438-7753-43E0-B8FC-AC1667EBCBE1}">
+              <a14:hiddenEffects xmlns:a14="http://schemas.microsoft.com/office/drawing/2010/main">
+                <a:effectLst>
+                  <a:outerShdw dist="35921" dir="2700000" algn="ctr" rotWithShape="0">
+                    <a:schemeClr val="bg2"/>
+                  </a:outerShdw>
+                </a:effectLst>
+              </a14:hiddenEffects>
+            </a:ext>
+          </a:extLst>
+        </p:spPr>
+        <p:txBody>
+          <a:bodyPr vert="horz" wrap="none" lIns="0" tIns="0" rIns="0" bIns="0" numCol="1" anchor="ctr" anchorCtr="0" compatLnSpc="1">
+            <a:prstTxWarp prst="textNoShape">
+              <a:avLst/>
+            </a:prstTxWarp>
+            <a:spAutoFit/>
+          </a:bodyPr>
+          <a:lstStyle>
+            <a:lvl1pPr eaLnBrk="0" fontAlgn="base" hangingPunct="0">
+              <a:spcBef>
+                <a:spcPct val="30000"/>
+              </a:spcBef>
+              <a:spcAft>
+                <a:spcPct val="0"/>
+              </a:spcAft>
+              <a:defRPr sz="1200">
+                <a:solidFill>
+                  <a:schemeClr val="tx1"/>
+                </a:solidFill>
+                <a:latin typeface="Arial" panose="020B0604020202020204" pitchFamily="34" charset="0"/>
+              </a:defRPr>
+            </a:lvl1pPr>
+            <a:lvl2pPr marL="457200" eaLnBrk="0" fontAlgn="base" hangingPunct="0">
+              <a:spcBef>
+                <a:spcPct val="30000"/>
+              </a:spcBef>
+              <a:spcAft>
+                <a:spcPct val="0"/>
+              </a:spcAft>
+              <a:defRPr sz="1200">
+                <a:solidFill>
+                  <a:schemeClr val="tx1"/>
+                </a:solidFill>
+                <a:latin typeface="Arial" panose="020B0604020202020204" pitchFamily="34" charset="0"/>
+              </a:defRPr>
+            </a:lvl2pPr>
+            <a:lvl3pPr marL="914400" eaLnBrk="0" fontAlgn="base" hangingPunct="0">
+              <a:spcBef>
+                <a:spcPct val="30000"/>
+              </a:spcBef>
+              <a:spcAft>
+                <a:spcPct val="0"/>
+              </a:spcAft>
+              <a:defRPr sz="1200">
+                <a:solidFill>
+                  <a:schemeClr val="tx1"/>
+                </a:solidFill>
+                <a:latin typeface="Arial" panose="020B0604020202020204" pitchFamily="34" charset="0"/>
+              </a:defRPr>
+            </a:lvl3pPr>
+            <a:lvl4pPr marL="1371600" eaLnBrk="0" fontAlgn="base" hangingPunct="0">
+              <a:spcBef>
+                <a:spcPct val="30000"/>
+              </a:spcBef>
+              <a:spcAft>
+                <a:spcPct val="0"/>
+              </a:spcAft>
+              <a:defRPr sz="1200">
+                <a:solidFill>
+                  <a:schemeClr val="tx1"/>
+                </a:solidFill>
+                <a:latin typeface="Arial" panose="020B0604020202020204" pitchFamily="34" charset="0"/>
+              </a:defRPr>
+            </a:lvl4pPr>
+            <a:lvl5pPr marL="1828800" eaLnBrk="0" fontAlgn="base" hangingPunct="0">
+              <a:spcBef>
+                <a:spcPct val="30000"/>
+              </a:spcBef>
+              <a:spcAft>
+                <a:spcPct val="0"/>
+              </a:spcAft>
+              <a:defRPr sz="1200">
+                <a:solidFill>
+                  <a:schemeClr val="tx1"/>
+                </a:solidFill>
+                <a:latin typeface="Arial" panose="020B0604020202020204" pitchFamily="34" charset="0"/>
+              </a:defRPr>
+            </a:lvl5pPr>
+            <a:lvl6pPr marL="2286000" eaLnBrk="0" fontAlgn="base" hangingPunct="0">
+              <a:spcBef>
+                <a:spcPct val="30000"/>
+              </a:spcBef>
+              <a:spcAft>
+                <a:spcPct val="0"/>
+              </a:spcAft>
+              <a:defRPr sz="1200">
+                <a:solidFill>
+                  <a:schemeClr val="tx1"/>
+                </a:solidFill>
+                <a:latin typeface="Arial" panose="020B0604020202020204" pitchFamily="34" charset="0"/>
+              </a:defRPr>
+            </a:lvl6pPr>
+            <a:lvl7pPr marL="2743200" eaLnBrk="0" fontAlgn="base" hangingPunct="0">
+              <a:spcBef>
+                <a:spcPct val="30000"/>
+              </a:spcBef>
+              <a:spcAft>
+                <a:spcPct val="0"/>
+              </a:spcAft>
+              <a:defRPr sz="1200">
+                <a:solidFill>
+                  <a:schemeClr val="tx1"/>
+                </a:solidFill>
+                <a:latin typeface="Arial" panose="020B0604020202020204" pitchFamily="34" charset="0"/>
+              </a:defRPr>
+            </a:lvl7pPr>
+            <a:lvl8pPr marL="3200400" eaLnBrk="0" fontAlgn="base" hangingPunct="0">
+              <a:spcBef>
+                <a:spcPct val="30000"/>
+              </a:spcBef>
+              <a:spcAft>
+                <a:spcPct val="0"/>
+              </a:spcAft>
+              <a:defRPr sz="1200">
+                <a:solidFill>
+                  <a:schemeClr val="tx1"/>
+                </a:solidFill>
+                <a:latin typeface="Arial" panose="020B0604020202020204" pitchFamily="34" charset="0"/>
+              </a:defRPr>
+            </a:lvl8pPr>
+            <a:lvl9pPr marL="3657600" eaLnBrk="0" fontAlgn="base" hangingPunct="0">
+              <a:spcBef>
+                <a:spcPct val="30000"/>
+              </a:spcBef>
+              <a:spcAft>
+                <a:spcPct val="0"/>
+              </a:spcAft>
+              <a:defRPr sz="1200">
+                <a:solidFill>
+                  <a:schemeClr val="tx1"/>
+                </a:solidFill>
+                <a:latin typeface="Arial" panose="020B0604020202020204" pitchFamily="34" charset="0"/>
+              </a:defRPr>
+            </a:lvl9pPr>
+          </a:lstStyle>
+          <a:p>
+            <a:pPr marL="0" marR="0" lvl="0" indent="0" algn="l" defTabSz="914400" rtl="0" eaLnBrk="0" fontAlgn="base" latinLnBrk="0" hangingPunct="0">
+              <a:lnSpc>
+                <a:spcPct val="100000"/>
+              </a:lnSpc>
+              <a:spcBef>
+                <a:spcPct val="30000"/>
+              </a:spcBef>
+              <a:spcAft>
+                <a:spcPct val="0"/>
+              </a:spcAft>
+              <a:buClrTx/>
+              <a:buSzTx/>
+              <a:buFontTx/>
+              <a:buNone/>
+              <a:tabLst/>
+            </a:pPr>
+            <a:r>
+              <a:rPr kumimoji="0" lang="fr-FR" altLang="fr-FR" sz="1200" b="0" i="0" u="none" strike="noStrike" cap="none" normalizeH="0" baseline="0" smtClean="0">
+                <a:ln>
+                  <a:noFill/>
+                </a:ln>
+                <a:solidFill>
+                  <a:schemeClr val="tx1"/>
+                </a:solidFill>
+                <a:effectLst/>
+                <a:latin typeface="Arial" panose="020B0604020202020204" pitchFamily="34" charset="0"/>
+              </a:rPr>
+              <a:t>LogisticRegression</a:t>
+            </a:r>
+            <a:r>
+              <a:rPr kumimoji="0" lang="fr-FR" altLang="fr-FR" sz="600" b="0" i="0" u="none" strike="noStrike" cap="none" normalizeH="0" baseline="0" smtClean="0">
+                <a:ln>
+                  <a:noFill/>
+                </a:ln>
+                <a:solidFill>
+                  <a:schemeClr val="tx1"/>
+                </a:solidFill>
+                <a:effectLst/>
+              </a:rPr>
+              <a:t> </a:t>
+            </a:r>
+            <a:endParaRPr kumimoji="0" lang="fr-FR" altLang="fr-FR" sz="1200" b="0" i="0" u="none" strike="noStrike" cap="none" normalizeH="0" baseline="0" smtClean="0">
+              <a:ln>
+                <a:noFill/>
+              </a:ln>
+              <a:solidFill>
+                <a:schemeClr val="tx1"/>
+              </a:solidFill>
+              <a:effectLst/>
+              <a:latin typeface="Arial" panose="020B0604020202020204" pitchFamily="34" charset="0"/>
+            </a:endParaRPr>
           </a:p>
         </p:txBody>
       </p:sp>
@@ -9819,11 +10130,7 @@
           <a:p>
             <a:r>
               <a:rPr lang="fr-FR" dirty="0" smtClean="0"/>
-              <a:t>Verrous</a:t>
-            </a:r>
-            <a:r>
-              <a:rPr lang="fr-FR" dirty="0" smtClean="0"/>
-              <a:t> Technologiques : Volumétrie des Images</a:t>
+              <a:t>Verrous Technologiques : Volumétrie des Images</a:t>
             </a:r>
             <a:endParaRPr lang="fr-FR" dirty="0"/>
           </a:p>
@@ -10193,11 +10500,7 @@
             <a:pPr algn="ctr"/>
             <a:r>
               <a:rPr lang="fr-FR" dirty="0" smtClean="0"/>
-              <a:t>M</a:t>
-            </a:r>
-            <a:r>
-              <a:rPr lang="fr-FR" dirty="0" smtClean="0"/>
-              <a:t>oteur de recherche des images dynamique (appliqué par </a:t>
+              <a:t>Moteur de recherche des images dynamique (appliqué par </a:t>
             </a:r>
             <a:r>
               <a:rPr lang="fr-FR" dirty="0" err="1" smtClean="0"/>
@@ -10403,7 +10706,7 @@
           <p:nvPr/>
         </p:nvPicPr>
         <p:blipFill>
-          <a:blip r:embed="rId2">
+          <a:blip r:embed="rId2" cstate="print">
             <a:extLst>
               <a:ext uri="{28A0092B-C50C-407E-A947-70E740481C1C}">
                 <a14:useLocalDpi xmlns:a14="http://schemas.microsoft.com/office/drawing/2010/main" val="0"/>
@@ -10579,11 +10882,7 @@
             <a:pPr algn="ctr"/>
             <a:r>
               <a:rPr lang="fr-FR" dirty="0" smtClean="0"/>
-              <a:t>Dans u</a:t>
-            </a:r>
-            <a:r>
-              <a:rPr lang="fr-FR" dirty="0" smtClean="0"/>
-              <a:t>n moteur de recherche statique, les résultats sont affichés sur plusieurs pages et le nombre total des pages est indiqué par le moteur de recherche</a:t>
+              <a:t>Dans un moteur de recherche statique, les résultats sont affichés sur plusieurs pages et le nombre total des pages est indiqué par le moteur de recherche</a:t>
             </a:r>
             <a:endParaRPr lang="fr-FR" dirty="0"/>
           </a:p>
@@ -10598,7 +10897,7 @@
           <p:nvPr/>
         </p:nvPicPr>
         <p:blipFill>
-          <a:blip r:embed="rId3">
+          <a:blip r:embed="rId3" cstate="print">
             <a:extLst>
               <a:ext uri="{28A0092B-C50C-407E-A947-70E740481C1C}">
                 <a14:useLocalDpi xmlns:a14="http://schemas.microsoft.com/office/drawing/2010/main" val="0"/>
@@ -12436,12 +12735,12 @@
                     <a:p>
                       <a:pPr algn="l" fontAlgn="b"/>
                       <a:r>
-                        <a:rPr lang="nl-NL" sz="800" u="none" strike="noStrike">
+                        <a:rPr lang="nl-NL" sz="800" u="none" strike="noStrike" dirty="0">
                           <a:effectLst/>
                         </a:rPr>
                         <a:t>rond</a:t>
                       </a:r>
-                      <a:endParaRPr lang="nl-NL" sz="800" b="0" i="0" u="none" strike="noStrike">
+                      <a:endParaRPr lang="nl-NL" sz="800" b="0" i="0" u="none" strike="noStrike" dirty="0">
                         <a:solidFill>
                           <a:srgbClr val="000000"/>
                         </a:solidFill>
@@ -12622,12 +12921,12 @@
                     <a:p>
                       <a:pPr algn="l" fontAlgn="b"/>
                       <a:r>
-                        <a:rPr lang="es-ES_tradnl" sz="800" u="none" strike="noStrike">
+                        <a:rPr lang="es-ES_tradnl" sz="800" u="none" strike="noStrike" dirty="0">
                           <a:effectLst/>
                         </a:rPr>
                         <a:t>plante</a:t>
                       </a:r>
-                      <a:endParaRPr lang="es-ES_tradnl" sz="800" b="0" i="0" u="none" strike="noStrike">
+                      <a:endParaRPr lang="es-ES_tradnl" sz="800" b="0" i="0" u="none" strike="noStrike" dirty="0">
                         <a:solidFill>
                           <a:srgbClr val="000000"/>
                         </a:solidFill>
@@ -13774,12 +14073,12 @@
                     <a:p>
                       <a:pPr algn="l" fontAlgn="b"/>
                       <a:r>
-                        <a:rPr lang="fr-FR" sz="800" u="none" strike="noStrike">
+                        <a:rPr lang="fr-FR" sz="800" u="none" strike="noStrike" dirty="0">
                           <a:effectLst/>
                         </a:rPr>
                         <a:t>éclair</a:t>
                       </a:r>
-                      <a:endParaRPr lang="fr-FR" sz="800" b="0" i="0" u="none" strike="noStrike">
+                      <a:endParaRPr lang="fr-FR" sz="800" b="0" i="0" u="none" strike="noStrike" dirty="0">
                         <a:solidFill>
                           <a:srgbClr val="000000"/>
                         </a:solidFill>
@@ -14722,12 +15021,12 @@
                     <a:p>
                       <a:pPr algn="l" fontAlgn="b"/>
                       <a:r>
-                        <a:rPr lang="it-IT" sz="800" u="none" strike="noStrike">
+                        <a:rPr lang="it-IT" sz="800" u="none" strike="noStrike" dirty="0">
                           <a:effectLst/>
                         </a:rPr>
                         <a:t>lune</a:t>
                       </a:r>
-                      <a:endParaRPr lang="it-IT" sz="800" b="0" i="0" u="none" strike="noStrike">
+                      <a:endParaRPr lang="it-IT" sz="800" b="0" i="0" u="none" strike="noStrike" dirty="0">
                         <a:solidFill>
                           <a:srgbClr val="000000"/>
                         </a:solidFill>
@@ -15244,12 +15543,12 @@
                     <a:p>
                       <a:pPr algn="l" fontAlgn="b"/>
                       <a:r>
-                        <a:rPr lang="fr-FR" sz="800" u="none" strike="noStrike">
+                        <a:rPr lang="fr-FR" sz="800" u="none" strike="noStrike" dirty="0">
                           <a:effectLst/>
                         </a:rPr>
                         <a:t>poisson</a:t>
                       </a:r>
-                      <a:endParaRPr lang="fr-FR" sz="800" b="0" i="0" u="none" strike="noStrike">
+                      <a:endParaRPr lang="fr-FR" sz="800" b="0" i="0" u="none" strike="noStrike" dirty="0">
                         <a:solidFill>
                           <a:srgbClr val="000000"/>
                         </a:solidFill>
@@ -15568,12 +15867,12 @@
                     <a:p>
                       <a:pPr algn="l" fontAlgn="b"/>
                       <a:r>
-                        <a:rPr lang="nb-NO" sz="800" u="none" strike="noStrike">
+                        <a:rPr lang="nb-NO" sz="800" u="none" strike="noStrike" dirty="0">
                           <a:effectLst/>
                         </a:rPr>
                         <a:t>triangle</a:t>
                       </a:r>
-                      <a:endParaRPr lang="nb-NO" sz="800" b="0" i="0" u="none" strike="noStrike">
+                      <a:endParaRPr lang="nb-NO" sz="800" b="0" i="0" u="none" strike="noStrike" dirty="0">
                         <a:solidFill>
                           <a:srgbClr val="000000"/>
                         </a:solidFill>
@@ -15712,12 +16011,12 @@
                     <a:p>
                       <a:pPr algn="l" fontAlgn="b"/>
                       <a:r>
-                        <a:rPr lang="fr-FR" sz="800" u="none" strike="noStrike">
+                        <a:rPr lang="fr-FR" sz="800" u="none" strike="noStrike" dirty="0">
                           <a:effectLst/>
                         </a:rPr>
                         <a:t>circulaire</a:t>
                       </a:r>
-                      <a:endParaRPr lang="fr-FR" sz="800" b="0" i="0" u="none" strike="noStrike">
+                      <a:endParaRPr lang="fr-FR" sz="800" b="0" i="0" u="none" strike="noStrike" dirty="0">
                         <a:solidFill>
                           <a:srgbClr val="000000"/>
                         </a:solidFill>
@@ -15844,12 +16143,18 @@
                     <a:p>
                       <a:pPr algn="l" fontAlgn="b"/>
                       <a:r>
-                        <a:rPr lang="nl-NL" sz="800" u="none" strike="noStrike">
-                          <a:effectLst/>
-                        </a:rPr>
-                        <a:t>pagne wax</a:t>
-                      </a:r>
-                      <a:endParaRPr lang="nl-NL" sz="800" b="0" i="0" u="none" strike="noStrike">
+                        <a:rPr lang="nl-NL" sz="800" u="none" strike="noStrike" dirty="0" err="1">
+                          <a:effectLst/>
+                        </a:rPr>
+                        <a:t>pagne</a:t>
+                      </a:r>
+                      <a:r>
+                        <a:rPr lang="nl-NL" sz="800" u="none" strike="noStrike" dirty="0">
+                          <a:effectLst/>
+                        </a:rPr>
+                        <a:t> wax</a:t>
+                      </a:r>
+                      <a:endParaRPr lang="nl-NL" sz="800" b="0" i="0" u="none" strike="noStrike" dirty="0">
                         <a:solidFill>
                           <a:srgbClr val="000000"/>
                         </a:solidFill>
@@ -16024,12 +16329,12 @@
                     <a:p>
                       <a:pPr algn="l" fontAlgn="b"/>
                       <a:r>
-                        <a:rPr lang="de-DE" sz="800" u="none" strike="noStrike">
+                        <a:rPr lang="de-DE" sz="800" u="none" strike="noStrike" dirty="0" err="1">
                           <a:effectLst/>
                         </a:rPr>
                         <a:t>patchwork</a:t>
                       </a:r>
-                      <a:endParaRPr lang="de-DE" sz="800" b="0" i="0" u="none" strike="noStrike">
+                      <a:endParaRPr lang="de-DE" sz="800" b="0" i="0" u="none" strike="noStrike" dirty="0">
                         <a:solidFill>
                           <a:srgbClr val="000000"/>
                         </a:solidFill>
@@ -16156,12 +16461,12 @@
                     <a:p>
                       <a:pPr algn="l" fontAlgn="b"/>
                       <a:r>
-                        <a:rPr lang="en-US" sz="800" u="none" strike="noStrike">
+                        <a:rPr lang="en-US" sz="800" u="none" strike="noStrike" dirty="0" err="1">
                           <a:effectLst/>
                         </a:rPr>
                         <a:t>seanless</a:t>
                       </a:r>
-                      <a:endParaRPr lang="en-US" sz="800" b="0" i="0" u="none" strike="noStrike">
+                      <a:endParaRPr lang="en-US" sz="800" b="0" i="0" u="none" strike="noStrike" dirty="0">
                         <a:solidFill>
                           <a:srgbClr val="000000"/>
                         </a:solidFill>
@@ -16686,8 +16991,12 @@
               <a:buChar char="•"/>
             </a:pPr>
             <a:r>
+              <a:rPr lang="fr-FR" b="1" dirty="0" smtClean="0"/>
+              <a:t>102</a:t>
+            </a:r>
+            <a:r>
               <a:rPr lang="fr-FR" dirty="0" smtClean="0"/>
-              <a:t>102 répertoires crées, chaque répertoire correspond à un mot clé</a:t>
+              <a:t> répertoires crées, chaque répertoire correspond à un mot clé</a:t>
             </a:r>
           </a:p>
           <a:p>
@@ -16697,8 +17006,21 @@
             </a:pPr>
             <a:r>
               <a:rPr lang="fr-FR" dirty="0" smtClean="0"/>
-              <a:t>Distribution du nombre des images collecté par mot clé: ne pas équivalant</a:t>
+              <a:t>Distribution du nombre des images </a:t>
             </a:r>
+            <a:r>
+              <a:rPr lang="fr-FR" dirty="0" smtClean="0"/>
+              <a:t>collectées </a:t>
+            </a:r>
+            <a:r>
+              <a:rPr lang="fr-FR" dirty="0" smtClean="0"/>
+              <a:t>par mot clé: </a:t>
+            </a:r>
+            <a:r>
+              <a:rPr lang="fr-FR" dirty="0" smtClean="0"/>
+              <a:t>pas d’équivalant</a:t>
+            </a:r>
+            <a:endParaRPr lang="fr-FR" dirty="0" smtClean="0"/>
           </a:p>
           <a:p>
             <a:pPr marL="285750" indent="-285750">
@@ -16752,7 +17074,15 @@
             </a:pPr>
             <a:r>
               <a:rPr lang="fr-FR" dirty="0" smtClean="0"/>
-              <a:t>Distribution de la taille des chaque répertoire : </a:t>
+              <a:t>Distribution de la taille </a:t>
+            </a:r>
+            <a:r>
+              <a:rPr lang="fr-FR" dirty="0" smtClean="0"/>
+              <a:t>de </a:t>
+            </a:r>
+            <a:r>
+              <a:rPr lang="fr-FR" dirty="0" smtClean="0"/>
+              <a:t>chaque répertoire : </a:t>
             </a:r>
           </a:p>
           <a:p>
@@ -16772,12 +17102,9 @@
             </a:pPr>
             <a:r>
               <a:rPr lang="fr-FR" dirty="0" smtClean="0"/>
-              <a:t>L</a:t>
+              <a:t>Les pixels des images collectées ne sont pas tout pareils</a:t>
             </a:r>
-            <a:r>
-              <a:rPr lang="fr-FR" dirty="0" smtClean="0"/>
-              <a:t>e pixel de chaque image n’est pas pareil</a:t>
-            </a:r>
+            <a:endParaRPr lang="fr-FR" dirty="0" smtClean="0"/>
           </a:p>
           <a:p>
             <a:pPr marL="285750" indent="-285750">
@@ -16786,15 +17113,7 @@
             </a:pPr>
             <a:r>
               <a:rPr lang="fr-FR" dirty="0" smtClean="0"/>
-              <a:t>Taille totale des images récupérées : </a:t>
-            </a:r>
-            <a:r>
-              <a:rPr lang="fr-FR" dirty="0" smtClean="0"/>
-              <a:t>~481.6 Mo</a:t>
-            </a:r>
-            <a:r>
-              <a:rPr lang="fr-FR" dirty="0" smtClean="0"/>
-              <a:t>   </a:t>
+              <a:t>Taille totale des images récupérées : ~481.6 Mo   </a:t>
             </a:r>
             <a:endParaRPr lang="fr-FR" dirty="0"/>
           </a:p>
@@ -17024,7 +17343,7 @@
   <a:extraClrSchemeLst/>
   <a:extLst>
     <a:ext uri="{05A4C25C-085E-4340-85A3-A5531E510DB2}">
-      <thm15:themeFamily xmlns:thm15="http://schemas.microsoft.com/office/thememl/2012/main" xmlns="" name="Office Theme" id="{62F939B6-93AF-4DB8-9C6B-D6C7DFDC589F}" vid="{4A3C46E8-61CC-4603-A589-7422A47A8E4A}"/>
+      <thm15:themeFamily xmlns:thm15="http://schemas.microsoft.com/office/thememl/2012/main" name="Office Theme" id="{62F939B6-93AF-4DB8-9C6B-D6C7DFDC589F}" vid="{4A3C46E8-61CC-4603-A589-7422A47A8E4A}"/>
     </a:ext>
   </a:extLst>
 </a:theme>
